--- a/Presentation/Sadek_R_Project2_Presentation.pptx
+++ b/Presentation/Sadek_R_Project2_Presentation.pptx
@@ -5,31 +5,26 @@
     <p:sldMasterId id="2147483648" r:id="rId1"/>
   </p:sldMasterIdLst>
   <p:notesMasterIdLst>
-    <p:notesMasterId r:id="rId24"/>
+    <p:notesMasterId r:id="rId19"/>
   </p:notesMasterIdLst>
   <p:sldIdLst>
     <p:sldId id="256" r:id="rId2"/>
     <p:sldId id="257" r:id="rId3"/>
-    <p:sldId id="258" r:id="rId4"/>
-    <p:sldId id="259" r:id="rId5"/>
-    <p:sldId id="260" r:id="rId6"/>
-    <p:sldId id="261" r:id="rId7"/>
-    <p:sldId id="262" r:id="rId8"/>
-    <p:sldId id="263" r:id="rId9"/>
-    <p:sldId id="264" r:id="rId10"/>
-    <p:sldId id="271" r:id="rId11"/>
-    <p:sldId id="265" r:id="rId12"/>
-    <p:sldId id="272" r:id="rId13"/>
-    <p:sldId id="273" r:id="rId14"/>
-    <p:sldId id="274" r:id="rId15"/>
-    <p:sldId id="275" r:id="rId16"/>
-    <p:sldId id="266" r:id="rId17"/>
-    <p:sldId id="280" r:id="rId18"/>
-    <p:sldId id="281" r:id="rId19"/>
-    <p:sldId id="268" r:id="rId20"/>
-    <p:sldId id="278" r:id="rId21"/>
-    <p:sldId id="279" r:id="rId22"/>
-    <p:sldId id="269" r:id="rId23"/>
+    <p:sldId id="282" r:id="rId4"/>
+    <p:sldId id="258" r:id="rId5"/>
+    <p:sldId id="259" r:id="rId6"/>
+    <p:sldId id="260" r:id="rId7"/>
+    <p:sldId id="261" r:id="rId8"/>
+    <p:sldId id="283" r:id="rId9"/>
+    <p:sldId id="262" r:id="rId10"/>
+    <p:sldId id="264" r:id="rId11"/>
+    <p:sldId id="271" r:id="rId12"/>
+    <p:sldId id="265" r:id="rId13"/>
+    <p:sldId id="272" r:id="rId14"/>
+    <p:sldId id="273" r:id="rId15"/>
+    <p:sldId id="274" r:id="rId16"/>
+    <p:sldId id="269" r:id="rId17"/>
+    <p:sldId id="284" r:id="rId18"/>
   </p:sldIdLst>
   <p:sldSz cx="12192000" cy="6858000"/>
   <p:notesSz cx="6858000" cy="9144000"/>
@@ -3777,7 +3772,7 @@
           </a:blip>
           <a:srcRect/>
           <a:stretch>
-            <a:fillRect l="-4000" r="-4000"/>
+            <a:fillRect/>
           </a:stretch>
         </a:blipFill>
         <a:effectLst/>
@@ -3937,7 +3932,12 @@
             <p:ph type="title"/>
           </p:nvPr>
         </p:nvSpPr>
-        <p:spPr/>
+        <p:spPr>
+          <a:xfrm>
+            <a:off x="838200" y="72160"/>
+            <a:ext cx="10515600" cy="1325563"/>
+          </a:xfrm>
+        </p:spPr>
         <p:txBody>
           <a:bodyPr/>
           <a:lstStyle/>
@@ -3951,15 +3951,64 @@
                 <a:ea typeface="Helvetica Neue" panose="02000503000000020004" pitchFamily="2" charset="0"/>
                 <a:cs typeface="Helvetica Neue" panose="02000503000000020004" pitchFamily="2" charset="0"/>
               </a:rPr>
-              <a:t>Macroscopic Trends</a:t>
-            </a:r>
-          </a:p>
-        </p:txBody>
-      </p:sp>
+              <a:t>Market </a:t>
+            </a:r>
+            <a:r>
+              <a:rPr lang="en-US" b="1" dirty="0" err="1">
+                <a:solidFill>
+                  <a:schemeClr val="bg1"/>
+                </a:solidFill>
+                <a:latin typeface="Helvetica Neue" panose="02000503000000020004" pitchFamily="2" charset="0"/>
+                <a:ea typeface="Helvetica Neue" panose="02000503000000020004" pitchFamily="2" charset="0"/>
+                <a:cs typeface="Helvetica Neue" panose="02000503000000020004" pitchFamily="2" charset="0"/>
+              </a:rPr>
+              <a:t>Capitalisation</a:t>
+            </a:r>
+            <a:endParaRPr lang="en-US" b="1" dirty="0">
+              <a:solidFill>
+                <a:schemeClr val="bg1"/>
+              </a:solidFill>
+              <a:latin typeface="Helvetica Neue" panose="02000503000000020004" pitchFamily="2" charset="0"/>
+              <a:ea typeface="Helvetica Neue" panose="02000503000000020004" pitchFamily="2" charset="0"/>
+              <a:cs typeface="Helvetica Neue" panose="02000503000000020004" pitchFamily="2" charset="0"/>
+            </a:endParaRPr>
+          </a:p>
+        </p:txBody>
+      </p:sp>
+      <p:pic>
+        <p:nvPicPr>
+          <p:cNvPr id="4" name="Picture 3">
+            <a:extLst>
+              <a:ext uri="{FF2B5EF4-FFF2-40B4-BE49-F238E27FC236}">
+                <a16:creationId xmlns:a16="http://schemas.microsoft.com/office/drawing/2014/main" id="{4543C6FA-8EF9-1F46-883C-A56E1320367A}"/>
+              </a:ext>
+            </a:extLst>
+          </p:cNvPr>
+          <p:cNvPicPr>
+            <a:picLocks noChangeAspect="1"/>
+          </p:cNvPicPr>
+          <p:nvPr/>
+        </p:nvPicPr>
+        <p:blipFill>
+          <a:blip r:embed="rId2"/>
+          <a:stretch>
+            <a:fillRect/>
+          </a:stretch>
+        </p:blipFill>
+        <p:spPr>
+          <a:xfrm>
+            <a:off x="1600730" y="1212915"/>
+            <a:ext cx="8990540" cy="5556307"/>
+          </a:xfrm>
+          <a:prstGeom prst="rect">
+            <a:avLst/>
+          </a:prstGeom>
+        </p:spPr>
+      </p:pic>
     </p:spTree>
     <p:extLst>
       <p:ext uri="{BB962C8B-B14F-4D97-AF65-F5344CB8AC3E}">
-        <p14:creationId xmlns:p14="http://schemas.microsoft.com/office/powerpoint/2010/main" val="2350197468"/>
+        <p14:creationId xmlns:p14="http://schemas.microsoft.com/office/powerpoint/2010/main" val="4229792998"/>
       </p:ext>
     </p:extLst>
   </p:cSld>
@@ -4010,7 +4059,12 @@
             <p:ph type="title"/>
           </p:nvPr>
         </p:nvSpPr>
-        <p:spPr/>
+        <p:spPr>
+          <a:xfrm>
+            <a:off x="838200" y="107671"/>
+            <a:ext cx="10515600" cy="1325563"/>
+          </a:xfrm>
+        </p:spPr>
         <p:txBody>
           <a:bodyPr/>
           <a:lstStyle/>
@@ -4024,15 +4078,75 @@
                 <a:ea typeface="Helvetica Neue" panose="02000503000000020004" pitchFamily="2" charset="0"/>
                 <a:cs typeface="Helvetica Neue" panose="02000503000000020004" pitchFamily="2" charset="0"/>
               </a:rPr>
-              <a:t>Scatter Matrix</a:t>
-            </a:r>
-          </a:p>
-        </p:txBody>
-      </p:sp>
+              <a:t>Correlation with Markets</a:t>
+            </a:r>
+          </a:p>
+        </p:txBody>
+      </p:sp>
+      <p:pic>
+        <p:nvPicPr>
+          <p:cNvPr id="5" name="Picture 4">
+            <a:extLst>
+              <a:ext uri="{FF2B5EF4-FFF2-40B4-BE49-F238E27FC236}">
+                <a16:creationId xmlns:a16="http://schemas.microsoft.com/office/drawing/2014/main" id="{E851E8DA-DAB4-DD4B-A778-22518DA6BA5D}"/>
+              </a:ext>
+            </a:extLst>
+          </p:cNvPr>
+          <p:cNvPicPr>
+            <a:picLocks noChangeAspect="1"/>
+          </p:cNvPicPr>
+          <p:nvPr/>
+        </p:nvPicPr>
+        <p:blipFill>
+          <a:blip r:embed="rId2"/>
+          <a:stretch>
+            <a:fillRect/>
+          </a:stretch>
+        </p:blipFill>
+        <p:spPr>
+          <a:xfrm>
+            <a:off x="-952714" y="1325563"/>
+            <a:ext cx="8777696" cy="5424766"/>
+          </a:xfrm>
+          <a:prstGeom prst="rect">
+            <a:avLst/>
+          </a:prstGeom>
+        </p:spPr>
+      </p:pic>
+      <p:pic>
+        <p:nvPicPr>
+          <p:cNvPr id="7" name="Picture 6">
+            <a:extLst>
+              <a:ext uri="{FF2B5EF4-FFF2-40B4-BE49-F238E27FC236}">
+                <a16:creationId xmlns:a16="http://schemas.microsoft.com/office/drawing/2014/main" id="{7C4A912F-A586-314E-AFA0-6C12374A38BF}"/>
+              </a:ext>
+            </a:extLst>
+          </p:cNvPr>
+          <p:cNvPicPr>
+            <a:picLocks noChangeAspect="1"/>
+          </p:cNvPicPr>
+          <p:nvPr/>
+        </p:nvPicPr>
+        <p:blipFill>
+          <a:blip r:embed="rId3"/>
+          <a:stretch>
+            <a:fillRect/>
+          </a:stretch>
+        </p:blipFill>
+        <p:spPr>
+          <a:xfrm>
+            <a:off x="4867505" y="1325563"/>
+            <a:ext cx="8777695" cy="5424766"/>
+          </a:xfrm>
+          <a:prstGeom prst="rect">
+            <a:avLst/>
+          </a:prstGeom>
+        </p:spPr>
+      </p:pic>
     </p:spTree>
     <p:extLst>
       <p:ext uri="{BB962C8B-B14F-4D97-AF65-F5344CB8AC3E}">
-        <p14:creationId xmlns:p14="http://schemas.microsoft.com/office/powerpoint/2010/main" val="1295580287"/>
+        <p14:creationId xmlns:p14="http://schemas.microsoft.com/office/powerpoint/2010/main" val="2350197468"/>
       </p:ext>
     </p:extLst>
   </p:cSld>
@@ -4083,7 +4197,12 @@
             <p:ph type="title"/>
           </p:nvPr>
         </p:nvSpPr>
-        <p:spPr/>
+        <p:spPr>
+          <a:xfrm>
+            <a:off x="838200" y="81038"/>
+            <a:ext cx="10515600" cy="1325563"/>
+          </a:xfrm>
+        </p:spPr>
         <p:txBody>
           <a:bodyPr/>
           <a:lstStyle/>
@@ -4097,15 +4216,45 @@
                 <a:ea typeface="Helvetica Neue" panose="02000503000000020004" pitchFamily="2" charset="0"/>
                 <a:cs typeface="Helvetica Neue" panose="02000503000000020004" pitchFamily="2" charset="0"/>
               </a:rPr>
-              <a:t>Scatter Matrix</a:t>
-            </a:r>
-          </a:p>
-        </p:txBody>
-      </p:sp>
+              <a:t>Interconnectivity</a:t>
+            </a:r>
+          </a:p>
+        </p:txBody>
+      </p:sp>
+      <p:pic>
+        <p:nvPicPr>
+          <p:cNvPr id="5" name="Picture 4">
+            <a:extLst>
+              <a:ext uri="{FF2B5EF4-FFF2-40B4-BE49-F238E27FC236}">
+                <a16:creationId xmlns:a16="http://schemas.microsoft.com/office/drawing/2014/main" id="{6BA1077A-FF01-A74F-8F81-8C2D12B92C70}"/>
+              </a:ext>
+            </a:extLst>
+          </p:cNvPr>
+          <p:cNvPicPr>
+            <a:picLocks noChangeAspect="1"/>
+          </p:cNvPicPr>
+          <p:nvPr/>
+        </p:nvPicPr>
+        <p:blipFill>
+          <a:blip r:embed="rId2"/>
+          <a:stretch>
+            <a:fillRect/>
+          </a:stretch>
+        </p:blipFill>
+        <p:spPr>
+          <a:xfrm>
+            <a:off x="3376844" y="1278384"/>
+            <a:ext cx="5438312" cy="5438312"/>
+          </a:xfrm>
+          <a:prstGeom prst="rect">
+            <a:avLst/>
+          </a:prstGeom>
+        </p:spPr>
+      </p:pic>
     </p:spTree>
     <p:extLst>
       <p:ext uri="{BB962C8B-B14F-4D97-AF65-F5344CB8AC3E}">
-        <p14:creationId xmlns:p14="http://schemas.microsoft.com/office/powerpoint/2010/main" val="3784316945"/>
+        <p14:creationId xmlns:p14="http://schemas.microsoft.com/office/powerpoint/2010/main" val="1295580287"/>
       </p:ext>
     </p:extLst>
   </p:cSld>
@@ -4156,7 +4305,12 @@
             <p:ph type="title"/>
           </p:nvPr>
         </p:nvSpPr>
-        <p:spPr/>
+        <p:spPr>
+          <a:xfrm>
+            <a:off x="838200" y="45524"/>
+            <a:ext cx="10515600" cy="1325563"/>
+          </a:xfrm>
+        </p:spPr>
         <p:txBody>
           <a:bodyPr/>
           <a:lstStyle/>
@@ -4170,15 +4324,45 @@
                 <a:ea typeface="Helvetica Neue" panose="02000503000000020004" pitchFamily="2" charset="0"/>
                 <a:cs typeface="Helvetica Neue" panose="02000503000000020004" pitchFamily="2" charset="0"/>
               </a:rPr>
-              <a:t>Scatter Matrix</a:t>
-            </a:r>
-          </a:p>
-        </p:txBody>
-      </p:sp>
+              <a:t>Structural Entropy</a:t>
+            </a:r>
+          </a:p>
+        </p:txBody>
+      </p:sp>
+      <p:pic>
+        <p:nvPicPr>
+          <p:cNvPr id="6" name="Picture 5">
+            <a:extLst>
+              <a:ext uri="{FF2B5EF4-FFF2-40B4-BE49-F238E27FC236}">
+                <a16:creationId xmlns:a16="http://schemas.microsoft.com/office/drawing/2014/main" id="{EA44A395-B199-6044-A4F9-D8015DF03FC4}"/>
+              </a:ext>
+            </a:extLst>
+          </p:cNvPr>
+          <p:cNvPicPr>
+            <a:picLocks noChangeAspect="1"/>
+          </p:cNvPicPr>
+          <p:nvPr/>
+        </p:nvPicPr>
+        <p:blipFill>
+          <a:blip r:embed="rId2"/>
+          <a:stretch>
+            <a:fillRect/>
+          </a:stretch>
+        </p:blipFill>
+        <p:spPr>
+          <a:xfrm>
+            <a:off x="1673371" y="1207363"/>
+            <a:ext cx="8845257" cy="5471172"/>
+          </a:xfrm>
+          <a:prstGeom prst="rect">
+            <a:avLst/>
+          </a:prstGeom>
+        </p:spPr>
+      </p:pic>
     </p:spTree>
     <p:extLst>
       <p:ext uri="{BB962C8B-B14F-4D97-AF65-F5344CB8AC3E}">
-        <p14:creationId xmlns:p14="http://schemas.microsoft.com/office/powerpoint/2010/main" val="3404107093"/>
+        <p14:creationId xmlns:p14="http://schemas.microsoft.com/office/powerpoint/2010/main" val="3784316945"/>
       </p:ext>
     </p:extLst>
   </p:cSld>
@@ -4229,7 +4413,12 @@
             <p:ph type="title"/>
           </p:nvPr>
         </p:nvSpPr>
-        <p:spPr/>
+        <p:spPr>
+          <a:xfrm>
+            <a:off x="838200" y="152056"/>
+            <a:ext cx="10515600" cy="1325563"/>
+          </a:xfrm>
+        </p:spPr>
         <p:txBody>
           <a:bodyPr/>
           <a:lstStyle/>
@@ -4243,15 +4432,845 @@
                 <a:ea typeface="Helvetica Neue" panose="02000503000000020004" pitchFamily="2" charset="0"/>
                 <a:cs typeface="Helvetica Neue" panose="02000503000000020004" pitchFamily="2" charset="0"/>
               </a:rPr>
-              <a:t>Scatter Matrix</a:t>
-            </a:r>
-          </a:p>
-        </p:txBody>
-      </p:sp>
+              <a:t>von Neumann Entropy</a:t>
+            </a:r>
+          </a:p>
+        </p:txBody>
+      </p:sp>
+      <mc:AlternateContent xmlns:mc="http://schemas.openxmlformats.org/markup-compatibility/2006">
+        <mc:Choice xmlns:a14="http://schemas.microsoft.com/office/drawing/2010/main" Requires="a14">
+          <p:sp>
+            <p:nvSpPr>
+              <p:cNvPr id="4" name="Content Placeholder 2">
+                <a:extLst>
+                  <a:ext uri="{FF2B5EF4-FFF2-40B4-BE49-F238E27FC236}">
+                    <a16:creationId xmlns:a16="http://schemas.microsoft.com/office/drawing/2014/main" id="{DD7988A1-3F98-1641-A700-7CA452D20E8D}"/>
+                  </a:ext>
+                </a:extLst>
+              </p:cNvPr>
+              <p:cNvSpPr>
+                <a:spLocks noGrp="1"/>
+              </p:cNvSpPr>
+              <p:nvPr>
+                <p:ph idx="1"/>
+              </p:nvPr>
+            </p:nvSpPr>
+            <p:spPr>
+              <a:xfrm>
+                <a:off x="838200" y="1566398"/>
+                <a:ext cx="10515600" cy="4772261"/>
+              </a:xfrm>
+            </p:spPr>
+            <p:txBody>
+              <a:bodyPr>
+                <a:normAutofit/>
+              </a:bodyPr>
+              <a:lstStyle/>
+              <a:p>
+                <a:pPr>
+                  <a:spcAft>
+                    <a:spcPts val="1000"/>
+                  </a:spcAft>
+                </a:pPr>
+                <a:r>
+                  <a:rPr lang="en-US" sz="3200" b="1" dirty="0">
+                    <a:solidFill>
+                      <a:schemeClr val="bg1"/>
+                    </a:solidFill>
+                    <a:latin typeface="Helvetica Neue" panose="02000503000000020004" pitchFamily="2" charset="0"/>
+                    <a:ea typeface="Helvetica Neue" panose="02000503000000020004" pitchFamily="2" charset="0"/>
+                    <a:cs typeface="Helvetica Neue" panose="02000503000000020004" pitchFamily="2" charset="0"/>
+                  </a:rPr>
+                  <a:t>Shannon Entropy 		</a:t>
+                </a:r>
+                <a14:m>
+                  <m:oMath xmlns:m="http://schemas.openxmlformats.org/officeDocument/2006/math">
+                    <m:r>
+                      <a:rPr lang="en-US" sz="3200" b="1" i="1" smtClean="0">
+                        <a:solidFill>
+                          <a:schemeClr val="bg1"/>
+                        </a:solidFill>
+                        <a:latin typeface="Cambria Math" panose="02040503050406030204" pitchFamily="18" charset="0"/>
+                        <a:ea typeface="Helvetica Neue" panose="02000503000000020004" pitchFamily="2" charset="0"/>
+                        <a:cs typeface="Helvetica Neue" panose="02000503000000020004" pitchFamily="2" charset="0"/>
+                      </a:rPr>
+                      <m:t>𝑺</m:t>
+                    </m:r>
+                    <m:r>
+                      <a:rPr lang="en-US" sz="3200" b="1" i="1" smtClean="0">
+                        <a:solidFill>
+                          <a:schemeClr val="bg1"/>
+                        </a:solidFill>
+                        <a:latin typeface="Cambria Math" panose="02040503050406030204" pitchFamily="18" charset="0"/>
+                        <a:ea typeface="Helvetica Neue" panose="02000503000000020004" pitchFamily="2" charset="0"/>
+                        <a:cs typeface="Helvetica Neue" panose="02000503000000020004" pitchFamily="2" charset="0"/>
+                      </a:rPr>
+                      <m:t>=−</m:t>
+                    </m:r>
+                    <m:nary>
+                      <m:naryPr>
+                        <m:chr m:val="∑"/>
+                        <m:limLoc m:val="subSup"/>
+                        <m:supHide m:val="on"/>
+                        <m:ctrlPr>
+                          <a:rPr lang="en-US" sz="3200" b="1" i="1" smtClean="0">
+                            <a:solidFill>
+                              <a:schemeClr val="bg1"/>
+                            </a:solidFill>
+                            <a:latin typeface="Cambria Math" panose="02040503050406030204" pitchFamily="18" charset="0"/>
+                            <a:ea typeface="Helvetica Neue" panose="02000503000000020004" pitchFamily="2" charset="0"/>
+                            <a:cs typeface="Helvetica Neue" panose="02000503000000020004" pitchFamily="2" charset="0"/>
+                          </a:rPr>
+                        </m:ctrlPr>
+                      </m:naryPr>
+                      <m:sub>
+                        <m:r>
+                          <m:rPr>
+                            <m:brk m:alnAt="9"/>
+                          </m:rPr>
+                          <a:rPr lang="en-US" sz="3200" b="1" i="1" smtClean="0">
+                            <a:solidFill>
+                              <a:schemeClr val="bg1"/>
+                            </a:solidFill>
+                            <a:latin typeface="Cambria Math" panose="02040503050406030204" pitchFamily="18" charset="0"/>
+                            <a:ea typeface="Helvetica Neue" panose="02000503000000020004" pitchFamily="2" charset="0"/>
+                            <a:cs typeface="Helvetica Neue" panose="02000503000000020004" pitchFamily="2" charset="0"/>
+                          </a:rPr>
+                          <m:t>𝒊</m:t>
+                        </m:r>
+                      </m:sub>
+                      <m:sup/>
+                      <m:e>
+                        <m:sSub>
+                          <m:sSubPr>
+                            <m:ctrlPr>
+                              <a:rPr lang="en-US" sz="3200" b="1" i="1" smtClean="0">
+                                <a:solidFill>
+                                  <a:schemeClr val="bg1"/>
+                                </a:solidFill>
+                                <a:latin typeface="Cambria Math" panose="02040503050406030204" pitchFamily="18" charset="0"/>
+                                <a:ea typeface="Helvetica Neue" panose="02000503000000020004" pitchFamily="2" charset="0"/>
+                                <a:cs typeface="Helvetica Neue" panose="02000503000000020004" pitchFamily="2" charset="0"/>
+                              </a:rPr>
+                            </m:ctrlPr>
+                          </m:sSubPr>
+                          <m:e>
+                            <m:r>
+                              <a:rPr lang="en-US" sz="3200" b="1" i="1" smtClean="0">
+                                <a:solidFill>
+                                  <a:schemeClr val="bg1"/>
+                                </a:solidFill>
+                                <a:latin typeface="Cambria Math" panose="02040503050406030204" pitchFamily="18" charset="0"/>
+                                <a:ea typeface="Helvetica Neue" panose="02000503000000020004" pitchFamily="2" charset="0"/>
+                                <a:cs typeface="Helvetica Neue" panose="02000503000000020004" pitchFamily="2" charset="0"/>
+                              </a:rPr>
+                              <m:t>𝒑</m:t>
+                            </m:r>
+                          </m:e>
+                          <m:sub>
+                            <m:r>
+                              <a:rPr lang="en-US" sz="3200" b="1" i="1" smtClean="0">
+                                <a:solidFill>
+                                  <a:schemeClr val="bg1"/>
+                                </a:solidFill>
+                                <a:latin typeface="Cambria Math" panose="02040503050406030204" pitchFamily="18" charset="0"/>
+                                <a:ea typeface="Helvetica Neue" panose="02000503000000020004" pitchFamily="2" charset="0"/>
+                                <a:cs typeface="Helvetica Neue" panose="02000503000000020004" pitchFamily="2" charset="0"/>
+                              </a:rPr>
+                              <m:t>𝒊</m:t>
+                            </m:r>
+                          </m:sub>
+                        </m:sSub>
+                        <m:func>
+                          <m:funcPr>
+                            <m:ctrlPr>
+                              <a:rPr lang="en-US" sz="3200" b="1" i="1" smtClean="0">
+                                <a:solidFill>
+                                  <a:schemeClr val="bg1"/>
+                                </a:solidFill>
+                                <a:latin typeface="Cambria Math" panose="02040503050406030204" pitchFamily="18" charset="0"/>
+                                <a:ea typeface="Helvetica Neue" panose="02000503000000020004" pitchFamily="2" charset="0"/>
+                                <a:cs typeface="Helvetica Neue" panose="02000503000000020004" pitchFamily="2" charset="0"/>
+                              </a:rPr>
+                            </m:ctrlPr>
+                          </m:funcPr>
+                          <m:fName>
+                            <m:r>
+                              <m:rPr>
+                                <m:sty m:val="p"/>
+                              </m:rPr>
+                              <a:rPr lang="en-US" sz="3200" b="0" i="0" smtClean="0">
+                                <a:solidFill>
+                                  <a:schemeClr val="bg1"/>
+                                </a:solidFill>
+                                <a:latin typeface="Cambria Math" panose="02040503050406030204" pitchFamily="18" charset="0"/>
+                                <a:ea typeface="Helvetica Neue" panose="02000503000000020004" pitchFamily="2" charset="0"/>
+                                <a:cs typeface="Helvetica Neue" panose="02000503000000020004" pitchFamily="2" charset="0"/>
+                              </a:rPr>
+                              <m:t>log</m:t>
+                            </m:r>
+                          </m:fName>
+                          <m:e>
+                            <m:sSub>
+                              <m:sSubPr>
+                                <m:ctrlPr>
+                                  <a:rPr lang="en-US" sz="3200" b="0" i="1" smtClean="0">
+                                    <a:solidFill>
+                                      <a:schemeClr val="bg1"/>
+                                    </a:solidFill>
+                                    <a:latin typeface="Cambria Math" panose="02040503050406030204" pitchFamily="18" charset="0"/>
+                                    <a:ea typeface="Helvetica Neue" panose="02000503000000020004" pitchFamily="2" charset="0"/>
+                                    <a:cs typeface="Helvetica Neue" panose="02000503000000020004" pitchFamily="2" charset="0"/>
+                                  </a:rPr>
+                                </m:ctrlPr>
+                              </m:sSubPr>
+                              <m:e>
+                                <m:r>
+                                  <a:rPr lang="en-US" sz="3200" b="0" i="1" smtClean="0">
+                                    <a:solidFill>
+                                      <a:schemeClr val="bg1"/>
+                                    </a:solidFill>
+                                    <a:latin typeface="Cambria Math" panose="02040503050406030204" pitchFamily="18" charset="0"/>
+                                    <a:ea typeface="Helvetica Neue" panose="02000503000000020004" pitchFamily="2" charset="0"/>
+                                    <a:cs typeface="Helvetica Neue" panose="02000503000000020004" pitchFamily="2" charset="0"/>
+                                  </a:rPr>
+                                  <m:t>𝑝</m:t>
+                                </m:r>
+                              </m:e>
+                              <m:sub>
+                                <m:r>
+                                  <a:rPr lang="en-US" sz="3200" b="0" i="1" smtClean="0">
+                                    <a:solidFill>
+                                      <a:schemeClr val="bg1"/>
+                                    </a:solidFill>
+                                    <a:latin typeface="Cambria Math" panose="02040503050406030204" pitchFamily="18" charset="0"/>
+                                    <a:ea typeface="Helvetica Neue" panose="02000503000000020004" pitchFamily="2" charset="0"/>
+                                    <a:cs typeface="Helvetica Neue" panose="02000503000000020004" pitchFamily="2" charset="0"/>
+                                  </a:rPr>
+                                  <m:t>𝑖</m:t>
+                                </m:r>
+                              </m:sub>
+                            </m:sSub>
+                          </m:e>
+                        </m:func>
+                      </m:e>
+                    </m:nary>
+                  </m:oMath>
+                </a14:m>
+                <a:endParaRPr lang="en-US" sz="1300" b="1" dirty="0">
+                  <a:solidFill>
+                    <a:schemeClr val="bg1"/>
+                  </a:solidFill>
+                  <a:latin typeface="Helvetica Neue" panose="02000503000000020004" pitchFamily="2" charset="0"/>
+                  <a:ea typeface="Helvetica Neue" panose="02000503000000020004" pitchFamily="2" charset="0"/>
+                  <a:cs typeface="Helvetica Neue" panose="02000503000000020004" pitchFamily="2" charset="0"/>
+                </a:endParaRPr>
+              </a:p>
+              <a:p>
+                <a:pPr>
+                  <a:spcAft>
+                    <a:spcPts val="1000"/>
+                  </a:spcAft>
+                </a:pPr>
+                <a:r>
+                  <a:rPr lang="en-US" sz="3200" b="1" dirty="0">
+                    <a:solidFill>
+                      <a:schemeClr val="bg1"/>
+                    </a:solidFill>
+                    <a:latin typeface="Helvetica Neue" panose="02000503000000020004" pitchFamily="2" charset="0"/>
+                    <a:ea typeface="Helvetica Neue" panose="02000503000000020004" pitchFamily="2" charset="0"/>
+                    <a:cs typeface="Helvetica Neue" panose="02000503000000020004" pitchFamily="2" charset="0"/>
+                  </a:rPr>
+                  <a:t>Density Matrix			</a:t>
+                </a:r>
+                <a14:m>
+                  <m:oMath xmlns:m="http://schemas.openxmlformats.org/officeDocument/2006/math">
+                    <m:r>
+                      <a:rPr lang="en-US" sz="3200" b="1" i="1" smtClean="0">
+                        <a:solidFill>
+                          <a:schemeClr val="bg1"/>
+                        </a:solidFill>
+                        <a:latin typeface="Cambria Math" panose="02040503050406030204" pitchFamily="18" charset="0"/>
+                        <a:ea typeface="Cambria Math" panose="02040503050406030204" pitchFamily="18" charset="0"/>
+                        <a:cs typeface="Helvetica Neue" panose="02000503000000020004" pitchFamily="2" charset="0"/>
+                      </a:rPr>
+                      <m:t>𝝆</m:t>
+                    </m:r>
+                    <m:r>
+                      <a:rPr lang="en-US" sz="3200" b="1" i="1" smtClean="0">
+                        <a:solidFill>
+                          <a:schemeClr val="bg1"/>
+                        </a:solidFill>
+                        <a:latin typeface="Cambria Math" panose="02040503050406030204" pitchFamily="18" charset="0"/>
+                        <a:ea typeface="Cambria Math" panose="02040503050406030204" pitchFamily="18" charset="0"/>
+                        <a:cs typeface="Helvetica Neue" panose="02000503000000020004" pitchFamily="2" charset="0"/>
+                      </a:rPr>
+                      <m:t>=</m:t>
+                    </m:r>
+                    <m:nary>
+                      <m:naryPr>
+                        <m:chr m:val="∑"/>
+                        <m:supHide m:val="on"/>
+                        <m:ctrlPr>
+                          <a:rPr lang="en-US" sz="3200" b="1" i="1" smtClean="0">
+                            <a:solidFill>
+                              <a:schemeClr val="bg1"/>
+                            </a:solidFill>
+                            <a:latin typeface="Cambria Math" panose="02040503050406030204" pitchFamily="18" charset="0"/>
+                            <a:ea typeface="Cambria Math" panose="02040503050406030204" pitchFamily="18" charset="0"/>
+                            <a:cs typeface="Helvetica Neue" panose="02000503000000020004" pitchFamily="2" charset="0"/>
+                          </a:rPr>
+                        </m:ctrlPr>
+                      </m:naryPr>
+                      <m:sub>
+                        <m:r>
+                          <m:rPr>
+                            <m:brk m:alnAt="7"/>
+                          </m:rPr>
+                          <a:rPr lang="en-US" sz="3200" b="1" i="1" smtClean="0">
+                            <a:solidFill>
+                              <a:schemeClr val="bg1"/>
+                            </a:solidFill>
+                            <a:latin typeface="Cambria Math" panose="02040503050406030204" pitchFamily="18" charset="0"/>
+                            <a:ea typeface="Cambria Math" panose="02040503050406030204" pitchFamily="18" charset="0"/>
+                            <a:cs typeface="Helvetica Neue" panose="02000503000000020004" pitchFamily="2" charset="0"/>
+                          </a:rPr>
+                          <m:t>𝒊</m:t>
+                        </m:r>
+                      </m:sub>
+                      <m:sup/>
+                      <m:e>
+                        <m:sSub>
+                          <m:sSubPr>
+                            <m:ctrlPr>
+                              <a:rPr lang="en-US" sz="3200" b="1" i="1" smtClean="0">
+                                <a:solidFill>
+                                  <a:schemeClr val="bg1"/>
+                                </a:solidFill>
+                                <a:latin typeface="Cambria Math" panose="02040503050406030204" pitchFamily="18" charset="0"/>
+                                <a:ea typeface="Cambria Math" panose="02040503050406030204" pitchFamily="18" charset="0"/>
+                                <a:cs typeface="Helvetica Neue" panose="02000503000000020004" pitchFamily="2" charset="0"/>
+                              </a:rPr>
+                            </m:ctrlPr>
+                          </m:sSubPr>
+                          <m:e>
+                            <m:r>
+                              <a:rPr lang="en-US" sz="3200" b="1" i="1" smtClean="0">
+                                <a:solidFill>
+                                  <a:schemeClr val="bg1"/>
+                                </a:solidFill>
+                                <a:latin typeface="Cambria Math" panose="02040503050406030204" pitchFamily="18" charset="0"/>
+                                <a:ea typeface="Cambria Math" panose="02040503050406030204" pitchFamily="18" charset="0"/>
+                                <a:cs typeface="Helvetica Neue" panose="02000503000000020004" pitchFamily="2" charset="0"/>
+                              </a:rPr>
+                              <m:t>𝒑</m:t>
+                            </m:r>
+                          </m:e>
+                          <m:sub>
+                            <m:r>
+                              <a:rPr lang="en-US" sz="3200" b="1" i="1" smtClean="0">
+                                <a:solidFill>
+                                  <a:schemeClr val="bg1"/>
+                                </a:solidFill>
+                                <a:latin typeface="Cambria Math" panose="02040503050406030204" pitchFamily="18" charset="0"/>
+                                <a:ea typeface="Cambria Math" panose="02040503050406030204" pitchFamily="18" charset="0"/>
+                                <a:cs typeface="Helvetica Neue" panose="02000503000000020004" pitchFamily="2" charset="0"/>
+                              </a:rPr>
+                              <m:t>𝒊</m:t>
+                            </m:r>
+                          </m:sub>
+                        </m:sSub>
+                        <m:d>
+                          <m:dPr>
+                            <m:begChr m:val=""/>
+                            <m:endChr m:val="⟩"/>
+                            <m:ctrlPr>
+                              <a:rPr lang="en-US" sz="3200" b="1" i="1" smtClean="0">
+                                <a:solidFill>
+                                  <a:schemeClr val="bg1"/>
+                                </a:solidFill>
+                                <a:latin typeface="Cambria Math" panose="02040503050406030204" pitchFamily="18" charset="0"/>
+                                <a:ea typeface="Cambria Math" panose="02040503050406030204" pitchFamily="18" charset="0"/>
+                                <a:cs typeface="Helvetica Neue" panose="02000503000000020004" pitchFamily="2" charset="0"/>
+                              </a:rPr>
+                            </m:ctrlPr>
+                          </m:dPr>
+                          <m:e>
+                            <m:sSub>
+                              <m:sSubPr>
+                                <m:ctrlPr>
+                                  <a:rPr lang="en-US" sz="3200" b="1" i="1" smtClean="0">
+                                    <a:solidFill>
+                                      <a:schemeClr val="bg1"/>
+                                    </a:solidFill>
+                                    <a:latin typeface="Cambria Math" panose="02040503050406030204" pitchFamily="18" charset="0"/>
+                                    <a:ea typeface="Cambria Math" panose="02040503050406030204" pitchFamily="18" charset="0"/>
+                                    <a:cs typeface="Helvetica Neue" panose="02000503000000020004" pitchFamily="2" charset="0"/>
+                                  </a:rPr>
+                                </m:ctrlPr>
+                              </m:sSubPr>
+                              <m:e>
+                                <m:r>
+                                  <a:rPr lang="en-US" sz="3200" b="1" i="1" smtClean="0">
+                                    <a:solidFill>
+                                      <a:schemeClr val="bg1"/>
+                                    </a:solidFill>
+                                    <a:latin typeface="Cambria Math" panose="02040503050406030204" pitchFamily="18" charset="0"/>
+                                    <a:ea typeface="Cambria Math" panose="02040503050406030204" pitchFamily="18" charset="0"/>
+                                    <a:cs typeface="Helvetica Neue" panose="02000503000000020004" pitchFamily="2" charset="0"/>
+                                  </a:rPr>
+                                  <m:t>|</m:t>
+                                </m:r>
+                                <m:r>
+                                  <a:rPr lang="en-US" sz="3200" b="1" i="1" smtClean="0">
+                                    <a:solidFill>
+                                      <a:schemeClr val="bg1"/>
+                                    </a:solidFill>
+                                    <a:latin typeface="Cambria Math" panose="02040503050406030204" pitchFamily="18" charset="0"/>
+                                    <a:ea typeface="Cambria Math" panose="02040503050406030204" pitchFamily="18" charset="0"/>
+                                    <a:cs typeface="Helvetica Neue" panose="02000503000000020004" pitchFamily="2" charset="0"/>
+                                  </a:rPr>
+                                  <m:t>𝝍</m:t>
+                                </m:r>
+                              </m:e>
+                              <m:sub>
+                                <m:r>
+                                  <a:rPr lang="en-US" sz="3200" b="1" i="1" smtClean="0">
+                                    <a:solidFill>
+                                      <a:schemeClr val="bg1"/>
+                                    </a:solidFill>
+                                    <a:latin typeface="Cambria Math" panose="02040503050406030204" pitchFamily="18" charset="0"/>
+                                    <a:ea typeface="Cambria Math" panose="02040503050406030204" pitchFamily="18" charset="0"/>
+                                    <a:cs typeface="Helvetica Neue" panose="02000503000000020004" pitchFamily="2" charset="0"/>
+                                  </a:rPr>
+                                  <m:t>𝒊</m:t>
+                                </m:r>
+                              </m:sub>
+                            </m:sSub>
+                          </m:e>
+                        </m:d>
+                        <m:d>
+                          <m:dPr>
+                            <m:begChr m:val="⟨"/>
+                            <m:endChr m:val=""/>
+                            <m:ctrlPr>
+                              <a:rPr lang="en-US" sz="3200" b="1" i="1" smtClean="0">
+                                <a:solidFill>
+                                  <a:schemeClr val="bg1"/>
+                                </a:solidFill>
+                                <a:latin typeface="Cambria Math" panose="02040503050406030204" pitchFamily="18" charset="0"/>
+                                <a:ea typeface="Cambria Math" panose="02040503050406030204" pitchFamily="18" charset="0"/>
+                                <a:cs typeface="Helvetica Neue" panose="02000503000000020004" pitchFamily="2" charset="0"/>
+                              </a:rPr>
+                            </m:ctrlPr>
+                          </m:dPr>
+                          <m:e>
+                            <m:sSub>
+                              <m:sSubPr>
+                                <m:ctrlPr>
+                                  <a:rPr lang="en-US" sz="3200" b="1" i="1">
+                                    <a:solidFill>
+                                      <a:schemeClr val="bg1"/>
+                                    </a:solidFill>
+                                    <a:latin typeface="Cambria Math" panose="02040503050406030204" pitchFamily="18" charset="0"/>
+                                    <a:ea typeface="Cambria Math" panose="02040503050406030204" pitchFamily="18" charset="0"/>
+                                    <a:cs typeface="Helvetica Neue" panose="02000503000000020004" pitchFamily="2" charset="0"/>
+                                  </a:rPr>
+                                </m:ctrlPr>
+                              </m:sSubPr>
+                              <m:e>
+                                <m:r>
+                                  <a:rPr lang="en-US" sz="3200" b="1" i="1">
+                                    <a:solidFill>
+                                      <a:schemeClr val="bg1"/>
+                                    </a:solidFill>
+                                    <a:latin typeface="Cambria Math" panose="02040503050406030204" pitchFamily="18" charset="0"/>
+                                    <a:ea typeface="Cambria Math" panose="02040503050406030204" pitchFamily="18" charset="0"/>
+                                    <a:cs typeface="Helvetica Neue" panose="02000503000000020004" pitchFamily="2" charset="0"/>
+                                  </a:rPr>
+                                  <m:t>𝝍</m:t>
+                                </m:r>
+                              </m:e>
+                              <m:sub>
+                                <m:r>
+                                  <a:rPr lang="en-US" sz="3200" b="1" i="1">
+                                    <a:solidFill>
+                                      <a:schemeClr val="bg1"/>
+                                    </a:solidFill>
+                                    <a:latin typeface="Cambria Math" panose="02040503050406030204" pitchFamily="18" charset="0"/>
+                                    <a:ea typeface="Cambria Math" panose="02040503050406030204" pitchFamily="18" charset="0"/>
+                                    <a:cs typeface="Helvetica Neue" panose="02000503000000020004" pitchFamily="2" charset="0"/>
+                                  </a:rPr>
+                                  <m:t>𝒊</m:t>
+                                </m:r>
+                              </m:sub>
+                            </m:sSub>
+                            <m:r>
+                              <a:rPr lang="en-US" sz="3200" b="1" i="1" smtClean="0">
+                                <a:solidFill>
+                                  <a:schemeClr val="bg1"/>
+                                </a:solidFill>
+                                <a:latin typeface="Cambria Math" panose="02040503050406030204" pitchFamily="18" charset="0"/>
+                                <a:ea typeface="Cambria Math" panose="02040503050406030204" pitchFamily="18" charset="0"/>
+                                <a:cs typeface="Helvetica Neue" panose="02000503000000020004" pitchFamily="2" charset="0"/>
+                              </a:rPr>
+                              <m:t>|</m:t>
+                            </m:r>
+                          </m:e>
+                        </m:d>
+                      </m:e>
+                    </m:nary>
+                  </m:oMath>
+                </a14:m>
+                <a:endParaRPr lang="en-US" sz="3200" b="1" dirty="0">
+                  <a:solidFill>
+                    <a:schemeClr val="bg1"/>
+                  </a:solidFill>
+                  <a:latin typeface="Helvetica Neue" panose="02000503000000020004" pitchFamily="2" charset="0"/>
+                  <a:ea typeface="Helvetica Neue" panose="02000503000000020004" pitchFamily="2" charset="0"/>
+                  <a:cs typeface="Helvetica Neue" panose="02000503000000020004" pitchFamily="2" charset="0"/>
+                </a:endParaRPr>
+              </a:p>
+              <a:p>
+                <a:pPr>
+                  <a:spcAft>
+                    <a:spcPts val="1000"/>
+                  </a:spcAft>
+                </a:pPr>
+                <a:r>
+                  <a:rPr lang="en-US" sz="3200" b="1" dirty="0">
+                    <a:solidFill>
+                      <a:schemeClr val="bg1"/>
+                    </a:solidFill>
+                    <a:latin typeface="Helvetica Neue" panose="02000503000000020004" pitchFamily="2" charset="0"/>
+                    <a:ea typeface="Helvetica Neue" panose="02000503000000020004" pitchFamily="2" charset="0"/>
+                    <a:cs typeface="Helvetica Neue" panose="02000503000000020004" pitchFamily="2" charset="0"/>
+                  </a:rPr>
+                  <a:t>von Neumann Entropy		</a:t>
+                </a:r>
+                <a14:m>
+                  <m:oMath xmlns:m="http://schemas.openxmlformats.org/officeDocument/2006/math">
+                    <m:r>
+                      <a:rPr lang="en-US" sz="3200" b="1" i="1" smtClean="0">
+                        <a:solidFill>
+                          <a:schemeClr val="bg1"/>
+                        </a:solidFill>
+                        <a:latin typeface="Cambria Math" panose="02040503050406030204" pitchFamily="18" charset="0"/>
+                        <a:ea typeface="Helvetica Neue" panose="02000503000000020004" pitchFamily="2" charset="0"/>
+                        <a:cs typeface="Helvetica Neue" panose="02000503000000020004" pitchFamily="2" charset="0"/>
+                      </a:rPr>
+                      <m:t>𝑺</m:t>
+                    </m:r>
+                    <m:r>
+                      <a:rPr lang="en-US" sz="3200" b="1" i="1" smtClean="0">
+                        <a:solidFill>
+                          <a:schemeClr val="bg1"/>
+                        </a:solidFill>
+                        <a:latin typeface="Cambria Math" panose="02040503050406030204" pitchFamily="18" charset="0"/>
+                        <a:ea typeface="Helvetica Neue" panose="02000503000000020004" pitchFamily="2" charset="0"/>
+                        <a:cs typeface="Helvetica Neue" panose="02000503000000020004" pitchFamily="2" charset="0"/>
+                      </a:rPr>
+                      <m:t>=−</m:t>
+                    </m:r>
+                    <m:r>
+                      <a:rPr lang="en-US" sz="3200" b="1" i="0" smtClean="0">
+                        <a:solidFill>
+                          <a:schemeClr val="bg1"/>
+                        </a:solidFill>
+                        <a:latin typeface="Cambria Math" panose="02040503050406030204" pitchFamily="18" charset="0"/>
+                        <a:ea typeface="Helvetica Neue" panose="02000503000000020004" pitchFamily="2" charset="0"/>
+                        <a:cs typeface="Helvetica Neue" panose="02000503000000020004" pitchFamily="2" charset="0"/>
+                      </a:rPr>
+                      <m:t>𝐭𝐫</m:t>
+                    </m:r>
+                    <m:r>
+                      <a:rPr lang="en-US" sz="3200" b="1" i="1" smtClean="0">
+                        <a:solidFill>
+                          <a:schemeClr val="bg1"/>
+                        </a:solidFill>
+                        <a:latin typeface="Cambria Math" panose="02040503050406030204" pitchFamily="18" charset="0"/>
+                        <a:ea typeface="Helvetica Neue" panose="02000503000000020004" pitchFamily="2" charset="0"/>
+                        <a:cs typeface="Helvetica Neue" panose="02000503000000020004" pitchFamily="2" charset="0"/>
+                      </a:rPr>
+                      <m:t>(</m:t>
+                    </m:r>
+                    <m:r>
+                      <a:rPr lang="en-US" sz="3200" b="1" i="1" smtClean="0">
+                        <a:solidFill>
+                          <a:schemeClr val="bg1"/>
+                        </a:solidFill>
+                        <a:latin typeface="Cambria Math" panose="02040503050406030204" pitchFamily="18" charset="0"/>
+                        <a:ea typeface="Cambria Math" panose="02040503050406030204" pitchFamily="18" charset="0"/>
+                        <a:cs typeface="Helvetica Neue" panose="02000503000000020004" pitchFamily="2" charset="0"/>
+                      </a:rPr>
+                      <m:t>𝝆</m:t>
+                    </m:r>
+                    <m:func>
+                      <m:funcPr>
+                        <m:ctrlPr>
+                          <a:rPr lang="en-US" sz="3200" b="1" i="1" smtClean="0">
+                            <a:solidFill>
+                              <a:schemeClr val="bg1"/>
+                            </a:solidFill>
+                            <a:latin typeface="Cambria Math" panose="02040503050406030204" pitchFamily="18" charset="0"/>
+                            <a:ea typeface="Cambria Math" panose="02040503050406030204" pitchFamily="18" charset="0"/>
+                            <a:cs typeface="Helvetica Neue" panose="02000503000000020004" pitchFamily="2" charset="0"/>
+                          </a:rPr>
+                        </m:ctrlPr>
+                      </m:funcPr>
+                      <m:fName>
+                        <m:r>
+                          <m:rPr>
+                            <m:sty m:val="p"/>
+                          </m:rPr>
+                          <a:rPr lang="en-US" sz="3200" b="0" i="0" smtClean="0">
+                            <a:solidFill>
+                              <a:schemeClr val="bg1"/>
+                            </a:solidFill>
+                            <a:latin typeface="Cambria Math" panose="02040503050406030204" pitchFamily="18" charset="0"/>
+                            <a:ea typeface="Cambria Math" panose="02040503050406030204" pitchFamily="18" charset="0"/>
+                            <a:cs typeface="Helvetica Neue" panose="02000503000000020004" pitchFamily="2" charset="0"/>
+                          </a:rPr>
+                          <m:t>log</m:t>
+                        </m:r>
+                      </m:fName>
+                      <m:e>
+                        <m:r>
+                          <a:rPr lang="en-US" sz="3200" b="0" i="1" smtClean="0">
+                            <a:solidFill>
+                              <a:schemeClr val="bg1"/>
+                            </a:solidFill>
+                            <a:latin typeface="Cambria Math" panose="02040503050406030204" pitchFamily="18" charset="0"/>
+                            <a:ea typeface="Cambria Math" panose="02040503050406030204" pitchFamily="18" charset="0"/>
+                            <a:cs typeface="Helvetica Neue" panose="02000503000000020004" pitchFamily="2" charset="0"/>
+                          </a:rPr>
+                          <m:t>𝝆</m:t>
+                        </m:r>
+                      </m:e>
+                    </m:func>
+                    <m:r>
+                      <a:rPr lang="en-US" sz="3200" b="1" i="1" smtClean="0">
+                        <a:solidFill>
+                          <a:schemeClr val="bg1"/>
+                        </a:solidFill>
+                        <a:latin typeface="Cambria Math" panose="02040503050406030204" pitchFamily="18" charset="0"/>
+                        <a:ea typeface="Helvetica Neue" panose="02000503000000020004" pitchFamily="2" charset="0"/>
+                        <a:cs typeface="Helvetica Neue" panose="02000503000000020004" pitchFamily="2" charset="0"/>
+                      </a:rPr>
+                      <m:t>)</m:t>
+                    </m:r>
+                  </m:oMath>
+                </a14:m>
+                <a:endParaRPr lang="en-US" sz="3200" b="1" i="1" dirty="0">
+                  <a:solidFill>
+                    <a:schemeClr val="bg1"/>
+                  </a:solidFill>
+                  <a:latin typeface="Helvetica Neue" panose="02000503000000020004" pitchFamily="2" charset="0"/>
+                  <a:ea typeface="Helvetica Neue" panose="02000503000000020004" pitchFamily="2" charset="0"/>
+                  <a:cs typeface="Helvetica Neue" panose="02000503000000020004" pitchFamily="2" charset="0"/>
+                </a:endParaRPr>
+              </a:p>
+              <a:p>
+                <a:pPr>
+                  <a:spcAft>
+                    <a:spcPts val="1000"/>
+                  </a:spcAft>
+                </a:pPr>
+                <a:endParaRPr lang="en-US" sz="3200" b="1" i="1" dirty="0">
+                  <a:solidFill>
+                    <a:schemeClr val="bg1"/>
+                  </a:solidFill>
+                  <a:latin typeface="Helvetica Neue" panose="02000503000000020004" pitchFamily="2" charset="0"/>
+                  <a:ea typeface="Helvetica Neue" panose="02000503000000020004" pitchFamily="2" charset="0"/>
+                  <a:cs typeface="Helvetica Neue" panose="02000503000000020004" pitchFamily="2" charset="0"/>
+                </a:endParaRPr>
+              </a:p>
+              <a:p>
+                <a:pPr>
+                  <a:spcAft>
+                    <a:spcPts val="1000"/>
+                  </a:spcAft>
+                </a:pPr>
+                <a:r>
+                  <a:rPr lang="en-US" sz="3200" b="1" dirty="0">
+                    <a:solidFill>
+                      <a:schemeClr val="bg1"/>
+                    </a:solidFill>
+                    <a:latin typeface="Helvetica Neue" panose="02000503000000020004" pitchFamily="2" charset="0"/>
+                    <a:ea typeface="Helvetica Neue" panose="02000503000000020004" pitchFamily="2" charset="0"/>
+                    <a:cs typeface="Helvetica Neue" panose="02000503000000020004" pitchFamily="2" charset="0"/>
+                  </a:rPr>
+                  <a:t>Pearson correlation matrix is a density matrix:</a:t>
+                </a:r>
+              </a:p>
+              <a:p>
+                <a:pPr marL="457200" lvl="1" indent="0">
+                  <a:spcAft>
+                    <a:spcPts val="1000"/>
+                  </a:spcAft>
+                  <a:buNone/>
+                </a:pPr>
+                <a14:m>
+                  <m:oMathPara xmlns:m="http://schemas.openxmlformats.org/officeDocument/2006/math">
+                    <m:oMathParaPr>
+                      <m:jc m:val="centerGroup"/>
+                    </m:oMathParaPr>
+                    <m:oMath xmlns:m="http://schemas.openxmlformats.org/officeDocument/2006/math">
+                      <m:r>
+                        <a:rPr lang="en-US" sz="2800" b="1" i="1" smtClean="0">
+                          <a:solidFill>
+                            <a:schemeClr val="bg1"/>
+                          </a:solidFill>
+                          <a:latin typeface="Cambria Math" panose="02040503050406030204" pitchFamily="18" charset="0"/>
+                          <a:ea typeface="Cambria Math" panose="02040503050406030204" pitchFamily="18" charset="0"/>
+                          <a:cs typeface="Helvetica Neue" panose="02000503000000020004" pitchFamily="2" charset="0"/>
+                        </a:rPr>
+                        <m:t>𝝆</m:t>
+                      </m:r>
+                      <m:r>
+                        <a:rPr lang="en-US" sz="2800" b="1" i="1" smtClean="0">
+                          <a:solidFill>
+                            <a:schemeClr val="bg1"/>
+                          </a:solidFill>
+                          <a:latin typeface="Cambria Math" panose="02040503050406030204" pitchFamily="18" charset="0"/>
+                          <a:ea typeface="Cambria Math" panose="02040503050406030204" pitchFamily="18" charset="0"/>
+                          <a:cs typeface="Helvetica Neue" panose="02000503000000020004" pitchFamily="2" charset="0"/>
+                        </a:rPr>
+                        <m:t>=</m:t>
+                      </m:r>
+                      <m:f>
+                        <m:fPr>
+                          <m:ctrlPr>
+                            <a:rPr lang="en-US" sz="2800" b="1" i="1" smtClean="0">
+                              <a:solidFill>
+                                <a:schemeClr val="bg1"/>
+                              </a:solidFill>
+                              <a:latin typeface="Cambria Math" panose="02040503050406030204" pitchFamily="18" charset="0"/>
+                              <a:ea typeface="Cambria Math" panose="02040503050406030204" pitchFamily="18" charset="0"/>
+                              <a:cs typeface="Helvetica Neue" panose="02000503000000020004" pitchFamily="2" charset="0"/>
+                            </a:rPr>
+                          </m:ctrlPr>
+                        </m:fPr>
+                        <m:num>
+                          <m:r>
+                            <a:rPr lang="en-US" sz="2800" b="1" i="1" smtClean="0">
+                              <a:solidFill>
+                                <a:schemeClr val="bg1"/>
+                              </a:solidFill>
+                              <a:latin typeface="Cambria Math" panose="02040503050406030204" pitchFamily="18" charset="0"/>
+                              <a:ea typeface="Cambria Math" panose="02040503050406030204" pitchFamily="18" charset="0"/>
+                              <a:cs typeface="Helvetica Neue" panose="02000503000000020004" pitchFamily="2" charset="0"/>
+                            </a:rPr>
+                            <m:t>𝑹</m:t>
+                          </m:r>
+                        </m:num>
+                        <m:den>
+                          <m:r>
+                            <a:rPr lang="en-US" sz="2800" b="1" i="1" smtClean="0">
+                              <a:solidFill>
+                                <a:schemeClr val="bg1"/>
+                              </a:solidFill>
+                              <a:latin typeface="Cambria Math" panose="02040503050406030204" pitchFamily="18" charset="0"/>
+                              <a:ea typeface="Cambria Math" panose="02040503050406030204" pitchFamily="18" charset="0"/>
+                              <a:cs typeface="Helvetica Neue" panose="02000503000000020004" pitchFamily="2" charset="0"/>
+                            </a:rPr>
+                            <m:t>𝑵</m:t>
+                          </m:r>
+                        </m:den>
+                      </m:f>
+                    </m:oMath>
+                  </m:oMathPara>
+                </a14:m>
+                <a:endParaRPr lang="en-US" sz="1100" b="1" dirty="0">
+                  <a:solidFill>
+                    <a:schemeClr val="bg1"/>
+                  </a:solidFill>
+                  <a:latin typeface="Helvetica Neue" panose="02000503000000020004" pitchFamily="2" charset="0"/>
+                  <a:ea typeface="Helvetica Neue" panose="02000503000000020004" pitchFamily="2" charset="0"/>
+                  <a:cs typeface="Helvetica Neue" panose="02000503000000020004" pitchFamily="2" charset="0"/>
+                </a:endParaRPr>
+              </a:p>
+              <a:p>
+                <a:endParaRPr lang="en-US" sz="3200" b="1" dirty="0">
+                  <a:solidFill>
+                    <a:schemeClr val="bg1"/>
+                  </a:solidFill>
+                  <a:latin typeface="Helvetica Neue" panose="02000503000000020004" pitchFamily="2" charset="0"/>
+                  <a:ea typeface="Helvetica Neue" panose="02000503000000020004" pitchFamily="2" charset="0"/>
+                  <a:cs typeface="Helvetica Neue" panose="02000503000000020004" pitchFamily="2" charset="0"/>
+                </a:endParaRPr>
+              </a:p>
+              <a:p>
+                <a:endParaRPr lang="en-US" sz="3200" b="1" dirty="0">
+                  <a:solidFill>
+                    <a:schemeClr val="bg1"/>
+                  </a:solidFill>
+                  <a:latin typeface="Helvetica Neue" panose="02000503000000020004" pitchFamily="2" charset="0"/>
+                  <a:ea typeface="Helvetica Neue" panose="02000503000000020004" pitchFamily="2" charset="0"/>
+                  <a:cs typeface="Helvetica Neue" panose="02000503000000020004" pitchFamily="2" charset="0"/>
+                </a:endParaRPr>
+              </a:p>
+              <a:p>
+                <a:endParaRPr lang="en-US" sz="3200" b="1" dirty="0">
+                  <a:solidFill>
+                    <a:schemeClr val="bg1"/>
+                  </a:solidFill>
+                  <a:latin typeface="Helvetica Neue" panose="02000503000000020004" pitchFamily="2" charset="0"/>
+                  <a:ea typeface="Helvetica Neue" panose="02000503000000020004" pitchFamily="2" charset="0"/>
+                  <a:cs typeface="Helvetica Neue" panose="02000503000000020004" pitchFamily="2" charset="0"/>
+                </a:endParaRPr>
+              </a:p>
+            </p:txBody>
+          </p:sp>
+        </mc:Choice>
+        <mc:Fallback>
+          <p:sp>
+            <p:nvSpPr>
+              <p:cNvPr id="4" name="Content Placeholder 2">
+                <a:extLst>
+                  <a:ext uri="{FF2B5EF4-FFF2-40B4-BE49-F238E27FC236}">
+                    <a16:creationId xmlns:a16="http://schemas.microsoft.com/office/drawing/2014/main" id="{DD7988A1-3F98-1641-A700-7CA452D20E8D}"/>
+                  </a:ext>
+                </a:extLst>
+              </p:cNvPr>
+              <p:cNvSpPr>
+                <a:spLocks noGrp="1" noRot="1" noChangeAspect="1" noMove="1" noResize="1" noEditPoints="1" noAdjustHandles="1" noChangeArrowheads="1" noChangeShapeType="1" noTextEdit="1"/>
+              </p:cNvSpPr>
+              <p:nvPr>
+                <p:ph idx="1"/>
+              </p:nvPr>
+            </p:nvSpPr>
+            <p:spPr>
+              <a:xfrm>
+                <a:off x="838200" y="1566398"/>
+                <a:ext cx="10515600" cy="4772261"/>
+              </a:xfrm>
+              <a:blipFill>
+                <a:blip r:embed="rId2"/>
+                <a:stretch>
+                  <a:fillRect l="-1206" t="-16976"/>
+                </a:stretch>
+              </a:blipFill>
+            </p:spPr>
+            <p:txBody>
+              <a:bodyPr/>
+              <a:lstStyle/>
+              <a:p>
+                <a:r>
+                  <a:rPr lang="en-US">
+                    <a:noFill/>
+                  </a:rPr>
+                  <a:t> </a:t>
+                </a:r>
+              </a:p>
+            </p:txBody>
+          </p:sp>
+        </mc:Fallback>
+      </mc:AlternateContent>
     </p:spTree>
     <p:extLst>
       <p:ext uri="{BB962C8B-B14F-4D97-AF65-F5344CB8AC3E}">
-        <p14:creationId xmlns:p14="http://schemas.microsoft.com/office/powerpoint/2010/main" val="3208950770"/>
+        <p14:creationId xmlns:p14="http://schemas.microsoft.com/office/powerpoint/2010/main" val="3404107093"/>
       </p:ext>
     </p:extLst>
   </p:cSld>
@@ -4302,7 +5321,12 @@
             <p:ph type="title"/>
           </p:nvPr>
         </p:nvSpPr>
-        <p:spPr/>
+        <p:spPr>
+          <a:xfrm>
+            <a:off x="838200" y="36640"/>
+            <a:ext cx="10515600" cy="1325563"/>
+          </a:xfrm>
+        </p:spPr>
         <p:txBody>
           <a:bodyPr/>
           <a:lstStyle/>
@@ -4316,15 +5340,45 @@
                 <a:ea typeface="Helvetica Neue" panose="02000503000000020004" pitchFamily="2" charset="0"/>
                 <a:cs typeface="Helvetica Neue" panose="02000503000000020004" pitchFamily="2" charset="0"/>
               </a:rPr>
-              <a:t>Scatter Matrix</a:t>
-            </a:r>
-          </a:p>
-        </p:txBody>
-      </p:sp>
+              <a:t>Volatility</a:t>
+            </a:r>
+          </a:p>
+        </p:txBody>
+      </p:sp>
+      <p:pic>
+        <p:nvPicPr>
+          <p:cNvPr id="4" name="Picture 3">
+            <a:extLst>
+              <a:ext uri="{FF2B5EF4-FFF2-40B4-BE49-F238E27FC236}">
+                <a16:creationId xmlns:a16="http://schemas.microsoft.com/office/drawing/2014/main" id="{F723864F-2D42-444D-B8E3-C5E6C8086C88}"/>
+              </a:ext>
+            </a:extLst>
+          </p:cNvPr>
+          <p:cNvPicPr>
+            <a:picLocks noChangeAspect="1"/>
+          </p:cNvPicPr>
+          <p:nvPr/>
+        </p:nvPicPr>
+        <p:blipFill>
+          <a:blip r:embed="rId2"/>
+          <a:stretch>
+            <a:fillRect/>
+          </a:stretch>
+        </p:blipFill>
+        <p:spPr>
+          <a:xfrm>
+            <a:off x="1524668" y="1136656"/>
+            <a:ext cx="9142663" cy="5650322"/>
+          </a:xfrm>
+          <a:prstGeom prst="rect">
+            <a:avLst/>
+          </a:prstGeom>
+        </p:spPr>
+      </p:pic>
     </p:spTree>
     <p:extLst>
       <p:ext uri="{BB962C8B-B14F-4D97-AF65-F5344CB8AC3E}">
-        <p14:creationId xmlns:p14="http://schemas.microsoft.com/office/powerpoint/2010/main" val="3331766649"/>
+        <p14:creationId xmlns:p14="http://schemas.microsoft.com/office/powerpoint/2010/main" val="3208950770"/>
       </p:ext>
     </p:extLst>
   </p:cSld>
@@ -4375,12 +5429,7 @@
             <p:ph type="title"/>
           </p:nvPr>
         </p:nvSpPr>
-        <p:spPr>
-          <a:xfrm>
-            <a:off x="838200" y="209485"/>
-            <a:ext cx="10515600" cy="1325563"/>
-          </a:xfrm>
-        </p:spPr>
+        <p:spPr/>
         <p:txBody>
           <a:bodyPr/>
           <a:lstStyle/>
@@ -4394,15 +5443,160 @@
                 <a:ea typeface="Helvetica Neue" panose="02000503000000020004" pitchFamily="2" charset="0"/>
                 <a:cs typeface="Helvetica Neue" panose="02000503000000020004" pitchFamily="2" charset="0"/>
               </a:rPr>
-              <a:t>Correlation Heat Map</a:t>
-            </a:r>
+              <a:t>Conclusion</a:t>
+            </a:r>
+          </a:p>
+        </p:txBody>
+      </p:sp>
+      <p:sp>
+        <p:nvSpPr>
+          <p:cNvPr id="3" name="Content Placeholder 2">
+            <a:extLst>
+              <a:ext uri="{FF2B5EF4-FFF2-40B4-BE49-F238E27FC236}">
+                <a16:creationId xmlns:a16="http://schemas.microsoft.com/office/drawing/2014/main" id="{AEAD33A4-EE6B-8145-AC73-578592755746}"/>
+              </a:ext>
+            </a:extLst>
+          </p:cNvPr>
+          <p:cNvSpPr>
+            <a:spLocks noGrp="1"/>
+          </p:cNvSpPr>
+          <p:nvPr>
+            <p:ph idx="1"/>
+          </p:nvPr>
+        </p:nvSpPr>
+        <p:spPr>
+          <a:xfrm>
+            <a:off x="838200" y="1690688"/>
+            <a:ext cx="10515600" cy="4811712"/>
+          </a:xfrm>
+        </p:spPr>
+        <p:txBody>
+          <a:bodyPr>
+            <a:normAutofit/>
+          </a:bodyPr>
+          <a:lstStyle/>
+          <a:p>
+            <a:pPr>
+              <a:spcAft>
+                <a:spcPts val="1000"/>
+              </a:spcAft>
+            </a:pPr>
+            <a:r>
+              <a:rPr lang="en-US" sz="3200" b="1" dirty="0">
+                <a:solidFill>
+                  <a:schemeClr val="bg1"/>
+                </a:solidFill>
+                <a:latin typeface="Helvetica Neue" panose="02000503000000020004" pitchFamily="2" charset="0"/>
+                <a:ea typeface="Helvetica Neue" panose="02000503000000020004" pitchFamily="2" charset="0"/>
+                <a:cs typeface="Helvetica Neue" panose="02000503000000020004" pitchFamily="2" charset="0"/>
+              </a:rPr>
+              <a:t>Total cryptocurrency market cap is about the same as UK GDP - $3.2 trillion</a:t>
+            </a:r>
+          </a:p>
+          <a:p>
+            <a:pPr>
+              <a:spcAft>
+                <a:spcPts val="1000"/>
+              </a:spcAft>
+            </a:pPr>
+            <a:r>
+              <a:rPr lang="en-US" sz="3200" b="1" dirty="0">
+                <a:solidFill>
+                  <a:schemeClr val="bg1"/>
+                </a:solidFill>
+                <a:latin typeface="Helvetica Neue" panose="02000503000000020004" pitchFamily="2" charset="0"/>
+                <a:ea typeface="Helvetica Neue" panose="02000503000000020004" pitchFamily="2" charset="0"/>
+                <a:cs typeface="Helvetica Neue" panose="02000503000000020004" pitchFamily="2" charset="0"/>
+              </a:rPr>
+              <a:t>Total market cap of mortgage securities involved in 2008 crisis - $1.2 trillion </a:t>
+            </a:r>
+          </a:p>
+          <a:p>
+            <a:pPr>
+              <a:spcAft>
+                <a:spcPts val="1000"/>
+              </a:spcAft>
+            </a:pPr>
+            <a:r>
+              <a:rPr lang="en-US" sz="3200" b="1" i="1" dirty="0">
+                <a:solidFill>
+                  <a:schemeClr val="bg1"/>
+                </a:solidFill>
+                <a:latin typeface="Helvetica Neue" panose="02000503000000020004" pitchFamily="2" charset="0"/>
+                <a:ea typeface="Helvetica Neue" panose="02000503000000020004" pitchFamily="2" charset="0"/>
+                <a:cs typeface="Helvetica Neue" panose="02000503000000020004" pitchFamily="2" charset="0"/>
+              </a:rPr>
+              <a:t>Market capitalization is high enough to cause worry</a:t>
+            </a:r>
+          </a:p>
+          <a:p>
+            <a:pPr>
+              <a:spcAft>
+                <a:spcPts val="1000"/>
+              </a:spcAft>
+            </a:pPr>
+            <a:r>
+              <a:rPr lang="en-US" sz="3200" b="1" i="1" dirty="0">
+                <a:solidFill>
+                  <a:schemeClr val="bg1"/>
+                </a:solidFill>
+                <a:latin typeface="Helvetica Neue" panose="02000503000000020004" pitchFamily="2" charset="0"/>
+                <a:ea typeface="Helvetica Neue" panose="02000503000000020004" pitchFamily="2" charset="0"/>
+                <a:cs typeface="Helvetica Neue" panose="02000503000000020004" pitchFamily="2" charset="0"/>
+              </a:rPr>
+              <a:t>Interconnectivity with markets is increasing</a:t>
+            </a:r>
+            <a:r>
+              <a:rPr lang="en-US" sz="3200" b="1" dirty="0">
+                <a:solidFill>
+                  <a:schemeClr val="bg1"/>
+                </a:solidFill>
+                <a:latin typeface="Helvetica Neue" panose="02000503000000020004" pitchFamily="2" charset="0"/>
+                <a:ea typeface="Helvetica Neue" panose="02000503000000020004" pitchFamily="2" charset="0"/>
+                <a:cs typeface="Helvetica Neue" panose="02000503000000020004" pitchFamily="2" charset="0"/>
+              </a:rPr>
+              <a:t> – probably not yet sufficient to induce a crisis</a:t>
+            </a:r>
+          </a:p>
+          <a:p>
+            <a:pPr>
+              <a:spcAft>
+                <a:spcPts val="1000"/>
+              </a:spcAft>
+            </a:pPr>
+            <a:r>
+              <a:rPr lang="en-US" sz="3200" b="1" i="1" dirty="0">
+                <a:solidFill>
+                  <a:schemeClr val="bg1"/>
+                </a:solidFill>
+                <a:latin typeface="Helvetica Neue" panose="02000503000000020004" pitchFamily="2" charset="0"/>
+                <a:ea typeface="Helvetica Neue" panose="02000503000000020004" pitchFamily="2" charset="0"/>
+                <a:cs typeface="Helvetica Neue" panose="02000503000000020004" pitchFamily="2" charset="0"/>
+              </a:rPr>
+              <a:t>Extreme volatility</a:t>
+            </a:r>
+          </a:p>
+          <a:p>
+            <a:pPr>
+              <a:spcAft>
+                <a:spcPts val="1000"/>
+              </a:spcAft>
+            </a:pPr>
+            <a:endParaRPr lang="en-US" sz="2800" b="1" dirty="0">
+              <a:solidFill>
+                <a:schemeClr val="bg1"/>
+              </a:solidFill>
+              <a:latin typeface="Helvetica Neue" panose="02000503000000020004" pitchFamily="2" charset="0"/>
+              <a:ea typeface="Helvetica Neue" panose="02000503000000020004" pitchFamily="2" charset="0"/>
+              <a:cs typeface="Helvetica Neue" panose="02000503000000020004" pitchFamily="2" charset="0"/>
+            </a:endParaRPr>
           </a:p>
         </p:txBody>
       </p:sp>
     </p:spTree>
     <p:extLst>
       <p:ext uri="{BB962C8B-B14F-4D97-AF65-F5344CB8AC3E}">
-        <p14:creationId xmlns:p14="http://schemas.microsoft.com/office/powerpoint/2010/main" val="4248006447"/>
+        <p14:creationId xmlns:p14="http://schemas.microsoft.com/office/powerpoint/2010/main" val="1355882936"/>
       </p:ext>
     </p:extLst>
   </p:cSld>
@@ -4453,12 +5647,7 @@
             <p:ph type="title"/>
           </p:nvPr>
         </p:nvSpPr>
-        <p:spPr>
-          <a:xfrm>
-            <a:off x="838200" y="209485"/>
-            <a:ext cx="10515600" cy="1325563"/>
-          </a:xfrm>
-        </p:spPr>
+        <p:spPr/>
         <p:txBody>
           <a:bodyPr/>
           <a:lstStyle/>
@@ -4472,77 +5661,46 @@
                 <a:ea typeface="Helvetica Neue" panose="02000503000000020004" pitchFamily="2" charset="0"/>
                 <a:cs typeface="Helvetica Neue" panose="02000503000000020004" pitchFamily="2" charset="0"/>
               </a:rPr>
-              <a:t>Correlation Heat Map</a:t>
-            </a:r>
-          </a:p>
-        </p:txBody>
-      </p:sp>
-    </p:spTree>
-    <p:extLst>
-      <p:ext uri="{BB962C8B-B14F-4D97-AF65-F5344CB8AC3E}">
-        <p14:creationId xmlns:p14="http://schemas.microsoft.com/office/powerpoint/2010/main" val="190638490"/>
-      </p:ext>
-    </p:extLst>
-  </p:cSld>
-  <p:clrMapOvr>
-    <a:masterClrMapping/>
-  </p:clrMapOvr>
-</p:sld>
-</file>
-
-<file path=ppt/slides/slide18.xml><?xml version="1.0" encoding="utf-8"?>
-<p:sld xmlns:a="http://schemas.openxmlformats.org/drawingml/2006/main" xmlns:r="http://schemas.openxmlformats.org/officeDocument/2006/relationships" xmlns:p="http://schemas.openxmlformats.org/presentationml/2006/main">
-  <p:cSld>
-    <p:bg>
-      <p:bgPr>
-        <a:solidFill>
-          <a:srgbClr val="0E99DD"/>
-        </a:solidFill>
-        <a:effectLst/>
-      </p:bgPr>
-    </p:bg>
-    <p:spTree>
-      <p:nvGrpSpPr>
-        <p:cNvPr id="1" name=""/>
-        <p:cNvGrpSpPr/>
-        <p:nvPr/>
-      </p:nvGrpSpPr>
-      <p:grpSpPr>
-        <a:xfrm>
-          <a:off x="0" y="0"/>
-          <a:ext cx="0" cy="0"/>
-          <a:chOff x="0" y="0"/>
-          <a:chExt cx="0" cy="0"/>
-        </a:xfrm>
-      </p:grpSpPr>
-      <p:sp>
-        <p:nvSpPr>
-          <p:cNvPr id="2" name="Title 1">
-            <a:extLst>
-              <a:ext uri="{FF2B5EF4-FFF2-40B4-BE49-F238E27FC236}">
-                <a16:creationId xmlns:a16="http://schemas.microsoft.com/office/drawing/2014/main" id="{31C71DE5-A63D-E34A-9605-F43285D2548A}"/>
-              </a:ext>
-            </a:extLst>
-          </p:cNvPr>
-          <p:cNvSpPr>
-            <a:spLocks noGrp="1"/>
-          </p:cNvSpPr>
-          <p:nvPr>
-            <p:ph type="title"/>
+              <a:t>Acknowledgements</a:t>
+            </a:r>
+          </a:p>
+        </p:txBody>
+      </p:sp>
+      <p:sp>
+        <p:nvSpPr>
+          <p:cNvPr id="3" name="Content Placeholder 2">
+            <a:extLst>
+              <a:ext uri="{FF2B5EF4-FFF2-40B4-BE49-F238E27FC236}">
+                <a16:creationId xmlns:a16="http://schemas.microsoft.com/office/drawing/2014/main" id="{AEAD33A4-EE6B-8145-AC73-578592755746}"/>
+              </a:ext>
+            </a:extLst>
+          </p:cNvPr>
+          <p:cNvSpPr>
+            <a:spLocks noGrp="1"/>
+          </p:cNvSpPr>
+          <p:nvPr>
+            <p:ph idx="1"/>
           </p:nvPr>
         </p:nvSpPr>
         <p:spPr>
           <a:xfrm>
-            <a:off x="838200" y="209485"/>
-            <a:ext cx="10515600" cy="1325563"/>
+            <a:off x="838200" y="1690688"/>
+            <a:ext cx="10515600" cy="4811712"/>
           </a:xfrm>
         </p:spPr>
         <p:txBody>
-          <a:bodyPr/>
+          <a:bodyPr>
+            <a:normAutofit fontScale="85000" lnSpcReduction="20000"/>
+          </a:bodyPr>
           <a:lstStyle/>
           <a:p>
-            <a:r>
-              <a:rPr lang="en-US" b="1" dirty="0">
+            <a:pPr>
+              <a:spcAft>
+                <a:spcPts val="1000"/>
+              </a:spcAft>
+            </a:pPr>
+            <a:r>
+              <a:rPr lang="en-US" sz="3200" dirty="0">
                 <a:solidFill>
                   <a:schemeClr val="bg1"/>
                 </a:solidFill>
@@ -4550,72 +5708,10 @@
                 <a:ea typeface="Helvetica Neue" panose="02000503000000020004" pitchFamily="2" charset="0"/>
                 <a:cs typeface="Helvetica Neue" panose="02000503000000020004" pitchFamily="2" charset="0"/>
               </a:rPr>
-              <a:t>Correlation Heat Map</a:t>
-            </a:r>
-          </a:p>
-        </p:txBody>
-      </p:sp>
-    </p:spTree>
-    <p:extLst>
-      <p:ext uri="{BB962C8B-B14F-4D97-AF65-F5344CB8AC3E}">
-        <p14:creationId xmlns:p14="http://schemas.microsoft.com/office/powerpoint/2010/main" val="1747750828"/>
-      </p:ext>
-    </p:extLst>
-  </p:cSld>
-  <p:clrMapOvr>
-    <a:masterClrMapping/>
-  </p:clrMapOvr>
-</p:sld>
-</file>
-
-<file path=ppt/slides/slide19.xml><?xml version="1.0" encoding="utf-8"?>
-<p:sld xmlns:a="http://schemas.openxmlformats.org/drawingml/2006/main" xmlns:r="http://schemas.openxmlformats.org/officeDocument/2006/relationships" xmlns:p="http://schemas.openxmlformats.org/presentationml/2006/main">
-  <p:cSld>
-    <p:bg>
-      <p:bgPr>
-        <a:solidFill>
-          <a:srgbClr val="0E99DD"/>
-        </a:solidFill>
-        <a:effectLst/>
-      </p:bgPr>
-    </p:bg>
-    <p:spTree>
-      <p:nvGrpSpPr>
-        <p:cNvPr id="1" name=""/>
-        <p:cNvGrpSpPr/>
-        <p:nvPr/>
-      </p:nvGrpSpPr>
-      <p:grpSpPr>
-        <a:xfrm>
-          <a:off x="0" y="0"/>
-          <a:ext cx="0" cy="0"/>
-          <a:chOff x="0" y="0"/>
-          <a:chExt cx="0" cy="0"/>
-        </a:xfrm>
-      </p:grpSpPr>
-      <p:sp>
-        <p:nvSpPr>
-          <p:cNvPr id="2" name="Title 1">
-            <a:extLst>
-              <a:ext uri="{FF2B5EF4-FFF2-40B4-BE49-F238E27FC236}">
-                <a16:creationId xmlns:a16="http://schemas.microsoft.com/office/drawing/2014/main" id="{31C71DE5-A63D-E34A-9605-F43285D2548A}"/>
-              </a:ext>
-            </a:extLst>
-          </p:cNvPr>
-          <p:cNvSpPr>
-            <a:spLocks noGrp="1"/>
-          </p:cNvSpPr>
-          <p:nvPr>
-            <p:ph type="title"/>
-          </p:nvPr>
-        </p:nvSpPr>
-        <p:spPr/>
-        <p:txBody>
-          <a:bodyPr/>
-          <a:lstStyle/>
-          <a:p>
-            <a:r>
-              <a:rPr lang="en-US" b="1" dirty="0">
+              <a:t>Assaf </a:t>
+            </a:r>
+            <a:r>
+              <a:rPr lang="en-US" sz="3200" dirty="0" err="1">
                 <a:solidFill>
                   <a:schemeClr val="bg1"/>
                 </a:solidFill>
@@ -4623,15 +5719,348 @@
                 <a:ea typeface="Helvetica Neue" panose="02000503000000020004" pitchFamily="2" charset="0"/>
                 <a:cs typeface="Helvetica Neue" panose="02000503000000020004" pitchFamily="2" charset="0"/>
               </a:rPr>
-              <a:t>Volatility</a:t>
-            </a:r>
+              <a:t>Almog</a:t>
+            </a:r>
+            <a:r>
+              <a:rPr lang="en-US" sz="3200" dirty="0">
+                <a:solidFill>
+                  <a:schemeClr val="bg1"/>
+                </a:solidFill>
+                <a:latin typeface="Helvetica Neue" panose="02000503000000020004" pitchFamily="2" charset="0"/>
+                <a:ea typeface="Helvetica Neue" panose="02000503000000020004" pitchFamily="2" charset="0"/>
+                <a:cs typeface="Helvetica Neue" panose="02000503000000020004" pitchFamily="2" charset="0"/>
+              </a:rPr>
+              <a:t> &amp; </a:t>
+            </a:r>
+            <a:r>
+              <a:rPr lang="en-US" sz="3200" dirty="0" err="1">
+                <a:solidFill>
+                  <a:schemeClr val="bg1"/>
+                </a:solidFill>
+                <a:latin typeface="Helvetica Neue" panose="02000503000000020004" pitchFamily="2" charset="0"/>
+                <a:ea typeface="Helvetica Neue" panose="02000503000000020004" pitchFamily="2" charset="0"/>
+                <a:cs typeface="Helvetica Neue" panose="02000503000000020004" pitchFamily="2" charset="0"/>
+              </a:rPr>
+              <a:t>Erez</a:t>
+            </a:r>
+            <a:r>
+              <a:rPr lang="en-US" sz="3200" dirty="0">
+                <a:solidFill>
+                  <a:schemeClr val="bg1"/>
+                </a:solidFill>
+                <a:latin typeface="Helvetica Neue" panose="02000503000000020004" pitchFamily="2" charset="0"/>
+                <a:ea typeface="Helvetica Neue" panose="02000503000000020004" pitchFamily="2" charset="0"/>
+                <a:cs typeface="Helvetica Neue" panose="02000503000000020004" pitchFamily="2" charset="0"/>
+              </a:rPr>
+              <a:t> </a:t>
+            </a:r>
+            <a:r>
+              <a:rPr lang="en-US" sz="3200" dirty="0" err="1">
+                <a:solidFill>
+                  <a:schemeClr val="bg1"/>
+                </a:solidFill>
+                <a:latin typeface="Helvetica Neue" panose="02000503000000020004" pitchFamily="2" charset="0"/>
+                <a:ea typeface="Helvetica Neue" panose="02000503000000020004" pitchFamily="2" charset="0"/>
+                <a:cs typeface="Helvetica Neue" panose="02000503000000020004" pitchFamily="2" charset="0"/>
+              </a:rPr>
+              <a:t>Shmueli</a:t>
+            </a:r>
+            <a:r>
+              <a:rPr lang="en-US" sz="3200" dirty="0">
+                <a:solidFill>
+                  <a:schemeClr val="bg1"/>
+                </a:solidFill>
+                <a:latin typeface="Helvetica Neue" panose="02000503000000020004" pitchFamily="2" charset="0"/>
+                <a:ea typeface="Helvetica Neue" panose="02000503000000020004" pitchFamily="2" charset="0"/>
+                <a:cs typeface="Helvetica Neue" panose="02000503000000020004" pitchFamily="2" charset="0"/>
+              </a:rPr>
+              <a:t>, “Structural Entropy: Monitoring Correlation-Based Networks Over Time With Application to Financial Markets”, </a:t>
+            </a:r>
+            <a:r>
+              <a:rPr lang="en-US" sz="3200" i="1" dirty="0">
+                <a:solidFill>
+                  <a:schemeClr val="bg1"/>
+                </a:solidFill>
+                <a:latin typeface="Helvetica Neue" panose="02000503000000020004" pitchFamily="2" charset="0"/>
+                <a:ea typeface="Helvetica Neue" panose="02000503000000020004" pitchFamily="2" charset="0"/>
+                <a:cs typeface="Helvetica Neue" panose="02000503000000020004" pitchFamily="2" charset="0"/>
+              </a:rPr>
+              <a:t>Scientific Reports </a:t>
+            </a:r>
+            <a:r>
+              <a:rPr lang="en-US" sz="3200" dirty="0">
+                <a:solidFill>
+                  <a:schemeClr val="bg1"/>
+                </a:solidFill>
+                <a:latin typeface="Helvetica Neue" panose="02000503000000020004" pitchFamily="2" charset="0"/>
+                <a:ea typeface="Helvetica Neue" panose="02000503000000020004" pitchFamily="2" charset="0"/>
+                <a:cs typeface="Helvetica Neue" panose="02000503000000020004" pitchFamily="2" charset="0"/>
+              </a:rPr>
+              <a:t>(2019)</a:t>
+            </a:r>
+          </a:p>
+          <a:p>
+            <a:pPr>
+              <a:spcAft>
+                <a:spcPts val="1000"/>
+              </a:spcAft>
+            </a:pPr>
+            <a:r>
+              <a:rPr lang="en-US" sz="3200" dirty="0">
+                <a:solidFill>
+                  <a:schemeClr val="bg1"/>
+                </a:solidFill>
+                <a:latin typeface="Helvetica Neue" panose="02000503000000020004" pitchFamily="2" charset="0"/>
+                <a:ea typeface="Helvetica Neue" panose="02000503000000020004" pitchFamily="2" charset="0"/>
+                <a:cs typeface="Helvetica Neue" panose="02000503000000020004" pitchFamily="2" charset="0"/>
+              </a:rPr>
+              <a:t>H. </a:t>
+            </a:r>
+            <a:r>
+              <a:rPr lang="en-US" sz="3200" dirty="0" err="1">
+                <a:solidFill>
+                  <a:schemeClr val="bg1"/>
+                </a:solidFill>
+                <a:latin typeface="Helvetica Neue" panose="02000503000000020004" pitchFamily="2" charset="0"/>
+                <a:ea typeface="Helvetica Neue" panose="02000503000000020004" pitchFamily="2" charset="0"/>
+                <a:cs typeface="Helvetica Neue" panose="02000503000000020004" pitchFamily="2" charset="0"/>
+              </a:rPr>
+              <a:t>Felippe</a:t>
+            </a:r>
+            <a:r>
+              <a:rPr lang="en-US" sz="3200" dirty="0">
+                <a:solidFill>
+                  <a:schemeClr val="bg1"/>
+                </a:solidFill>
+                <a:latin typeface="Helvetica Neue" panose="02000503000000020004" pitchFamily="2" charset="0"/>
+                <a:ea typeface="Helvetica Neue" panose="02000503000000020004" pitchFamily="2" charset="0"/>
+                <a:cs typeface="Helvetica Neue" panose="02000503000000020004" pitchFamily="2" charset="0"/>
+              </a:rPr>
+              <a:t> </a:t>
+            </a:r>
+            <a:r>
+              <a:rPr lang="en-US" sz="3200" i="1" dirty="0">
+                <a:solidFill>
+                  <a:schemeClr val="bg1"/>
+                </a:solidFill>
+                <a:latin typeface="Helvetica Neue" panose="02000503000000020004" pitchFamily="2" charset="0"/>
+                <a:ea typeface="Helvetica Neue" panose="02000503000000020004" pitchFamily="2" charset="0"/>
+                <a:cs typeface="Helvetica Neue" panose="02000503000000020004" pitchFamily="2" charset="0"/>
+              </a:rPr>
+              <a:t>et. al</a:t>
+            </a:r>
+            <a:r>
+              <a:rPr lang="en-US" sz="3200" dirty="0">
+                <a:solidFill>
+                  <a:schemeClr val="bg1"/>
+                </a:solidFill>
+                <a:latin typeface="Helvetica Neue" panose="02000503000000020004" pitchFamily="2" charset="0"/>
+                <a:ea typeface="Helvetica Neue" panose="02000503000000020004" pitchFamily="2" charset="0"/>
+                <a:cs typeface="Helvetica Neue" panose="02000503000000020004" pitchFamily="2" charset="0"/>
+              </a:rPr>
+              <a:t>., “The von Neumann entropy for the Pearson correlation matrix: A test of the entropic brain hypothesis”, </a:t>
+            </a:r>
+            <a:r>
+              <a:rPr lang="en-US" sz="3200" i="1" dirty="0">
+                <a:solidFill>
+                  <a:schemeClr val="bg1"/>
+                </a:solidFill>
+                <a:latin typeface="Helvetica Neue" panose="02000503000000020004" pitchFamily="2" charset="0"/>
+                <a:ea typeface="Helvetica Neue" panose="02000503000000020004" pitchFamily="2" charset="0"/>
+                <a:cs typeface="Helvetica Neue" panose="02000503000000020004" pitchFamily="2" charset="0"/>
+              </a:rPr>
+              <a:t>arXiv</a:t>
+            </a:r>
+            <a:r>
+              <a:rPr lang="en-US" sz="3200" dirty="0">
+                <a:solidFill>
+                  <a:schemeClr val="bg1"/>
+                </a:solidFill>
+                <a:latin typeface="Helvetica Neue" panose="02000503000000020004" pitchFamily="2" charset="0"/>
+                <a:ea typeface="Helvetica Neue" panose="02000503000000020004" pitchFamily="2" charset="0"/>
+                <a:cs typeface="Helvetica Neue" panose="02000503000000020004" pitchFamily="2" charset="0"/>
+              </a:rPr>
+              <a:t>:2106.05379 (2021)</a:t>
+            </a:r>
+          </a:p>
+          <a:p>
+            <a:pPr>
+              <a:spcAft>
+                <a:spcPts val="1000"/>
+              </a:spcAft>
+            </a:pPr>
+            <a:r>
+              <a:rPr lang="en-US" sz="3200" dirty="0">
+                <a:solidFill>
+                  <a:schemeClr val="bg1"/>
+                </a:solidFill>
+                <a:latin typeface="Helvetica Neue" panose="02000503000000020004" pitchFamily="2" charset="0"/>
+                <a:ea typeface="Helvetica Neue" panose="02000503000000020004" pitchFamily="2" charset="0"/>
+                <a:cs typeface="Helvetica Neue" panose="02000503000000020004" pitchFamily="2" charset="0"/>
+              </a:rPr>
+              <a:t>A. Lipton &amp; A. Pentland, “Breaking the Bank”, </a:t>
+            </a:r>
+            <a:r>
+              <a:rPr lang="en-US" sz="3200" i="1" dirty="0">
+                <a:solidFill>
+                  <a:schemeClr val="bg1"/>
+                </a:solidFill>
+                <a:latin typeface="Helvetica Neue" panose="02000503000000020004" pitchFamily="2" charset="0"/>
+                <a:ea typeface="Helvetica Neue" panose="02000503000000020004" pitchFamily="2" charset="0"/>
+                <a:cs typeface="Helvetica Neue" panose="02000503000000020004" pitchFamily="2" charset="0"/>
+              </a:rPr>
+              <a:t>Scientific American </a:t>
+            </a:r>
+            <a:r>
+              <a:rPr lang="en-US" sz="3200" dirty="0">
+                <a:solidFill>
+                  <a:schemeClr val="bg1"/>
+                </a:solidFill>
+                <a:latin typeface="Helvetica Neue" panose="02000503000000020004" pitchFamily="2" charset="0"/>
+                <a:ea typeface="Helvetica Neue" panose="02000503000000020004" pitchFamily="2" charset="0"/>
+                <a:cs typeface="Helvetica Neue" panose="02000503000000020004" pitchFamily="2" charset="0"/>
+              </a:rPr>
+              <a:t>(2018)</a:t>
+            </a:r>
+          </a:p>
+          <a:p>
+            <a:pPr>
+              <a:spcAft>
+                <a:spcPts val="1000"/>
+              </a:spcAft>
+            </a:pPr>
+            <a:r>
+              <a:rPr lang="en-US" sz="3200" dirty="0">
+                <a:solidFill>
+                  <a:schemeClr val="bg1"/>
+                </a:solidFill>
+                <a:latin typeface="Helvetica Neue" panose="02000503000000020004" pitchFamily="2" charset="0"/>
+                <a:ea typeface="Helvetica Neue" panose="02000503000000020004" pitchFamily="2" charset="0"/>
+                <a:cs typeface="Helvetica Neue" panose="02000503000000020004" pitchFamily="2" charset="0"/>
+              </a:rPr>
+              <a:t>https://</a:t>
+            </a:r>
+            <a:r>
+              <a:rPr lang="en-US" sz="3200" dirty="0" err="1">
+                <a:solidFill>
+                  <a:schemeClr val="bg1"/>
+                </a:solidFill>
+                <a:latin typeface="Helvetica Neue" panose="02000503000000020004" pitchFamily="2" charset="0"/>
+                <a:ea typeface="Helvetica Neue" panose="02000503000000020004" pitchFamily="2" charset="0"/>
+                <a:cs typeface="Helvetica Neue" panose="02000503000000020004" pitchFamily="2" charset="0"/>
+              </a:rPr>
+              <a:t>wallpaperaccess.com</a:t>
+            </a:r>
+            <a:r>
+              <a:rPr lang="en-US" sz="3200" dirty="0">
+                <a:solidFill>
+                  <a:schemeClr val="bg1"/>
+                </a:solidFill>
+                <a:latin typeface="Helvetica Neue" panose="02000503000000020004" pitchFamily="2" charset="0"/>
+                <a:ea typeface="Helvetica Neue" panose="02000503000000020004" pitchFamily="2" charset="0"/>
+                <a:cs typeface="Helvetica Neue" panose="02000503000000020004" pitchFamily="2" charset="0"/>
+              </a:rPr>
+              <a:t>/blockchain-4k</a:t>
+            </a:r>
+          </a:p>
+          <a:p>
+            <a:pPr>
+              <a:spcAft>
+                <a:spcPts val="1000"/>
+              </a:spcAft>
+            </a:pPr>
+            <a:r>
+              <a:rPr lang="en-US" sz="3200" dirty="0">
+                <a:solidFill>
+                  <a:schemeClr val="bg1"/>
+                </a:solidFill>
+                <a:latin typeface="Helvetica Neue" panose="02000503000000020004" pitchFamily="2" charset="0"/>
+                <a:ea typeface="Helvetica Neue" panose="02000503000000020004" pitchFamily="2" charset="0"/>
+                <a:cs typeface="Helvetica Neue" panose="02000503000000020004" pitchFamily="2" charset="0"/>
+              </a:rPr>
+              <a:t>https://</a:t>
+            </a:r>
+            <a:r>
+              <a:rPr lang="en-US" sz="3200" dirty="0" err="1">
+                <a:solidFill>
+                  <a:schemeClr val="bg1"/>
+                </a:solidFill>
+                <a:latin typeface="Helvetica Neue" panose="02000503000000020004" pitchFamily="2" charset="0"/>
+                <a:ea typeface="Helvetica Neue" panose="02000503000000020004" pitchFamily="2" charset="0"/>
+                <a:cs typeface="Helvetica Neue" panose="02000503000000020004" pitchFamily="2" charset="0"/>
+              </a:rPr>
+              <a:t>nasaspaceflight.com</a:t>
+            </a:r>
+            <a:endParaRPr lang="en-US" sz="3200" dirty="0">
+              <a:solidFill>
+                <a:schemeClr val="bg1"/>
+              </a:solidFill>
+              <a:latin typeface="Helvetica Neue" panose="02000503000000020004" pitchFamily="2" charset="0"/>
+              <a:ea typeface="Helvetica Neue" panose="02000503000000020004" pitchFamily="2" charset="0"/>
+              <a:cs typeface="Helvetica Neue" panose="02000503000000020004" pitchFamily="2" charset="0"/>
+            </a:endParaRPr>
+          </a:p>
+          <a:p>
+            <a:pPr>
+              <a:spcAft>
+                <a:spcPts val="1000"/>
+              </a:spcAft>
+            </a:pPr>
+            <a:r>
+              <a:rPr lang="en-US" sz="3200" dirty="0">
+                <a:solidFill>
+                  <a:schemeClr val="bg1"/>
+                </a:solidFill>
+                <a:latin typeface="Helvetica Neue" panose="02000503000000020004" pitchFamily="2" charset="0"/>
+                <a:ea typeface="Helvetica Neue" panose="02000503000000020004" pitchFamily="2" charset="0"/>
+                <a:cs typeface="Helvetica Neue" panose="02000503000000020004" pitchFamily="2" charset="0"/>
+              </a:rPr>
+              <a:t>https://</a:t>
+            </a:r>
+            <a:r>
+              <a:rPr lang="en-US" sz="3200" dirty="0" err="1">
+                <a:solidFill>
+                  <a:schemeClr val="bg1"/>
+                </a:solidFill>
+                <a:latin typeface="Helvetica Neue" panose="02000503000000020004" pitchFamily="2" charset="0"/>
+                <a:ea typeface="Helvetica Neue" panose="02000503000000020004" pitchFamily="2" charset="0"/>
+                <a:cs typeface="Helvetica Neue" panose="02000503000000020004" pitchFamily="2" charset="0"/>
+              </a:rPr>
+              <a:t>www.euromoney.com</a:t>
+            </a:r>
+            <a:r>
+              <a:rPr lang="en-US" sz="3200" dirty="0">
+                <a:solidFill>
+                  <a:schemeClr val="bg1"/>
+                </a:solidFill>
+                <a:latin typeface="Helvetica Neue" panose="02000503000000020004" pitchFamily="2" charset="0"/>
+                <a:ea typeface="Helvetica Neue" panose="02000503000000020004" pitchFamily="2" charset="0"/>
+                <a:cs typeface="Helvetica Neue" panose="02000503000000020004" pitchFamily="2" charset="0"/>
+              </a:rPr>
+              <a:t>/learning/blockchain-explained/</a:t>
+            </a:r>
+          </a:p>
+          <a:p>
+            <a:pPr>
+              <a:spcAft>
+                <a:spcPts val="1000"/>
+              </a:spcAft>
+            </a:pPr>
+            <a:endParaRPr lang="en-US" sz="2800" b="1" dirty="0">
+              <a:solidFill>
+                <a:schemeClr val="bg1"/>
+              </a:solidFill>
+              <a:latin typeface="Helvetica Neue" panose="02000503000000020004" pitchFamily="2" charset="0"/>
+              <a:ea typeface="Helvetica Neue" panose="02000503000000020004" pitchFamily="2" charset="0"/>
+              <a:cs typeface="Helvetica Neue" panose="02000503000000020004" pitchFamily="2" charset="0"/>
+            </a:endParaRPr>
           </a:p>
         </p:txBody>
       </p:sp>
     </p:spTree>
     <p:extLst>
       <p:ext uri="{BB962C8B-B14F-4D97-AF65-F5344CB8AC3E}">
-        <p14:creationId xmlns:p14="http://schemas.microsoft.com/office/powerpoint/2010/main" val="4046417185"/>
+        <p14:creationId xmlns:p14="http://schemas.microsoft.com/office/powerpoint/2010/main" val="3626378393"/>
       </p:ext>
     </p:extLst>
   </p:cSld>
@@ -4666,6 +6095,66 @@
           <a:chExt cx="0" cy="0"/>
         </a:xfrm>
       </p:grpSpPr>
+      <p:pic>
+        <p:nvPicPr>
+          <p:cNvPr id="14" name="Picture 13">
+            <a:extLst>
+              <a:ext uri="{FF2B5EF4-FFF2-40B4-BE49-F238E27FC236}">
+                <a16:creationId xmlns:a16="http://schemas.microsoft.com/office/drawing/2014/main" id="{A37CC478-B672-434F-97E8-654244C58D70}"/>
+              </a:ext>
+            </a:extLst>
+          </p:cNvPr>
+          <p:cNvPicPr>
+            <a:picLocks noChangeAspect="1"/>
+          </p:cNvPicPr>
+          <p:nvPr/>
+        </p:nvPicPr>
+        <p:blipFill>
+          <a:blip r:embed="rId2"/>
+          <a:stretch>
+            <a:fillRect/>
+          </a:stretch>
+        </p:blipFill>
+        <p:spPr>
+          <a:xfrm>
+            <a:off x="1388616" y="1958054"/>
+            <a:ext cx="4449964" cy="2972437"/>
+          </a:xfrm>
+          <a:prstGeom prst="rect">
+            <a:avLst/>
+          </a:prstGeom>
+        </p:spPr>
+      </p:pic>
+      <p:pic>
+        <p:nvPicPr>
+          <p:cNvPr id="10" name="Picture 9">
+            <a:extLst>
+              <a:ext uri="{FF2B5EF4-FFF2-40B4-BE49-F238E27FC236}">
+                <a16:creationId xmlns:a16="http://schemas.microsoft.com/office/drawing/2014/main" id="{B3AD1807-7B8E-9142-BE41-009F0331CD30}"/>
+              </a:ext>
+            </a:extLst>
+          </p:cNvPr>
+          <p:cNvPicPr>
+            <a:picLocks noChangeAspect="1"/>
+          </p:cNvPicPr>
+          <p:nvPr/>
+        </p:nvPicPr>
+        <p:blipFill>
+          <a:blip r:embed="rId3"/>
+          <a:stretch>
+            <a:fillRect/>
+          </a:stretch>
+        </p:blipFill>
+        <p:spPr>
+          <a:xfrm>
+            <a:off x="7004297" y="2924413"/>
+            <a:ext cx="4586857" cy="2556766"/>
+          </a:xfrm>
+          <a:prstGeom prst="rect">
+            <a:avLst/>
+          </a:prstGeom>
+        </p:spPr>
+      </p:pic>
       <p:sp>
         <p:nvSpPr>
           <p:cNvPr id="2" name="Title 1">
@@ -4685,11 +6174,13 @@
         <p:spPr>
           <a:xfrm>
             <a:off x="838200" y="365125"/>
-            <a:ext cx="7178040" cy="1325563"/>
+            <a:ext cx="10196744" cy="1325563"/>
           </a:xfrm>
         </p:spPr>
         <p:txBody>
-          <a:bodyPr/>
+          <a:bodyPr>
+            <a:normAutofit/>
+          </a:bodyPr>
           <a:lstStyle/>
           <a:p>
             <a:r>
@@ -4701,7 +6192,7 @@
                 <a:ea typeface="Helvetica Neue" panose="02000503000000020004" pitchFamily="2" charset="0"/>
                 <a:cs typeface="Helvetica Neue" panose="02000503000000020004" pitchFamily="2" charset="0"/>
               </a:rPr>
-              <a:t>Defence – Opportunity for Investment?</a:t>
+              <a:t>Cryptocurrency – Force for Good?</a:t>
             </a:r>
           </a:p>
         </p:txBody>
@@ -4724,8 +6215,8 @@
         </p:nvSpPr>
         <p:spPr>
           <a:xfrm>
-            <a:off x="1640840" y="1998345"/>
-            <a:ext cx="6375400" cy="2106295"/>
+            <a:off x="5422727" y="1598850"/>
+            <a:ext cx="6375400" cy="1543845"/>
           </a:xfrm>
         </p:spPr>
         <p:txBody>
@@ -4744,39 +6235,7 @@
                 <a:ea typeface="Helvetica Neue" panose="02000503000000020004" pitchFamily="2" charset="0"/>
                 <a:cs typeface="Times New Roman" panose="02020603050405020304" pitchFamily="18" charset="0"/>
               </a:rPr>
-              <a:t>“Defense stocks double the S&amp;P 500’s</a:t>
-            </a:r>
-          </a:p>
-          <a:p>
-            <a:pPr marL="0" indent="0">
-              <a:buNone/>
-            </a:pPr>
-            <a:r>
-              <a:rPr lang="en-US" b="1" dirty="0">
-                <a:solidFill>
-                  <a:schemeClr val="bg1"/>
-                </a:solidFill>
-                <a:latin typeface="Times New Roman" panose="02020603050405020304" pitchFamily="18" charset="0"/>
-                <a:ea typeface="Helvetica Neue" panose="02000503000000020004" pitchFamily="2" charset="0"/>
-                <a:cs typeface="Times New Roman" panose="02020603050405020304" pitchFamily="18" charset="0"/>
-              </a:rPr>
-              <a:t>return six months after Middle East</a:t>
-            </a:r>
-          </a:p>
-          <a:p>
-            <a:pPr marL="0" indent="0">
-              <a:buNone/>
-            </a:pPr>
-            <a:r>
-              <a:rPr lang="en-US" b="1" dirty="0">
-                <a:solidFill>
-                  <a:schemeClr val="bg1"/>
-                </a:solidFill>
-                <a:latin typeface="Times New Roman" panose="02020603050405020304" pitchFamily="18" charset="0"/>
-                <a:ea typeface="Helvetica Neue" panose="02000503000000020004" pitchFamily="2" charset="0"/>
-                <a:cs typeface="Times New Roman" panose="02020603050405020304" pitchFamily="18" charset="0"/>
-              </a:rPr>
-              <a:t>turmoil, history shows”</a:t>
+              <a:t>“Is the cryptocurrency trading boom creating a new generation of addicts? ”</a:t>
             </a:r>
           </a:p>
           <a:p>
@@ -4792,7 +6251,7 @@
                 <a:ea typeface="Helvetica Neue" panose="02000503000000020004" pitchFamily="2" charset="0"/>
                 <a:cs typeface="Helvetica Neue" panose="02000503000000020004" pitchFamily="2" charset="0"/>
               </a:rPr>
-              <a:t>- CNBC</a:t>
+              <a:t>- The Guardian</a:t>
             </a:r>
           </a:p>
         </p:txBody>
@@ -4813,8 +6272,8 @@
         </p:nvSpPr>
         <p:spPr>
           <a:xfrm>
-            <a:off x="594360" y="4253865"/>
-            <a:ext cx="6609080" cy="2106295"/>
+            <a:off x="397547" y="4930491"/>
+            <a:ext cx="6609080" cy="1498865"/>
           </a:xfrm>
           <a:prstGeom prst="rect">
             <a:avLst/>
@@ -4990,7 +6449,6 @@
           </a:lstStyle>
           <a:p>
             <a:pPr marL="0" indent="0">
-              <a:buFont typeface="Arial" panose="020B0604020202020204" pitchFamily="34" charset="0"/>
               <a:buNone/>
             </a:pPr>
             <a:r>
@@ -5002,7 +6460,29 @@
                 <a:ea typeface="Helvetica Neue" panose="02000503000000020004" pitchFamily="2" charset="0"/>
                 <a:cs typeface="Times New Roman" panose="02020603050405020304" pitchFamily="18" charset="0"/>
               </a:rPr>
-              <a:t>“REVEALED: Lawmakers MASSIVELY Beat Stock Market in 2021”</a:t>
+              <a:t>“Cryptocurrency: rise of </a:t>
+            </a:r>
+            <a:r>
+              <a:rPr lang="en-US" b="1" dirty="0" err="1">
+                <a:solidFill>
+                  <a:schemeClr val="bg1"/>
+                </a:solidFill>
+                <a:latin typeface="Times New Roman" panose="02020603050405020304" pitchFamily="18" charset="0"/>
+                <a:ea typeface="Helvetica Neue" panose="02000503000000020004" pitchFamily="2" charset="0"/>
+                <a:cs typeface="Times New Roman" panose="02020603050405020304" pitchFamily="18" charset="0"/>
+              </a:rPr>
+              <a:t>decentralised</a:t>
+            </a:r>
+            <a:r>
+              <a:rPr lang="en-US" b="1" dirty="0">
+                <a:solidFill>
+                  <a:schemeClr val="bg1"/>
+                </a:solidFill>
+                <a:latin typeface="Times New Roman" panose="02020603050405020304" pitchFamily="18" charset="0"/>
+                <a:ea typeface="Helvetica Neue" panose="02000503000000020004" pitchFamily="2" charset="0"/>
+                <a:cs typeface="Times New Roman" panose="02020603050405020304" pitchFamily="18" charset="0"/>
+              </a:rPr>
+              <a:t> finance sparks ‘dirty money’ fears!”</a:t>
             </a:r>
           </a:p>
           <a:p>
@@ -5019,7 +6499,233 @@
                 <a:ea typeface="Helvetica Neue" panose="02000503000000020004" pitchFamily="2" charset="0"/>
                 <a:cs typeface="Helvetica Neue" panose="02000503000000020004" pitchFamily="2" charset="0"/>
               </a:rPr>
-              <a:t>- Breaking Points</a:t>
+              <a:t>- The Financial Times</a:t>
+            </a:r>
+          </a:p>
+        </p:txBody>
+      </p:sp>
+      <p:sp>
+        <p:nvSpPr>
+          <p:cNvPr id="7" name="Content Placeholder 2">
+            <a:extLst>
+              <a:ext uri="{FF2B5EF4-FFF2-40B4-BE49-F238E27FC236}">
+                <a16:creationId xmlns:a16="http://schemas.microsoft.com/office/drawing/2014/main" id="{C16D38E6-FD36-A641-B052-149AD511E79C}"/>
+              </a:ext>
+            </a:extLst>
+          </p:cNvPr>
+          <p:cNvSpPr txBox="1">
+            <a:spLocks/>
+          </p:cNvSpPr>
+          <p:nvPr/>
+        </p:nvSpPr>
+        <p:spPr>
+          <a:xfrm>
+            <a:off x="7744238" y="5124764"/>
+            <a:ext cx="4447762" cy="1543845"/>
+          </a:xfrm>
+          <a:prstGeom prst="rect">
+            <a:avLst/>
+          </a:prstGeom>
+        </p:spPr>
+        <p:txBody>
+          <a:bodyPr vert="horz" lIns="91440" tIns="45720" rIns="91440" bIns="45720" rtlCol="0">
+            <a:normAutofit/>
+          </a:bodyPr>
+          <a:lstStyle>
+            <a:lvl1pPr marL="228600" indent="-228600" algn="l" defTabSz="914400" rtl="0" eaLnBrk="1" latinLnBrk="0" hangingPunct="1">
+              <a:lnSpc>
+                <a:spcPct val="90000"/>
+              </a:lnSpc>
+              <a:spcBef>
+                <a:spcPts val="1000"/>
+              </a:spcBef>
+              <a:buFont typeface="Arial" panose="020B0604020202020204" pitchFamily="34" charset="0"/>
+              <a:buChar char="•"/>
+              <a:defRPr sz="2800" kern="1200">
+                <a:solidFill>
+                  <a:schemeClr val="tx1"/>
+                </a:solidFill>
+                <a:latin typeface="+mn-lt"/>
+                <a:ea typeface="+mn-ea"/>
+                <a:cs typeface="+mn-cs"/>
+              </a:defRPr>
+            </a:lvl1pPr>
+            <a:lvl2pPr marL="685800" indent="-228600" algn="l" defTabSz="914400" rtl="0" eaLnBrk="1" latinLnBrk="0" hangingPunct="1">
+              <a:lnSpc>
+                <a:spcPct val="90000"/>
+              </a:lnSpc>
+              <a:spcBef>
+                <a:spcPts val="500"/>
+              </a:spcBef>
+              <a:buFont typeface="Arial" panose="020B0604020202020204" pitchFamily="34" charset="0"/>
+              <a:buChar char="•"/>
+              <a:defRPr sz="2400" kern="1200">
+                <a:solidFill>
+                  <a:schemeClr val="tx1"/>
+                </a:solidFill>
+                <a:latin typeface="+mn-lt"/>
+                <a:ea typeface="+mn-ea"/>
+                <a:cs typeface="+mn-cs"/>
+              </a:defRPr>
+            </a:lvl2pPr>
+            <a:lvl3pPr marL="1143000" indent="-228600" algn="l" defTabSz="914400" rtl="0" eaLnBrk="1" latinLnBrk="0" hangingPunct="1">
+              <a:lnSpc>
+                <a:spcPct val="90000"/>
+              </a:lnSpc>
+              <a:spcBef>
+                <a:spcPts val="500"/>
+              </a:spcBef>
+              <a:buFont typeface="Arial" panose="020B0604020202020204" pitchFamily="34" charset="0"/>
+              <a:buChar char="•"/>
+              <a:defRPr sz="2000" kern="1200">
+                <a:solidFill>
+                  <a:schemeClr val="tx1"/>
+                </a:solidFill>
+                <a:latin typeface="+mn-lt"/>
+                <a:ea typeface="+mn-ea"/>
+                <a:cs typeface="+mn-cs"/>
+              </a:defRPr>
+            </a:lvl3pPr>
+            <a:lvl4pPr marL="1600200" indent="-228600" algn="l" defTabSz="914400" rtl="0" eaLnBrk="1" latinLnBrk="0" hangingPunct="1">
+              <a:lnSpc>
+                <a:spcPct val="90000"/>
+              </a:lnSpc>
+              <a:spcBef>
+                <a:spcPts val="500"/>
+              </a:spcBef>
+              <a:buFont typeface="Arial" panose="020B0604020202020204" pitchFamily="34" charset="0"/>
+              <a:buChar char="•"/>
+              <a:defRPr sz="1800" kern="1200">
+                <a:solidFill>
+                  <a:schemeClr val="tx1"/>
+                </a:solidFill>
+                <a:latin typeface="+mn-lt"/>
+                <a:ea typeface="+mn-ea"/>
+                <a:cs typeface="+mn-cs"/>
+              </a:defRPr>
+            </a:lvl4pPr>
+            <a:lvl5pPr marL="2057400" indent="-228600" algn="l" defTabSz="914400" rtl="0" eaLnBrk="1" latinLnBrk="0" hangingPunct="1">
+              <a:lnSpc>
+                <a:spcPct val="90000"/>
+              </a:lnSpc>
+              <a:spcBef>
+                <a:spcPts val="500"/>
+              </a:spcBef>
+              <a:buFont typeface="Arial" panose="020B0604020202020204" pitchFamily="34" charset="0"/>
+              <a:buChar char="•"/>
+              <a:defRPr sz="1800" kern="1200">
+                <a:solidFill>
+                  <a:schemeClr val="tx1"/>
+                </a:solidFill>
+                <a:latin typeface="+mn-lt"/>
+                <a:ea typeface="+mn-ea"/>
+                <a:cs typeface="+mn-cs"/>
+              </a:defRPr>
+            </a:lvl5pPr>
+            <a:lvl6pPr marL="2514600" indent="-228600" algn="l" defTabSz="914400" rtl="0" eaLnBrk="1" latinLnBrk="0" hangingPunct="1">
+              <a:lnSpc>
+                <a:spcPct val="90000"/>
+              </a:lnSpc>
+              <a:spcBef>
+                <a:spcPts val="500"/>
+              </a:spcBef>
+              <a:buFont typeface="Arial" panose="020B0604020202020204" pitchFamily="34" charset="0"/>
+              <a:buChar char="•"/>
+              <a:defRPr sz="1800" kern="1200">
+                <a:solidFill>
+                  <a:schemeClr val="tx1"/>
+                </a:solidFill>
+                <a:latin typeface="+mn-lt"/>
+                <a:ea typeface="+mn-ea"/>
+                <a:cs typeface="+mn-cs"/>
+              </a:defRPr>
+            </a:lvl6pPr>
+            <a:lvl7pPr marL="2971800" indent="-228600" algn="l" defTabSz="914400" rtl="0" eaLnBrk="1" latinLnBrk="0" hangingPunct="1">
+              <a:lnSpc>
+                <a:spcPct val="90000"/>
+              </a:lnSpc>
+              <a:spcBef>
+                <a:spcPts val="500"/>
+              </a:spcBef>
+              <a:buFont typeface="Arial" panose="020B0604020202020204" pitchFamily="34" charset="0"/>
+              <a:buChar char="•"/>
+              <a:defRPr sz="1800" kern="1200">
+                <a:solidFill>
+                  <a:schemeClr val="tx1"/>
+                </a:solidFill>
+                <a:latin typeface="+mn-lt"/>
+                <a:ea typeface="+mn-ea"/>
+                <a:cs typeface="+mn-cs"/>
+              </a:defRPr>
+            </a:lvl7pPr>
+            <a:lvl8pPr marL="3429000" indent="-228600" algn="l" defTabSz="914400" rtl="0" eaLnBrk="1" latinLnBrk="0" hangingPunct="1">
+              <a:lnSpc>
+                <a:spcPct val="90000"/>
+              </a:lnSpc>
+              <a:spcBef>
+                <a:spcPts val="500"/>
+              </a:spcBef>
+              <a:buFont typeface="Arial" panose="020B0604020202020204" pitchFamily="34" charset="0"/>
+              <a:buChar char="•"/>
+              <a:defRPr sz="1800" kern="1200">
+                <a:solidFill>
+                  <a:schemeClr val="tx1"/>
+                </a:solidFill>
+                <a:latin typeface="+mn-lt"/>
+                <a:ea typeface="+mn-ea"/>
+                <a:cs typeface="+mn-cs"/>
+              </a:defRPr>
+            </a:lvl8pPr>
+            <a:lvl9pPr marL="3886200" indent="-228600" algn="l" defTabSz="914400" rtl="0" eaLnBrk="1" latinLnBrk="0" hangingPunct="1">
+              <a:lnSpc>
+                <a:spcPct val="90000"/>
+              </a:lnSpc>
+              <a:spcBef>
+                <a:spcPts val="500"/>
+              </a:spcBef>
+              <a:buFont typeface="Arial" panose="020B0604020202020204" pitchFamily="34" charset="0"/>
+              <a:buChar char="•"/>
+              <a:defRPr sz="1800" kern="1200">
+                <a:solidFill>
+                  <a:schemeClr val="tx1"/>
+                </a:solidFill>
+                <a:latin typeface="+mn-lt"/>
+                <a:ea typeface="+mn-ea"/>
+                <a:cs typeface="+mn-cs"/>
+              </a:defRPr>
+            </a:lvl9pPr>
+          </a:lstStyle>
+          <a:p>
+            <a:pPr marL="0" indent="0">
+              <a:buNone/>
+            </a:pPr>
+            <a:r>
+              <a:rPr lang="en-US" b="1" dirty="0">
+                <a:solidFill>
+                  <a:schemeClr val="bg1"/>
+                </a:solidFill>
+                <a:latin typeface="Times New Roman" panose="02020603050405020304" pitchFamily="18" charset="0"/>
+                <a:ea typeface="Helvetica Neue" panose="02000503000000020004" pitchFamily="2" charset="0"/>
+                <a:cs typeface="Times New Roman" panose="02020603050405020304" pitchFamily="18" charset="0"/>
+              </a:rPr>
+              <a:t>“The ticking time bomb of cryptocurrencies”</a:t>
+            </a:r>
+          </a:p>
+          <a:p>
+            <a:pPr marL="0" indent="0">
+              <a:buFont typeface="Arial" panose="020B0604020202020204" pitchFamily="34" charset="0"/>
+              <a:buNone/>
+            </a:pPr>
+            <a:r>
+              <a:rPr lang="en-US" sz="2000" b="1" dirty="0">
+                <a:solidFill>
+                  <a:schemeClr val="bg1"/>
+                </a:solidFill>
+                <a:latin typeface="Helvetica Neue" panose="02000503000000020004" pitchFamily="2" charset="0"/>
+                <a:ea typeface="Helvetica Neue" panose="02000503000000020004" pitchFamily="2" charset="0"/>
+                <a:cs typeface="Helvetica Neue" panose="02000503000000020004" pitchFamily="2" charset="0"/>
+              </a:rPr>
+              <a:t>- The Guardian</a:t>
             </a:r>
           </a:p>
         </p:txBody>
@@ -5028,425 +6734,6 @@
     <p:extLst>
       <p:ext uri="{BB962C8B-B14F-4D97-AF65-F5344CB8AC3E}">
         <p14:creationId xmlns:p14="http://schemas.microsoft.com/office/powerpoint/2010/main" val="1563902525"/>
-      </p:ext>
-    </p:extLst>
-  </p:cSld>
-  <p:clrMapOvr>
-    <a:masterClrMapping/>
-  </p:clrMapOvr>
-</p:sld>
-</file>
-
-<file path=ppt/slides/slide20.xml><?xml version="1.0" encoding="utf-8"?>
-<p:sld xmlns:a="http://schemas.openxmlformats.org/drawingml/2006/main" xmlns:r="http://schemas.openxmlformats.org/officeDocument/2006/relationships" xmlns:p="http://schemas.openxmlformats.org/presentationml/2006/main">
-  <p:cSld>
-    <p:bg>
-      <p:bgPr>
-        <a:solidFill>
-          <a:srgbClr val="0E99DD"/>
-        </a:solidFill>
-        <a:effectLst/>
-      </p:bgPr>
-    </p:bg>
-    <p:spTree>
-      <p:nvGrpSpPr>
-        <p:cNvPr id="1" name=""/>
-        <p:cNvGrpSpPr/>
-        <p:nvPr/>
-      </p:nvGrpSpPr>
-      <p:grpSpPr>
-        <a:xfrm>
-          <a:off x="0" y="0"/>
-          <a:ext cx="0" cy="0"/>
-          <a:chOff x="0" y="0"/>
-          <a:chExt cx="0" cy="0"/>
-        </a:xfrm>
-      </p:grpSpPr>
-      <p:sp>
-        <p:nvSpPr>
-          <p:cNvPr id="2" name="Title 1">
-            <a:extLst>
-              <a:ext uri="{FF2B5EF4-FFF2-40B4-BE49-F238E27FC236}">
-                <a16:creationId xmlns:a16="http://schemas.microsoft.com/office/drawing/2014/main" id="{31C71DE5-A63D-E34A-9605-F43285D2548A}"/>
-              </a:ext>
-            </a:extLst>
-          </p:cNvPr>
-          <p:cNvSpPr>
-            <a:spLocks noGrp="1"/>
-          </p:cNvSpPr>
-          <p:nvPr>
-            <p:ph type="title"/>
-          </p:nvPr>
-        </p:nvSpPr>
-        <p:spPr/>
-        <p:txBody>
-          <a:bodyPr/>
-          <a:lstStyle/>
-          <a:p>
-            <a:r>
-              <a:rPr lang="en-US" b="1" dirty="0">
-                <a:solidFill>
-                  <a:schemeClr val="bg1"/>
-                </a:solidFill>
-                <a:latin typeface="Helvetica Neue" panose="02000503000000020004" pitchFamily="2" charset="0"/>
-                <a:ea typeface="Helvetica Neue" panose="02000503000000020004" pitchFamily="2" charset="0"/>
-                <a:cs typeface="Helvetica Neue" panose="02000503000000020004" pitchFamily="2" charset="0"/>
-              </a:rPr>
-              <a:t>Volatility</a:t>
-            </a:r>
-          </a:p>
-        </p:txBody>
-      </p:sp>
-    </p:spTree>
-    <p:extLst>
-      <p:ext uri="{BB962C8B-B14F-4D97-AF65-F5344CB8AC3E}">
-        <p14:creationId xmlns:p14="http://schemas.microsoft.com/office/powerpoint/2010/main" val="3641175914"/>
-      </p:ext>
-    </p:extLst>
-  </p:cSld>
-  <p:clrMapOvr>
-    <a:masterClrMapping/>
-  </p:clrMapOvr>
-</p:sld>
-</file>
-
-<file path=ppt/slides/slide21.xml><?xml version="1.0" encoding="utf-8"?>
-<p:sld xmlns:a="http://schemas.openxmlformats.org/drawingml/2006/main" xmlns:r="http://schemas.openxmlformats.org/officeDocument/2006/relationships" xmlns:p="http://schemas.openxmlformats.org/presentationml/2006/main">
-  <p:cSld>
-    <p:bg>
-      <p:bgPr>
-        <a:solidFill>
-          <a:srgbClr val="0E99DD"/>
-        </a:solidFill>
-        <a:effectLst/>
-      </p:bgPr>
-    </p:bg>
-    <p:spTree>
-      <p:nvGrpSpPr>
-        <p:cNvPr id="1" name=""/>
-        <p:cNvGrpSpPr/>
-        <p:nvPr/>
-      </p:nvGrpSpPr>
-      <p:grpSpPr>
-        <a:xfrm>
-          <a:off x="0" y="0"/>
-          <a:ext cx="0" cy="0"/>
-          <a:chOff x="0" y="0"/>
-          <a:chExt cx="0" cy="0"/>
-        </a:xfrm>
-      </p:grpSpPr>
-      <p:sp>
-        <p:nvSpPr>
-          <p:cNvPr id="2" name="Title 1">
-            <a:extLst>
-              <a:ext uri="{FF2B5EF4-FFF2-40B4-BE49-F238E27FC236}">
-                <a16:creationId xmlns:a16="http://schemas.microsoft.com/office/drawing/2014/main" id="{31C71DE5-A63D-E34A-9605-F43285D2548A}"/>
-              </a:ext>
-            </a:extLst>
-          </p:cNvPr>
-          <p:cNvSpPr>
-            <a:spLocks noGrp="1"/>
-          </p:cNvSpPr>
-          <p:nvPr>
-            <p:ph type="title"/>
-          </p:nvPr>
-        </p:nvSpPr>
-        <p:spPr/>
-        <p:txBody>
-          <a:bodyPr/>
-          <a:lstStyle/>
-          <a:p>
-            <a:r>
-              <a:rPr lang="en-US" b="1" dirty="0">
-                <a:solidFill>
-                  <a:schemeClr val="bg1"/>
-                </a:solidFill>
-                <a:latin typeface="Helvetica Neue" panose="02000503000000020004" pitchFamily="2" charset="0"/>
-                <a:ea typeface="Helvetica Neue" panose="02000503000000020004" pitchFamily="2" charset="0"/>
-                <a:cs typeface="Helvetica Neue" panose="02000503000000020004" pitchFamily="2" charset="0"/>
-              </a:rPr>
-              <a:t>Volatility</a:t>
-            </a:r>
-          </a:p>
-        </p:txBody>
-      </p:sp>
-    </p:spTree>
-    <p:extLst>
-      <p:ext uri="{BB962C8B-B14F-4D97-AF65-F5344CB8AC3E}">
-        <p14:creationId xmlns:p14="http://schemas.microsoft.com/office/powerpoint/2010/main" val="4265635818"/>
-      </p:ext>
-    </p:extLst>
-  </p:cSld>
-  <p:clrMapOvr>
-    <a:masterClrMapping/>
-  </p:clrMapOvr>
-</p:sld>
-</file>
-
-<file path=ppt/slides/slide22.xml><?xml version="1.0" encoding="utf-8"?>
-<p:sld xmlns:a="http://schemas.openxmlformats.org/drawingml/2006/main" xmlns:r="http://schemas.openxmlformats.org/officeDocument/2006/relationships" xmlns:p="http://schemas.openxmlformats.org/presentationml/2006/main">
-  <p:cSld>
-    <p:bg>
-      <p:bgPr>
-        <a:solidFill>
-          <a:srgbClr val="0E99DD"/>
-        </a:solidFill>
-        <a:effectLst/>
-      </p:bgPr>
-    </p:bg>
-    <p:spTree>
-      <p:nvGrpSpPr>
-        <p:cNvPr id="1" name=""/>
-        <p:cNvGrpSpPr/>
-        <p:nvPr/>
-      </p:nvGrpSpPr>
-      <p:grpSpPr>
-        <a:xfrm>
-          <a:off x="0" y="0"/>
-          <a:ext cx="0" cy="0"/>
-          <a:chOff x="0" y="0"/>
-          <a:chExt cx="0" cy="0"/>
-        </a:xfrm>
-      </p:grpSpPr>
-      <p:sp>
-        <p:nvSpPr>
-          <p:cNvPr id="2" name="Title 1">
-            <a:extLst>
-              <a:ext uri="{FF2B5EF4-FFF2-40B4-BE49-F238E27FC236}">
-                <a16:creationId xmlns:a16="http://schemas.microsoft.com/office/drawing/2014/main" id="{31C71DE5-A63D-E34A-9605-F43285D2548A}"/>
-              </a:ext>
-            </a:extLst>
-          </p:cNvPr>
-          <p:cNvSpPr>
-            <a:spLocks noGrp="1"/>
-          </p:cNvSpPr>
-          <p:nvPr>
-            <p:ph type="title"/>
-          </p:nvPr>
-        </p:nvSpPr>
-        <p:spPr/>
-        <p:txBody>
-          <a:bodyPr/>
-          <a:lstStyle/>
-          <a:p>
-            <a:r>
-              <a:rPr lang="en-US" b="1" dirty="0">
-                <a:solidFill>
-                  <a:schemeClr val="bg1"/>
-                </a:solidFill>
-                <a:latin typeface="Helvetica Neue" panose="02000503000000020004" pitchFamily="2" charset="0"/>
-                <a:ea typeface="Helvetica Neue" panose="02000503000000020004" pitchFamily="2" charset="0"/>
-                <a:cs typeface="Helvetica Neue" panose="02000503000000020004" pitchFamily="2" charset="0"/>
-              </a:rPr>
-              <a:t>Conclusion</a:t>
-            </a:r>
-          </a:p>
-        </p:txBody>
-      </p:sp>
-      <p:sp>
-        <p:nvSpPr>
-          <p:cNvPr id="3" name="Content Placeholder 2">
-            <a:extLst>
-              <a:ext uri="{FF2B5EF4-FFF2-40B4-BE49-F238E27FC236}">
-                <a16:creationId xmlns:a16="http://schemas.microsoft.com/office/drawing/2014/main" id="{AEAD33A4-EE6B-8145-AC73-578592755746}"/>
-              </a:ext>
-            </a:extLst>
-          </p:cNvPr>
-          <p:cNvSpPr>
-            <a:spLocks noGrp="1"/>
-          </p:cNvSpPr>
-          <p:nvPr>
-            <p:ph idx="1"/>
-          </p:nvPr>
-        </p:nvSpPr>
-        <p:spPr>
-          <a:xfrm>
-            <a:off x="838200" y="1690688"/>
-            <a:ext cx="10515600" cy="4811712"/>
-          </a:xfrm>
-        </p:spPr>
-        <p:txBody>
-          <a:bodyPr>
-            <a:normAutofit lnSpcReduction="10000"/>
-          </a:bodyPr>
-          <a:lstStyle/>
-          <a:p>
-            <a:pPr>
-              <a:spcAft>
-                <a:spcPts val="1000"/>
-              </a:spcAft>
-            </a:pPr>
-            <a:r>
-              <a:rPr lang="en-US" sz="3200" b="1" dirty="0">
-                <a:solidFill>
-                  <a:schemeClr val="bg1"/>
-                </a:solidFill>
-                <a:latin typeface="Helvetica Neue" panose="02000503000000020004" pitchFamily="2" charset="0"/>
-                <a:ea typeface="Helvetica Neue" panose="02000503000000020004" pitchFamily="2" charset="0"/>
-                <a:cs typeface="Helvetica Neue" panose="02000503000000020004" pitchFamily="2" charset="0"/>
-              </a:rPr>
-              <a:t>During geopolitical conflict, </a:t>
-            </a:r>
-            <a:r>
-              <a:rPr lang="en-US" sz="3200" b="1" dirty="0" err="1">
-                <a:solidFill>
-                  <a:schemeClr val="bg1"/>
-                </a:solidFill>
-                <a:latin typeface="Helvetica Neue" panose="02000503000000020004" pitchFamily="2" charset="0"/>
-                <a:ea typeface="Helvetica Neue" panose="02000503000000020004" pitchFamily="2" charset="0"/>
-                <a:cs typeface="Helvetica Neue" panose="02000503000000020004" pitchFamily="2" charset="0"/>
-              </a:rPr>
-              <a:t>defence</a:t>
-            </a:r>
-            <a:r>
-              <a:rPr lang="en-US" sz="3200" b="1" dirty="0">
-                <a:solidFill>
-                  <a:schemeClr val="bg1"/>
-                </a:solidFill>
-                <a:latin typeface="Helvetica Neue" panose="02000503000000020004" pitchFamily="2" charset="0"/>
-                <a:ea typeface="Helvetica Neue" panose="02000503000000020004" pitchFamily="2" charset="0"/>
-                <a:cs typeface="Helvetica Neue" panose="02000503000000020004" pitchFamily="2" charset="0"/>
-              </a:rPr>
-              <a:t> stocks can outperform the market</a:t>
-            </a:r>
-          </a:p>
-          <a:p>
-            <a:pPr>
-              <a:spcAft>
-                <a:spcPts val="1000"/>
-              </a:spcAft>
-            </a:pPr>
-            <a:r>
-              <a:rPr lang="en-US" sz="3200" b="1" dirty="0">
-                <a:solidFill>
-                  <a:schemeClr val="bg1"/>
-                </a:solidFill>
-                <a:latin typeface="Helvetica Neue" panose="02000503000000020004" pitchFamily="2" charset="0"/>
-                <a:ea typeface="Helvetica Neue" panose="02000503000000020004" pitchFamily="2" charset="0"/>
-                <a:cs typeface="Helvetica Neue" panose="02000503000000020004" pitchFamily="2" charset="0"/>
-              </a:rPr>
-              <a:t>$10,000 invested during Afghanistan conflict:</a:t>
-            </a:r>
-          </a:p>
-          <a:p>
-            <a:pPr lvl="1">
-              <a:spcAft>
-                <a:spcPts val="1000"/>
-              </a:spcAft>
-            </a:pPr>
-            <a:r>
-              <a:rPr lang="en-US" sz="2800" b="1" dirty="0">
-                <a:solidFill>
-                  <a:schemeClr val="bg1"/>
-                </a:solidFill>
-                <a:latin typeface="Helvetica Neue" panose="02000503000000020004" pitchFamily="2" charset="0"/>
-                <a:ea typeface="Helvetica Neue" panose="02000503000000020004" pitchFamily="2" charset="0"/>
-                <a:cs typeface="Helvetica Neue" panose="02000503000000020004" pitchFamily="2" charset="0"/>
-              </a:rPr>
-              <a:t>Lockheed-Martin → $62,612</a:t>
-            </a:r>
-          </a:p>
-          <a:p>
-            <a:pPr lvl="1">
-              <a:spcAft>
-                <a:spcPts val="1000"/>
-              </a:spcAft>
-            </a:pPr>
-            <a:r>
-              <a:rPr lang="en-US" sz="2800" b="1" dirty="0">
-                <a:solidFill>
-                  <a:schemeClr val="bg1"/>
-                </a:solidFill>
-                <a:latin typeface="Helvetica Neue" panose="02000503000000020004" pitchFamily="2" charset="0"/>
-                <a:ea typeface="Helvetica Neue" panose="02000503000000020004" pitchFamily="2" charset="0"/>
-                <a:cs typeface="Helvetica Neue" panose="02000503000000020004" pitchFamily="2" charset="0"/>
-              </a:rPr>
-              <a:t>S&amp;P500 → $25,399</a:t>
-            </a:r>
-            <a:endParaRPr lang="en-US" sz="3200" b="1" dirty="0">
-              <a:solidFill>
-                <a:schemeClr val="bg1"/>
-              </a:solidFill>
-              <a:latin typeface="Helvetica Neue" panose="02000503000000020004" pitchFamily="2" charset="0"/>
-              <a:ea typeface="Helvetica Neue" panose="02000503000000020004" pitchFamily="2" charset="0"/>
-              <a:cs typeface="Helvetica Neue" panose="02000503000000020004" pitchFamily="2" charset="0"/>
-            </a:endParaRPr>
-          </a:p>
-          <a:p>
-            <a:pPr>
-              <a:spcAft>
-                <a:spcPts val="1000"/>
-              </a:spcAft>
-            </a:pPr>
-            <a:r>
-              <a:rPr lang="en-US" sz="3200" b="1" i="1" dirty="0">
-                <a:solidFill>
-                  <a:schemeClr val="bg1"/>
-                </a:solidFill>
-                <a:latin typeface="Helvetica Neue" panose="02000503000000020004" pitchFamily="2" charset="0"/>
-                <a:ea typeface="Helvetica Neue" panose="02000503000000020004" pitchFamily="2" charset="0"/>
-                <a:cs typeface="Helvetica Neue" panose="02000503000000020004" pitchFamily="2" charset="0"/>
-              </a:rPr>
-              <a:t>Low volatility</a:t>
-            </a:r>
-          </a:p>
-          <a:p>
-            <a:pPr>
-              <a:spcAft>
-                <a:spcPts val="1000"/>
-              </a:spcAft>
-            </a:pPr>
-            <a:r>
-              <a:rPr lang="en-US" sz="3200" b="1" i="1" dirty="0">
-                <a:solidFill>
-                  <a:schemeClr val="bg1"/>
-                </a:solidFill>
-                <a:latin typeface="Helvetica Neue" panose="02000503000000020004" pitchFamily="2" charset="0"/>
-                <a:ea typeface="Helvetica Neue" panose="02000503000000020004" pitchFamily="2" charset="0"/>
-                <a:cs typeface="Helvetica Neue" panose="02000503000000020004" pitchFamily="2" charset="0"/>
-              </a:rPr>
-              <a:t>High dividend yield</a:t>
-            </a:r>
-          </a:p>
-          <a:p>
-            <a:pPr>
-              <a:spcAft>
-                <a:spcPts val="1000"/>
-              </a:spcAft>
-            </a:pPr>
-            <a:r>
-              <a:rPr lang="en-US" sz="3200" b="1" i="1" dirty="0">
-                <a:solidFill>
-                  <a:schemeClr val="bg1"/>
-                </a:solidFill>
-                <a:latin typeface="Helvetica Neue" panose="02000503000000020004" pitchFamily="2" charset="0"/>
-                <a:ea typeface="Helvetica Neue" panose="02000503000000020004" pitchFamily="2" charset="0"/>
-                <a:cs typeface="Helvetica Neue" panose="02000503000000020004" pitchFamily="2" charset="0"/>
-              </a:rPr>
-              <a:t>Predictable positive performance during conflict</a:t>
-            </a:r>
-          </a:p>
-          <a:p>
-            <a:pPr>
-              <a:spcAft>
-                <a:spcPts val="1000"/>
-              </a:spcAft>
-            </a:pPr>
-            <a:endParaRPr lang="en-US" sz="2800" b="1" dirty="0">
-              <a:solidFill>
-                <a:schemeClr val="bg1"/>
-              </a:solidFill>
-              <a:latin typeface="Helvetica Neue" panose="02000503000000020004" pitchFamily="2" charset="0"/>
-              <a:ea typeface="Helvetica Neue" panose="02000503000000020004" pitchFamily="2" charset="0"/>
-              <a:cs typeface="Helvetica Neue" panose="02000503000000020004" pitchFamily="2" charset="0"/>
-            </a:endParaRPr>
-          </a:p>
-        </p:txBody>
-      </p:sp>
-    </p:spTree>
-    <p:extLst>
-      <p:ext uri="{BB962C8B-B14F-4D97-AF65-F5344CB8AC3E}">
-        <p14:creationId xmlns:p14="http://schemas.microsoft.com/office/powerpoint/2010/main" val="1355882936"/>
       </p:ext>
     </p:extLst>
   </p:cSld>
@@ -5497,9 +6784,16 @@
             <p:ph type="title"/>
           </p:nvPr>
         </p:nvSpPr>
-        <p:spPr/>
-        <p:txBody>
-          <a:bodyPr/>
+        <p:spPr>
+          <a:xfrm>
+            <a:off x="838200" y="365125"/>
+            <a:ext cx="10196744" cy="1325563"/>
+          </a:xfrm>
+        </p:spPr>
+        <p:txBody>
+          <a:bodyPr>
+            <a:normAutofit/>
+          </a:bodyPr>
           <a:lstStyle/>
           <a:p>
             <a:r>
@@ -5511,7 +6805,7 @@
                 <a:ea typeface="Helvetica Neue" panose="02000503000000020004" pitchFamily="2" charset="0"/>
                 <a:cs typeface="Helvetica Neue" panose="02000503000000020004" pitchFamily="2" charset="0"/>
               </a:rPr>
-              <a:t>Investing in Sin</a:t>
+              <a:t>Cryptocurrency – Risk to Stability</a:t>
             </a:r>
           </a:p>
         </p:txBody>
@@ -5534,18 +6828,35 @@
         </p:nvSpPr>
         <p:spPr>
           <a:xfrm>
-            <a:off x="838200" y="1825625"/>
-            <a:ext cx="4526280" cy="4351338"/>
+            <a:off x="1126232" y="2218987"/>
+            <a:ext cx="6375400" cy="1543845"/>
           </a:xfrm>
         </p:spPr>
         <p:txBody>
-          <a:bodyPr>
-            <a:normAutofit/>
-          </a:bodyPr>
+          <a:bodyPr/>
           <a:lstStyle/>
           <a:p>
-            <a:r>
-              <a:rPr lang="en-US" sz="3200" b="1" dirty="0">
+            <a:pPr marL="0" indent="0">
+              <a:buNone/>
+            </a:pPr>
+            <a:r>
+              <a:rPr lang="en-US" b="1" dirty="0">
+                <a:solidFill>
+                  <a:schemeClr val="bg1"/>
+                </a:solidFill>
+                <a:latin typeface="Times New Roman" panose="02020603050405020304" pitchFamily="18" charset="0"/>
+                <a:ea typeface="Helvetica Neue" panose="02000503000000020004" pitchFamily="2" charset="0"/>
+                <a:cs typeface="Times New Roman" panose="02020603050405020304" pitchFamily="18" charset="0"/>
+              </a:rPr>
+              <a:t>“Crypto Boom Poses New Challenges to Financial Stability”</a:t>
+            </a:r>
+          </a:p>
+          <a:p>
+            <a:pPr marL="0" indent="0">
+              <a:buNone/>
+            </a:pPr>
+            <a:r>
+              <a:rPr lang="en-US" sz="2000" b="1" dirty="0">
                 <a:solidFill>
                   <a:schemeClr val="bg1"/>
                 </a:solidFill>
@@ -5553,93 +6864,37 @@
                 <a:ea typeface="Helvetica Neue" panose="02000503000000020004" pitchFamily="2" charset="0"/>
                 <a:cs typeface="Helvetica Neue" panose="02000503000000020004" pitchFamily="2" charset="0"/>
               </a:rPr>
-              <a:t>Studies show ‘sin’ stocks outperform the market</a:t>
-            </a:r>
-          </a:p>
-          <a:p>
-            <a:pPr marL="0" indent="0">
-              <a:buNone/>
-            </a:pPr>
-            <a:endParaRPr lang="en-US" sz="2000" b="1" dirty="0">
-              <a:solidFill>
-                <a:schemeClr val="bg1"/>
-              </a:solidFill>
-              <a:latin typeface="Helvetica Neue" panose="02000503000000020004" pitchFamily="2" charset="0"/>
-              <a:ea typeface="Helvetica Neue" panose="02000503000000020004" pitchFamily="2" charset="0"/>
-              <a:cs typeface="Helvetica Neue" panose="02000503000000020004" pitchFamily="2" charset="0"/>
-            </a:endParaRPr>
-          </a:p>
-          <a:p>
-            <a:r>
-              <a:rPr lang="en-US" sz="3200" b="1" dirty="0">
-                <a:solidFill>
-                  <a:schemeClr val="bg1"/>
-                </a:solidFill>
-                <a:latin typeface="Helvetica Neue" panose="02000503000000020004" pitchFamily="2" charset="0"/>
-                <a:ea typeface="Helvetica Neue" panose="02000503000000020004" pitchFamily="2" charset="0"/>
-                <a:cs typeface="Helvetica Neue" panose="02000503000000020004" pitchFamily="2" charset="0"/>
-              </a:rPr>
-              <a:t>Stricter accounting principles</a:t>
-            </a:r>
-          </a:p>
-        </p:txBody>
-      </p:sp>
-      <p:pic>
-        <p:nvPicPr>
-          <p:cNvPr id="9" name="Picture 8">
-            <a:extLst>
-              <a:ext uri="{FF2B5EF4-FFF2-40B4-BE49-F238E27FC236}">
-                <a16:creationId xmlns:a16="http://schemas.microsoft.com/office/drawing/2014/main" id="{59DCA611-8B2C-0045-947F-327A85448533}"/>
-              </a:ext>
-            </a:extLst>
-          </p:cNvPr>
-          <p:cNvPicPr>
-            <a:picLocks noChangeAspect="1"/>
-          </p:cNvPicPr>
+              <a:t>- IMF</a:t>
+            </a:r>
+          </a:p>
+        </p:txBody>
+      </p:sp>
+      <p:sp>
+        <p:nvSpPr>
+          <p:cNvPr id="6" name="Content Placeholder 2">
+            <a:extLst>
+              <a:ext uri="{FF2B5EF4-FFF2-40B4-BE49-F238E27FC236}">
+                <a16:creationId xmlns:a16="http://schemas.microsoft.com/office/drawing/2014/main" id="{39BDE4B5-289A-344B-B648-5B10D86BD98A}"/>
+              </a:ext>
+            </a:extLst>
+          </p:cNvPr>
+          <p:cNvSpPr txBox="1">
+            <a:spLocks/>
+          </p:cNvSpPr>
           <p:nvPr/>
-        </p:nvPicPr>
-        <p:blipFill>
-          <a:blip r:embed="rId2"/>
-          <a:stretch>
-            <a:fillRect/>
-          </a:stretch>
-        </p:blipFill>
+        </p:nvSpPr>
         <p:spPr>
           <a:xfrm>
-            <a:off x="5481320" y="1516380"/>
-            <a:ext cx="6177280" cy="3474720"/>
+            <a:off x="2791287" y="4930492"/>
+            <a:ext cx="6609080" cy="1498865"/>
           </a:xfrm>
           <a:prstGeom prst="rect">
             <a:avLst/>
           </a:prstGeom>
         </p:spPr>
-      </p:pic>
-      <p:sp>
-        <p:nvSpPr>
-          <p:cNvPr id="10" name="Content Placeholder 2">
-            <a:extLst>
-              <a:ext uri="{FF2B5EF4-FFF2-40B4-BE49-F238E27FC236}">
-                <a16:creationId xmlns:a16="http://schemas.microsoft.com/office/drawing/2014/main" id="{9B563828-1D11-CD4C-A4B1-306B612187C8}"/>
-              </a:ext>
-            </a:extLst>
-          </p:cNvPr>
-          <p:cNvSpPr txBox="1">
-            <a:spLocks/>
-          </p:cNvSpPr>
-          <p:nvPr/>
-        </p:nvSpPr>
-        <p:spPr>
-          <a:xfrm>
-            <a:off x="955040" y="5432426"/>
-            <a:ext cx="9052560" cy="638810"/>
-          </a:xfrm>
-          <a:prstGeom prst="rect">
-            <a:avLst/>
-          </a:prstGeom>
-        </p:spPr>
         <p:txBody>
           <a:bodyPr vert="horz" lIns="91440" tIns="45720" rIns="91440" bIns="45720" rtlCol="0">
-            <a:normAutofit/>
+            <a:normAutofit lnSpcReduction="10000"/>
           </a:bodyPr>
           <a:lstStyle>
             <a:lvl1pPr marL="228600" indent="-228600" algn="l" defTabSz="914400" rtl="0" eaLnBrk="1" latinLnBrk="0" hangingPunct="1">
@@ -5806,11 +7061,28 @@
             </a:lvl9pPr>
           </a:lstStyle>
           <a:p>
-            <a:pPr marL="0" indent="0">
+            <a:pPr marL="0" indent="0" algn="r">
               <a:buNone/>
             </a:pPr>
             <a:r>
-              <a:rPr lang="en-US" sz="3600" b="1" i="1" dirty="0">
+              <a:rPr lang="en-US" b="1" dirty="0">
+                <a:solidFill>
+                  <a:schemeClr val="bg1"/>
+                </a:solidFill>
+                <a:latin typeface="Times New Roman" panose="02020603050405020304" pitchFamily="18" charset="0"/>
+                <a:ea typeface="Helvetica Neue" panose="02000503000000020004" pitchFamily="2" charset="0"/>
+                <a:cs typeface="Times New Roman" panose="02020603050405020304" pitchFamily="18" charset="0"/>
+              </a:rPr>
+              <a:t>“Russian central bank proposes ban on cryptocurrencies, citing threat to financial stability”</a:t>
+            </a:r>
+          </a:p>
+          <a:p>
+            <a:pPr marL="0" indent="0" algn="r">
+              <a:buFont typeface="Arial" panose="020B0604020202020204" pitchFamily="34" charset="0"/>
+              <a:buNone/>
+            </a:pPr>
+            <a:r>
+              <a:rPr lang="en-US" sz="2000" b="1" dirty="0">
                 <a:solidFill>
                   <a:schemeClr val="bg1"/>
                 </a:solidFill>
@@ -5818,10 +7090,225 @@
                 <a:ea typeface="Helvetica Neue" panose="02000503000000020004" pitchFamily="2" charset="0"/>
                 <a:cs typeface="Helvetica Neue" panose="02000503000000020004" pitchFamily="2" charset="0"/>
               </a:rPr>
-              <a:t>Why do investors avoid </a:t>
-            </a:r>
-            <a:r>
-              <a:rPr lang="en-US" sz="3600" b="1" i="1" dirty="0" err="1">
+              <a:t>- The Hill</a:t>
+            </a:r>
+          </a:p>
+        </p:txBody>
+      </p:sp>
+      <p:sp>
+        <p:nvSpPr>
+          <p:cNvPr id="7" name="Content Placeholder 2">
+            <a:extLst>
+              <a:ext uri="{FF2B5EF4-FFF2-40B4-BE49-F238E27FC236}">
+                <a16:creationId xmlns:a16="http://schemas.microsoft.com/office/drawing/2014/main" id="{C16D38E6-FD36-A641-B052-149AD511E79C}"/>
+              </a:ext>
+            </a:extLst>
+          </p:cNvPr>
+          <p:cNvSpPr txBox="1">
+            <a:spLocks/>
+          </p:cNvSpPr>
+          <p:nvPr/>
+        </p:nvSpPr>
+        <p:spPr>
+          <a:xfrm>
+            <a:off x="7247088" y="3053657"/>
+            <a:ext cx="4447762" cy="1543845"/>
+          </a:xfrm>
+          <a:prstGeom prst="rect">
+            <a:avLst/>
+          </a:prstGeom>
+        </p:spPr>
+        <p:txBody>
+          <a:bodyPr vert="horz" lIns="91440" tIns="45720" rIns="91440" bIns="45720" rtlCol="0">
+            <a:normAutofit lnSpcReduction="10000"/>
+          </a:bodyPr>
+          <a:lstStyle>
+            <a:lvl1pPr marL="228600" indent="-228600" algn="l" defTabSz="914400" rtl="0" eaLnBrk="1" latinLnBrk="0" hangingPunct="1">
+              <a:lnSpc>
+                <a:spcPct val="90000"/>
+              </a:lnSpc>
+              <a:spcBef>
+                <a:spcPts val="1000"/>
+              </a:spcBef>
+              <a:buFont typeface="Arial" panose="020B0604020202020204" pitchFamily="34" charset="0"/>
+              <a:buChar char="•"/>
+              <a:defRPr sz="2800" kern="1200">
+                <a:solidFill>
+                  <a:schemeClr val="tx1"/>
+                </a:solidFill>
+                <a:latin typeface="+mn-lt"/>
+                <a:ea typeface="+mn-ea"/>
+                <a:cs typeface="+mn-cs"/>
+              </a:defRPr>
+            </a:lvl1pPr>
+            <a:lvl2pPr marL="685800" indent="-228600" algn="l" defTabSz="914400" rtl="0" eaLnBrk="1" latinLnBrk="0" hangingPunct="1">
+              <a:lnSpc>
+                <a:spcPct val="90000"/>
+              </a:lnSpc>
+              <a:spcBef>
+                <a:spcPts val="500"/>
+              </a:spcBef>
+              <a:buFont typeface="Arial" panose="020B0604020202020204" pitchFamily="34" charset="0"/>
+              <a:buChar char="•"/>
+              <a:defRPr sz="2400" kern="1200">
+                <a:solidFill>
+                  <a:schemeClr val="tx1"/>
+                </a:solidFill>
+                <a:latin typeface="+mn-lt"/>
+                <a:ea typeface="+mn-ea"/>
+                <a:cs typeface="+mn-cs"/>
+              </a:defRPr>
+            </a:lvl2pPr>
+            <a:lvl3pPr marL="1143000" indent="-228600" algn="l" defTabSz="914400" rtl="0" eaLnBrk="1" latinLnBrk="0" hangingPunct="1">
+              <a:lnSpc>
+                <a:spcPct val="90000"/>
+              </a:lnSpc>
+              <a:spcBef>
+                <a:spcPts val="500"/>
+              </a:spcBef>
+              <a:buFont typeface="Arial" panose="020B0604020202020204" pitchFamily="34" charset="0"/>
+              <a:buChar char="•"/>
+              <a:defRPr sz="2000" kern="1200">
+                <a:solidFill>
+                  <a:schemeClr val="tx1"/>
+                </a:solidFill>
+                <a:latin typeface="+mn-lt"/>
+                <a:ea typeface="+mn-ea"/>
+                <a:cs typeface="+mn-cs"/>
+              </a:defRPr>
+            </a:lvl3pPr>
+            <a:lvl4pPr marL="1600200" indent="-228600" algn="l" defTabSz="914400" rtl="0" eaLnBrk="1" latinLnBrk="0" hangingPunct="1">
+              <a:lnSpc>
+                <a:spcPct val="90000"/>
+              </a:lnSpc>
+              <a:spcBef>
+                <a:spcPts val="500"/>
+              </a:spcBef>
+              <a:buFont typeface="Arial" panose="020B0604020202020204" pitchFamily="34" charset="0"/>
+              <a:buChar char="•"/>
+              <a:defRPr sz="1800" kern="1200">
+                <a:solidFill>
+                  <a:schemeClr val="tx1"/>
+                </a:solidFill>
+                <a:latin typeface="+mn-lt"/>
+                <a:ea typeface="+mn-ea"/>
+                <a:cs typeface="+mn-cs"/>
+              </a:defRPr>
+            </a:lvl4pPr>
+            <a:lvl5pPr marL="2057400" indent="-228600" algn="l" defTabSz="914400" rtl="0" eaLnBrk="1" latinLnBrk="0" hangingPunct="1">
+              <a:lnSpc>
+                <a:spcPct val="90000"/>
+              </a:lnSpc>
+              <a:spcBef>
+                <a:spcPts val="500"/>
+              </a:spcBef>
+              <a:buFont typeface="Arial" panose="020B0604020202020204" pitchFamily="34" charset="0"/>
+              <a:buChar char="•"/>
+              <a:defRPr sz="1800" kern="1200">
+                <a:solidFill>
+                  <a:schemeClr val="tx1"/>
+                </a:solidFill>
+                <a:latin typeface="+mn-lt"/>
+                <a:ea typeface="+mn-ea"/>
+                <a:cs typeface="+mn-cs"/>
+              </a:defRPr>
+            </a:lvl5pPr>
+            <a:lvl6pPr marL="2514600" indent="-228600" algn="l" defTabSz="914400" rtl="0" eaLnBrk="1" latinLnBrk="0" hangingPunct="1">
+              <a:lnSpc>
+                <a:spcPct val="90000"/>
+              </a:lnSpc>
+              <a:spcBef>
+                <a:spcPts val="500"/>
+              </a:spcBef>
+              <a:buFont typeface="Arial" panose="020B0604020202020204" pitchFamily="34" charset="0"/>
+              <a:buChar char="•"/>
+              <a:defRPr sz="1800" kern="1200">
+                <a:solidFill>
+                  <a:schemeClr val="tx1"/>
+                </a:solidFill>
+                <a:latin typeface="+mn-lt"/>
+                <a:ea typeface="+mn-ea"/>
+                <a:cs typeface="+mn-cs"/>
+              </a:defRPr>
+            </a:lvl6pPr>
+            <a:lvl7pPr marL="2971800" indent="-228600" algn="l" defTabSz="914400" rtl="0" eaLnBrk="1" latinLnBrk="0" hangingPunct="1">
+              <a:lnSpc>
+                <a:spcPct val="90000"/>
+              </a:lnSpc>
+              <a:spcBef>
+                <a:spcPts val="500"/>
+              </a:spcBef>
+              <a:buFont typeface="Arial" panose="020B0604020202020204" pitchFamily="34" charset="0"/>
+              <a:buChar char="•"/>
+              <a:defRPr sz="1800" kern="1200">
+                <a:solidFill>
+                  <a:schemeClr val="tx1"/>
+                </a:solidFill>
+                <a:latin typeface="+mn-lt"/>
+                <a:ea typeface="+mn-ea"/>
+                <a:cs typeface="+mn-cs"/>
+              </a:defRPr>
+            </a:lvl7pPr>
+            <a:lvl8pPr marL="3429000" indent="-228600" algn="l" defTabSz="914400" rtl="0" eaLnBrk="1" latinLnBrk="0" hangingPunct="1">
+              <a:lnSpc>
+                <a:spcPct val="90000"/>
+              </a:lnSpc>
+              <a:spcBef>
+                <a:spcPts val="500"/>
+              </a:spcBef>
+              <a:buFont typeface="Arial" panose="020B0604020202020204" pitchFamily="34" charset="0"/>
+              <a:buChar char="•"/>
+              <a:defRPr sz="1800" kern="1200">
+                <a:solidFill>
+                  <a:schemeClr val="tx1"/>
+                </a:solidFill>
+                <a:latin typeface="+mn-lt"/>
+                <a:ea typeface="+mn-ea"/>
+                <a:cs typeface="+mn-cs"/>
+              </a:defRPr>
+            </a:lvl8pPr>
+            <a:lvl9pPr marL="3886200" indent="-228600" algn="l" defTabSz="914400" rtl="0" eaLnBrk="1" latinLnBrk="0" hangingPunct="1">
+              <a:lnSpc>
+                <a:spcPct val="90000"/>
+              </a:lnSpc>
+              <a:spcBef>
+                <a:spcPts val="500"/>
+              </a:spcBef>
+              <a:buFont typeface="Arial" panose="020B0604020202020204" pitchFamily="34" charset="0"/>
+              <a:buChar char="•"/>
+              <a:defRPr sz="1800" kern="1200">
+                <a:solidFill>
+                  <a:schemeClr val="tx1"/>
+                </a:solidFill>
+                <a:latin typeface="+mn-lt"/>
+                <a:ea typeface="+mn-ea"/>
+                <a:cs typeface="+mn-cs"/>
+              </a:defRPr>
+            </a:lvl9pPr>
+          </a:lstStyle>
+          <a:p>
+            <a:pPr marL="0" indent="0">
+              <a:buNone/>
+            </a:pPr>
+            <a:r>
+              <a:rPr lang="en-US" b="1" dirty="0">
+                <a:solidFill>
+                  <a:schemeClr val="bg1"/>
+                </a:solidFill>
+                <a:latin typeface="Times New Roman" panose="02020603050405020304" pitchFamily="18" charset="0"/>
+                <a:ea typeface="Helvetica Neue" panose="02000503000000020004" pitchFamily="2" charset="0"/>
+                <a:cs typeface="Times New Roman" panose="02020603050405020304" pitchFamily="18" charset="0"/>
+              </a:rPr>
+              <a:t>“Drop bitcoin as legal tender, IMF urges El Salvador”</a:t>
+            </a:r>
+          </a:p>
+          <a:p>
+            <a:pPr marL="0" indent="0">
+              <a:buFont typeface="Arial" panose="020B0604020202020204" pitchFamily="34" charset="0"/>
+              <a:buNone/>
+            </a:pPr>
+            <a:r>
+              <a:rPr lang="en-US" sz="2000" b="1" dirty="0">
                 <a:solidFill>
                   <a:schemeClr val="bg1"/>
                 </a:solidFill>
@@ -5829,18 +7316,7 @@
                 <a:ea typeface="Helvetica Neue" panose="02000503000000020004" pitchFamily="2" charset="0"/>
                 <a:cs typeface="Helvetica Neue" panose="02000503000000020004" pitchFamily="2" charset="0"/>
               </a:rPr>
-              <a:t>defence</a:t>
-            </a:r>
-            <a:r>
-              <a:rPr lang="en-US" sz="3600" b="1" i="1" dirty="0">
-                <a:solidFill>
-                  <a:schemeClr val="bg1"/>
-                </a:solidFill>
-                <a:latin typeface="Helvetica Neue" panose="02000503000000020004" pitchFamily="2" charset="0"/>
-                <a:ea typeface="Helvetica Neue" panose="02000503000000020004" pitchFamily="2" charset="0"/>
-                <a:cs typeface="Helvetica Neue" panose="02000503000000020004" pitchFamily="2" charset="0"/>
-              </a:rPr>
-              <a:t> stocks?</a:t>
+              <a:t>- CNBC</a:t>
             </a:r>
           </a:p>
         </p:txBody>
@@ -5848,7 +7324,7 @@
     </p:spTree>
     <p:extLst>
       <p:ext uri="{BB962C8B-B14F-4D97-AF65-F5344CB8AC3E}">
-        <p14:creationId xmlns:p14="http://schemas.microsoft.com/office/powerpoint/2010/main" val="737436523"/>
+        <p14:creationId xmlns:p14="http://schemas.microsoft.com/office/powerpoint/2010/main" val="3588495441"/>
       </p:ext>
     </p:extLst>
   </p:cSld>
@@ -5883,12 +7359,149 @@
           <a:chExt cx="0" cy="0"/>
         </a:xfrm>
       </p:grpSpPr>
+      <p:sp>
+        <p:nvSpPr>
+          <p:cNvPr id="2" name="Title 1">
+            <a:extLst>
+              <a:ext uri="{FF2B5EF4-FFF2-40B4-BE49-F238E27FC236}">
+                <a16:creationId xmlns:a16="http://schemas.microsoft.com/office/drawing/2014/main" id="{31C71DE5-A63D-E34A-9605-F43285D2548A}"/>
+              </a:ext>
+            </a:extLst>
+          </p:cNvPr>
+          <p:cNvSpPr>
+            <a:spLocks noGrp="1"/>
+          </p:cNvSpPr>
+          <p:nvPr>
+            <p:ph type="title"/>
+          </p:nvPr>
+        </p:nvSpPr>
+        <p:spPr/>
+        <p:txBody>
+          <a:bodyPr/>
+          <a:lstStyle/>
+          <a:p>
+            <a:r>
+              <a:rPr lang="en-US" b="1" dirty="0">
+                <a:solidFill>
+                  <a:schemeClr val="bg1"/>
+                </a:solidFill>
+                <a:latin typeface="Helvetica Neue" panose="02000503000000020004" pitchFamily="2" charset="0"/>
+                <a:ea typeface="Helvetica Neue" panose="02000503000000020004" pitchFamily="2" charset="0"/>
+                <a:cs typeface="Helvetica Neue" panose="02000503000000020004" pitchFamily="2" charset="0"/>
+              </a:rPr>
+              <a:t>Fractional Banking</a:t>
+            </a:r>
+          </a:p>
+        </p:txBody>
+      </p:sp>
+      <p:sp>
+        <p:nvSpPr>
+          <p:cNvPr id="3" name="Content Placeholder 2">
+            <a:extLst>
+              <a:ext uri="{FF2B5EF4-FFF2-40B4-BE49-F238E27FC236}">
+                <a16:creationId xmlns:a16="http://schemas.microsoft.com/office/drawing/2014/main" id="{AEAD33A4-EE6B-8145-AC73-578592755746}"/>
+              </a:ext>
+            </a:extLst>
+          </p:cNvPr>
+          <p:cNvSpPr>
+            <a:spLocks noGrp="1"/>
+          </p:cNvSpPr>
+          <p:nvPr>
+            <p:ph idx="1"/>
+          </p:nvPr>
+        </p:nvSpPr>
+        <p:spPr>
+          <a:xfrm>
+            <a:off x="838200" y="1825625"/>
+            <a:ext cx="4165643" cy="4699462"/>
+          </a:xfrm>
+        </p:spPr>
+        <p:txBody>
+          <a:bodyPr>
+            <a:normAutofit fontScale="92500" lnSpcReduction="10000"/>
+          </a:bodyPr>
+          <a:lstStyle/>
+          <a:p>
+            <a:r>
+              <a:rPr lang="en-US" sz="3200" b="1" dirty="0">
+                <a:solidFill>
+                  <a:schemeClr val="bg1"/>
+                </a:solidFill>
+                <a:latin typeface="Helvetica Neue" panose="02000503000000020004" pitchFamily="2" charset="0"/>
+                <a:ea typeface="Helvetica Neue" panose="02000503000000020004" pitchFamily="2" charset="0"/>
+                <a:cs typeface="Helvetica Neue" panose="02000503000000020004" pitchFamily="2" charset="0"/>
+              </a:rPr>
+              <a:t>Central bank prints money</a:t>
+            </a:r>
+            <a:endParaRPr lang="en-US" sz="2000" b="1" dirty="0">
+              <a:solidFill>
+                <a:schemeClr val="bg1"/>
+              </a:solidFill>
+              <a:latin typeface="Helvetica Neue" panose="02000503000000020004" pitchFamily="2" charset="0"/>
+              <a:ea typeface="Helvetica Neue" panose="02000503000000020004" pitchFamily="2" charset="0"/>
+              <a:cs typeface="Helvetica Neue" panose="02000503000000020004" pitchFamily="2" charset="0"/>
+            </a:endParaRPr>
+          </a:p>
+          <a:p>
+            <a:r>
+              <a:rPr lang="en-US" sz="3200" b="1" dirty="0">
+                <a:solidFill>
+                  <a:schemeClr val="bg1"/>
+                </a:solidFill>
+                <a:latin typeface="Helvetica Neue" panose="02000503000000020004" pitchFamily="2" charset="0"/>
+                <a:ea typeface="Helvetica Neue" panose="02000503000000020004" pitchFamily="2" charset="0"/>
+                <a:cs typeface="Helvetica Neue" panose="02000503000000020004" pitchFamily="2" charset="0"/>
+              </a:rPr>
+              <a:t>Lends money to private banks</a:t>
+            </a:r>
+          </a:p>
+          <a:p>
+            <a:r>
+              <a:rPr lang="en-US" sz="3200" b="1" dirty="0">
+                <a:solidFill>
+                  <a:schemeClr val="bg1"/>
+                </a:solidFill>
+                <a:latin typeface="Helvetica Neue" panose="02000503000000020004" pitchFamily="2" charset="0"/>
+                <a:ea typeface="Helvetica Neue" panose="02000503000000020004" pitchFamily="2" charset="0"/>
+                <a:cs typeface="Helvetica Neue" panose="02000503000000020004" pitchFamily="2" charset="0"/>
+              </a:rPr>
+              <a:t>Private banks lend to businesses</a:t>
+            </a:r>
+          </a:p>
+          <a:p>
+            <a:r>
+              <a:rPr lang="en-US" sz="3200" b="1" dirty="0">
+                <a:solidFill>
+                  <a:schemeClr val="bg1"/>
+                </a:solidFill>
+                <a:latin typeface="Helvetica Neue" panose="02000503000000020004" pitchFamily="2" charset="0"/>
+                <a:ea typeface="Helvetica Neue" panose="02000503000000020004" pitchFamily="2" charset="0"/>
+                <a:cs typeface="Helvetica Neue" panose="02000503000000020004" pitchFamily="2" charset="0"/>
+              </a:rPr>
+              <a:t>Money repaid destroys printed capital</a:t>
+            </a:r>
+          </a:p>
+          <a:p>
+            <a:r>
+              <a:rPr lang="en-US" sz="3200" b="1" dirty="0">
+                <a:solidFill>
+                  <a:schemeClr val="bg1"/>
+                </a:solidFill>
+                <a:latin typeface="Helvetica Neue" panose="02000503000000020004" pitchFamily="2" charset="0"/>
+                <a:ea typeface="Helvetica Neue" panose="02000503000000020004" pitchFamily="2" charset="0"/>
+                <a:cs typeface="Helvetica Neue" panose="02000503000000020004" pitchFamily="2" charset="0"/>
+              </a:rPr>
+              <a:t>Only interest remains</a:t>
+            </a:r>
+          </a:p>
+        </p:txBody>
+      </p:sp>
       <p:pic>
         <p:nvPicPr>
-          <p:cNvPr id="12" name="Picture 11">
-            <a:extLst>
-              <a:ext uri="{FF2B5EF4-FFF2-40B4-BE49-F238E27FC236}">
-                <a16:creationId xmlns:a16="http://schemas.microsoft.com/office/drawing/2014/main" id="{34D3A5B4-ED9E-E64D-9CB3-6243F2296288}"/>
+          <p:cNvPr id="5" name="Picture 4">
+            <a:extLst>
+              <a:ext uri="{FF2B5EF4-FFF2-40B4-BE49-F238E27FC236}">
+                <a16:creationId xmlns:a16="http://schemas.microsoft.com/office/drawing/2014/main" id="{AF0C93A1-47E5-034D-848A-C14C5F3AAB29}"/>
               </a:ext>
             </a:extLst>
           </p:cNvPr>
@@ -5905,358 +7518,18 @@
         </p:blipFill>
         <p:spPr>
           <a:xfrm>
-            <a:off x="5368714" y="1595438"/>
-            <a:ext cx="6528646" cy="4896484"/>
+            <a:off x="5003843" y="1825625"/>
+            <a:ext cx="7045038" cy="4596352"/>
           </a:xfrm>
           <a:prstGeom prst="rect">
             <a:avLst/>
           </a:prstGeom>
         </p:spPr>
       </p:pic>
-      <p:sp>
-        <p:nvSpPr>
-          <p:cNvPr id="2" name="Title 1">
-            <a:extLst>
-              <a:ext uri="{FF2B5EF4-FFF2-40B4-BE49-F238E27FC236}">
-                <a16:creationId xmlns:a16="http://schemas.microsoft.com/office/drawing/2014/main" id="{31C71DE5-A63D-E34A-9605-F43285D2548A}"/>
-              </a:ext>
-            </a:extLst>
-          </p:cNvPr>
-          <p:cNvSpPr>
-            <a:spLocks noGrp="1"/>
-          </p:cNvSpPr>
-          <p:nvPr>
-            <p:ph type="title"/>
-          </p:nvPr>
-        </p:nvSpPr>
-        <p:spPr/>
-        <p:txBody>
-          <a:bodyPr/>
-          <a:lstStyle/>
-          <a:p>
-            <a:r>
-              <a:rPr lang="en-US" b="1" dirty="0">
-                <a:solidFill>
-                  <a:schemeClr val="bg1"/>
-                </a:solidFill>
-                <a:latin typeface="Helvetica Neue" panose="02000503000000020004" pitchFamily="2" charset="0"/>
-                <a:ea typeface="Helvetica Neue" panose="02000503000000020004" pitchFamily="2" charset="0"/>
-                <a:cs typeface="Helvetica Neue" panose="02000503000000020004" pitchFamily="2" charset="0"/>
-              </a:rPr>
-              <a:t>Investing in Sin</a:t>
-            </a:r>
-          </a:p>
-        </p:txBody>
-      </p:sp>
-      <p:sp>
-        <p:nvSpPr>
-          <p:cNvPr id="3" name="Content Placeholder 2">
-            <a:extLst>
-              <a:ext uri="{FF2B5EF4-FFF2-40B4-BE49-F238E27FC236}">
-                <a16:creationId xmlns:a16="http://schemas.microsoft.com/office/drawing/2014/main" id="{AEAD33A4-EE6B-8145-AC73-578592755746}"/>
-              </a:ext>
-            </a:extLst>
-          </p:cNvPr>
-          <p:cNvSpPr>
-            <a:spLocks noGrp="1"/>
-          </p:cNvSpPr>
-          <p:nvPr>
-            <p:ph idx="1"/>
-          </p:nvPr>
-        </p:nvSpPr>
-        <p:spPr>
-          <a:xfrm>
-            <a:off x="553720" y="1730375"/>
-            <a:ext cx="7299960" cy="2313305"/>
-          </a:xfrm>
-        </p:spPr>
-        <p:txBody>
-          <a:bodyPr>
-            <a:normAutofit/>
-          </a:bodyPr>
-          <a:lstStyle/>
-          <a:p>
-            <a:pPr marL="0" indent="0">
-              <a:buNone/>
-            </a:pPr>
-            <a:r>
-              <a:rPr lang="en-US" sz="3200" b="1" dirty="0">
-                <a:solidFill>
-                  <a:schemeClr val="bg1"/>
-                </a:solidFill>
-                <a:latin typeface="Helvetica Neue" panose="02000503000000020004" pitchFamily="2" charset="0"/>
-                <a:ea typeface="Helvetica Neue" panose="02000503000000020004" pitchFamily="2" charset="0"/>
-                <a:cs typeface="Helvetica Neue" panose="02000503000000020004" pitchFamily="2" charset="0"/>
-              </a:rPr>
-              <a:t>“...the defensive form of war is not a simple shield, but a shield made up of well directed blows.”</a:t>
-            </a:r>
-          </a:p>
-          <a:p>
-            <a:pPr marL="0" indent="0">
-              <a:buNone/>
-            </a:pPr>
-            <a:r>
-              <a:rPr lang="en-US" sz="3200" b="1" dirty="0">
-                <a:solidFill>
-                  <a:schemeClr val="bg1"/>
-                </a:solidFill>
-                <a:latin typeface="Helvetica Neue" panose="02000503000000020004" pitchFamily="2" charset="0"/>
-                <a:ea typeface="Helvetica Neue" panose="02000503000000020004" pitchFamily="2" charset="0"/>
-                <a:cs typeface="Helvetica Neue" panose="02000503000000020004" pitchFamily="2" charset="0"/>
-              </a:rPr>
-              <a:t>		</a:t>
-            </a:r>
-            <a:r>
-              <a:rPr lang="en-US" sz="3200" b="1" i="1" dirty="0">
-                <a:solidFill>
-                  <a:schemeClr val="bg1"/>
-                </a:solidFill>
-                <a:latin typeface="Helvetica Neue" panose="02000503000000020004" pitchFamily="2" charset="0"/>
-                <a:ea typeface="Helvetica Neue" panose="02000503000000020004" pitchFamily="2" charset="0"/>
-                <a:cs typeface="Helvetica Neue" panose="02000503000000020004" pitchFamily="2" charset="0"/>
-              </a:rPr>
-              <a:t>On War</a:t>
-            </a:r>
-            <a:r>
-              <a:rPr lang="en-US" sz="3200" b="1" dirty="0">
-                <a:solidFill>
-                  <a:schemeClr val="bg1"/>
-                </a:solidFill>
-                <a:latin typeface="Helvetica Neue" panose="02000503000000020004" pitchFamily="2" charset="0"/>
-                <a:ea typeface="Helvetica Neue" panose="02000503000000020004" pitchFamily="2" charset="0"/>
-                <a:cs typeface="Helvetica Neue" panose="02000503000000020004" pitchFamily="2" charset="0"/>
-              </a:rPr>
-              <a:t>, Clausewitz (1832)</a:t>
-            </a:r>
-          </a:p>
-        </p:txBody>
-      </p:sp>
-      <p:sp>
-        <p:nvSpPr>
-          <p:cNvPr id="4" name="Content Placeholder 2">
-            <a:extLst>
-              <a:ext uri="{FF2B5EF4-FFF2-40B4-BE49-F238E27FC236}">
-                <a16:creationId xmlns:a16="http://schemas.microsoft.com/office/drawing/2014/main" id="{83D50021-F2B5-FC42-BAA8-0AB1234A56D0}"/>
-              </a:ext>
-            </a:extLst>
-          </p:cNvPr>
-          <p:cNvSpPr txBox="1">
-            <a:spLocks/>
-          </p:cNvSpPr>
-          <p:nvPr/>
-        </p:nvSpPr>
-        <p:spPr>
-          <a:xfrm>
-            <a:off x="1516380" y="4366418"/>
-            <a:ext cx="5374640" cy="1450023"/>
-          </a:xfrm>
-          <a:prstGeom prst="rect">
-            <a:avLst/>
-          </a:prstGeom>
-        </p:spPr>
-        <p:txBody>
-          <a:bodyPr vert="horz" lIns="91440" tIns="45720" rIns="91440" bIns="45720" rtlCol="0">
-            <a:normAutofit/>
-          </a:bodyPr>
-          <a:lstStyle>
-            <a:lvl1pPr marL="228600" indent="-228600" algn="l" defTabSz="914400" rtl="0" eaLnBrk="1" latinLnBrk="0" hangingPunct="1">
-              <a:lnSpc>
-                <a:spcPct val="90000"/>
-              </a:lnSpc>
-              <a:spcBef>
-                <a:spcPts val="1000"/>
-              </a:spcBef>
-              <a:buFont typeface="Arial" panose="020B0604020202020204" pitchFamily="34" charset="0"/>
-              <a:buChar char="•"/>
-              <a:defRPr sz="2800" kern="1200">
-                <a:solidFill>
-                  <a:schemeClr val="tx1"/>
-                </a:solidFill>
-                <a:latin typeface="+mn-lt"/>
-                <a:ea typeface="+mn-ea"/>
-                <a:cs typeface="+mn-cs"/>
-              </a:defRPr>
-            </a:lvl1pPr>
-            <a:lvl2pPr marL="685800" indent="-228600" algn="l" defTabSz="914400" rtl="0" eaLnBrk="1" latinLnBrk="0" hangingPunct="1">
-              <a:lnSpc>
-                <a:spcPct val="90000"/>
-              </a:lnSpc>
-              <a:spcBef>
-                <a:spcPts val="500"/>
-              </a:spcBef>
-              <a:buFont typeface="Arial" panose="020B0604020202020204" pitchFamily="34" charset="0"/>
-              <a:buChar char="•"/>
-              <a:defRPr sz="2400" kern="1200">
-                <a:solidFill>
-                  <a:schemeClr val="tx1"/>
-                </a:solidFill>
-                <a:latin typeface="+mn-lt"/>
-                <a:ea typeface="+mn-ea"/>
-                <a:cs typeface="+mn-cs"/>
-              </a:defRPr>
-            </a:lvl2pPr>
-            <a:lvl3pPr marL="1143000" indent="-228600" algn="l" defTabSz="914400" rtl="0" eaLnBrk="1" latinLnBrk="0" hangingPunct="1">
-              <a:lnSpc>
-                <a:spcPct val="90000"/>
-              </a:lnSpc>
-              <a:spcBef>
-                <a:spcPts val="500"/>
-              </a:spcBef>
-              <a:buFont typeface="Arial" panose="020B0604020202020204" pitchFamily="34" charset="0"/>
-              <a:buChar char="•"/>
-              <a:defRPr sz="2000" kern="1200">
-                <a:solidFill>
-                  <a:schemeClr val="tx1"/>
-                </a:solidFill>
-                <a:latin typeface="+mn-lt"/>
-                <a:ea typeface="+mn-ea"/>
-                <a:cs typeface="+mn-cs"/>
-              </a:defRPr>
-            </a:lvl3pPr>
-            <a:lvl4pPr marL="1600200" indent="-228600" algn="l" defTabSz="914400" rtl="0" eaLnBrk="1" latinLnBrk="0" hangingPunct="1">
-              <a:lnSpc>
-                <a:spcPct val="90000"/>
-              </a:lnSpc>
-              <a:spcBef>
-                <a:spcPts val="500"/>
-              </a:spcBef>
-              <a:buFont typeface="Arial" panose="020B0604020202020204" pitchFamily="34" charset="0"/>
-              <a:buChar char="•"/>
-              <a:defRPr sz="1800" kern="1200">
-                <a:solidFill>
-                  <a:schemeClr val="tx1"/>
-                </a:solidFill>
-                <a:latin typeface="+mn-lt"/>
-                <a:ea typeface="+mn-ea"/>
-                <a:cs typeface="+mn-cs"/>
-              </a:defRPr>
-            </a:lvl4pPr>
-            <a:lvl5pPr marL="2057400" indent="-228600" algn="l" defTabSz="914400" rtl="0" eaLnBrk="1" latinLnBrk="0" hangingPunct="1">
-              <a:lnSpc>
-                <a:spcPct val="90000"/>
-              </a:lnSpc>
-              <a:spcBef>
-                <a:spcPts val="500"/>
-              </a:spcBef>
-              <a:buFont typeface="Arial" panose="020B0604020202020204" pitchFamily="34" charset="0"/>
-              <a:buChar char="•"/>
-              <a:defRPr sz="1800" kern="1200">
-                <a:solidFill>
-                  <a:schemeClr val="tx1"/>
-                </a:solidFill>
-                <a:latin typeface="+mn-lt"/>
-                <a:ea typeface="+mn-ea"/>
-                <a:cs typeface="+mn-cs"/>
-              </a:defRPr>
-            </a:lvl5pPr>
-            <a:lvl6pPr marL="2514600" indent="-228600" algn="l" defTabSz="914400" rtl="0" eaLnBrk="1" latinLnBrk="0" hangingPunct="1">
-              <a:lnSpc>
-                <a:spcPct val="90000"/>
-              </a:lnSpc>
-              <a:spcBef>
-                <a:spcPts val="500"/>
-              </a:spcBef>
-              <a:buFont typeface="Arial" panose="020B0604020202020204" pitchFamily="34" charset="0"/>
-              <a:buChar char="•"/>
-              <a:defRPr sz="1800" kern="1200">
-                <a:solidFill>
-                  <a:schemeClr val="tx1"/>
-                </a:solidFill>
-                <a:latin typeface="+mn-lt"/>
-                <a:ea typeface="+mn-ea"/>
-                <a:cs typeface="+mn-cs"/>
-              </a:defRPr>
-            </a:lvl6pPr>
-            <a:lvl7pPr marL="2971800" indent="-228600" algn="l" defTabSz="914400" rtl="0" eaLnBrk="1" latinLnBrk="0" hangingPunct="1">
-              <a:lnSpc>
-                <a:spcPct val="90000"/>
-              </a:lnSpc>
-              <a:spcBef>
-                <a:spcPts val="500"/>
-              </a:spcBef>
-              <a:buFont typeface="Arial" panose="020B0604020202020204" pitchFamily="34" charset="0"/>
-              <a:buChar char="•"/>
-              <a:defRPr sz="1800" kern="1200">
-                <a:solidFill>
-                  <a:schemeClr val="tx1"/>
-                </a:solidFill>
-                <a:latin typeface="+mn-lt"/>
-                <a:ea typeface="+mn-ea"/>
-                <a:cs typeface="+mn-cs"/>
-              </a:defRPr>
-            </a:lvl7pPr>
-            <a:lvl8pPr marL="3429000" indent="-228600" algn="l" defTabSz="914400" rtl="0" eaLnBrk="1" latinLnBrk="0" hangingPunct="1">
-              <a:lnSpc>
-                <a:spcPct val="90000"/>
-              </a:lnSpc>
-              <a:spcBef>
-                <a:spcPts val="500"/>
-              </a:spcBef>
-              <a:buFont typeface="Arial" panose="020B0604020202020204" pitchFamily="34" charset="0"/>
-              <a:buChar char="•"/>
-              <a:defRPr sz="1800" kern="1200">
-                <a:solidFill>
-                  <a:schemeClr val="tx1"/>
-                </a:solidFill>
-                <a:latin typeface="+mn-lt"/>
-                <a:ea typeface="+mn-ea"/>
-                <a:cs typeface="+mn-cs"/>
-              </a:defRPr>
-            </a:lvl8pPr>
-            <a:lvl9pPr marL="3886200" indent="-228600" algn="l" defTabSz="914400" rtl="0" eaLnBrk="1" latinLnBrk="0" hangingPunct="1">
-              <a:lnSpc>
-                <a:spcPct val="90000"/>
-              </a:lnSpc>
-              <a:spcBef>
-                <a:spcPts val="500"/>
-              </a:spcBef>
-              <a:buFont typeface="Arial" panose="020B0604020202020204" pitchFamily="34" charset="0"/>
-              <a:buChar char="•"/>
-              <a:defRPr sz="1800" kern="1200">
-                <a:solidFill>
-                  <a:schemeClr val="tx1"/>
-                </a:solidFill>
-                <a:latin typeface="+mn-lt"/>
-                <a:ea typeface="+mn-ea"/>
-                <a:cs typeface="+mn-cs"/>
-              </a:defRPr>
-            </a:lvl9pPr>
-          </a:lstStyle>
-          <a:p>
-            <a:r>
-              <a:rPr lang="en-US" sz="3200" b="1" dirty="0">
-                <a:solidFill>
-                  <a:schemeClr val="bg1"/>
-                </a:solidFill>
-                <a:latin typeface="Helvetica Neue" panose="02000503000000020004" pitchFamily="2" charset="0"/>
-                <a:ea typeface="Helvetica Neue" panose="02000503000000020004" pitchFamily="2" charset="0"/>
-                <a:cs typeface="Helvetica Neue" panose="02000503000000020004" pitchFamily="2" charset="0"/>
-              </a:rPr>
-              <a:t>Defence stocks...</a:t>
-            </a:r>
-          </a:p>
-          <a:p>
-            <a:pPr marL="457200" lvl="1" indent="0">
-              <a:buNone/>
-            </a:pPr>
-            <a:r>
-              <a:rPr lang="en-US" sz="3200" b="1" dirty="0">
-                <a:solidFill>
-                  <a:schemeClr val="bg1"/>
-                </a:solidFill>
-                <a:latin typeface="Helvetica Neue" panose="02000503000000020004" pitchFamily="2" charset="0"/>
-                <a:ea typeface="Helvetica Neue" panose="02000503000000020004" pitchFamily="2" charset="0"/>
-                <a:cs typeface="Helvetica Neue" panose="02000503000000020004" pitchFamily="2" charset="0"/>
-              </a:rPr>
-              <a:t>		or war stocks?</a:t>
-            </a:r>
-          </a:p>
-        </p:txBody>
-      </p:sp>
     </p:spTree>
     <p:extLst>
       <p:ext uri="{BB962C8B-B14F-4D97-AF65-F5344CB8AC3E}">
-        <p14:creationId xmlns:p14="http://schemas.microsoft.com/office/powerpoint/2010/main" val="1528669762"/>
+        <p14:creationId xmlns:p14="http://schemas.microsoft.com/office/powerpoint/2010/main" val="737436523"/>
       </p:ext>
     </p:extLst>
   </p:cSld>
@@ -6291,12 +7564,52 @@
           <a:chExt cx="0" cy="0"/>
         </a:xfrm>
       </p:grpSpPr>
+      <p:sp>
+        <p:nvSpPr>
+          <p:cNvPr id="2" name="Title 1">
+            <a:extLst>
+              <a:ext uri="{FF2B5EF4-FFF2-40B4-BE49-F238E27FC236}">
+                <a16:creationId xmlns:a16="http://schemas.microsoft.com/office/drawing/2014/main" id="{31C71DE5-A63D-E34A-9605-F43285D2548A}"/>
+              </a:ext>
+            </a:extLst>
+          </p:cNvPr>
+          <p:cNvSpPr>
+            <a:spLocks noGrp="1"/>
+          </p:cNvSpPr>
+          <p:nvPr>
+            <p:ph type="title"/>
+          </p:nvPr>
+        </p:nvSpPr>
+        <p:spPr>
+          <a:xfrm>
+            <a:off x="838200" y="285223"/>
+            <a:ext cx="10515600" cy="1325563"/>
+          </a:xfrm>
+        </p:spPr>
+        <p:txBody>
+          <a:bodyPr/>
+          <a:lstStyle/>
+          <a:p>
+            <a:r>
+              <a:rPr lang="en-US" b="1" dirty="0">
+                <a:solidFill>
+                  <a:schemeClr val="bg1"/>
+                </a:solidFill>
+                <a:latin typeface="Helvetica Neue" panose="02000503000000020004" pitchFamily="2" charset="0"/>
+                <a:ea typeface="Helvetica Neue" panose="02000503000000020004" pitchFamily="2" charset="0"/>
+                <a:cs typeface="Helvetica Neue" panose="02000503000000020004" pitchFamily="2" charset="0"/>
+              </a:rPr>
+              <a:t>Blockchain</a:t>
+            </a:r>
+          </a:p>
+        </p:txBody>
+      </p:sp>
       <p:pic>
         <p:nvPicPr>
-          <p:cNvPr id="5" name="Picture 4">
-            <a:extLst>
-              <a:ext uri="{FF2B5EF4-FFF2-40B4-BE49-F238E27FC236}">
-                <a16:creationId xmlns:a16="http://schemas.microsoft.com/office/drawing/2014/main" id="{41304D52-7DB7-F647-8739-D10945CE491A}"/>
+          <p:cNvPr id="8" name="Picture 7">
+            <a:extLst>
+              <a:ext uri="{FF2B5EF4-FFF2-40B4-BE49-F238E27FC236}">
+                <a16:creationId xmlns:a16="http://schemas.microsoft.com/office/drawing/2014/main" id="{9F93D476-C22E-C542-8A25-4305BDEDB078}"/>
               </a:ext>
             </a:extLst>
           </p:cNvPr>
@@ -6313,325 +7626,18 @@
         </p:blipFill>
         <p:spPr>
           <a:xfrm>
-            <a:off x="4838700" y="2783840"/>
-            <a:ext cx="7228156" cy="3941604"/>
+            <a:off x="1920735" y="1420427"/>
+            <a:ext cx="8350530" cy="5219082"/>
           </a:xfrm>
           <a:prstGeom prst="rect">
             <a:avLst/>
           </a:prstGeom>
         </p:spPr>
       </p:pic>
-      <p:sp>
-        <p:nvSpPr>
-          <p:cNvPr id="2" name="Title 1">
-            <a:extLst>
-              <a:ext uri="{FF2B5EF4-FFF2-40B4-BE49-F238E27FC236}">
-                <a16:creationId xmlns:a16="http://schemas.microsoft.com/office/drawing/2014/main" id="{31C71DE5-A63D-E34A-9605-F43285D2548A}"/>
-              </a:ext>
-            </a:extLst>
-          </p:cNvPr>
-          <p:cNvSpPr>
-            <a:spLocks noGrp="1"/>
-          </p:cNvSpPr>
-          <p:nvPr>
-            <p:ph type="title"/>
-          </p:nvPr>
-        </p:nvSpPr>
-        <p:spPr/>
-        <p:txBody>
-          <a:bodyPr/>
-          <a:lstStyle/>
-          <a:p>
-            <a:r>
-              <a:rPr lang="en-US" b="1" dirty="0">
-                <a:solidFill>
-                  <a:schemeClr val="bg1"/>
-                </a:solidFill>
-                <a:latin typeface="Helvetica Neue" panose="02000503000000020004" pitchFamily="2" charset="0"/>
-                <a:ea typeface="Helvetica Neue" panose="02000503000000020004" pitchFamily="2" charset="0"/>
-                <a:cs typeface="Helvetica Neue" panose="02000503000000020004" pitchFamily="2" charset="0"/>
-              </a:rPr>
-              <a:t>Investing in Innovation</a:t>
-            </a:r>
-          </a:p>
-        </p:txBody>
-      </p:sp>
-      <p:sp>
-        <p:nvSpPr>
-          <p:cNvPr id="3" name="Content Placeholder 2">
-            <a:extLst>
-              <a:ext uri="{FF2B5EF4-FFF2-40B4-BE49-F238E27FC236}">
-                <a16:creationId xmlns:a16="http://schemas.microsoft.com/office/drawing/2014/main" id="{AEAD33A4-EE6B-8145-AC73-578592755746}"/>
-              </a:ext>
-            </a:extLst>
-          </p:cNvPr>
-          <p:cNvSpPr>
-            <a:spLocks noGrp="1"/>
-          </p:cNvSpPr>
-          <p:nvPr>
-            <p:ph idx="1"/>
-          </p:nvPr>
-        </p:nvSpPr>
-        <p:spPr>
-          <a:xfrm>
-            <a:off x="838200" y="1660208"/>
-            <a:ext cx="9646920" cy="1723072"/>
-          </a:xfrm>
-        </p:spPr>
-        <p:txBody>
-          <a:bodyPr>
-            <a:normAutofit/>
-          </a:bodyPr>
-          <a:lstStyle/>
-          <a:p>
-            <a:r>
-              <a:rPr lang="en-US" sz="3200" b="1" dirty="0">
-                <a:solidFill>
-                  <a:schemeClr val="bg1"/>
-                </a:solidFill>
-                <a:latin typeface="Helvetica Neue" panose="02000503000000020004" pitchFamily="2" charset="0"/>
-                <a:ea typeface="Helvetica Neue" panose="02000503000000020004" pitchFamily="2" charset="0"/>
-                <a:cs typeface="Helvetica Neue" panose="02000503000000020004" pitchFamily="2" charset="0"/>
-              </a:rPr>
-              <a:t>Defence industry is critical to innovation and technology development</a:t>
-            </a:r>
-          </a:p>
-        </p:txBody>
-      </p:sp>
-      <p:sp>
-        <p:nvSpPr>
-          <p:cNvPr id="6" name="Content Placeholder 2">
-            <a:extLst>
-              <a:ext uri="{FF2B5EF4-FFF2-40B4-BE49-F238E27FC236}">
-                <a16:creationId xmlns:a16="http://schemas.microsoft.com/office/drawing/2014/main" id="{1DE31941-12C0-2A45-8C0F-C92450751CBC}"/>
-              </a:ext>
-            </a:extLst>
-          </p:cNvPr>
-          <p:cNvSpPr txBox="1">
-            <a:spLocks/>
-          </p:cNvSpPr>
-          <p:nvPr/>
-        </p:nvSpPr>
-        <p:spPr>
-          <a:xfrm>
-            <a:off x="838200" y="2853293"/>
-            <a:ext cx="4000500" cy="4351338"/>
-          </a:xfrm>
-          <a:prstGeom prst="rect">
-            <a:avLst/>
-          </a:prstGeom>
-        </p:spPr>
-        <p:txBody>
-          <a:bodyPr vert="horz" lIns="91440" tIns="45720" rIns="91440" bIns="45720" rtlCol="0">
-            <a:normAutofit/>
-          </a:bodyPr>
-          <a:lstStyle>
-            <a:lvl1pPr marL="228600" indent="-228600" algn="l" defTabSz="914400" rtl="0" eaLnBrk="1" latinLnBrk="0" hangingPunct="1">
-              <a:lnSpc>
-                <a:spcPct val="90000"/>
-              </a:lnSpc>
-              <a:spcBef>
-                <a:spcPts val="1000"/>
-              </a:spcBef>
-              <a:buFont typeface="Arial" panose="020B0604020202020204" pitchFamily="34" charset="0"/>
-              <a:buChar char="•"/>
-              <a:defRPr sz="2800" kern="1200">
-                <a:solidFill>
-                  <a:schemeClr val="tx1"/>
-                </a:solidFill>
-                <a:latin typeface="+mn-lt"/>
-                <a:ea typeface="+mn-ea"/>
-                <a:cs typeface="+mn-cs"/>
-              </a:defRPr>
-            </a:lvl1pPr>
-            <a:lvl2pPr marL="685800" indent="-228600" algn="l" defTabSz="914400" rtl="0" eaLnBrk="1" latinLnBrk="0" hangingPunct="1">
-              <a:lnSpc>
-                <a:spcPct val="90000"/>
-              </a:lnSpc>
-              <a:spcBef>
-                <a:spcPts val="500"/>
-              </a:spcBef>
-              <a:buFont typeface="Arial" panose="020B0604020202020204" pitchFamily="34" charset="0"/>
-              <a:buChar char="•"/>
-              <a:defRPr sz="2400" kern="1200">
-                <a:solidFill>
-                  <a:schemeClr val="tx1"/>
-                </a:solidFill>
-                <a:latin typeface="+mn-lt"/>
-                <a:ea typeface="+mn-ea"/>
-                <a:cs typeface="+mn-cs"/>
-              </a:defRPr>
-            </a:lvl2pPr>
-            <a:lvl3pPr marL="1143000" indent="-228600" algn="l" defTabSz="914400" rtl="0" eaLnBrk="1" latinLnBrk="0" hangingPunct="1">
-              <a:lnSpc>
-                <a:spcPct val="90000"/>
-              </a:lnSpc>
-              <a:spcBef>
-                <a:spcPts val="500"/>
-              </a:spcBef>
-              <a:buFont typeface="Arial" panose="020B0604020202020204" pitchFamily="34" charset="0"/>
-              <a:buChar char="•"/>
-              <a:defRPr sz="2000" kern="1200">
-                <a:solidFill>
-                  <a:schemeClr val="tx1"/>
-                </a:solidFill>
-                <a:latin typeface="+mn-lt"/>
-                <a:ea typeface="+mn-ea"/>
-                <a:cs typeface="+mn-cs"/>
-              </a:defRPr>
-            </a:lvl3pPr>
-            <a:lvl4pPr marL="1600200" indent="-228600" algn="l" defTabSz="914400" rtl="0" eaLnBrk="1" latinLnBrk="0" hangingPunct="1">
-              <a:lnSpc>
-                <a:spcPct val="90000"/>
-              </a:lnSpc>
-              <a:spcBef>
-                <a:spcPts val="500"/>
-              </a:spcBef>
-              <a:buFont typeface="Arial" panose="020B0604020202020204" pitchFamily="34" charset="0"/>
-              <a:buChar char="•"/>
-              <a:defRPr sz="1800" kern="1200">
-                <a:solidFill>
-                  <a:schemeClr val="tx1"/>
-                </a:solidFill>
-                <a:latin typeface="+mn-lt"/>
-                <a:ea typeface="+mn-ea"/>
-                <a:cs typeface="+mn-cs"/>
-              </a:defRPr>
-            </a:lvl4pPr>
-            <a:lvl5pPr marL="2057400" indent="-228600" algn="l" defTabSz="914400" rtl="0" eaLnBrk="1" latinLnBrk="0" hangingPunct="1">
-              <a:lnSpc>
-                <a:spcPct val="90000"/>
-              </a:lnSpc>
-              <a:spcBef>
-                <a:spcPts val="500"/>
-              </a:spcBef>
-              <a:buFont typeface="Arial" panose="020B0604020202020204" pitchFamily="34" charset="0"/>
-              <a:buChar char="•"/>
-              <a:defRPr sz="1800" kern="1200">
-                <a:solidFill>
-                  <a:schemeClr val="tx1"/>
-                </a:solidFill>
-                <a:latin typeface="+mn-lt"/>
-                <a:ea typeface="+mn-ea"/>
-                <a:cs typeface="+mn-cs"/>
-              </a:defRPr>
-            </a:lvl5pPr>
-            <a:lvl6pPr marL="2514600" indent="-228600" algn="l" defTabSz="914400" rtl="0" eaLnBrk="1" latinLnBrk="0" hangingPunct="1">
-              <a:lnSpc>
-                <a:spcPct val="90000"/>
-              </a:lnSpc>
-              <a:spcBef>
-                <a:spcPts val="500"/>
-              </a:spcBef>
-              <a:buFont typeface="Arial" panose="020B0604020202020204" pitchFamily="34" charset="0"/>
-              <a:buChar char="•"/>
-              <a:defRPr sz="1800" kern="1200">
-                <a:solidFill>
-                  <a:schemeClr val="tx1"/>
-                </a:solidFill>
-                <a:latin typeface="+mn-lt"/>
-                <a:ea typeface="+mn-ea"/>
-                <a:cs typeface="+mn-cs"/>
-              </a:defRPr>
-            </a:lvl6pPr>
-            <a:lvl7pPr marL="2971800" indent="-228600" algn="l" defTabSz="914400" rtl="0" eaLnBrk="1" latinLnBrk="0" hangingPunct="1">
-              <a:lnSpc>
-                <a:spcPct val="90000"/>
-              </a:lnSpc>
-              <a:spcBef>
-                <a:spcPts val="500"/>
-              </a:spcBef>
-              <a:buFont typeface="Arial" panose="020B0604020202020204" pitchFamily="34" charset="0"/>
-              <a:buChar char="•"/>
-              <a:defRPr sz="1800" kern="1200">
-                <a:solidFill>
-                  <a:schemeClr val="tx1"/>
-                </a:solidFill>
-                <a:latin typeface="+mn-lt"/>
-                <a:ea typeface="+mn-ea"/>
-                <a:cs typeface="+mn-cs"/>
-              </a:defRPr>
-            </a:lvl7pPr>
-            <a:lvl8pPr marL="3429000" indent="-228600" algn="l" defTabSz="914400" rtl="0" eaLnBrk="1" latinLnBrk="0" hangingPunct="1">
-              <a:lnSpc>
-                <a:spcPct val="90000"/>
-              </a:lnSpc>
-              <a:spcBef>
-                <a:spcPts val="500"/>
-              </a:spcBef>
-              <a:buFont typeface="Arial" panose="020B0604020202020204" pitchFamily="34" charset="0"/>
-              <a:buChar char="•"/>
-              <a:defRPr sz="1800" kern="1200">
-                <a:solidFill>
-                  <a:schemeClr val="tx1"/>
-                </a:solidFill>
-                <a:latin typeface="+mn-lt"/>
-                <a:ea typeface="+mn-ea"/>
-                <a:cs typeface="+mn-cs"/>
-              </a:defRPr>
-            </a:lvl8pPr>
-            <a:lvl9pPr marL="3886200" indent="-228600" algn="l" defTabSz="914400" rtl="0" eaLnBrk="1" latinLnBrk="0" hangingPunct="1">
-              <a:lnSpc>
-                <a:spcPct val="90000"/>
-              </a:lnSpc>
-              <a:spcBef>
-                <a:spcPts val="500"/>
-              </a:spcBef>
-              <a:buFont typeface="Arial" panose="020B0604020202020204" pitchFamily="34" charset="0"/>
-              <a:buChar char="•"/>
-              <a:defRPr sz="1800" kern="1200">
-                <a:solidFill>
-                  <a:schemeClr val="tx1"/>
-                </a:solidFill>
-                <a:latin typeface="+mn-lt"/>
-                <a:ea typeface="+mn-ea"/>
-                <a:cs typeface="+mn-cs"/>
-              </a:defRPr>
-            </a:lvl9pPr>
-          </a:lstStyle>
-          <a:p>
-            <a:pPr marL="0" indent="0">
-              <a:buFont typeface="Arial" panose="020B0604020202020204" pitchFamily="34" charset="0"/>
-              <a:buNone/>
-            </a:pPr>
-            <a:endParaRPr lang="en-US" sz="2000" b="1" dirty="0">
-              <a:solidFill>
-                <a:schemeClr val="bg1"/>
-              </a:solidFill>
-              <a:latin typeface="Helvetica Neue" panose="02000503000000020004" pitchFamily="2" charset="0"/>
-              <a:ea typeface="Helvetica Neue" panose="02000503000000020004" pitchFamily="2" charset="0"/>
-              <a:cs typeface="Helvetica Neue" panose="02000503000000020004" pitchFamily="2" charset="0"/>
-            </a:endParaRPr>
-          </a:p>
-          <a:p>
-            <a:r>
-              <a:rPr lang="en-US" sz="3200" b="1" dirty="0">
-                <a:solidFill>
-                  <a:schemeClr val="bg1"/>
-                </a:solidFill>
-                <a:latin typeface="Helvetica Neue" panose="02000503000000020004" pitchFamily="2" charset="0"/>
-                <a:ea typeface="Helvetica Neue" panose="02000503000000020004" pitchFamily="2" charset="0"/>
-                <a:cs typeface="Helvetica Neue" panose="02000503000000020004" pitchFamily="2" charset="0"/>
-              </a:rPr>
-              <a:t>Innovation has suffered since the United States has become a unipolar power</a:t>
-            </a:r>
-          </a:p>
-          <a:p>
-            <a:endParaRPr lang="en-US" sz="3200" dirty="0">
-              <a:solidFill>
-                <a:schemeClr val="bg1"/>
-              </a:solidFill>
-              <a:latin typeface="Helvetica Neue" panose="02000503000000020004" pitchFamily="2" charset="0"/>
-              <a:ea typeface="Helvetica Neue" panose="02000503000000020004" pitchFamily="2" charset="0"/>
-              <a:cs typeface="Helvetica Neue" panose="02000503000000020004" pitchFamily="2" charset="0"/>
-            </a:endParaRPr>
-          </a:p>
-        </p:txBody>
-      </p:sp>
     </p:spTree>
     <p:extLst>
       <p:ext uri="{BB962C8B-B14F-4D97-AF65-F5344CB8AC3E}">
-        <p14:creationId xmlns:p14="http://schemas.microsoft.com/office/powerpoint/2010/main" val="2936093204"/>
+        <p14:creationId xmlns:p14="http://schemas.microsoft.com/office/powerpoint/2010/main" val="1528669762"/>
       </p:ext>
     </p:extLst>
   </p:cSld>
@@ -6682,7 +7688,12 @@
             <p:ph type="title"/>
           </p:nvPr>
         </p:nvSpPr>
-        <p:spPr/>
+        <p:spPr>
+          <a:xfrm>
+            <a:off x="838200" y="276346"/>
+            <a:ext cx="10515600" cy="1325563"/>
+          </a:xfrm>
+        </p:spPr>
         <p:txBody>
           <a:bodyPr/>
           <a:lstStyle/>
@@ -6696,126 +7707,17 @@
                 <a:ea typeface="Helvetica Neue" panose="02000503000000020004" pitchFamily="2" charset="0"/>
                 <a:cs typeface="Helvetica Neue" panose="02000503000000020004" pitchFamily="2" charset="0"/>
               </a:rPr>
-              <a:t>Is Defence Stock Performance Tied to Conflict and Geopolitics?</a:t>
-            </a:r>
-          </a:p>
-        </p:txBody>
-      </p:sp>
-      <p:sp>
-        <p:nvSpPr>
-          <p:cNvPr id="3" name="Content Placeholder 2">
-            <a:extLst>
-              <a:ext uri="{FF2B5EF4-FFF2-40B4-BE49-F238E27FC236}">
-                <a16:creationId xmlns:a16="http://schemas.microsoft.com/office/drawing/2014/main" id="{AEAD33A4-EE6B-8145-AC73-578592755746}"/>
-              </a:ext>
-            </a:extLst>
-          </p:cNvPr>
-          <p:cNvSpPr>
-            <a:spLocks noGrp="1"/>
-          </p:cNvSpPr>
-          <p:nvPr>
-            <p:ph idx="1"/>
-          </p:nvPr>
-        </p:nvSpPr>
-        <p:spPr>
-          <a:xfrm>
-            <a:off x="432434" y="1996440"/>
-            <a:ext cx="5186046" cy="2179320"/>
-          </a:xfrm>
-        </p:spPr>
-        <p:txBody>
-          <a:bodyPr>
-            <a:normAutofit/>
-          </a:bodyPr>
-          <a:lstStyle/>
-          <a:p>
-            <a:r>
-              <a:rPr lang="en-US" sz="3200" b="1" dirty="0">
-                <a:solidFill>
-                  <a:schemeClr val="bg1"/>
-                </a:solidFill>
-                <a:latin typeface="Helvetica Neue" panose="02000503000000020004" pitchFamily="2" charset="0"/>
-                <a:ea typeface="Helvetica Neue" panose="02000503000000020004" pitchFamily="2" charset="0"/>
-                <a:cs typeface="Helvetica Neue" panose="02000503000000020004" pitchFamily="2" charset="0"/>
-              </a:rPr>
-              <a:t>Can analysis and foresight</a:t>
-            </a:r>
-          </a:p>
-          <a:p>
-            <a:pPr marL="914400" lvl="2" indent="0">
-              <a:buNone/>
-            </a:pPr>
-            <a:r>
-              <a:rPr lang="en-US" sz="3200" b="1" dirty="0">
-                <a:solidFill>
-                  <a:schemeClr val="bg1"/>
-                </a:solidFill>
-                <a:latin typeface="Helvetica Neue" panose="02000503000000020004" pitchFamily="2" charset="0"/>
-                <a:ea typeface="Helvetica Neue" panose="02000503000000020004" pitchFamily="2" charset="0"/>
-                <a:cs typeface="Helvetica Neue" panose="02000503000000020004" pitchFamily="2" charset="0"/>
-              </a:rPr>
-              <a:t>...or foreknowledge</a:t>
-            </a:r>
-          </a:p>
-          <a:p>
-            <a:pPr marL="0" indent="0">
-              <a:buNone/>
-            </a:pPr>
-            <a:r>
-              <a:rPr lang="en-US" sz="3200" b="1" dirty="0">
-                <a:solidFill>
-                  <a:schemeClr val="bg1"/>
-                </a:solidFill>
-                <a:latin typeface="Helvetica Neue" panose="02000503000000020004" pitchFamily="2" charset="0"/>
-                <a:ea typeface="Helvetica Neue" panose="02000503000000020004" pitchFamily="2" charset="0"/>
-                <a:cs typeface="Helvetica Neue" panose="02000503000000020004" pitchFamily="2" charset="0"/>
-              </a:rPr>
-              <a:t>   </a:t>
-            </a:r>
-            <a:r>
-              <a:rPr lang="en-US" sz="3200" b="1" dirty="0" err="1">
-                <a:solidFill>
-                  <a:schemeClr val="bg1"/>
-                </a:solidFill>
-                <a:latin typeface="Helvetica Neue" panose="02000503000000020004" pitchFamily="2" charset="0"/>
-                <a:ea typeface="Helvetica Neue" panose="02000503000000020004" pitchFamily="2" charset="0"/>
-                <a:cs typeface="Helvetica Neue" panose="02000503000000020004" pitchFamily="2" charset="0"/>
-              </a:rPr>
-              <a:t>maximise</a:t>
-            </a:r>
-            <a:r>
-              <a:rPr lang="en-US" sz="3200" b="1" dirty="0">
-                <a:solidFill>
-                  <a:schemeClr val="bg1"/>
-                </a:solidFill>
-                <a:latin typeface="Helvetica Neue" panose="02000503000000020004" pitchFamily="2" charset="0"/>
-                <a:ea typeface="Helvetica Neue" panose="02000503000000020004" pitchFamily="2" charset="0"/>
-                <a:cs typeface="Helvetica Neue" panose="02000503000000020004" pitchFamily="2" charset="0"/>
-              </a:rPr>
-              <a:t> returns?</a:t>
-            </a:r>
-          </a:p>
-          <a:p>
-            <a:pPr marL="0" indent="0">
-              <a:buNone/>
-            </a:pPr>
-            <a:endParaRPr lang="en-US" sz="3200" b="1" dirty="0">
-              <a:solidFill>
-                <a:schemeClr val="bg1"/>
-              </a:solidFill>
-              <a:latin typeface="Helvetica Neue" panose="02000503000000020004" pitchFamily="2" charset="0"/>
-              <a:ea typeface="Helvetica Neue" panose="02000503000000020004" pitchFamily="2" charset="0"/>
-              <a:cs typeface="Helvetica Neue" panose="02000503000000020004" pitchFamily="2" charset="0"/>
-            </a:endParaRPr>
+              <a:t>Blockchain</a:t>
+            </a:r>
           </a:p>
         </p:txBody>
       </p:sp>
       <p:pic>
         <p:nvPicPr>
-          <p:cNvPr id="5" name="Picture 4">
-            <a:extLst>
-              <a:ext uri="{FF2B5EF4-FFF2-40B4-BE49-F238E27FC236}">
-                <a16:creationId xmlns:a16="http://schemas.microsoft.com/office/drawing/2014/main" id="{F079E303-148D-144C-9E50-4BAFAB5AADF4}"/>
+          <p:cNvPr id="9" name="Picture 8">
+            <a:extLst>
+              <a:ext uri="{FF2B5EF4-FFF2-40B4-BE49-F238E27FC236}">
+                <a16:creationId xmlns:a16="http://schemas.microsoft.com/office/drawing/2014/main" id="{8C1771E1-D0F6-D44B-8FAD-7F90C1D209C2}"/>
               </a:ext>
             </a:extLst>
           </p:cNvPr>
@@ -6832,246 +7734,18 @@
         </p:blipFill>
         <p:spPr>
           <a:xfrm>
-            <a:off x="5618480" y="1929448"/>
-            <a:ext cx="6116320" cy="4587240"/>
+            <a:off x="1965457" y="1514037"/>
+            <a:ext cx="8261086" cy="5127203"/>
           </a:xfrm>
           <a:prstGeom prst="rect">
             <a:avLst/>
           </a:prstGeom>
         </p:spPr>
       </p:pic>
-      <p:sp>
-        <p:nvSpPr>
-          <p:cNvPr id="6" name="Content Placeholder 2">
-            <a:extLst>
-              <a:ext uri="{FF2B5EF4-FFF2-40B4-BE49-F238E27FC236}">
-                <a16:creationId xmlns:a16="http://schemas.microsoft.com/office/drawing/2014/main" id="{3AFFCEA7-8CB4-504B-8AEC-33D78742CA46}"/>
-              </a:ext>
-            </a:extLst>
-          </p:cNvPr>
-          <p:cNvSpPr txBox="1">
-            <a:spLocks/>
-          </p:cNvSpPr>
-          <p:nvPr/>
-        </p:nvSpPr>
-        <p:spPr>
-          <a:xfrm>
-            <a:off x="432434" y="4374832"/>
-            <a:ext cx="5186046" cy="2179320"/>
-          </a:xfrm>
-          <a:prstGeom prst="rect">
-            <a:avLst/>
-          </a:prstGeom>
-        </p:spPr>
-        <p:txBody>
-          <a:bodyPr vert="horz" lIns="91440" tIns="45720" rIns="91440" bIns="45720" rtlCol="0">
-            <a:normAutofit/>
-          </a:bodyPr>
-          <a:lstStyle>
-            <a:lvl1pPr marL="228600" indent="-228600" algn="l" defTabSz="914400" rtl="0" eaLnBrk="1" latinLnBrk="0" hangingPunct="1">
-              <a:lnSpc>
-                <a:spcPct val="90000"/>
-              </a:lnSpc>
-              <a:spcBef>
-                <a:spcPts val="1000"/>
-              </a:spcBef>
-              <a:buFont typeface="Arial" panose="020B0604020202020204" pitchFamily="34" charset="0"/>
-              <a:buChar char="•"/>
-              <a:defRPr sz="2800" kern="1200">
-                <a:solidFill>
-                  <a:schemeClr val="tx1"/>
-                </a:solidFill>
-                <a:latin typeface="+mn-lt"/>
-                <a:ea typeface="+mn-ea"/>
-                <a:cs typeface="+mn-cs"/>
-              </a:defRPr>
-            </a:lvl1pPr>
-            <a:lvl2pPr marL="685800" indent="-228600" algn="l" defTabSz="914400" rtl="0" eaLnBrk="1" latinLnBrk="0" hangingPunct="1">
-              <a:lnSpc>
-                <a:spcPct val="90000"/>
-              </a:lnSpc>
-              <a:spcBef>
-                <a:spcPts val="500"/>
-              </a:spcBef>
-              <a:buFont typeface="Arial" panose="020B0604020202020204" pitchFamily="34" charset="0"/>
-              <a:buChar char="•"/>
-              <a:defRPr sz="2400" kern="1200">
-                <a:solidFill>
-                  <a:schemeClr val="tx1"/>
-                </a:solidFill>
-                <a:latin typeface="+mn-lt"/>
-                <a:ea typeface="+mn-ea"/>
-                <a:cs typeface="+mn-cs"/>
-              </a:defRPr>
-            </a:lvl2pPr>
-            <a:lvl3pPr marL="1143000" indent="-228600" algn="l" defTabSz="914400" rtl="0" eaLnBrk="1" latinLnBrk="0" hangingPunct="1">
-              <a:lnSpc>
-                <a:spcPct val="90000"/>
-              </a:lnSpc>
-              <a:spcBef>
-                <a:spcPts val="500"/>
-              </a:spcBef>
-              <a:buFont typeface="Arial" panose="020B0604020202020204" pitchFamily="34" charset="0"/>
-              <a:buChar char="•"/>
-              <a:defRPr sz="2000" kern="1200">
-                <a:solidFill>
-                  <a:schemeClr val="tx1"/>
-                </a:solidFill>
-                <a:latin typeface="+mn-lt"/>
-                <a:ea typeface="+mn-ea"/>
-                <a:cs typeface="+mn-cs"/>
-              </a:defRPr>
-            </a:lvl3pPr>
-            <a:lvl4pPr marL="1600200" indent="-228600" algn="l" defTabSz="914400" rtl="0" eaLnBrk="1" latinLnBrk="0" hangingPunct="1">
-              <a:lnSpc>
-                <a:spcPct val="90000"/>
-              </a:lnSpc>
-              <a:spcBef>
-                <a:spcPts val="500"/>
-              </a:spcBef>
-              <a:buFont typeface="Arial" panose="020B0604020202020204" pitchFamily="34" charset="0"/>
-              <a:buChar char="•"/>
-              <a:defRPr sz="1800" kern="1200">
-                <a:solidFill>
-                  <a:schemeClr val="tx1"/>
-                </a:solidFill>
-                <a:latin typeface="+mn-lt"/>
-                <a:ea typeface="+mn-ea"/>
-                <a:cs typeface="+mn-cs"/>
-              </a:defRPr>
-            </a:lvl4pPr>
-            <a:lvl5pPr marL="2057400" indent="-228600" algn="l" defTabSz="914400" rtl="0" eaLnBrk="1" latinLnBrk="0" hangingPunct="1">
-              <a:lnSpc>
-                <a:spcPct val="90000"/>
-              </a:lnSpc>
-              <a:spcBef>
-                <a:spcPts val="500"/>
-              </a:spcBef>
-              <a:buFont typeface="Arial" panose="020B0604020202020204" pitchFamily="34" charset="0"/>
-              <a:buChar char="•"/>
-              <a:defRPr sz="1800" kern="1200">
-                <a:solidFill>
-                  <a:schemeClr val="tx1"/>
-                </a:solidFill>
-                <a:latin typeface="+mn-lt"/>
-                <a:ea typeface="+mn-ea"/>
-                <a:cs typeface="+mn-cs"/>
-              </a:defRPr>
-            </a:lvl5pPr>
-            <a:lvl6pPr marL="2514600" indent="-228600" algn="l" defTabSz="914400" rtl="0" eaLnBrk="1" latinLnBrk="0" hangingPunct="1">
-              <a:lnSpc>
-                <a:spcPct val="90000"/>
-              </a:lnSpc>
-              <a:spcBef>
-                <a:spcPts val="500"/>
-              </a:spcBef>
-              <a:buFont typeface="Arial" panose="020B0604020202020204" pitchFamily="34" charset="0"/>
-              <a:buChar char="•"/>
-              <a:defRPr sz="1800" kern="1200">
-                <a:solidFill>
-                  <a:schemeClr val="tx1"/>
-                </a:solidFill>
-                <a:latin typeface="+mn-lt"/>
-                <a:ea typeface="+mn-ea"/>
-                <a:cs typeface="+mn-cs"/>
-              </a:defRPr>
-            </a:lvl6pPr>
-            <a:lvl7pPr marL="2971800" indent="-228600" algn="l" defTabSz="914400" rtl="0" eaLnBrk="1" latinLnBrk="0" hangingPunct="1">
-              <a:lnSpc>
-                <a:spcPct val="90000"/>
-              </a:lnSpc>
-              <a:spcBef>
-                <a:spcPts val="500"/>
-              </a:spcBef>
-              <a:buFont typeface="Arial" panose="020B0604020202020204" pitchFamily="34" charset="0"/>
-              <a:buChar char="•"/>
-              <a:defRPr sz="1800" kern="1200">
-                <a:solidFill>
-                  <a:schemeClr val="tx1"/>
-                </a:solidFill>
-                <a:latin typeface="+mn-lt"/>
-                <a:ea typeface="+mn-ea"/>
-                <a:cs typeface="+mn-cs"/>
-              </a:defRPr>
-            </a:lvl7pPr>
-            <a:lvl8pPr marL="3429000" indent="-228600" algn="l" defTabSz="914400" rtl="0" eaLnBrk="1" latinLnBrk="0" hangingPunct="1">
-              <a:lnSpc>
-                <a:spcPct val="90000"/>
-              </a:lnSpc>
-              <a:spcBef>
-                <a:spcPts val="500"/>
-              </a:spcBef>
-              <a:buFont typeface="Arial" panose="020B0604020202020204" pitchFamily="34" charset="0"/>
-              <a:buChar char="•"/>
-              <a:defRPr sz="1800" kern="1200">
-                <a:solidFill>
-                  <a:schemeClr val="tx1"/>
-                </a:solidFill>
-                <a:latin typeface="+mn-lt"/>
-                <a:ea typeface="+mn-ea"/>
-                <a:cs typeface="+mn-cs"/>
-              </a:defRPr>
-            </a:lvl8pPr>
-            <a:lvl9pPr marL="3886200" indent="-228600" algn="l" defTabSz="914400" rtl="0" eaLnBrk="1" latinLnBrk="0" hangingPunct="1">
-              <a:lnSpc>
-                <a:spcPct val="90000"/>
-              </a:lnSpc>
-              <a:spcBef>
-                <a:spcPts val="500"/>
-              </a:spcBef>
-              <a:buFont typeface="Arial" panose="020B0604020202020204" pitchFamily="34" charset="0"/>
-              <a:buChar char="•"/>
-              <a:defRPr sz="1800" kern="1200">
-                <a:solidFill>
-                  <a:schemeClr val="tx1"/>
-                </a:solidFill>
-                <a:latin typeface="+mn-lt"/>
-                <a:ea typeface="+mn-ea"/>
-                <a:cs typeface="+mn-cs"/>
-              </a:defRPr>
-            </a:lvl9pPr>
-          </a:lstStyle>
-          <a:p>
-            <a:r>
-              <a:rPr lang="en-US" sz="3200" b="1" dirty="0">
-                <a:solidFill>
-                  <a:schemeClr val="bg1"/>
-                </a:solidFill>
-                <a:latin typeface="Helvetica Neue" panose="02000503000000020004" pitchFamily="2" charset="0"/>
-                <a:ea typeface="Helvetica Neue" panose="02000503000000020004" pitchFamily="2" charset="0"/>
-                <a:cs typeface="Helvetica Neue" panose="02000503000000020004" pitchFamily="2" charset="0"/>
-              </a:rPr>
-              <a:t>Compare </a:t>
-            </a:r>
-            <a:r>
-              <a:rPr lang="en-US" sz="3200" b="1" dirty="0" err="1">
-                <a:solidFill>
-                  <a:schemeClr val="bg1"/>
-                </a:solidFill>
-                <a:latin typeface="Helvetica Neue" panose="02000503000000020004" pitchFamily="2" charset="0"/>
-                <a:ea typeface="Helvetica Neue" panose="02000503000000020004" pitchFamily="2" charset="0"/>
-                <a:cs typeface="Helvetica Neue" panose="02000503000000020004" pitchFamily="2" charset="0"/>
-              </a:rPr>
-              <a:t>defence</a:t>
-            </a:r>
-            <a:r>
-              <a:rPr lang="en-US" sz="3200" b="1" dirty="0">
-                <a:solidFill>
-                  <a:schemeClr val="bg1"/>
-                </a:solidFill>
-                <a:latin typeface="Helvetica Neue" panose="02000503000000020004" pitchFamily="2" charset="0"/>
-                <a:ea typeface="Helvetica Neue" panose="02000503000000020004" pitchFamily="2" charset="0"/>
-                <a:cs typeface="Helvetica Neue" panose="02000503000000020004" pitchFamily="2" charset="0"/>
-              </a:rPr>
-              <a:t> stocks to tech stocks, S&amp;P500, gold, oil, bonds</a:t>
-            </a:r>
-          </a:p>
-        </p:txBody>
-      </p:sp>
     </p:spTree>
     <p:extLst>
       <p:ext uri="{BB962C8B-B14F-4D97-AF65-F5344CB8AC3E}">
-        <p14:creationId xmlns:p14="http://schemas.microsoft.com/office/powerpoint/2010/main" val="1784350242"/>
+        <p14:creationId xmlns:p14="http://schemas.microsoft.com/office/powerpoint/2010/main" val="2936093204"/>
       </p:ext>
     </p:extLst>
   </p:cSld>
@@ -7106,186 +7780,6 @@
           <a:chExt cx="0" cy="0"/>
         </a:xfrm>
       </p:grpSpPr>
-      <p:pic>
-        <p:nvPicPr>
-          <p:cNvPr id="7" name="Picture 6">
-            <a:extLst>
-              <a:ext uri="{FF2B5EF4-FFF2-40B4-BE49-F238E27FC236}">
-                <a16:creationId xmlns:a16="http://schemas.microsoft.com/office/drawing/2014/main" id="{FB44166D-7404-C642-B87E-1CAACBABA4E3}"/>
-              </a:ext>
-            </a:extLst>
-          </p:cNvPr>
-          <p:cNvPicPr>
-            <a:picLocks noChangeAspect="1"/>
-          </p:cNvPicPr>
-          <p:nvPr/>
-        </p:nvPicPr>
-        <p:blipFill>
-          <a:blip r:embed="rId2"/>
-          <a:stretch>
-            <a:fillRect/>
-          </a:stretch>
-        </p:blipFill>
-        <p:spPr>
-          <a:xfrm>
-            <a:off x="4735558" y="1177637"/>
-            <a:ext cx="5334000" cy="1813560"/>
-          </a:xfrm>
-          <a:prstGeom prst="rect">
-            <a:avLst/>
-          </a:prstGeom>
-        </p:spPr>
-      </p:pic>
-      <p:pic>
-        <p:nvPicPr>
-          <p:cNvPr id="9" name="Picture 8">
-            <a:extLst>
-              <a:ext uri="{FF2B5EF4-FFF2-40B4-BE49-F238E27FC236}">
-                <a16:creationId xmlns:a16="http://schemas.microsoft.com/office/drawing/2014/main" id="{6DC9F10A-22DD-F941-9C2D-5D562EFED13F}"/>
-              </a:ext>
-            </a:extLst>
-          </p:cNvPr>
-          <p:cNvPicPr>
-            <a:picLocks noChangeAspect="1"/>
-          </p:cNvPicPr>
-          <p:nvPr/>
-        </p:nvPicPr>
-        <p:blipFill>
-          <a:blip r:embed="rId3"/>
-          <a:stretch>
-            <a:fillRect/>
-          </a:stretch>
-        </p:blipFill>
-        <p:spPr>
-          <a:xfrm>
-            <a:off x="7329615" y="534701"/>
-            <a:ext cx="4450080" cy="690110"/>
-          </a:xfrm>
-          <a:prstGeom prst="rect">
-            <a:avLst/>
-          </a:prstGeom>
-        </p:spPr>
-      </p:pic>
-      <p:pic>
-        <p:nvPicPr>
-          <p:cNvPr id="11" name="Picture 10">
-            <a:extLst>
-              <a:ext uri="{FF2B5EF4-FFF2-40B4-BE49-F238E27FC236}">
-                <a16:creationId xmlns:a16="http://schemas.microsoft.com/office/drawing/2014/main" id="{1E4ABC86-9726-B647-8B3B-53B2DD3CA46B}"/>
-              </a:ext>
-            </a:extLst>
-          </p:cNvPr>
-          <p:cNvPicPr>
-            <a:picLocks noChangeAspect="1"/>
-          </p:cNvPicPr>
-          <p:nvPr/>
-        </p:nvPicPr>
-        <p:blipFill>
-          <a:blip r:embed="rId4"/>
-          <a:stretch>
-            <a:fillRect/>
-          </a:stretch>
-        </p:blipFill>
-        <p:spPr>
-          <a:xfrm>
-            <a:off x="3539820" y="442967"/>
-            <a:ext cx="3363900" cy="781844"/>
-          </a:xfrm>
-          <a:prstGeom prst="rect">
-            <a:avLst/>
-          </a:prstGeom>
-        </p:spPr>
-      </p:pic>
-      <p:pic>
-        <p:nvPicPr>
-          <p:cNvPr id="13" name="Picture 12">
-            <a:extLst>
-              <a:ext uri="{FF2B5EF4-FFF2-40B4-BE49-F238E27FC236}">
-                <a16:creationId xmlns:a16="http://schemas.microsoft.com/office/drawing/2014/main" id="{5129093B-3F06-9748-A59E-05F580BE4F8B}"/>
-              </a:ext>
-            </a:extLst>
-          </p:cNvPr>
-          <p:cNvPicPr>
-            <a:picLocks noChangeAspect="1"/>
-          </p:cNvPicPr>
-          <p:nvPr/>
-        </p:nvPicPr>
-        <p:blipFill>
-          <a:blip r:embed="rId5"/>
-          <a:stretch>
-            <a:fillRect/>
-          </a:stretch>
-        </p:blipFill>
-        <p:spPr>
-          <a:xfrm>
-            <a:off x="8421098" y="3965445"/>
-            <a:ext cx="3296920" cy="3296920"/>
-          </a:xfrm>
-          <a:prstGeom prst="rect">
-            <a:avLst/>
-          </a:prstGeom>
-        </p:spPr>
-      </p:pic>
-      <p:pic>
-        <p:nvPicPr>
-          <p:cNvPr id="17" name="Picture 16">
-            <a:extLst>
-              <a:ext uri="{FF2B5EF4-FFF2-40B4-BE49-F238E27FC236}">
-                <a16:creationId xmlns:a16="http://schemas.microsoft.com/office/drawing/2014/main" id="{6E6A0F17-B021-5C41-BEC5-AB46B4EB900D}"/>
-              </a:ext>
-            </a:extLst>
-          </p:cNvPr>
-          <p:cNvPicPr>
-            <a:picLocks noChangeAspect="1"/>
-          </p:cNvPicPr>
-          <p:nvPr/>
-        </p:nvPicPr>
-        <p:blipFill>
-          <a:blip r:embed="rId6"/>
-          <a:stretch>
-            <a:fillRect/>
-          </a:stretch>
-        </p:blipFill>
-        <p:spPr>
-          <a:xfrm>
-            <a:off x="6905765" y="3295209"/>
-            <a:ext cx="5246676" cy="1412170"/>
-          </a:xfrm>
-          <a:prstGeom prst="rect">
-            <a:avLst/>
-          </a:prstGeom>
-        </p:spPr>
-      </p:pic>
-      <p:pic>
-        <p:nvPicPr>
-          <p:cNvPr id="19" name="Picture 18">
-            <a:extLst>
-              <a:ext uri="{FF2B5EF4-FFF2-40B4-BE49-F238E27FC236}">
-                <a16:creationId xmlns:a16="http://schemas.microsoft.com/office/drawing/2014/main" id="{FB6F41CD-E7F5-F848-803E-51955C8142A2}"/>
-              </a:ext>
-            </a:extLst>
-          </p:cNvPr>
-          <p:cNvPicPr>
-            <a:picLocks noChangeAspect="1"/>
-          </p:cNvPicPr>
-          <p:nvPr/>
-        </p:nvPicPr>
-        <p:blipFill>
-          <a:blip r:embed="rId7"/>
-          <a:stretch>
-            <a:fillRect/>
-          </a:stretch>
-        </p:blipFill>
-        <p:spPr>
-          <a:xfrm>
-            <a:off x="838200" y="4889898"/>
-            <a:ext cx="7582898" cy="2060836"/>
-          </a:xfrm>
-          <a:prstGeom prst="rect">
-            <a:avLst/>
-          </a:prstGeom>
-        </p:spPr>
-      </p:pic>
       <p:sp>
         <p:nvSpPr>
           <p:cNvPr id="2" name="Title 1">
@@ -7316,7 +7810,7 @@
                 <a:ea typeface="Helvetica Neue" panose="02000503000000020004" pitchFamily="2" charset="0"/>
                 <a:cs typeface="Helvetica Neue" panose="02000503000000020004" pitchFamily="2" charset="0"/>
               </a:rPr>
-              <a:t>The Big Five</a:t>
+              <a:t>Cryptocurrency Risks</a:t>
             </a:r>
           </a:p>
         </p:txBody>
@@ -7337,20 +7831,20 @@
             <p:ph idx="1"/>
           </p:nvPr>
         </p:nvSpPr>
-        <p:spPr/>
+        <p:spPr>
+          <a:xfrm>
+            <a:off x="909954" y="2058583"/>
+            <a:ext cx="10443846" cy="4058131"/>
+          </a:xfrm>
+        </p:spPr>
         <p:txBody>
           <a:bodyPr>
             <a:normAutofit/>
           </a:bodyPr>
           <a:lstStyle/>
           <a:p>
-            <a:pPr>
-              <a:spcAft>
-                <a:spcPts val="1000"/>
-              </a:spcAft>
-            </a:pPr>
-            <a:r>
-              <a:rPr lang="en-US" sz="3200" b="1" dirty="0">
+            <a:r>
+              <a:rPr lang="en-US" sz="3600" b="1" dirty="0">
                 <a:solidFill>
                   <a:schemeClr val="bg1"/>
                 </a:solidFill>
@@ -7358,25 +7852,12 @@
                 <a:ea typeface="Helvetica Neue" panose="02000503000000020004" pitchFamily="2" charset="0"/>
                 <a:cs typeface="Helvetica Neue" panose="02000503000000020004" pitchFamily="2" charset="0"/>
               </a:rPr>
-              <a:t>Lockheed-Martin (LMT)</a:t>
-            </a:r>
-            <a:endParaRPr lang="en-US" sz="1300" b="1" dirty="0">
-              <a:solidFill>
-                <a:schemeClr val="bg1"/>
-              </a:solidFill>
-              <a:latin typeface="Helvetica Neue" panose="02000503000000020004" pitchFamily="2" charset="0"/>
-              <a:ea typeface="Helvetica Neue" panose="02000503000000020004" pitchFamily="2" charset="0"/>
-              <a:cs typeface="Helvetica Neue" panose="02000503000000020004" pitchFamily="2" charset="0"/>
-            </a:endParaRPr>
-          </a:p>
-          <a:p>
-            <a:pPr>
-              <a:spcAft>
-                <a:spcPts val="1000"/>
-              </a:spcAft>
-            </a:pPr>
-            <a:r>
-              <a:rPr lang="en-US" sz="3200" b="1" dirty="0">
+              <a:t>Migration from decentralized network to a centralized one</a:t>
+            </a:r>
+          </a:p>
+          <a:p>
+            <a:r>
+              <a:rPr lang="en-US" sz="3600" b="1" dirty="0">
                 <a:solidFill>
                   <a:schemeClr val="bg1"/>
                 </a:solidFill>
@@ -7384,17 +7865,12 @@
                 <a:ea typeface="Helvetica Neue" panose="02000503000000020004" pitchFamily="2" charset="0"/>
                 <a:cs typeface="Helvetica Neue" panose="02000503000000020004" pitchFamily="2" charset="0"/>
               </a:rPr>
-              <a:t>Northrop Grumman (NOC)</a:t>
-            </a:r>
-          </a:p>
-          <a:p>
-            <a:pPr>
-              <a:spcAft>
-                <a:spcPts val="1000"/>
-              </a:spcAft>
-            </a:pPr>
-            <a:r>
-              <a:rPr lang="en-US" sz="3200" b="1" dirty="0">
+              <a:t>Theft through taking control of over 51% of nodes</a:t>
+            </a:r>
+          </a:p>
+          <a:p>
+            <a:r>
+              <a:rPr lang="en-US" sz="3600" b="1" dirty="0">
                 <a:solidFill>
                   <a:schemeClr val="bg1"/>
                 </a:solidFill>
@@ -7402,17 +7878,12 @@
                 <a:ea typeface="Helvetica Neue" panose="02000503000000020004" pitchFamily="2" charset="0"/>
                 <a:cs typeface="Helvetica Neue" panose="02000503000000020004" pitchFamily="2" charset="0"/>
               </a:rPr>
-              <a:t>Raytheon Technologies (RTX)</a:t>
-            </a:r>
-          </a:p>
-          <a:p>
-            <a:pPr>
-              <a:spcAft>
-                <a:spcPts val="1000"/>
-              </a:spcAft>
-            </a:pPr>
-            <a:r>
-              <a:rPr lang="en-US" sz="3200" b="1" dirty="0">
+              <a:t>Hacking (quantum computing)</a:t>
+            </a:r>
+          </a:p>
+          <a:p>
+            <a:r>
+              <a:rPr lang="en-US" sz="3600" b="1" dirty="0">
                 <a:solidFill>
                   <a:schemeClr val="bg1"/>
                 </a:solidFill>
@@ -7420,37 +7891,13 @@
                 <a:ea typeface="Helvetica Neue" panose="02000503000000020004" pitchFamily="2" charset="0"/>
                 <a:cs typeface="Helvetica Neue" panose="02000503000000020004" pitchFamily="2" charset="0"/>
               </a:rPr>
-              <a:t>General Dynamics (GD)</a:t>
-            </a:r>
-          </a:p>
-          <a:p>
-            <a:pPr>
-              <a:spcAft>
-                <a:spcPts val="1000"/>
-              </a:spcAft>
+              <a:t>Vulnerability of electronic networks</a:t>
+            </a:r>
+          </a:p>
+          <a:p>
+            <a:pPr marL="0" indent="0">
+              <a:buNone/>
             </a:pPr>
-            <a:r>
-              <a:rPr lang="en-US" sz="3200" b="1" dirty="0">
-                <a:solidFill>
-                  <a:schemeClr val="bg1"/>
-                </a:solidFill>
-                <a:latin typeface="Helvetica Neue" panose="02000503000000020004" pitchFamily="2" charset="0"/>
-                <a:ea typeface="Helvetica Neue" panose="02000503000000020004" pitchFamily="2" charset="0"/>
-                <a:cs typeface="Helvetica Neue" panose="02000503000000020004" pitchFamily="2" charset="0"/>
-              </a:rPr>
-              <a:t>Boeing (BA) – 60% civilian / 40% </a:t>
-            </a:r>
-            <a:r>
-              <a:rPr lang="en-US" sz="3200" b="1" dirty="0" err="1">
-                <a:solidFill>
-                  <a:schemeClr val="bg1"/>
-                </a:solidFill>
-                <a:latin typeface="Helvetica Neue" panose="02000503000000020004" pitchFamily="2" charset="0"/>
-                <a:ea typeface="Helvetica Neue" panose="02000503000000020004" pitchFamily="2" charset="0"/>
-                <a:cs typeface="Helvetica Neue" panose="02000503000000020004" pitchFamily="2" charset="0"/>
-              </a:rPr>
-              <a:t>defence</a:t>
-            </a:r>
             <a:endParaRPr lang="en-US" sz="3200" b="1" dirty="0">
               <a:solidFill>
                 <a:schemeClr val="bg1"/>
@@ -7460,60 +7907,12 @@
               <a:cs typeface="Helvetica Neue" panose="02000503000000020004" pitchFamily="2" charset="0"/>
             </a:endParaRPr>
           </a:p>
-          <a:p>
-            <a:pPr>
-              <a:spcAft>
-                <a:spcPts val="1000"/>
-              </a:spcAft>
-            </a:pPr>
-            <a:r>
-              <a:rPr lang="en-US" sz="3200" b="1" dirty="0">
-                <a:solidFill>
-                  <a:schemeClr val="bg1"/>
-                </a:solidFill>
-                <a:latin typeface="Helvetica Neue" panose="02000503000000020004" pitchFamily="2" charset="0"/>
-                <a:ea typeface="Helvetica Neue" panose="02000503000000020004" pitchFamily="2" charset="0"/>
-                <a:cs typeface="Helvetica Neue" panose="02000503000000020004" pitchFamily="2" charset="0"/>
-              </a:rPr>
-              <a:t>BAE Systems (BA.L)</a:t>
-            </a:r>
-          </a:p>
-          <a:p>
-            <a:endParaRPr lang="en-US" sz="3200" b="1" dirty="0">
-              <a:solidFill>
-                <a:schemeClr val="bg1"/>
-              </a:solidFill>
-              <a:latin typeface="Helvetica Neue" panose="02000503000000020004" pitchFamily="2" charset="0"/>
-              <a:ea typeface="Helvetica Neue" panose="02000503000000020004" pitchFamily="2" charset="0"/>
-              <a:cs typeface="Helvetica Neue" panose="02000503000000020004" pitchFamily="2" charset="0"/>
-            </a:endParaRPr>
-          </a:p>
-          <a:p>
-            <a:endParaRPr lang="en-US" sz="3200" b="1" dirty="0">
-              <a:solidFill>
-                <a:schemeClr val="bg1"/>
-              </a:solidFill>
-              <a:latin typeface="Helvetica Neue" panose="02000503000000020004" pitchFamily="2" charset="0"/>
-              <a:ea typeface="Helvetica Neue" panose="02000503000000020004" pitchFamily="2" charset="0"/>
-              <a:cs typeface="Helvetica Neue" panose="02000503000000020004" pitchFamily="2" charset="0"/>
-            </a:endParaRPr>
-          </a:p>
-          <a:p>
-            <a:endParaRPr lang="en-US" sz="3200" b="1" dirty="0">
-              <a:solidFill>
-                <a:schemeClr val="bg1"/>
-              </a:solidFill>
-              <a:latin typeface="Helvetica Neue" panose="02000503000000020004" pitchFamily="2" charset="0"/>
-              <a:ea typeface="Helvetica Neue" panose="02000503000000020004" pitchFamily="2" charset="0"/>
-              <a:cs typeface="Helvetica Neue" panose="02000503000000020004" pitchFamily="2" charset="0"/>
-            </a:endParaRPr>
-          </a:p>
         </p:txBody>
       </p:sp>
     </p:spTree>
     <p:extLst>
       <p:ext uri="{BB962C8B-B14F-4D97-AF65-F5344CB8AC3E}">
-        <p14:creationId xmlns:p14="http://schemas.microsoft.com/office/powerpoint/2010/main" val="3589890018"/>
+        <p14:creationId xmlns:p14="http://schemas.microsoft.com/office/powerpoint/2010/main" val="1784350242"/>
       </p:ext>
     </p:extLst>
   </p:cSld>
@@ -7564,7 +7963,12 @@
             <p:ph type="title"/>
           </p:nvPr>
         </p:nvSpPr>
-        <p:spPr/>
+        <p:spPr>
+          <a:xfrm>
+            <a:off x="838200" y="587068"/>
+            <a:ext cx="10515600" cy="1325563"/>
+          </a:xfrm>
+        </p:spPr>
         <p:txBody>
           <a:bodyPr/>
           <a:lstStyle/>
@@ -7578,10 +7982,41 @@
                 <a:ea typeface="Helvetica Neue" panose="02000503000000020004" pitchFamily="2" charset="0"/>
                 <a:cs typeface="Helvetica Neue" panose="02000503000000020004" pitchFamily="2" charset="0"/>
               </a:rPr>
-              <a:t>Geopolitical Events </a:t>
-            </a:r>
-            <a:r>
-              <a:rPr lang="en-US" b="1" dirty="0" err="1">
+              <a:t>How Might Cryptocurrency Affect the Wider Economy?</a:t>
+            </a:r>
+          </a:p>
+        </p:txBody>
+      </p:sp>
+      <p:sp>
+        <p:nvSpPr>
+          <p:cNvPr id="3" name="Content Placeholder 2">
+            <a:extLst>
+              <a:ext uri="{FF2B5EF4-FFF2-40B4-BE49-F238E27FC236}">
+                <a16:creationId xmlns:a16="http://schemas.microsoft.com/office/drawing/2014/main" id="{AEAD33A4-EE6B-8145-AC73-578592755746}"/>
+              </a:ext>
+            </a:extLst>
+          </p:cNvPr>
+          <p:cNvSpPr>
+            <a:spLocks noGrp="1"/>
+          </p:cNvSpPr>
+          <p:nvPr>
+            <p:ph idx="1"/>
+          </p:nvPr>
+        </p:nvSpPr>
+        <p:spPr>
+          <a:xfrm>
+            <a:off x="909954" y="2573488"/>
+            <a:ext cx="10443846" cy="4058131"/>
+          </a:xfrm>
+        </p:spPr>
+        <p:txBody>
+          <a:bodyPr>
+            <a:normAutofit/>
+          </a:bodyPr>
+          <a:lstStyle/>
+          <a:p>
+            <a:r>
+              <a:rPr lang="en-US" sz="3600" b="1" dirty="0">
                 <a:solidFill>
                   <a:schemeClr val="bg1"/>
                 </a:solidFill>
@@ -7589,9 +8024,31 @@
                 <a:ea typeface="Helvetica Neue" panose="02000503000000020004" pitchFamily="2" charset="0"/>
                 <a:cs typeface="Helvetica Neue" panose="02000503000000020004" pitchFamily="2" charset="0"/>
               </a:rPr>
-              <a:t>Analysed</a:t>
-            </a:r>
-            <a:endParaRPr lang="en-US" b="1" dirty="0">
+              <a:t>Size – </a:t>
+            </a:r>
+            <a:r>
+              <a:rPr lang="en-US" sz="3600" b="1" i="1" dirty="0">
+                <a:solidFill>
+                  <a:schemeClr val="bg1"/>
+                </a:solidFill>
+                <a:latin typeface="Helvetica Neue" panose="02000503000000020004" pitchFamily="2" charset="0"/>
+                <a:ea typeface="Helvetica Neue" panose="02000503000000020004" pitchFamily="2" charset="0"/>
+                <a:cs typeface="Helvetica Neue" panose="02000503000000020004" pitchFamily="2" charset="0"/>
+              </a:rPr>
+              <a:t>Market </a:t>
+            </a:r>
+            <a:r>
+              <a:rPr lang="en-US" sz="3600" b="1" i="1" dirty="0" err="1">
+                <a:solidFill>
+                  <a:schemeClr val="bg1"/>
+                </a:solidFill>
+                <a:latin typeface="Helvetica Neue" panose="02000503000000020004" pitchFamily="2" charset="0"/>
+                <a:ea typeface="Helvetica Neue" panose="02000503000000020004" pitchFamily="2" charset="0"/>
+                <a:cs typeface="Helvetica Neue" panose="02000503000000020004" pitchFamily="2" charset="0"/>
+              </a:rPr>
+              <a:t>Capitalisation</a:t>
+            </a:r>
+            <a:endParaRPr lang="en-US" sz="3600" b="1" i="1" dirty="0">
               <a:solidFill>
                 <a:schemeClr val="bg1"/>
               </a:solidFill>
@@ -7600,119 +8057,10 @@
               <a:cs typeface="Helvetica Neue" panose="02000503000000020004" pitchFamily="2" charset="0"/>
             </a:endParaRPr>
           </a:p>
-        </p:txBody>
-      </p:sp>
-      <p:sp>
-        <p:nvSpPr>
-          <p:cNvPr id="3" name="Content Placeholder 2">
-            <a:extLst>
-              <a:ext uri="{FF2B5EF4-FFF2-40B4-BE49-F238E27FC236}">
-                <a16:creationId xmlns:a16="http://schemas.microsoft.com/office/drawing/2014/main" id="{AEAD33A4-EE6B-8145-AC73-578592755746}"/>
-              </a:ext>
-            </a:extLst>
-          </p:cNvPr>
-          <p:cNvSpPr>
-            <a:spLocks noGrp="1"/>
-          </p:cNvSpPr>
-          <p:nvPr>
-            <p:ph idx="1"/>
-          </p:nvPr>
-        </p:nvSpPr>
-        <p:spPr/>
-        <p:txBody>
-          <a:bodyPr>
-            <a:normAutofit/>
-          </a:bodyPr>
-          <a:lstStyle/>
-          <a:p>
-            <a:pPr>
-              <a:spcAft>
-                <a:spcPts val="1000"/>
-              </a:spcAft>
-            </a:pPr>
-            <a:r>
-              <a:rPr lang="en-US" sz="3200" b="1" dirty="0">
-                <a:solidFill>
-                  <a:schemeClr val="bg1"/>
-                </a:solidFill>
-                <a:latin typeface="Helvetica Neue" panose="02000503000000020004" pitchFamily="2" charset="0"/>
-                <a:ea typeface="Helvetica Neue" panose="02000503000000020004" pitchFamily="2" charset="0"/>
-                <a:cs typeface="Helvetica Neue" panose="02000503000000020004" pitchFamily="2" charset="0"/>
-              </a:rPr>
-              <a:t>Fall of Communism		</a:t>
-            </a:r>
-            <a:r>
-              <a:rPr lang="en-US" b="1" dirty="0">
-                <a:solidFill>
-                  <a:srgbClr val="FFC000"/>
-                </a:solidFill>
-                <a:latin typeface="Helvetica Neue" panose="02000503000000020004" pitchFamily="2" charset="0"/>
-                <a:ea typeface="Helvetica Neue" panose="02000503000000020004" pitchFamily="2" charset="0"/>
-                <a:cs typeface="Helvetica Neue" panose="02000503000000020004" pitchFamily="2" charset="0"/>
-              </a:rPr>
-              <a:t>9 Nov 1989 – 1 Aug 1990</a:t>
-            </a:r>
-          </a:p>
-          <a:p>
-            <a:pPr>
-              <a:spcAft>
-                <a:spcPts val="1000"/>
-              </a:spcAft>
-            </a:pPr>
-            <a:r>
-              <a:rPr lang="en-US" sz="3200" b="1" dirty="0">
-                <a:solidFill>
-                  <a:schemeClr val="bg1"/>
-                </a:solidFill>
-                <a:latin typeface="Helvetica Neue" panose="02000503000000020004" pitchFamily="2" charset="0"/>
-                <a:ea typeface="Helvetica Neue" panose="02000503000000020004" pitchFamily="2" charset="0"/>
-                <a:cs typeface="Helvetica Neue" panose="02000503000000020004" pitchFamily="2" charset="0"/>
-              </a:rPr>
-              <a:t>First Iraq War			</a:t>
-            </a:r>
-            <a:r>
-              <a:rPr lang="en-US" b="1" dirty="0">
-                <a:solidFill>
-                  <a:srgbClr val="FFC000"/>
-                </a:solidFill>
-                <a:latin typeface="Helvetica Neue" panose="02000503000000020004" pitchFamily="2" charset="0"/>
-                <a:ea typeface="Helvetica Neue" panose="02000503000000020004" pitchFamily="2" charset="0"/>
-                <a:cs typeface="Helvetica Neue" panose="02000503000000020004" pitchFamily="2" charset="0"/>
-              </a:rPr>
-              <a:t>2 Aug 1990 – 28 Feb 1991</a:t>
-            </a:r>
-          </a:p>
-          <a:p>
-            <a:pPr>
-              <a:spcAft>
-                <a:spcPts val="1000"/>
-              </a:spcAft>
-            </a:pPr>
-            <a:r>
-              <a:rPr lang="en-US" sz="3200" b="1" dirty="0">
-                <a:solidFill>
-                  <a:schemeClr val="bg1"/>
-                </a:solidFill>
-                <a:latin typeface="Helvetica Neue" panose="02000503000000020004" pitchFamily="2" charset="0"/>
-                <a:ea typeface="Helvetica Neue" panose="02000503000000020004" pitchFamily="2" charset="0"/>
-                <a:cs typeface="Helvetica Neue" panose="02000503000000020004" pitchFamily="2" charset="0"/>
-              </a:rPr>
-              <a:t>Invasion of Afghanistan	</a:t>
-            </a:r>
-            <a:r>
-              <a:rPr lang="en-US" b="1" dirty="0">
-                <a:solidFill>
-                  <a:srgbClr val="FFC000"/>
-                </a:solidFill>
-                <a:latin typeface="Helvetica Neue" panose="02000503000000020004" pitchFamily="2" charset="0"/>
-                <a:ea typeface="Helvetica Neue" panose="02000503000000020004" pitchFamily="2" charset="0"/>
-                <a:cs typeface="Helvetica Neue" panose="02000503000000020004" pitchFamily="2" charset="0"/>
-              </a:rPr>
-              <a:t>17 Sep 2001 – 28 Dec 2014</a:t>
-            </a:r>
-            <a:endParaRPr lang="en-US" sz="3200" b="1" dirty="0">
+          <a:p>
+            <a:endParaRPr lang="en-US" sz="2000" b="1" i="1" dirty="0">
               <a:solidFill>
-                <a:srgbClr val="FFC000"/>
+                <a:schemeClr val="bg1"/>
               </a:solidFill>
               <a:latin typeface="Helvetica Neue" panose="02000503000000020004" pitchFamily="2" charset="0"/>
               <a:ea typeface="Helvetica Neue" panose="02000503000000020004" pitchFamily="2" charset="0"/>
@@ -7720,13 +8068,8 @@
             </a:endParaRPr>
           </a:p>
           <a:p>
-            <a:pPr>
-              <a:spcAft>
-                <a:spcPts val="1000"/>
-              </a:spcAft>
-            </a:pPr>
-            <a:r>
-              <a:rPr lang="en-US" sz="3200" b="1" dirty="0">
+            <a:r>
+              <a:rPr lang="en-US" sz="3600" b="1" dirty="0">
                 <a:solidFill>
                   <a:schemeClr val="bg1"/>
                 </a:solidFill>
@@ -7734,23 +8077,21 @@
                 <a:ea typeface="Helvetica Neue" panose="02000503000000020004" pitchFamily="2" charset="0"/>
                 <a:cs typeface="Helvetica Neue" panose="02000503000000020004" pitchFamily="2" charset="0"/>
               </a:rPr>
-              <a:t>Second Iraq War			</a:t>
-            </a:r>
-            <a:r>
-              <a:rPr lang="en-US" b="1" dirty="0">
-                <a:solidFill>
-                  <a:srgbClr val="FFC000"/>
+              <a:t>Interconnectivity with Mainstream Markets - </a:t>
+            </a:r>
+            <a:r>
+              <a:rPr lang="en-US" sz="3600" b="1" i="1" dirty="0">
+                <a:solidFill>
+                  <a:schemeClr val="bg1"/>
                 </a:solidFill>
                 <a:latin typeface="Helvetica Neue" panose="02000503000000020004" pitchFamily="2" charset="0"/>
                 <a:ea typeface="Helvetica Neue" panose="02000503000000020004" pitchFamily="2" charset="0"/>
                 <a:cs typeface="Helvetica Neue" panose="02000503000000020004" pitchFamily="2" charset="0"/>
               </a:rPr>
-              <a:t>12 Sep 2002 – 30 Apr 2009</a:t>
-            </a:r>
-          </a:p>
-          <a:p>
-            <a:r>
-              <a:rPr lang="en-US" sz="3200" b="1" dirty="0">
+              <a:t>Correlation</a:t>
+            </a:r>
+            <a:r>
+              <a:rPr lang="en-US" sz="3600" b="1" dirty="0">
                 <a:solidFill>
                   <a:schemeClr val="bg1"/>
                 </a:solidFill>
@@ -7758,37 +8099,30 @@
                 <a:ea typeface="Helvetica Neue" panose="02000503000000020004" pitchFamily="2" charset="0"/>
                 <a:cs typeface="Helvetica Neue" panose="02000503000000020004" pitchFamily="2" charset="0"/>
               </a:rPr>
-              <a:t>Tensions with Russia 		</a:t>
-            </a:r>
-            <a:r>
-              <a:rPr lang="en-US" b="1" dirty="0">
-                <a:solidFill>
-                  <a:srgbClr val="FFC000"/>
+              <a:t> </a:t>
+            </a:r>
+          </a:p>
+          <a:p>
+            <a:endParaRPr lang="en-US" sz="2000" b="1" dirty="0">
+              <a:solidFill>
+                <a:schemeClr val="bg1"/>
+              </a:solidFill>
+              <a:latin typeface="Helvetica Neue" panose="02000503000000020004" pitchFamily="2" charset="0"/>
+              <a:ea typeface="Helvetica Neue" panose="02000503000000020004" pitchFamily="2" charset="0"/>
+              <a:cs typeface="Helvetica Neue" panose="02000503000000020004" pitchFamily="2" charset="0"/>
+            </a:endParaRPr>
+          </a:p>
+          <a:p>
+            <a:r>
+              <a:rPr lang="en-US" sz="3600" b="1" dirty="0">
+                <a:solidFill>
+                  <a:schemeClr val="bg1"/>
                 </a:solidFill>
                 <a:latin typeface="Helvetica Neue" panose="02000503000000020004" pitchFamily="2" charset="0"/>
                 <a:ea typeface="Helvetica Neue" panose="02000503000000020004" pitchFamily="2" charset="0"/>
                 <a:cs typeface="Helvetica Neue" panose="02000503000000020004" pitchFamily="2" charset="0"/>
               </a:rPr>
-              <a:t>11 Oct 2021 – present</a:t>
-            </a:r>
-          </a:p>
-          <a:p>
-            <a:pPr marL="0" indent="0">
-              <a:spcAft>
-                <a:spcPts val="1000"/>
-              </a:spcAft>
-              <a:buNone/>
-            </a:pPr>
-            <a:r>
-              <a:rPr lang="en-US" sz="3200" b="1" dirty="0">
-                <a:solidFill>
-                  <a:schemeClr val="bg1"/>
-                </a:solidFill>
-                <a:latin typeface="Helvetica Neue" panose="02000503000000020004" pitchFamily="2" charset="0"/>
-                <a:ea typeface="Helvetica Neue" panose="02000503000000020004" pitchFamily="2" charset="0"/>
-                <a:cs typeface="Helvetica Neue" panose="02000503000000020004" pitchFamily="2" charset="0"/>
-              </a:rPr>
-              <a:t>  &amp; China</a:t>
+              <a:t>Volatility</a:t>
             </a:r>
           </a:p>
         </p:txBody>
@@ -7796,7 +8130,7 @@
     </p:spTree>
     <p:extLst>
       <p:ext uri="{BB962C8B-B14F-4D97-AF65-F5344CB8AC3E}">
-        <p14:creationId xmlns:p14="http://schemas.microsoft.com/office/powerpoint/2010/main" val="1965755705"/>
+        <p14:creationId xmlns:p14="http://schemas.microsoft.com/office/powerpoint/2010/main" val="961964027"/>
       </p:ext>
     </p:extLst>
   </p:cSld>
@@ -7831,6 +8165,186 @@
           <a:chExt cx="0" cy="0"/>
         </a:xfrm>
       </p:grpSpPr>
+      <p:pic>
+        <p:nvPicPr>
+          <p:cNvPr id="27" name="Picture 26">
+            <a:extLst>
+              <a:ext uri="{FF2B5EF4-FFF2-40B4-BE49-F238E27FC236}">
+                <a16:creationId xmlns:a16="http://schemas.microsoft.com/office/drawing/2014/main" id="{B29DAAF0-C90B-E84A-BD40-F03FF29E6DCC}"/>
+              </a:ext>
+            </a:extLst>
+          </p:cNvPr>
+          <p:cNvPicPr>
+            <a:picLocks noChangeAspect="1"/>
+          </p:cNvPicPr>
+          <p:nvPr/>
+        </p:nvPicPr>
+        <p:blipFill>
+          <a:blip r:embed="rId2"/>
+          <a:stretch>
+            <a:fillRect/>
+          </a:stretch>
+        </p:blipFill>
+        <p:spPr>
+          <a:xfrm>
+            <a:off x="8841453" y="3790837"/>
+            <a:ext cx="2605596" cy="2605596"/>
+          </a:xfrm>
+          <a:prstGeom prst="rect">
+            <a:avLst/>
+          </a:prstGeom>
+        </p:spPr>
+      </p:pic>
+      <p:pic>
+        <p:nvPicPr>
+          <p:cNvPr id="31" name="Picture 30">
+            <a:extLst>
+              <a:ext uri="{FF2B5EF4-FFF2-40B4-BE49-F238E27FC236}">
+                <a16:creationId xmlns:a16="http://schemas.microsoft.com/office/drawing/2014/main" id="{85E9D937-1F01-2F4C-9517-56B8D84B3096}"/>
+              </a:ext>
+            </a:extLst>
+          </p:cNvPr>
+          <p:cNvPicPr>
+            <a:picLocks noChangeAspect="1"/>
+          </p:cNvPicPr>
+          <p:nvPr/>
+        </p:nvPicPr>
+        <p:blipFill>
+          <a:blip r:embed="rId3"/>
+          <a:stretch>
+            <a:fillRect/>
+          </a:stretch>
+        </p:blipFill>
+        <p:spPr>
+          <a:xfrm>
+            <a:off x="9770392" y="1375224"/>
+            <a:ext cx="2032247" cy="2032247"/>
+          </a:xfrm>
+          <a:prstGeom prst="rect">
+            <a:avLst/>
+          </a:prstGeom>
+        </p:spPr>
+      </p:pic>
+      <p:pic>
+        <p:nvPicPr>
+          <p:cNvPr id="35" name="Picture 34">
+            <a:extLst>
+              <a:ext uri="{FF2B5EF4-FFF2-40B4-BE49-F238E27FC236}">
+                <a16:creationId xmlns:a16="http://schemas.microsoft.com/office/drawing/2014/main" id="{EE9FD845-BC9E-5B49-B4BA-3214755C9677}"/>
+              </a:ext>
+            </a:extLst>
+          </p:cNvPr>
+          <p:cNvPicPr>
+            <a:picLocks noChangeAspect="1"/>
+          </p:cNvPicPr>
+          <p:nvPr/>
+        </p:nvPicPr>
+        <p:blipFill>
+          <a:blip r:embed="rId4"/>
+          <a:stretch>
+            <a:fillRect/>
+          </a:stretch>
+        </p:blipFill>
+        <p:spPr>
+          <a:xfrm>
+            <a:off x="6704490" y="446769"/>
+            <a:ext cx="2800905" cy="2800905"/>
+          </a:xfrm>
+          <a:prstGeom prst="rect">
+            <a:avLst/>
+          </a:prstGeom>
+        </p:spPr>
+      </p:pic>
+      <p:pic>
+        <p:nvPicPr>
+          <p:cNvPr id="37" name="Picture 36">
+            <a:extLst>
+              <a:ext uri="{FF2B5EF4-FFF2-40B4-BE49-F238E27FC236}">
+                <a16:creationId xmlns:a16="http://schemas.microsoft.com/office/drawing/2014/main" id="{35BF15A9-4B4C-2346-A94A-B879A5429499}"/>
+              </a:ext>
+            </a:extLst>
+          </p:cNvPr>
+          <p:cNvPicPr>
+            <a:picLocks noChangeAspect="1"/>
+          </p:cNvPicPr>
+          <p:nvPr/>
+        </p:nvPicPr>
+        <p:blipFill>
+          <a:blip r:embed="rId5"/>
+          <a:stretch>
+            <a:fillRect/>
+          </a:stretch>
+        </p:blipFill>
+        <p:spPr>
+          <a:xfrm>
+            <a:off x="5900061" y="2663212"/>
+            <a:ext cx="2324273" cy="3650651"/>
+          </a:xfrm>
+          <a:prstGeom prst="rect">
+            <a:avLst/>
+          </a:prstGeom>
+        </p:spPr>
+      </p:pic>
+      <p:pic>
+        <p:nvPicPr>
+          <p:cNvPr id="8" name="Picture 7">
+            <a:extLst>
+              <a:ext uri="{FF2B5EF4-FFF2-40B4-BE49-F238E27FC236}">
+                <a16:creationId xmlns:a16="http://schemas.microsoft.com/office/drawing/2014/main" id="{637C4370-9AF0-5741-82C5-6B1415A07D3A}"/>
+              </a:ext>
+            </a:extLst>
+          </p:cNvPr>
+          <p:cNvPicPr>
+            <a:picLocks noChangeAspect="1"/>
+          </p:cNvPicPr>
+          <p:nvPr/>
+        </p:nvPicPr>
+        <p:blipFill>
+          <a:blip r:embed="rId6"/>
+          <a:stretch>
+            <a:fillRect/>
+          </a:stretch>
+        </p:blipFill>
+        <p:spPr>
+          <a:xfrm>
+            <a:off x="3594498" y="1375224"/>
+            <a:ext cx="2852845" cy="2852845"/>
+          </a:xfrm>
+          <a:prstGeom prst="rect">
+            <a:avLst/>
+          </a:prstGeom>
+        </p:spPr>
+      </p:pic>
+      <p:pic>
+        <p:nvPicPr>
+          <p:cNvPr id="18" name="Picture 17">
+            <a:extLst>
+              <a:ext uri="{FF2B5EF4-FFF2-40B4-BE49-F238E27FC236}">
+                <a16:creationId xmlns:a16="http://schemas.microsoft.com/office/drawing/2014/main" id="{89725D52-7B95-4E43-8796-563D4AA46731}"/>
+              </a:ext>
+            </a:extLst>
+          </p:cNvPr>
+          <p:cNvPicPr>
+            <a:picLocks noChangeAspect="1"/>
+          </p:cNvPicPr>
+          <p:nvPr/>
+        </p:nvPicPr>
+        <p:blipFill>
+          <a:blip r:embed="rId7"/>
+          <a:stretch>
+            <a:fillRect/>
+          </a:stretch>
+        </p:blipFill>
+        <p:spPr>
+          <a:xfrm>
+            <a:off x="838200" y="3182716"/>
+            <a:ext cx="3542190" cy="3542190"/>
+          </a:xfrm>
+          <a:prstGeom prst="rect">
+            <a:avLst/>
+          </a:prstGeom>
+        </p:spPr>
+      </p:pic>
       <p:sp>
         <p:nvSpPr>
           <p:cNvPr id="2" name="Title 1">
@@ -7861,15 +8375,264 @@
                 <a:ea typeface="Helvetica Neue" panose="02000503000000020004" pitchFamily="2" charset="0"/>
                 <a:cs typeface="Helvetica Neue" panose="02000503000000020004" pitchFamily="2" charset="0"/>
               </a:rPr>
-              <a:t>Macroscopic Trends</a:t>
-            </a:r>
+              <a:t>Cryptocurrencies</a:t>
+            </a:r>
+          </a:p>
+        </p:txBody>
+      </p:sp>
+      <p:sp>
+        <p:nvSpPr>
+          <p:cNvPr id="3" name="Content Placeholder 2">
+            <a:extLst>
+              <a:ext uri="{FF2B5EF4-FFF2-40B4-BE49-F238E27FC236}">
+                <a16:creationId xmlns:a16="http://schemas.microsoft.com/office/drawing/2014/main" id="{AEAD33A4-EE6B-8145-AC73-578592755746}"/>
+              </a:ext>
+            </a:extLst>
+          </p:cNvPr>
+          <p:cNvSpPr>
+            <a:spLocks noGrp="1"/>
+          </p:cNvSpPr>
+          <p:nvPr>
+            <p:ph idx="1"/>
+          </p:nvPr>
+        </p:nvSpPr>
+        <p:spPr>
+          <a:xfrm>
+            <a:off x="838200" y="1773680"/>
+            <a:ext cx="10515600" cy="4459769"/>
+          </a:xfrm>
+        </p:spPr>
+        <p:txBody>
+          <a:bodyPr>
+            <a:normAutofit fontScale="92500" lnSpcReduction="20000"/>
+          </a:bodyPr>
+          <a:lstStyle/>
+          <a:p>
+            <a:pPr>
+              <a:spcAft>
+                <a:spcPts val="1000"/>
+              </a:spcAft>
+            </a:pPr>
+            <a:r>
+              <a:rPr lang="en-US" sz="3200" b="1" dirty="0">
+                <a:solidFill>
+                  <a:schemeClr val="bg1"/>
+                </a:solidFill>
+                <a:latin typeface="Helvetica Neue" panose="02000503000000020004" pitchFamily="2" charset="0"/>
+                <a:ea typeface="Helvetica Neue" panose="02000503000000020004" pitchFamily="2" charset="0"/>
+                <a:cs typeface="Helvetica Neue" panose="02000503000000020004" pitchFamily="2" charset="0"/>
+              </a:rPr>
+              <a:t>Bitcoin (BTC)</a:t>
+            </a:r>
+            <a:endParaRPr lang="en-US" sz="1300" b="1" dirty="0">
+              <a:solidFill>
+                <a:schemeClr val="bg1"/>
+              </a:solidFill>
+              <a:latin typeface="Helvetica Neue" panose="02000503000000020004" pitchFamily="2" charset="0"/>
+              <a:ea typeface="Helvetica Neue" panose="02000503000000020004" pitchFamily="2" charset="0"/>
+              <a:cs typeface="Helvetica Neue" panose="02000503000000020004" pitchFamily="2" charset="0"/>
+            </a:endParaRPr>
+          </a:p>
+          <a:p>
+            <a:pPr>
+              <a:spcAft>
+                <a:spcPts val="1000"/>
+              </a:spcAft>
+            </a:pPr>
+            <a:r>
+              <a:rPr lang="en-US" sz="3200" b="1" dirty="0">
+                <a:solidFill>
+                  <a:schemeClr val="bg1"/>
+                </a:solidFill>
+                <a:latin typeface="Helvetica Neue" panose="02000503000000020004" pitchFamily="2" charset="0"/>
+                <a:ea typeface="Helvetica Neue" panose="02000503000000020004" pitchFamily="2" charset="0"/>
+                <a:cs typeface="Helvetica Neue" panose="02000503000000020004" pitchFamily="2" charset="0"/>
+              </a:rPr>
+              <a:t>Ethereum (ETH)</a:t>
+            </a:r>
+          </a:p>
+          <a:p>
+            <a:pPr>
+              <a:spcAft>
+                <a:spcPts val="1000"/>
+              </a:spcAft>
+            </a:pPr>
+            <a:r>
+              <a:rPr lang="en-US" sz="3200" b="1" dirty="0" err="1">
+                <a:solidFill>
+                  <a:schemeClr val="bg1"/>
+                </a:solidFill>
+                <a:latin typeface="Helvetica Neue" panose="02000503000000020004" pitchFamily="2" charset="0"/>
+                <a:ea typeface="Helvetica Neue" panose="02000503000000020004" pitchFamily="2" charset="0"/>
+                <a:cs typeface="Helvetica Neue" panose="02000503000000020004" pitchFamily="2" charset="0"/>
+              </a:rPr>
+              <a:t>Binance</a:t>
+            </a:r>
+            <a:r>
+              <a:rPr lang="en-US" sz="3200" b="1" dirty="0">
+                <a:solidFill>
+                  <a:schemeClr val="bg1"/>
+                </a:solidFill>
+                <a:latin typeface="Helvetica Neue" panose="02000503000000020004" pitchFamily="2" charset="0"/>
+                <a:ea typeface="Helvetica Neue" panose="02000503000000020004" pitchFamily="2" charset="0"/>
+                <a:cs typeface="Helvetica Neue" panose="02000503000000020004" pitchFamily="2" charset="0"/>
+              </a:rPr>
+              <a:t> (BNB)</a:t>
+            </a:r>
+          </a:p>
+          <a:p>
+            <a:pPr>
+              <a:spcAft>
+                <a:spcPts val="1000"/>
+              </a:spcAft>
+            </a:pPr>
+            <a:r>
+              <a:rPr lang="en-US" sz="3200" b="1" dirty="0" err="1">
+                <a:solidFill>
+                  <a:schemeClr val="bg1"/>
+                </a:solidFill>
+                <a:latin typeface="Helvetica Neue" panose="02000503000000020004" pitchFamily="2" charset="0"/>
+                <a:ea typeface="Helvetica Neue" panose="02000503000000020004" pitchFamily="2" charset="0"/>
+                <a:cs typeface="Helvetica Neue" panose="02000503000000020004" pitchFamily="2" charset="0"/>
+              </a:rPr>
+              <a:t>Cardano</a:t>
+            </a:r>
+            <a:r>
+              <a:rPr lang="en-US" sz="3200" b="1" dirty="0">
+                <a:solidFill>
+                  <a:schemeClr val="bg1"/>
+                </a:solidFill>
+                <a:latin typeface="Helvetica Neue" panose="02000503000000020004" pitchFamily="2" charset="0"/>
+                <a:ea typeface="Helvetica Neue" panose="02000503000000020004" pitchFamily="2" charset="0"/>
+                <a:cs typeface="Helvetica Neue" panose="02000503000000020004" pitchFamily="2" charset="0"/>
+              </a:rPr>
+              <a:t> (ADA)</a:t>
+            </a:r>
+          </a:p>
+          <a:p>
+            <a:pPr>
+              <a:spcAft>
+                <a:spcPts val="1000"/>
+              </a:spcAft>
+            </a:pPr>
+            <a:r>
+              <a:rPr lang="en-US" sz="3200" b="1" dirty="0">
+                <a:solidFill>
+                  <a:schemeClr val="bg1"/>
+                </a:solidFill>
+                <a:latin typeface="Helvetica Neue" panose="02000503000000020004" pitchFamily="2" charset="0"/>
+                <a:ea typeface="Helvetica Neue" panose="02000503000000020004" pitchFamily="2" charset="0"/>
+                <a:cs typeface="Helvetica Neue" panose="02000503000000020004" pitchFamily="2" charset="0"/>
+              </a:rPr>
+              <a:t>Solana (SOL)</a:t>
+            </a:r>
+          </a:p>
+          <a:p>
+            <a:pPr>
+              <a:spcAft>
+                <a:spcPts val="1000"/>
+              </a:spcAft>
+            </a:pPr>
+            <a:r>
+              <a:rPr lang="en-US" sz="3200" b="1" dirty="0">
+                <a:solidFill>
+                  <a:schemeClr val="bg1"/>
+                </a:solidFill>
+                <a:latin typeface="Helvetica Neue" panose="02000503000000020004" pitchFamily="2" charset="0"/>
+                <a:ea typeface="Helvetica Neue" panose="02000503000000020004" pitchFamily="2" charset="0"/>
+                <a:cs typeface="Helvetica Neue" panose="02000503000000020004" pitchFamily="2" charset="0"/>
+              </a:rPr>
+              <a:t>XRP (XRP)</a:t>
+            </a:r>
+          </a:p>
+          <a:p>
+            <a:pPr>
+              <a:spcAft>
+                <a:spcPts val="1000"/>
+              </a:spcAft>
+            </a:pPr>
+            <a:endParaRPr lang="en-US" sz="1100" b="1" dirty="0">
+              <a:solidFill>
+                <a:schemeClr val="bg1"/>
+              </a:solidFill>
+              <a:latin typeface="Helvetica Neue" panose="02000503000000020004" pitchFamily="2" charset="0"/>
+              <a:ea typeface="Helvetica Neue" panose="02000503000000020004" pitchFamily="2" charset="0"/>
+              <a:cs typeface="Helvetica Neue" panose="02000503000000020004" pitchFamily="2" charset="0"/>
+            </a:endParaRPr>
+          </a:p>
+          <a:p>
+            <a:pPr>
+              <a:spcAft>
+                <a:spcPts val="1000"/>
+              </a:spcAft>
+            </a:pPr>
+            <a:r>
+              <a:rPr lang="en-US" sz="3200" b="1" dirty="0">
+                <a:solidFill>
+                  <a:schemeClr val="bg1"/>
+                </a:solidFill>
+                <a:latin typeface="Helvetica Neue" panose="02000503000000020004" pitchFamily="2" charset="0"/>
+                <a:ea typeface="Helvetica Neue" panose="02000503000000020004" pitchFamily="2" charset="0"/>
+                <a:cs typeface="Helvetica Neue" panose="02000503000000020004" pitchFamily="2" charset="0"/>
+              </a:rPr>
+              <a:t>Stable Coins – Tether, </a:t>
+            </a:r>
+            <a:r>
+              <a:rPr lang="en-US" sz="3200" b="1" dirty="0" err="1">
+                <a:solidFill>
+                  <a:schemeClr val="bg1"/>
+                </a:solidFill>
+                <a:latin typeface="Helvetica Neue" panose="02000503000000020004" pitchFamily="2" charset="0"/>
+                <a:ea typeface="Helvetica Neue" panose="02000503000000020004" pitchFamily="2" charset="0"/>
+                <a:cs typeface="Helvetica Neue" panose="02000503000000020004" pitchFamily="2" charset="0"/>
+              </a:rPr>
+              <a:t>TrueUSD</a:t>
+            </a:r>
+            <a:endParaRPr lang="en-US" sz="3200" b="1" dirty="0">
+              <a:solidFill>
+                <a:schemeClr val="bg1"/>
+              </a:solidFill>
+              <a:latin typeface="Helvetica Neue" panose="02000503000000020004" pitchFamily="2" charset="0"/>
+              <a:ea typeface="Helvetica Neue" panose="02000503000000020004" pitchFamily="2" charset="0"/>
+              <a:cs typeface="Helvetica Neue" panose="02000503000000020004" pitchFamily="2" charset="0"/>
+            </a:endParaRPr>
+          </a:p>
+          <a:p>
+            <a:endParaRPr lang="en-US" sz="3200" b="1" dirty="0">
+              <a:solidFill>
+                <a:schemeClr val="bg1"/>
+              </a:solidFill>
+              <a:latin typeface="Helvetica Neue" panose="02000503000000020004" pitchFamily="2" charset="0"/>
+              <a:ea typeface="Helvetica Neue" panose="02000503000000020004" pitchFamily="2" charset="0"/>
+              <a:cs typeface="Helvetica Neue" panose="02000503000000020004" pitchFamily="2" charset="0"/>
+            </a:endParaRPr>
+          </a:p>
+          <a:p>
+            <a:endParaRPr lang="en-US" sz="3200" b="1" dirty="0">
+              <a:solidFill>
+                <a:schemeClr val="bg1"/>
+              </a:solidFill>
+              <a:latin typeface="Helvetica Neue" panose="02000503000000020004" pitchFamily="2" charset="0"/>
+              <a:ea typeface="Helvetica Neue" panose="02000503000000020004" pitchFamily="2" charset="0"/>
+              <a:cs typeface="Helvetica Neue" panose="02000503000000020004" pitchFamily="2" charset="0"/>
+            </a:endParaRPr>
+          </a:p>
+          <a:p>
+            <a:endParaRPr lang="en-US" sz="3200" b="1" dirty="0">
+              <a:solidFill>
+                <a:schemeClr val="bg1"/>
+              </a:solidFill>
+              <a:latin typeface="Helvetica Neue" panose="02000503000000020004" pitchFamily="2" charset="0"/>
+              <a:ea typeface="Helvetica Neue" panose="02000503000000020004" pitchFamily="2" charset="0"/>
+              <a:cs typeface="Helvetica Neue" panose="02000503000000020004" pitchFamily="2" charset="0"/>
+            </a:endParaRPr>
           </a:p>
         </p:txBody>
       </p:sp>
     </p:spTree>
     <p:extLst>
       <p:ext uri="{BB962C8B-B14F-4D97-AF65-F5344CB8AC3E}">
-        <p14:creationId xmlns:p14="http://schemas.microsoft.com/office/powerpoint/2010/main" val="4229792998"/>
+        <p14:creationId xmlns:p14="http://schemas.microsoft.com/office/powerpoint/2010/main" val="3589890018"/>
       </p:ext>
     </p:extLst>
   </p:cSld>

--- a/Presentation/Sadek_R_Project2_Presentation.pptx
+++ b/Presentation/Sadek_R_Project2_Presentation.pptx
@@ -5,26 +5,23 @@
     <p:sldMasterId id="2147483648" r:id="rId1"/>
   </p:sldMasterIdLst>
   <p:notesMasterIdLst>
-    <p:notesMasterId r:id="rId19"/>
+    <p:notesMasterId r:id="rId16"/>
   </p:notesMasterIdLst>
   <p:sldIdLst>
     <p:sldId id="256" r:id="rId2"/>
-    <p:sldId id="257" r:id="rId3"/>
-    <p:sldId id="282" r:id="rId4"/>
-    <p:sldId id="258" r:id="rId5"/>
-    <p:sldId id="259" r:id="rId6"/>
-    <p:sldId id="260" r:id="rId7"/>
-    <p:sldId id="261" r:id="rId8"/>
-    <p:sldId id="283" r:id="rId9"/>
-    <p:sldId id="262" r:id="rId10"/>
-    <p:sldId id="264" r:id="rId11"/>
-    <p:sldId id="271" r:id="rId12"/>
-    <p:sldId id="265" r:id="rId13"/>
-    <p:sldId id="272" r:id="rId14"/>
-    <p:sldId id="273" r:id="rId15"/>
-    <p:sldId id="274" r:id="rId16"/>
-    <p:sldId id="269" r:id="rId17"/>
-    <p:sldId id="284" r:id="rId18"/>
+    <p:sldId id="282" r:id="rId3"/>
+    <p:sldId id="258" r:id="rId4"/>
+    <p:sldId id="259" r:id="rId5"/>
+    <p:sldId id="283" r:id="rId6"/>
+    <p:sldId id="262" r:id="rId7"/>
+    <p:sldId id="264" r:id="rId8"/>
+    <p:sldId id="271" r:id="rId9"/>
+    <p:sldId id="265" r:id="rId10"/>
+    <p:sldId id="272" r:id="rId11"/>
+    <p:sldId id="273" r:id="rId12"/>
+    <p:sldId id="274" r:id="rId13"/>
+    <p:sldId id="269" r:id="rId14"/>
+    <p:sldId id="284" r:id="rId15"/>
   </p:sldIdLst>
   <p:sldSz cx="12192000" cy="6858000"/>
   <p:notesSz cx="6858000" cy="9144000"/>
@@ -213,7 +210,7 @@
           <a:p>
             <a:fld id="{BC43C9C0-7172-8C46-9B88-84387B626DA8}" type="datetimeFigureOut">
               <a:rPr lang="en-US" smtClean="0"/>
-              <a:t>2/15/22</a:t>
+              <a:t>2/16/22</a:t>
             </a:fld>
             <a:endParaRPr lang="en-US"/>
           </a:p>
@@ -564,6 +561,90 @@
 </p:notes>
 </file>
 
+<file path=ppt/notesSlides/notesSlide2.xml><?xml version="1.0" encoding="utf-8"?>
+<p:notes xmlns:a="http://schemas.openxmlformats.org/drawingml/2006/main" xmlns:r="http://schemas.openxmlformats.org/officeDocument/2006/relationships" xmlns:p="http://schemas.openxmlformats.org/presentationml/2006/main">
+  <p:cSld>
+    <p:spTree>
+      <p:nvGrpSpPr>
+        <p:cNvPr id="1" name=""/>
+        <p:cNvGrpSpPr/>
+        <p:nvPr/>
+      </p:nvGrpSpPr>
+      <p:grpSpPr>
+        <a:xfrm>
+          <a:off x="0" y="0"/>
+          <a:ext cx="0" cy="0"/>
+          <a:chOff x="0" y="0"/>
+          <a:chExt cx="0" cy="0"/>
+        </a:xfrm>
+      </p:grpSpPr>
+      <p:sp>
+        <p:nvSpPr>
+          <p:cNvPr id="2" name="Slide Image Placeholder 1"/>
+          <p:cNvSpPr>
+            <a:spLocks noGrp="1" noRot="1" noChangeAspect="1"/>
+          </p:cNvSpPr>
+          <p:nvPr>
+            <p:ph type="sldImg"/>
+          </p:nvPr>
+        </p:nvSpPr>
+        <p:spPr/>
+      </p:sp>
+      <p:sp>
+        <p:nvSpPr>
+          <p:cNvPr id="3" name="Notes Placeholder 2"/>
+          <p:cNvSpPr>
+            <a:spLocks noGrp="1"/>
+          </p:cNvSpPr>
+          <p:nvPr>
+            <p:ph type="body" idx="1"/>
+          </p:nvPr>
+        </p:nvSpPr>
+        <p:spPr/>
+        <p:txBody>
+          <a:bodyPr/>
+          <a:lstStyle/>
+          <a:p>
+            <a:endParaRPr lang="en-US" dirty="0"/>
+          </a:p>
+        </p:txBody>
+      </p:sp>
+      <p:sp>
+        <p:nvSpPr>
+          <p:cNvPr id="4" name="Slide Number Placeholder 3"/>
+          <p:cNvSpPr>
+            <a:spLocks noGrp="1"/>
+          </p:cNvSpPr>
+          <p:nvPr>
+            <p:ph type="sldNum" sz="quarter" idx="5"/>
+          </p:nvPr>
+        </p:nvSpPr>
+        <p:spPr/>
+        <p:txBody>
+          <a:bodyPr/>
+          <a:lstStyle/>
+          <a:p>
+            <a:fld id="{5C7AE610-71F1-CD42-A5C5-B73820F81365}" type="slidenum">
+              <a:rPr lang="en-US" smtClean="0"/>
+              <a:t>13</a:t>
+            </a:fld>
+            <a:endParaRPr lang="en-US"/>
+          </a:p>
+        </p:txBody>
+      </p:sp>
+    </p:spTree>
+    <p:extLst>
+      <p:ext uri="{BB962C8B-B14F-4D97-AF65-F5344CB8AC3E}">
+        <p14:creationId xmlns:p14="http://schemas.microsoft.com/office/powerpoint/2010/main" val="3515899639"/>
+      </p:ext>
+    </p:extLst>
+  </p:cSld>
+  <p:clrMapOvr>
+    <a:masterClrMapping/>
+  </p:clrMapOvr>
+</p:notes>
+</file>
+
 <file path=ppt/slideLayouts/slideLayout1.xml><?xml version="1.0" encoding="utf-8"?>
 <p:sldLayout xmlns:a="http://schemas.openxmlformats.org/drawingml/2006/main" xmlns:r="http://schemas.openxmlformats.org/officeDocument/2006/relationships" xmlns:p="http://schemas.openxmlformats.org/presentationml/2006/main" type="title" preserve="1">
   <p:cSld name="Title Slide">
@@ -711,7 +792,7 @@
           <a:p>
             <a:fld id="{B73446A6-33CF-FA4F-A581-52D2A79422A9}" type="datetimeFigureOut">
               <a:rPr lang="en-US" smtClean="0"/>
-              <a:t>2/15/22</a:t>
+              <a:t>2/16/22</a:t>
             </a:fld>
             <a:endParaRPr lang="en-US"/>
           </a:p>
@@ -909,7 +990,7 @@
           <a:p>
             <a:fld id="{B73446A6-33CF-FA4F-A581-52D2A79422A9}" type="datetimeFigureOut">
               <a:rPr lang="en-US" smtClean="0"/>
-              <a:t>2/15/22</a:t>
+              <a:t>2/16/22</a:t>
             </a:fld>
             <a:endParaRPr lang="en-US"/>
           </a:p>
@@ -1117,7 +1198,7 @@
           <a:p>
             <a:fld id="{B73446A6-33CF-FA4F-A581-52D2A79422A9}" type="datetimeFigureOut">
               <a:rPr lang="en-US" smtClean="0"/>
-              <a:t>2/15/22</a:t>
+              <a:t>2/16/22</a:t>
             </a:fld>
             <a:endParaRPr lang="en-US"/>
           </a:p>
@@ -1315,7 +1396,7 @@
           <a:p>
             <a:fld id="{B73446A6-33CF-FA4F-A581-52D2A79422A9}" type="datetimeFigureOut">
               <a:rPr lang="en-US" smtClean="0"/>
-              <a:t>2/15/22</a:t>
+              <a:t>2/16/22</a:t>
             </a:fld>
             <a:endParaRPr lang="en-US"/>
           </a:p>
@@ -1590,7 +1671,7 @@
           <a:p>
             <a:fld id="{B73446A6-33CF-FA4F-A581-52D2A79422A9}" type="datetimeFigureOut">
               <a:rPr lang="en-US" smtClean="0"/>
-              <a:t>2/15/22</a:t>
+              <a:t>2/16/22</a:t>
             </a:fld>
             <a:endParaRPr lang="en-US"/>
           </a:p>
@@ -1855,7 +1936,7 @@
           <a:p>
             <a:fld id="{B73446A6-33CF-FA4F-A581-52D2A79422A9}" type="datetimeFigureOut">
               <a:rPr lang="en-US" smtClean="0"/>
-              <a:t>2/15/22</a:t>
+              <a:t>2/16/22</a:t>
             </a:fld>
             <a:endParaRPr lang="en-US"/>
           </a:p>
@@ -2267,7 +2348,7 @@
           <a:p>
             <a:fld id="{B73446A6-33CF-FA4F-A581-52D2A79422A9}" type="datetimeFigureOut">
               <a:rPr lang="en-US" smtClean="0"/>
-              <a:t>2/15/22</a:t>
+              <a:t>2/16/22</a:t>
             </a:fld>
             <a:endParaRPr lang="en-US"/>
           </a:p>
@@ -2408,7 +2489,7 @@
           <a:p>
             <a:fld id="{B73446A6-33CF-FA4F-A581-52D2A79422A9}" type="datetimeFigureOut">
               <a:rPr lang="en-US" smtClean="0"/>
-              <a:t>2/15/22</a:t>
+              <a:t>2/16/22</a:t>
             </a:fld>
             <a:endParaRPr lang="en-US"/>
           </a:p>
@@ -2521,7 +2602,7 @@
           <a:p>
             <a:fld id="{B73446A6-33CF-FA4F-A581-52D2A79422A9}" type="datetimeFigureOut">
               <a:rPr lang="en-US" smtClean="0"/>
-              <a:t>2/15/22</a:t>
+              <a:t>2/16/22</a:t>
             </a:fld>
             <a:endParaRPr lang="en-US"/>
           </a:p>
@@ -2832,7 +2913,7 @@
           <a:p>
             <a:fld id="{B73446A6-33CF-FA4F-A581-52D2A79422A9}" type="datetimeFigureOut">
               <a:rPr lang="en-US" smtClean="0"/>
-              <a:t>2/15/22</a:t>
+              <a:t>2/16/22</a:t>
             </a:fld>
             <a:endParaRPr lang="en-US"/>
           </a:p>
@@ -3120,7 +3201,7 @@
           <a:p>
             <a:fld id="{B73446A6-33CF-FA4F-A581-52D2A79422A9}" type="datetimeFigureOut">
               <a:rPr lang="en-US" smtClean="0"/>
-              <a:t>2/15/22</a:t>
+              <a:t>2/16/22</a:t>
             </a:fld>
             <a:endParaRPr lang="en-US"/>
           </a:p>
@@ -3361,7 +3442,7 @@
           <a:p>
             <a:fld id="{B73446A6-33CF-FA4F-A581-52D2A79422A9}" type="datetimeFigureOut">
               <a:rPr lang="en-US" smtClean="0"/>
-              <a:t>2/15/22</a:t>
+              <a:t>2/16/22</a:t>
             </a:fld>
             <a:endParaRPr lang="en-US"/>
           </a:p>
@@ -3934,379 +4015,6 @@
         </p:nvSpPr>
         <p:spPr>
           <a:xfrm>
-            <a:off x="838200" y="72160"/>
-            <a:ext cx="10515600" cy="1325563"/>
-          </a:xfrm>
-        </p:spPr>
-        <p:txBody>
-          <a:bodyPr/>
-          <a:lstStyle/>
-          <a:p>
-            <a:r>
-              <a:rPr lang="en-US" b="1" dirty="0">
-                <a:solidFill>
-                  <a:schemeClr val="bg1"/>
-                </a:solidFill>
-                <a:latin typeface="Helvetica Neue" panose="02000503000000020004" pitchFamily="2" charset="0"/>
-                <a:ea typeface="Helvetica Neue" panose="02000503000000020004" pitchFamily="2" charset="0"/>
-                <a:cs typeface="Helvetica Neue" panose="02000503000000020004" pitchFamily="2" charset="0"/>
-              </a:rPr>
-              <a:t>Market </a:t>
-            </a:r>
-            <a:r>
-              <a:rPr lang="en-US" b="1" dirty="0" err="1">
-                <a:solidFill>
-                  <a:schemeClr val="bg1"/>
-                </a:solidFill>
-                <a:latin typeface="Helvetica Neue" panose="02000503000000020004" pitchFamily="2" charset="0"/>
-                <a:ea typeface="Helvetica Neue" panose="02000503000000020004" pitchFamily="2" charset="0"/>
-                <a:cs typeface="Helvetica Neue" panose="02000503000000020004" pitchFamily="2" charset="0"/>
-              </a:rPr>
-              <a:t>Capitalisation</a:t>
-            </a:r>
-            <a:endParaRPr lang="en-US" b="1" dirty="0">
-              <a:solidFill>
-                <a:schemeClr val="bg1"/>
-              </a:solidFill>
-              <a:latin typeface="Helvetica Neue" panose="02000503000000020004" pitchFamily="2" charset="0"/>
-              <a:ea typeface="Helvetica Neue" panose="02000503000000020004" pitchFamily="2" charset="0"/>
-              <a:cs typeface="Helvetica Neue" panose="02000503000000020004" pitchFamily="2" charset="0"/>
-            </a:endParaRPr>
-          </a:p>
-        </p:txBody>
-      </p:sp>
-      <p:pic>
-        <p:nvPicPr>
-          <p:cNvPr id="4" name="Picture 3">
-            <a:extLst>
-              <a:ext uri="{FF2B5EF4-FFF2-40B4-BE49-F238E27FC236}">
-                <a16:creationId xmlns:a16="http://schemas.microsoft.com/office/drawing/2014/main" id="{4543C6FA-8EF9-1F46-883C-A56E1320367A}"/>
-              </a:ext>
-            </a:extLst>
-          </p:cNvPr>
-          <p:cNvPicPr>
-            <a:picLocks noChangeAspect="1"/>
-          </p:cNvPicPr>
-          <p:nvPr/>
-        </p:nvPicPr>
-        <p:blipFill>
-          <a:blip r:embed="rId2"/>
-          <a:stretch>
-            <a:fillRect/>
-          </a:stretch>
-        </p:blipFill>
-        <p:spPr>
-          <a:xfrm>
-            <a:off x="1600730" y="1212915"/>
-            <a:ext cx="8990540" cy="5556307"/>
-          </a:xfrm>
-          <a:prstGeom prst="rect">
-            <a:avLst/>
-          </a:prstGeom>
-        </p:spPr>
-      </p:pic>
-    </p:spTree>
-    <p:extLst>
-      <p:ext uri="{BB962C8B-B14F-4D97-AF65-F5344CB8AC3E}">
-        <p14:creationId xmlns:p14="http://schemas.microsoft.com/office/powerpoint/2010/main" val="4229792998"/>
-      </p:ext>
-    </p:extLst>
-  </p:cSld>
-  <p:clrMapOvr>
-    <a:masterClrMapping/>
-  </p:clrMapOvr>
-</p:sld>
-</file>
-
-<file path=ppt/slides/slide11.xml><?xml version="1.0" encoding="utf-8"?>
-<p:sld xmlns:a="http://schemas.openxmlformats.org/drawingml/2006/main" xmlns:r="http://schemas.openxmlformats.org/officeDocument/2006/relationships" xmlns:p="http://schemas.openxmlformats.org/presentationml/2006/main">
-  <p:cSld>
-    <p:bg>
-      <p:bgPr>
-        <a:solidFill>
-          <a:srgbClr val="0E99DD"/>
-        </a:solidFill>
-        <a:effectLst/>
-      </p:bgPr>
-    </p:bg>
-    <p:spTree>
-      <p:nvGrpSpPr>
-        <p:cNvPr id="1" name=""/>
-        <p:cNvGrpSpPr/>
-        <p:nvPr/>
-      </p:nvGrpSpPr>
-      <p:grpSpPr>
-        <a:xfrm>
-          <a:off x="0" y="0"/>
-          <a:ext cx="0" cy="0"/>
-          <a:chOff x="0" y="0"/>
-          <a:chExt cx="0" cy="0"/>
-        </a:xfrm>
-      </p:grpSpPr>
-      <p:sp>
-        <p:nvSpPr>
-          <p:cNvPr id="2" name="Title 1">
-            <a:extLst>
-              <a:ext uri="{FF2B5EF4-FFF2-40B4-BE49-F238E27FC236}">
-                <a16:creationId xmlns:a16="http://schemas.microsoft.com/office/drawing/2014/main" id="{31C71DE5-A63D-E34A-9605-F43285D2548A}"/>
-              </a:ext>
-            </a:extLst>
-          </p:cNvPr>
-          <p:cNvSpPr>
-            <a:spLocks noGrp="1"/>
-          </p:cNvSpPr>
-          <p:nvPr>
-            <p:ph type="title"/>
-          </p:nvPr>
-        </p:nvSpPr>
-        <p:spPr>
-          <a:xfrm>
-            <a:off x="838200" y="107671"/>
-            <a:ext cx="10515600" cy="1325563"/>
-          </a:xfrm>
-        </p:spPr>
-        <p:txBody>
-          <a:bodyPr/>
-          <a:lstStyle/>
-          <a:p>
-            <a:r>
-              <a:rPr lang="en-US" b="1" dirty="0">
-                <a:solidFill>
-                  <a:schemeClr val="bg1"/>
-                </a:solidFill>
-                <a:latin typeface="Helvetica Neue" panose="02000503000000020004" pitchFamily="2" charset="0"/>
-                <a:ea typeface="Helvetica Neue" panose="02000503000000020004" pitchFamily="2" charset="0"/>
-                <a:cs typeface="Helvetica Neue" panose="02000503000000020004" pitchFamily="2" charset="0"/>
-              </a:rPr>
-              <a:t>Correlation with Markets</a:t>
-            </a:r>
-          </a:p>
-        </p:txBody>
-      </p:sp>
-      <p:pic>
-        <p:nvPicPr>
-          <p:cNvPr id="5" name="Picture 4">
-            <a:extLst>
-              <a:ext uri="{FF2B5EF4-FFF2-40B4-BE49-F238E27FC236}">
-                <a16:creationId xmlns:a16="http://schemas.microsoft.com/office/drawing/2014/main" id="{E851E8DA-DAB4-DD4B-A778-22518DA6BA5D}"/>
-              </a:ext>
-            </a:extLst>
-          </p:cNvPr>
-          <p:cNvPicPr>
-            <a:picLocks noChangeAspect="1"/>
-          </p:cNvPicPr>
-          <p:nvPr/>
-        </p:nvPicPr>
-        <p:blipFill>
-          <a:blip r:embed="rId2"/>
-          <a:stretch>
-            <a:fillRect/>
-          </a:stretch>
-        </p:blipFill>
-        <p:spPr>
-          <a:xfrm>
-            <a:off x="-952714" y="1325563"/>
-            <a:ext cx="8777696" cy="5424766"/>
-          </a:xfrm>
-          <a:prstGeom prst="rect">
-            <a:avLst/>
-          </a:prstGeom>
-        </p:spPr>
-      </p:pic>
-      <p:pic>
-        <p:nvPicPr>
-          <p:cNvPr id="7" name="Picture 6">
-            <a:extLst>
-              <a:ext uri="{FF2B5EF4-FFF2-40B4-BE49-F238E27FC236}">
-                <a16:creationId xmlns:a16="http://schemas.microsoft.com/office/drawing/2014/main" id="{7C4A912F-A586-314E-AFA0-6C12374A38BF}"/>
-              </a:ext>
-            </a:extLst>
-          </p:cNvPr>
-          <p:cNvPicPr>
-            <a:picLocks noChangeAspect="1"/>
-          </p:cNvPicPr>
-          <p:nvPr/>
-        </p:nvPicPr>
-        <p:blipFill>
-          <a:blip r:embed="rId3"/>
-          <a:stretch>
-            <a:fillRect/>
-          </a:stretch>
-        </p:blipFill>
-        <p:spPr>
-          <a:xfrm>
-            <a:off x="4867505" y="1325563"/>
-            <a:ext cx="8777695" cy="5424766"/>
-          </a:xfrm>
-          <a:prstGeom prst="rect">
-            <a:avLst/>
-          </a:prstGeom>
-        </p:spPr>
-      </p:pic>
-    </p:spTree>
-    <p:extLst>
-      <p:ext uri="{BB962C8B-B14F-4D97-AF65-F5344CB8AC3E}">
-        <p14:creationId xmlns:p14="http://schemas.microsoft.com/office/powerpoint/2010/main" val="2350197468"/>
-      </p:ext>
-    </p:extLst>
-  </p:cSld>
-  <p:clrMapOvr>
-    <a:masterClrMapping/>
-  </p:clrMapOvr>
-</p:sld>
-</file>
-
-<file path=ppt/slides/slide12.xml><?xml version="1.0" encoding="utf-8"?>
-<p:sld xmlns:a="http://schemas.openxmlformats.org/drawingml/2006/main" xmlns:r="http://schemas.openxmlformats.org/officeDocument/2006/relationships" xmlns:p="http://schemas.openxmlformats.org/presentationml/2006/main">
-  <p:cSld>
-    <p:bg>
-      <p:bgPr>
-        <a:solidFill>
-          <a:srgbClr val="0E99DD"/>
-        </a:solidFill>
-        <a:effectLst/>
-      </p:bgPr>
-    </p:bg>
-    <p:spTree>
-      <p:nvGrpSpPr>
-        <p:cNvPr id="1" name=""/>
-        <p:cNvGrpSpPr/>
-        <p:nvPr/>
-      </p:nvGrpSpPr>
-      <p:grpSpPr>
-        <a:xfrm>
-          <a:off x="0" y="0"/>
-          <a:ext cx="0" cy="0"/>
-          <a:chOff x="0" y="0"/>
-          <a:chExt cx="0" cy="0"/>
-        </a:xfrm>
-      </p:grpSpPr>
-      <p:sp>
-        <p:nvSpPr>
-          <p:cNvPr id="2" name="Title 1">
-            <a:extLst>
-              <a:ext uri="{FF2B5EF4-FFF2-40B4-BE49-F238E27FC236}">
-                <a16:creationId xmlns:a16="http://schemas.microsoft.com/office/drawing/2014/main" id="{31C71DE5-A63D-E34A-9605-F43285D2548A}"/>
-              </a:ext>
-            </a:extLst>
-          </p:cNvPr>
-          <p:cNvSpPr>
-            <a:spLocks noGrp="1"/>
-          </p:cNvSpPr>
-          <p:nvPr>
-            <p:ph type="title"/>
-          </p:nvPr>
-        </p:nvSpPr>
-        <p:spPr>
-          <a:xfrm>
-            <a:off x="838200" y="81038"/>
-            <a:ext cx="10515600" cy="1325563"/>
-          </a:xfrm>
-        </p:spPr>
-        <p:txBody>
-          <a:bodyPr/>
-          <a:lstStyle/>
-          <a:p>
-            <a:r>
-              <a:rPr lang="en-US" b="1" dirty="0">
-                <a:solidFill>
-                  <a:schemeClr val="bg1"/>
-                </a:solidFill>
-                <a:latin typeface="Helvetica Neue" panose="02000503000000020004" pitchFamily="2" charset="0"/>
-                <a:ea typeface="Helvetica Neue" panose="02000503000000020004" pitchFamily="2" charset="0"/>
-                <a:cs typeface="Helvetica Neue" panose="02000503000000020004" pitchFamily="2" charset="0"/>
-              </a:rPr>
-              <a:t>Interconnectivity</a:t>
-            </a:r>
-          </a:p>
-        </p:txBody>
-      </p:sp>
-      <p:pic>
-        <p:nvPicPr>
-          <p:cNvPr id="5" name="Picture 4">
-            <a:extLst>
-              <a:ext uri="{FF2B5EF4-FFF2-40B4-BE49-F238E27FC236}">
-                <a16:creationId xmlns:a16="http://schemas.microsoft.com/office/drawing/2014/main" id="{6BA1077A-FF01-A74F-8F81-8C2D12B92C70}"/>
-              </a:ext>
-            </a:extLst>
-          </p:cNvPr>
-          <p:cNvPicPr>
-            <a:picLocks noChangeAspect="1"/>
-          </p:cNvPicPr>
-          <p:nvPr/>
-        </p:nvPicPr>
-        <p:blipFill>
-          <a:blip r:embed="rId2"/>
-          <a:stretch>
-            <a:fillRect/>
-          </a:stretch>
-        </p:blipFill>
-        <p:spPr>
-          <a:xfrm>
-            <a:off x="3376844" y="1278384"/>
-            <a:ext cx="5438312" cy="5438312"/>
-          </a:xfrm>
-          <a:prstGeom prst="rect">
-            <a:avLst/>
-          </a:prstGeom>
-        </p:spPr>
-      </p:pic>
-    </p:spTree>
-    <p:extLst>
-      <p:ext uri="{BB962C8B-B14F-4D97-AF65-F5344CB8AC3E}">
-        <p14:creationId xmlns:p14="http://schemas.microsoft.com/office/powerpoint/2010/main" val="1295580287"/>
-      </p:ext>
-    </p:extLst>
-  </p:cSld>
-  <p:clrMapOvr>
-    <a:masterClrMapping/>
-  </p:clrMapOvr>
-</p:sld>
-</file>
-
-<file path=ppt/slides/slide13.xml><?xml version="1.0" encoding="utf-8"?>
-<p:sld xmlns:a="http://schemas.openxmlformats.org/drawingml/2006/main" xmlns:r="http://schemas.openxmlformats.org/officeDocument/2006/relationships" xmlns:p="http://schemas.openxmlformats.org/presentationml/2006/main">
-  <p:cSld>
-    <p:bg>
-      <p:bgPr>
-        <a:solidFill>
-          <a:srgbClr val="0E99DD"/>
-        </a:solidFill>
-        <a:effectLst/>
-      </p:bgPr>
-    </p:bg>
-    <p:spTree>
-      <p:nvGrpSpPr>
-        <p:cNvPr id="1" name=""/>
-        <p:cNvGrpSpPr/>
-        <p:nvPr/>
-      </p:nvGrpSpPr>
-      <p:grpSpPr>
-        <a:xfrm>
-          <a:off x="0" y="0"/>
-          <a:ext cx="0" cy="0"/>
-          <a:chOff x="0" y="0"/>
-          <a:chExt cx="0" cy="0"/>
-        </a:xfrm>
-      </p:grpSpPr>
-      <p:sp>
-        <p:nvSpPr>
-          <p:cNvPr id="2" name="Title 1">
-            <a:extLst>
-              <a:ext uri="{FF2B5EF4-FFF2-40B4-BE49-F238E27FC236}">
-                <a16:creationId xmlns:a16="http://schemas.microsoft.com/office/drawing/2014/main" id="{31C71DE5-A63D-E34A-9605-F43285D2548A}"/>
-              </a:ext>
-            </a:extLst>
-          </p:cNvPr>
-          <p:cNvSpPr>
-            <a:spLocks noGrp="1"/>
-          </p:cNvSpPr>
-          <p:nvPr>
-            <p:ph type="title"/>
-          </p:nvPr>
-        </p:nvSpPr>
-        <p:spPr>
-          <a:xfrm>
             <a:off x="838200" y="45524"/>
             <a:ext cx="10515600" cy="1325563"/>
           </a:xfrm>
@@ -4372,7 +4080,7 @@
 </p:sld>
 </file>
 
-<file path=ppt/slides/slide14.xml><?xml version="1.0" encoding="utf-8"?>
+<file path=ppt/slides/slide11.xml><?xml version="1.0" encoding="utf-8"?>
 <p:sld xmlns:a="http://schemas.openxmlformats.org/drawingml/2006/main" xmlns:r="http://schemas.openxmlformats.org/officeDocument/2006/relationships" xmlns:p="http://schemas.openxmlformats.org/presentationml/2006/main">
   <p:cSld>
     <p:bg>
@@ -5100,7 +4808,59 @@
                     <a:ea typeface="Helvetica Neue" panose="02000503000000020004" pitchFamily="2" charset="0"/>
                     <a:cs typeface="Helvetica Neue" panose="02000503000000020004" pitchFamily="2" charset="0"/>
                   </a:rPr>
-                  <a:t>Pearson correlation matrix is a density matrix:</a:t>
+                  <a:t>Pearson correlation matrix </a:t>
+                </a:r>
+                <a14:m>
+                  <m:oMath xmlns:m="http://schemas.openxmlformats.org/officeDocument/2006/math">
+                    <m:r>
+                      <a:rPr lang="en-US" sz="3200" b="1" i="1" smtClean="0">
+                        <a:solidFill>
+                          <a:schemeClr val="bg1"/>
+                        </a:solidFill>
+                        <a:latin typeface="Cambria Math" panose="02040503050406030204" pitchFamily="18" charset="0"/>
+                        <a:ea typeface="Helvetica Neue" panose="02000503000000020004" pitchFamily="2" charset="0"/>
+                        <a:cs typeface="Helvetica Neue" panose="02000503000000020004" pitchFamily="2" charset="0"/>
+                      </a:rPr>
+                      <m:t>𝑹</m:t>
+                    </m:r>
+                  </m:oMath>
+                </a14:m>
+                <a:r>
+                  <a:rPr lang="en-US" sz="3200" b="1" dirty="0">
+                    <a:solidFill>
+                      <a:schemeClr val="bg1"/>
+                    </a:solidFill>
+                    <a:latin typeface="Helvetica Neue" panose="02000503000000020004" pitchFamily="2" charset="0"/>
+                    <a:ea typeface="Helvetica Neue" panose="02000503000000020004" pitchFamily="2" charset="0"/>
+                    <a:cs typeface="Helvetica Neue" panose="02000503000000020004" pitchFamily="2" charset="0"/>
+                  </a:rPr>
+                  <a:t> of size </a:t>
+                </a:r>
+                <a14:m>
+                  <m:oMath xmlns:m="http://schemas.openxmlformats.org/officeDocument/2006/math">
+                    <m:r>
+                      <a:rPr lang="en-US" sz="3200" b="1" i="1" smtClean="0">
+                        <a:solidFill>
+                          <a:schemeClr val="bg1"/>
+                        </a:solidFill>
+                        <a:latin typeface="Cambria Math" panose="02040503050406030204" pitchFamily="18" charset="0"/>
+                        <a:ea typeface="Helvetica Neue" panose="02000503000000020004" pitchFamily="2" charset="0"/>
+                        <a:cs typeface="Helvetica Neue" panose="02000503000000020004" pitchFamily="2" charset="0"/>
+                      </a:rPr>
+                      <m:t>𝑵</m:t>
+                    </m:r>
+                  </m:oMath>
+                </a14:m>
+                <a:r>
+                  <a:rPr lang="en-US" sz="3200" b="1" dirty="0">
+                    <a:solidFill>
+                      <a:schemeClr val="bg1"/>
+                    </a:solidFill>
+                    <a:latin typeface="Helvetica Neue" panose="02000503000000020004" pitchFamily="2" charset="0"/>
+                    <a:ea typeface="Helvetica Neue" panose="02000503000000020004" pitchFamily="2" charset="0"/>
+                    <a:cs typeface="Helvetica Neue" panose="02000503000000020004" pitchFamily="2" charset="0"/>
+                  </a:rPr>
+                  <a:t> is a density matrix:</a:t>
                 </a:r>
               </a:p>
               <a:p>
@@ -5280,7 +5040,7 @@
 </p:sld>
 </file>
 
-<file path=ppt/slides/slide15.xml><?xml version="1.0" encoding="utf-8"?>
+<file path=ppt/slides/slide12.xml><?xml version="1.0" encoding="utf-8"?>
 <p:sld xmlns:a="http://schemas.openxmlformats.org/drawingml/2006/main" xmlns:r="http://schemas.openxmlformats.org/officeDocument/2006/relationships" xmlns:p="http://schemas.openxmlformats.org/presentationml/2006/main">
   <p:cSld>
     <p:bg>
@@ -5388,7 +5148,7 @@
 </p:sld>
 </file>
 
-<file path=ppt/slides/slide16.xml><?xml version="1.0" encoding="utf-8"?>
+<file path=ppt/slides/slide13.xml><?xml version="1.0" encoding="utf-8"?>
 <p:sld xmlns:a="http://schemas.openxmlformats.org/drawingml/2006/main" xmlns:r="http://schemas.openxmlformats.org/officeDocument/2006/relationships" xmlns:p="http://schemas.openxmlformats.org/presentationml/2006/main">
   <p:cSld>
     <p:bg>
@@ -5606,7 +5366,7 @@
 </p:sld>
 </file>
 
-<file path=ppt/slides/slide17.xml><?xml version="1.0" encoding="utf-8"?>
+<file path=ppt/slides/slide14.xml><?xml version="1.0" encoding="utf-8"?>
 <p:sld xmlns:a="http://schemas.openxmlformats.org/drawingml/2006/main" xmlns:r="http://schemas.openxmlformats.org/officeDocument/2006/relationships" xmlns:p="http://schemas.openxmlformats.org/presentationml/2006/main">
   <p:cSld>
     <p:bg>
@@ -6095,66 +5855,6 @@
           <a:chExt cx="0" cy="0"/>
         </a:xfrm>
       </p:grpSpPr>
-      <p:pic>
-        <p:nvPicPr>
-          <p:cNvPr id="14" name="Picture 13">
-            <a:extLst>
-              <a:ext uri="{FF2B5EF4-FFF2-40B4-BE49-F238E27FC236}">
-                <a16:creationId xmlns:a16="http://schemas.microsoft.com/office/drawing/2014/main" id="{A37CC478-B672-434F-97E8-654244C58D70}"/>
-              </a:ext>
-            </a:extLst>
-          </p:cNvPr>
-          <p:cNvPicPr>
-            <a:picLocks noChangeAspect="1"/>
-          </p:cNvPicPr>
-          <p:nvPr/>
-        </p:nvPicPr>
-        <p:blipFill>
-          <a:blip r:embed="rId2"/>
-          <a:stretch>
-            <a:fillRect/>
-          </a:stretch>
-        </p:blipFill>
-        <p:spPr>
-          <a:xfrm>
-            <a:off x="1388616" y="1958054"/>
-            <a:ext cx="4449964" cy="2972437"/>
-          </a:xfrm>
-          <a:prstGeom prst="rect">
-            <a:avLst/>
-          </a:prstGeom>
-        </p:spPr>
-      </p:pic>
-      <p:pic>
-        <p:nvPicPr>
-          <p:cNvPr id="10" name="Picture 9">
-            <a:extLst>
-              <a:ext uri="{FF2B5EF4-FFF2-40B4-BE49-F238E27FC236}">
-                <a16:creationId xmlns:a16="http://schemas.microsoft.com/office/drawing/2014/main" id="{B3AD1807-7B8E-9142-BE41-009F0331CD30}"/>
-              </a:ext>
-            </a:extLst>
-          </p:cNvPr>
-          <p:cNvPicPr>
-            <a:picLocks noChangeAspect="1"/>
-          </p:cNvPicPr>
-          <p:nvPr/>
-        </p:nvPicPr>
-        <p:blipFill>
-          <a:blip r:embed="rId3"/>
-          <a:stretch>
-            <a:fillRect/>
-          </a:stretch>
-        </p:blipFill>
-        <p:spPr>
-          <a:xfrm>
-            <a:off x="7004297" y="2924413"/>
-            <a:ext cx="4586857" cy="2556766"/>
-          </a:xfrm>
-          <a:prstGeom prst="rect">
-            <a:avLst/>
-          </a:prstGeom>
-        </p:spPr>
-      </p:pic>
       <p:sp>
         <p:nvSpPr>
           <p:cNvPr id="2" name="Title 1">
@@ -6192,7 +5892,7 @@
                 <a:ea typeface="Helvetica Neue" panose="02000503000000020004" pitchFamily="2" charset="0"/>
                 <a:cs typeface="Helvetica Neue" panose="02000503000000020004" pitchFamily="2" charset="0"/>
               </a:rPr>
-              <a:t>Cryptocurrency – Force for Good?</a:t>
+              <a:t>Cryptocurrency – Risk to Stability</a:t>
             </a:r>
           </a:p>
         </p:txBody>
@@ -6215,7 +5915,7 @@
         </p:nvSpPr>
         <p:spPr>
           <a:xfrm>
-            <a:off x="5422727" y="1598850"/>
+            <a:off x="1126232" y="2218987"/>
             <a:ext cx="6375400" cy="1543845"/>
           </a:xfrm>
         </p:spPr>
@@ -6235,7 +5935,7 @@
                 <a:ea typeface="Helvetica Neue" panose="02000503000000020004" pitchFamily="2" charset="0"/>
                 <a:cs typeface="Times New Roman" panose="02020603050405020304" pitchFamily="18" charset="0"/>
               </a:rPr>
-              <a:t>“Is the cryptocurrency trading boom creating a new generation of addicts? ”</a:t>
+              <a:t>“Crypto Boom Poses New Challenges to Financial Stability”</a:t>
             </a:r>
           </a:p>
           <a:p>
@@ -6251,7 +5951,7 @@
                 <a:ea typeface="Helvetica Neue" panose="02000503000000020004" pitchFamily="2" charset="0"/>
                 <a:cs typeface="Helvetica Neue" panose="02000503000000020004" pitchFamily="2" charset="0"/>
               </a:rPr>
-              <a:t>- The Guardian</a:t>
+              <a:t>- IMF</a:t>
             </a:r>
           </a:p>
         </p:txBody>
@@ -6272,7 +5972,7 @@
         </p:nvSpPr>
         <p:spPr>
           <a:xfrm>
-            <a:off x="397547" y="4930491"/>
+            <a:off x="2791287" y="4930492"/>
             <a:ext cx="6609080" cy="1498865"/>
           </a:xfrm>
           <a:prstGeom prst="rect">
@@ -6281,7 +5981,7 @@
         </p:spPr>
         <p:txBody>
           <a:bodyPr vert="horz" lIns="91440" tIns="45720" rIns="91440" bIns="45720" rtlCol="0">
-            <a:normAutofit/>
+            <a:normAutofit lnSpcReduction="10000"/>
           </a:bodyPr>
           <a:lstStyle>
             <a:lvl1pPr marL="228600" indent="-228600" algn="l" defTabSz="914400" rtl="0" eaLnBrk="1" latinLnBrk="0" hangingPunct="1">
@@ -6448,7 +6148,7 @@
             </a:lvl9pPr>
           </a:lstStyle>
           <a:p>
-            <a:pPr marL="0" indent="0">
+            <a:pPr marL="0" indent="0" algn="r">
               <a:buNone/>
             </a:pPr>
             <a:r>
@@ -6460,33 +6160,11 @@
                 <a:ea typeface="Helvetica Neue" panose="02000503000000020004" pitchFamily="2" charset="0"/>
                 <a:cs typeface="Times New Roman" panose="02020603050405020304" pitchFamily="18" charset="0"/>
               </a:rPr>
-              <a:t>“Cryptocurrency: rise of </a:t>
-            </a:r>
-            <a:r>
-              <a:rPr lang="en-US" b="1" dirty="0" err="1">
-                <a:solidFill>
-                  <a:schemeClr val="bg1"/>
-                </a:solidFill>
-                <a:latin typeface="Times New Roman" panose="02020603050405020304" pitchFamily="18" charset="0"/>
-                <a:ea typeface="Helvetica Neue" panose="02000503000000020004" pitchFamily="2" charset="0"/>
-                <a:cs typeface="Times New Roman" panose="02020603050405020304" pitchFamily="18" charset="0"/>
-              </a:rPr>
-              <a:t>decentralised</a:t>
-            </a:r>
-            <a:r>
-              <a:rPr lang="en-US" b="1" dirty="0">
-                <a:solidFill>
-                  <a:schemeClr val="bg1"/>
-                </a:solidFill>
-                <a:latin typeface="Times New Roman" panose="02020603050405020304" pitchFamily="18" charset="0"/>
-                <a:ea typeface="Helvetica Neue" panose="02000503000000020004" pitchFamily="2" charset="0"/>
-                <a:cs typeface="Times New Roman" panose="02020603050405020304" pitchFamily="18" charset="0"/>
-              </a:rPr>
-              <a:t> finance sparks ‘dirty money’ fears!”</a:t>
-            </a:r>
-          </a:p>
-          <a:p>
-            <a:pPr marL="0" indent="0">
+              <a:t>“Russian central bank proposes ban on cryptocurrencies, citing threat to financial stability”</a:t>
+            </a:r>
+          </a:p>
+          <a:p>
+            <a:pPr marL="0" indent="0" algn="r">
               <a:buFont typeface="Arial" panose="020B0604020202020204" pitchFamily="34" charset="0"/>
               <a:buNone/>
             </a:pPr>
@@ -6499,7 +6177,7 @@
                 <a:ea typeface="Helvetica Neue" panose="02000503000000020004" pitchFamily="2" charset="0"/>
                 <a:cs typeface="Helvetica Neue" panose="02000503000000020004" pitchFamily="2" charset="0"/>
               </a:rPr>
-              <a:t>- The Financial Times</a:t>
+              <a:t>- The Hill</a:t>
             </a:r>
           </a:p>
         </p:txBody>
@@ -6520,7 +6198,7 @@
         </p:nvSpPr>
         <p:spPr>
           <a:xfrm>
-            <a:off x="7744238" y="5124764"/>
+            <a:off x="7247088" y="3053657"/>
             <a:ext cx="4447762" cy="1543845"/>
           </a:xfrm>
           <a:prstGeom prst="rect">
@@ -6529,7 +6207,7 @@
         </p:spPr>
         <p:txBody>
           <a:bodyPr vert="horz" lIns="91440" tIns="45720" rIns="91440" bIns="45720" rtlCol="0">
-            <a:normAutofit/>
+            <a:normAutofit lnSpcReduction="10000"/>
           </a:bodyPr>
           <a:lstStyle>
             <a:lvl1pPr marL="228600" indent="-228600" algn="l" defTabSz="914400" rtl="0" eaLnBrk="1" latinLnBrk="0" hangingPunct="1">
@@ -6708,7 +6386,7 @@
                 <a:ea typeface="Helvetica Neue" panose="02000503000000020004" pitchFamily="2" charset="0"/>
                 <a:cs typeface="Times New Roman" panose="02020603050405020304" pitchFamily="18" charset="0"/>
               </a:rPr>
-              <a:t>“The ticking time bomb of cryptocurrencies”</a:t>
+              <a:t>“Drop bitcoin as legal tender, IMF urges El Salvador”</a:t>
             </a:r>
           </a:p>
           <a:p>
@@ -6725,7 +6403,7 @@
                 <a:ea typeface="Helvetica Neue" panose="02000503000000020004" pitchFamily="2" charset="0"/>
                 <a:cs typeface="Helvetica Neue" panose="02000503000000020004" pitchFamily="2" charset="0"/>
               </a:rPr>
-              <a:t>- The Guardian</a:t>
+              <a:t>- CNBC</a:t>
             </a:r>
           </a:p>
         </p:txBody>
@@ -6733,7 +6411,7 @@
     </p:spTree>
     <p:extLst>
       <p:ext uri="{BB962C8B-B14F-4D97-AF65-F5344CB8AC3E}">
-        <p14:creationId xmlns:p14="http://schemas.microsoft.com/office/powerpoint/2010/main" val="1563902525"/>
+        <p14:creationId xmlns:p14="http://schemas.microsoft.com/office/powerpoint/2010/main" val="3588495441"/>
       </p:ext>
     </p:extLst>
   </p:cSld>
@@ -6784,16 +6462,9 @@
             <p:ph type="title"/>
           </p:nvPr>
         </p:nvSpPr>
-        <p:spPr>
-          <a:xfrm>
-            <a:off x="838200" y="365125"/>
-            <a:ext cx="10196744" cy="1325563"/>
-          </a:xfrm>
-        </p:spPr>
-        <p:txBody>
-          <a:bodyPr>
-            <a:normAutofit/>
-          </a:bodyPr>
+        <p:spPr/>
+        <p:txBody>
+          <a:bodyPr/>
           <a:lstStyle/>
           <a:p>
             <a:r>
@@ -6805,7 +6476,7 @@
                 <a:ea typeface="Helvetica Neue" panose="02000503000000020004" pitchFamily="2" charset="0"/>
                 <a:cs typeface="Helvetica Neue" panose="02000503000000020004" pitchFamily="2" charset="0"/>
               </a:rPr>
-              <a:t>Cryptocurrency – Risk to Stability</a:t>
+              <a:t>Fractional Banking</a:t>
             </a:r>
           </a:p>
         </p:txBody>
@@ -6828,35 +6499,18 @@
         </p:nvSpPr>
         <p:spPr>
           <a:xfrm>
-            <a:off x="1126232" y="2218987"/>
-            <a:ext cx="6375400" cy="1543845"/>
+            <a:off x="838200" y="1825625"/>
+            <a:ext cx="4165643" cy="4699462"/>
           </a:xfrm>
         </p:spPr>
         <p:txBody>
-          <a:bodyPr/>
+          <a:bodyPr>
+            <a:normAutofit fontScale="92500" lnSpcReduction="10000"/>
+          </a:bodyPr>
           <a:lstStyle/>
           <a:p>
-            <a:pPr marL="0" indent="0">
-              <a:buNone/>
-            </a:pPr>
-            <a:r>
-              <a:rPr lang="en-US" b="1" dirty="0">
-                <a:solidFill>
-                  <a:schemeClr val="bg1"/>
-                </a:solidFill>
-                <a:latin typeface="Times New Roman" panose="02020603050405020304" pitchFamily="18" charset="0"/>
-                <a:ea typeface="Helvetica Neue" panose="02000503000000020004" pitchFamily="2" charset="0"/>
-                <a:cs typeface="Times New Roman" panose="02020603050405020304" pitchFamily="18" charset="0"/>
-              </a:rPr>
-              <a:t>“Crypto Boom Poses New Challenges to Financial Stability”</a:t>
-            </a:r>
-          </a:p>
-          <a:p>
-            <a:pPr marL="0" indent="0">
-              <a:buNone/>
-            </a:pPr>
-            <a:r>
-              <a:rPr lang="en-US" sz="2000" b="1" dirty="0">
+            <a:r>
+              <a:rPr lang="en-US" sz="3200" b="1" dirty="0">
                 <a:solidFill>
                   <a:schemeClr val="bg1"/>
                 </a:solidFill>
@@ -6864,467 +6518,105 @@
                 <a:ea typeface="Helvetica Neue" panose="02000503000000020004" pitchFamily="2" charset="0"/>
                 <a:cs typeface="Helvetica Neue" panose="02000503000000020004" pitchFamily="2" charset="0"/>
               </a:rPr>
-              <a:t>- IMF</a:t>
-            </a:r>
-          </a:p>
-        </p:txBody>
-      </p:sp>
-      <p:sp>
-        <p:nvSpPr>
-          <p:cNvPr id="6" name="Content Placeholder 2">
-            <a:extLst>
-              <a:ext uri="{FF2B5EF4-FFF2-40B4-BE49-F238E27FC236}">
-                <a16:creationId xmlns:a16="http://schemas.microsoft.com/office/drawing/2014/main" id="{39BDE4B5-289A-344B-B648-5B10D86BD98A}"/>
-              </a:ext>
-            </a:extLst>
-          </p:cNvPr>
-          <p:cNvSpPr txBox="1">
-            <a:spLocks/>
-          </p:cNvSpPr>
+              <a:t>Central bank prints money</a:t>
+            </a:r>
+            <a:endParaRPr lang="en-US" sz="2000" b="1" dirty="0">
+              <a:solidFill>
+                <a:schemeClr val="bg1"/>
+              </a:solidFill>
+              <a:latin typeface="Helvetica Neue" panose="02000503000000020004" pitchFamily="2" charset="0"/>
+              <a:ea typeface="Helvetica Neue" panose="02000503000000020004" pitchFamily="2" charset="0"/>
+              <a:cs typeface="Helvetica Neue" panose="02000503000000020004" pitchFamily="2" charset="0"/>
+            </a:endParaRPr>
+          </a:p>
+          <a:p>
+            <a:r>
+              <a:rPr lang="en-US" sz="3200" b="1" dirty="0">
+                <a:solidFill>
+                  <a:schemeClr val="bg1"/>
+                </a:solidFill>
+                <a:latin typeface="Helvetica Neue" panose="02000503000000020004" pitchFamily="2" charset="0"/>
+                <a:ea typeface="Helvetica Neue" panose="02000503000000020004" pitchFamily="2" charset="0"/>
+                <a:cs typeface="Helvetica Neue" panose="02000503000000020004" pitchFamily="2" charset="0"/>
+              </a:rPr>
+              <a:t>Lends money to private banks</a:t>
+            </a:r>
+          </a:p>
+          <a:p>
+            <a:r>
+              <a:rPr lang="en-US" sz="3200" b="1" dirty="0">
+                <a:solidFill>
+                  <a:schemeClr val="bg1"/>
+                </a:solidFill>
+                <a:latin typeface="Helvetica Neue" panose="02000503000000020004" pitchFamily="2" charset="0"/>
+                <a:ea typeface="Helvetica Neue" panose="02000503000000020004" pitchFamily="2" charset="0"/>
+                <a:cs typeface="Helvetica Neue" panose="02000503000000020004" pitchFamily="2" charset="0"/>
+              </a:rPr>
+              <a:t>Private banks lend to businesses</a:t>
+            </a:r>
+          </a:p>
+          <a:p>
+            <a:r>
+              <a:rPr lang="en-US" sz="3200" b="1" dirty="0">
+                <a:solidFill>
+                  <a:schemeClr val="bg1"/>
+                </a:solidFill>
+                <a:latin typeface="Helvetica Neue" panose="02000503000000020004" pitchFamily="2" charset="0"/>
+                <a:ea typeface="Helvetica Neue" panose="02000503000000020004" pitchFamily="2" charset="0"/>
+                <a:cs typeface="Helvetica Neue" panose="02000503000000020004" pitchFamily="2" charset="0"/>
+              </a:rPr>
+              <a:t>Money repaid destroys printed capital</a:t>
+            </a:r>
+          </a:p>
+          <a:p>
+            <a:r>
+              <a:rPr lang="en-US" sz="3200" b="1" dirty="0">
+                <a:solidFill>
+                  <a:schemeClr val="bg1"/>
+                </a:solidFill>
+                <a:latin typeface="Helvetica Neue" panose="02000503000000020004" pitchFamily="2" charset="0"/>
+                <a:ea typeface="Helvetica Neue" panose="02000503000000020004" pitchFamily="2" charset="0"/>
+                <a:cs typeface="Helvetica Neue" panose="02000503000000020004" pitchFamily="2" charset="0"/>
+              </a:rPr>
+              <a:t>Only interest remains</a:t>
+            </a:r>
+          </a:p>
+        </p:txBody>
+      </p:sp>
+      <p:pic>
+        <p:nvPicPr>
+          <p:cNvPr id="5" name="Picture 4">
+            <a:extLst>
+              <a:ext uri="{FF2B5EF4-FFF2-40B4-BE49-F238E27FC236}">
+                <a16:creationId xmlns:a16="http://schemas.microsoft.com/office/drawing/2014/main" id="{AF0C93A1-47E5-034D-848A-C14C5F3AAB29}"/>
+              </a:ext>
+            </a:extLst>
+          </p:cNvPr>
+          <p:cNvPicPr>
+            <a:picLocks noChangeAspect="1"/>
+          </p:cNvPicPr>
           <p:nvPr/>
-        </p:nvSpPr>
+        </p:nvPicPr>
+        <p:blipFill>
+          <a:blip r:embed="rId2"/>
+          <a:stretch>
+            <a:fillRect/>
+          </a:stretch>
+        </p:blipFill>
         <p:spPr>
           <a:xfrm>
-            <a:off x="2791287" y="4930492"/>
-            <a:ext cx="6609080" cy="1498865"/>
+            <a:off x="5003843" y="1825625"/>
+            <a:ext cx="7045038" cy="4596352"/>
           </a:xfrm>
           <a:prstGeom prst="rect">
             <a:avLst/>
           </a:prstGeom>
         </p:spPr>
-        <p:txBody>
-          <a:bodyPr vert="horz" lIns="91440" tIns="45720" rIns="91440" bIns="45720" rtlCol="0">
-            <a:normAutofit lnSpcReduction="10000"/>
-          </a:bodyPr>
-          <a:lstStyle>
-            <a:lvl1pPr marL="228600" indent="-228600" algn="l" defTabSz="914400" rtl="0" eaLnBrk="1" latinLnBrk="0" hangingPunct="1">
-              <a:lnSpc>
-                <a:spcPct val="90000"/>
-              </a:lnSpc>
-              <a:spcBef>
-                <a:spcPts val="1000"/>
-              </a:spcBef>
-              <a:buFont typeface="Arial" panose="020B0604020202020204" pitchFamily="34" charset="0"/>
-              <a:buChar char="•"/>
-              <a:defRPr sz="2800" kern="1200">
-                <a:solidFill>
-                  <a:schemeClr val="tx1"/>
-                </a:solidFill>
-                <a:latin typeface="+mn-lt"/>
-                <a:ea typeface="+mn-ea"/>
-                <a:cs typeface="+mn-cs"/>
-              </a:defRPr>
-            </a:lvl1pPr>
-            <a:lvl2pPr marL="685800" indent="-228600" algn="l" defTabSz="914400" rtl="0" eaLnBrk="1" latinLnBrk="0" hangingPunct="1">
-              <a:lnSpc>
-                <a:spcPct val="90000"/>
-              </a:lnSpc>
-              <a:spcBef>
-                <a:spcPts val="500"/>
-              </a:spcBef>
-              <a:buFont typeface="Arial" panose="020B0604020202020204" pitchFamily="34" charset="0"/>
-              <a:buChar char="•"/>
-              <a:defRPr sz="2400" kern="1200">
-                <a:solidFill>
-                  <a:schemeClr val="tx1"/>
-                </a:solidFill>
-                <a:latin typeface="+mn-lt"/>
-                <a:ea typeface="+mn-ea"/>
-                <a:cs typeface="+mn-cs"/>
-              </a:defRPr>
-            </a:lvl2pPr>
-            <a:lvl3pPr marL="1143000" indent="-228600" algn="l" defTabSz="914400" rtl="0" eaLnBrk="1" latinLnBrk="0" hangingPunct="1">
-              <a:lnSpc>
-                <a:spcPct val="90000"/>
-              </a:lnSpc>
-              <a:spcBef>
-                <a:spcPts val="500"/>
-              </a:spcBef>
-              <a:buFont typeface="Arial" panose="020B0604020202020204" pitchFamily="34" charset="0"/>
-              <a:buChar char="•"/>
-              <a:defRPr sz="2000" kern="1200">
-                <a:solidFill>
-                  <a:schemeClr val="tx1"/>
-                </a:solidFill>
-                <a:latin typeface="+mn-lt"/>
-                <a:ea typeface="+mn-ea"/>
-                <a:cs typeface="+mn-cs"/>
-              </a:defRPr>
-            </a:lvl3pPr>
-            <a:lvl4pPr marL="1600200" indent="-228600" algn="l" defTabSz="914400" rtl="0" eaLnBrk="1" latinLnBrk="0" hangingPunct="1">
-              <a:lnSpc>
-                <a:spcPct val="90000"/>
-              </a:lnSpc>
-              <a:spcBef>
-                <a:spcPts val="500"/>
-              </a:spcBef>
-              <a:buFont typeface="Arial" panose="020B0604020202020204" pitchFamily="34" charset="0"/>
-              <a:buChar char="•"/>
-              <a:defRPr sz="1800" kern="1200">
-                <a:solidFill>
-                  <a:schemeClr val="tx1"/>
-                </a:solidFill>
-                <a:latin typeface="+mn-lt"/>
-                <a:ea typeface="+mn-ea"/>
-                <a:cs typeface="+mn-cs"/>
-              </a:defRPr>
-            </a:lvl4pPr>
-            <a:lvl5pPr marL="2057400" indent="-228600" algn="l" defTabSz="914400" rtl="0" eaLnBrk="1" latinLnBrk="0" hangingPunct="1">
-              <a:lnSpc>
-                <a:spcPct val="90000"/>
-              </a:lnSpc>
-              <a:spcBef>
-                <a:spcPts val="500"/>
-              </a:spcBef>
-              <a:buFont typeface="Arial" panose="020B0604020202020204" pitchFamily="34" charset="0"/>
-              <a:buChar char="•"/>
-              <a:defRPr sz="1800" kern="1200">
-                <a:solidFill>
-                  <a:schemeClr val="tx1"/>
-                </a:solidFill>
-                <a:latin typeface="+mn-lt"/>
-                <a:ea typeface="+mn-ea"/>
-                <a:cs typeface="+mn-cs"/>
-              </a:defRPr>
-            </a:lvl5pPr>
-            <a:lvl6pPr marL="2514600" indent="-228600" algn="l" defTabSz="914400" rtl="0" eaLnBrk="1" latinLnBrk="0" hangingPunct="1">
-              <a:lnSpc>
-                <a:spcPct val="90000"/>
-              </a:lnSpc>
-              <a:spcBef>
-                <a:spcPts val="500"/>
-              </a:spcBef>
-              <a:buFont typeface="Arial" panose="020B0604020202020204" pitchFamily="34" charset="0"/>
-              <a:buChar char="•"/>
-              <a:defRPr sz="1800" kern="1200">
-                <a:solidFill>
-                  <a:schemeClr val="tx1"/>
-                </a:solidFill>
-                <a:latin typeface="+mn-lt"/>
-                <a:ea typeface="+mn-ea"/>
-                <a:cs typeface="+mn-cs"/>
-              </a:defRPr>
-            </a:lvl6pPr>
-            <a:lvl7pPr marL="2971800" indent="-228600" algn="l" defTabSz="914400" rtl="0" eaLnBrk="1" latinLnBrk="0" hangingPunct="1">
-              <a:lnSpc>
-                <a:spcPct val="90000"/>
-              </a:lnSpc>
-              <a:spcBef>
-                <a:spcPts val="500"/>
-              </a:spcBef>
-              <a:buFont typeface="Arial" panose="020B0604020202020204" pitchFamily="34" charset="0"/>
-              <a:buChar char="•"/>
-              <a:defRPr sz="1800" kern="1200">
-                <a:solidFill>
-                  <a:schemeClr val="tx1"/>
-                </a:solidFill>
-                <a:latin typeface="+mn-lt"/>
-                <a:ea typeface="+mn-ea"/>
-                <a:cs typeface="+mn-cs"/>
-              </a:defRPr>
-            </a:lvl7pPr>
-            <a:lvl8pPr marL="3429000" indent="-228600" algn="l" defTabSz="914400" rtl="0" eaLnBrk="1" latinLnBrk="0" hangingPunct="1">
-              <a:lnSpc>
-                <a:spcPct val="90000"/>
-              </a:lnSpc>
-              <a:spcBef>
-                <a:spcPts val="500"/>
-              </a:spcBef>
-              <a:buFont typeface="Arial" panose="020B0604020202020204" pitchFamily="34" charset="0"/>
-              <a:buChar char="•"/>
-              <a:defRPr sz="1800" kern="1200">
-                <a:solidFill>
-                  <a:schemeClr val="tx1"/>
-                </a:solidFill>
-                <a:latin typeface="+mn-lt"/>
-                <a:ea typeface="+mn-ea"/>
-                <a:cs typeface="+mn-cs"/>
-              </a:defRPr>
-            </a:lvl8pPr>
-            <a:lvl9pPr marL="3886200" indent="-228600" algn="l" defTabSz="914400" rtl="0" eaLnBrk="1" latinLnBrk="0" hangingPunct="1">
-              <a:lnSpc>
-                <a:spcPct val="90000"/>
-              </a:lnSpc>
-              <a:spcBef>
-                <a:spcPts val="500"/>
-              </a:spcBef>
-              <a:buFont typeface="Arial" panose="020B0604020202020204" pitchFamily="34" charset="0"/>
-              <a:buChar char="•"/>
-              <a:defRPr sz="1800" kern="1200">
-                <a:solidFill>
-                  <a:schemeClr val="tx1"/>
-                </a:solidFill>
-                <a:latin typeface="+mn-lt"/>
-                <a:ea typeface="+mn-ea"/>
-                <a:cs typeface="+mn-cs"/>
-              </a:defRPr>
-            </a:lvl9pPr>
-          </a:lstStyle>
-          <a:p>
-            <a:pPr marL="0" indent="0" algn="r">
-              <a:buNone/>
-            </a:pPr>
-            <a:r>
-              <a:rPr lang="en-US" b="1" dirty="0">
-                <a:solidFill>
-                  <a:schemeClr val="bg1"/>
-                </a:solidFill>
-                <a:latin typeface="Times New Roman" panose="02020603050405020304" pitchFamily="18" charset="0"/>
-                <a:ea typeface="Helvetica Neue" panose="02000503000000020004" pitchFamily="2" charset="0"/>
-                <a:cs typeface="Times New Roman" panose="02020603050405020304" pitchFamily="18" charset="0"/>
-              </a:rPr>
-              <a:t>“Russian central bank proposes ban on cryptocurrencies, citing threat to financial stability”</a:t>
-            </a:r>
-          </a:p>
-          <a:p>
-            <a:pPr marL="0" indent="0" algn="r">
-              <a:buFont typeface="Arial" panose="020B0604020202020204" pitchFamily="34" charset="0"/>
-              <a:buNone/>
-            </a:pPr>
-            <a:r>
-              <a:rPr lang="en-US" sz="2000" b="1" dirty="0">
-                <a:solidFill>
-                  <a:schemeClr val="bg1"/>
-                </a:solidFill>
-                <a:latin typeface="Helvetica Neue" panose="02000503000000020004" pitchFamily="2" charset="0"/>
-                <a:ea typeface="Helvetica Neue" panose="02000503000000020004" pitchFamily="2" charset="0"/>
-                <a:cs typeface="Helvetica Neue" panose="02000503000000020004" pitchFamily="2" charset="0"/>
-              </a:rPr>
-              <a:t>- The Hill</a:t>
-            </a:r>
-          </a:p>
-        </p:txBody>
-      </p:sp>
-      <p:sp>
-        <p:nvSpPr>
-          <p:cNvPr id="7" name="Content Placeholder 2">
-            <a:extLst>
-              <a:ext uri="{FF2B5EF4-FFF2-40B4-BE49-F238E27FC236}">
-                <a16:creationId xmlns:a16="http://schemas.microsoft.com/office/drawing/2014/main" id="{C16D38E6-FD36-A641-B052-149AD511E79C}"/>
-              </a:ext>
-            </a:extLst>
-          </p:cNvPr>
-          <p:cNvSpPr txBox="1">
-            <a:spLocks/>
-          </p:cNvSpPr>
-          <p:nvPr/>
-        </p:nvSpPr>
-        <p:spPr>
-          <a:xfrm>
-            <a:off x="7247088" y="3053657"/>
-            <a:ext cx="4447762" cy="1543845"/>
-          </a:xfrm>
-          <a:prstGeom prst="rect">
-            <a:avLst/>
-          </a:prstGeom>
-        </p:spPr>
-        <p:txBody>
-          <a:bodyPr vert="horz" lIns="91440" tIns="45720" rIns="91440" bIns="45720" rtlCol="0">
-            <a:normAutofit lnSpcReduction="10000"/>
-          </a:bodyPr>
-          <a:lstStyle>
-            <a:lvl1pPr marL="228600" indent="-228600" algn="l" defTabSz="914400" rtl="0" eaLnBrk="1" latinLnBrk="0" hangingPunct="1">
-              <a:lnSpc>
-                <a:spcPct val="90000"/>
-              </a:lnSpc>
-              <a:spcBef>
-                <a:spcPts val="1000"/>
-              </a:spcBef>
-              <a:buFont typeface="Arial" panose="020B0604020202020204" pitchFamily="34" charset="0"/>
-              <a:buChar char="•"/>
-              <a:defRPr sz="2800" kern="1200">
-                <a:solidFill>
-                  <a:schemeClr val="tx1"/>
-                </a:solidFill>
-                <a:latin typeface="+mn-lt"/>
-                <a:ea typeface="+mn-ea"/>
-                <a:cs typeface="+mn-cs"/>
-              </a:defRPr>
-            </a:lvl1pPr>
-            <a:lvl2pPr marL="685800" indent="-228600" algn="l" defTabSz="914400" rtl="0" eaLnBrk="1" latinLnBrk="0" hangingPunct="1">
-              <a:lnSpc>
-                <a:spcPct val="90000"/>
-              </a:lnSpc>
-              <a:spcBef>
-                <a:spcPts val="500"/>
-              </a:spcBef>
-              <a:buFont typeface="Arial" panose="020B0604020202020204" pitchFamily="34" charset="0"/>
-              <a:buChar char="•"/>
-              <a:defRPr sz="2400" kern="1200">
-                <a:solidFill>
-                  <a:schemeClr val="tx1"/>
-                </a:solidFill>
-                <a:latin typeface="+mn-lt"/>
-                <a:ea typeface="+mn-ea"/>
-                <a:cs typeface="+mn-cs"/>
-              </a:defRPr>
-            </a:lvl2pPr>
-            <a:lvl3pPr marL="1143000" indent="-228600" algn="l" defTabSz="914400" rtl="0" eaLnBrk="1" latinLnBrk="0" hangingPunct="1">
-              <a:lnSpc>
-                <a:spcPct val="90000"/>
-              </a:lnSpc>
-              <a:spcBef>
-                <a:spcPts val="500"/>
-              </a:spcBef>
-              <a:buFont typeface="Arial" panose="020B0604020202020204" pitchFamily="34" charset="0"/>
-              <a:buChar char="•"/>
-              <a:defRPr sz="2000" kern="1200">
-                <a:solidFill>
-                  <a:schemeClr val="tx1"/>
-                </a:solidFill>
-                <a:latin typeface="+mn-lt"/>
-                <a:ea typeface="+mn-ea"/>
-                <a:cs typeface="+mn-cs"/>
-              </a:defRPr>
-            </a:lvl3pPr>
-            <a:lvl4pPr marL="1600200" indent="-228600" algn="l" defTabSz="914400" rtl="0" eaLnBrk="1" latinLnBrk="0" hangingPunct="1">
-              <a:lnSpc>
-                <a:spcPct val="90000"/>
-              </a:lnSpc>
-              <a:spcBef>
-                <a:spcPts val="500"/>
-              </a:spcBef>
-              <a:buFont typeface="Arial" panose="020B0604020202020204" pitchFamily="34" charset="0"/>
-              <a:buChar char="•"/>
-              <a:defRPr sz="1800" kern="1200">
-                <a:solidFill>
-                  <a:schemeClr val="tx1"/>
-                </a:solidFill>
-                <a:latin typeface="+mn-lt"/>
-                <a:ea typeface="+mn-ea"/>
-                <a:cs typeface="+mn-cs"/>
-              </a:defRPr>
-            </a:lvl4pPr>
-            <a:lvl5pPr marL="2057400" indent="-228600" algn="l" defTabSz="914400" rtl="0" eaLnBrk="1" latinLnBrk="0" hangingPunct="1">
-              <a:lnSpc>
-                <a:spcPct val="90000"/>
-              </a:lnSpc>
-              <a:spcBef>
-                <a:spcPts val="500"/>
-              </a:spcBef>
-              <a:buFont typeface="Arial" panose="020B0604020202020204" pitchFamily="34" charset="0"/>
-              <a:buChar char="•"/>
-              <a:defRPr sz="1800" kern="1200">
-                <a:solidFill>
-                  <a:schemeClr val="tx1"/>
-                </a:solidFill>
-                <a:latin typeface="+mn-lt"/>
-                <a:ea typeface="+mn-ea"/>
-                <a:cs typeface="+mn-cs"/>
-              </a:defRPr>
-            </a:lvl5pPr>
-            <a:lvl6pPr marL="2514600" indent="-228600" algn="l" defTabSz="914400" rtl="0" eaLnBrk="1" latinLnBrk="0" hangingPunct="1">
-              <a:lnSpc>
-                <a:spcPct val="90000"/>
-              </a:lnSpc>
-              <a:spcBef>
-                <a:spcPts val="500"/>
-              </a:spcBef>
-              <a:buFont typeface="Arial" panose="020B0604020202020204" pitchFamily="34" charset="0"/>
-              <a:buChar char="•"/>
-              <a:defRPr sz="1800" kern="1200">
-                <a:solidFill>
-                  <a:schemeClr val="tx1"/>
-                </a:solidFill>
-                <a:latin typeface="+mn-lt"/>
-                <a:ea typeface="+mn-ea"/>
-                <a:cs typeface="+mn-cs"/>
-              </a:defRPr>
-            </a:lvl6pPr>
-            <a:lvl7pPr marL="2971800" indent="-228600" algn="l" defTabSz="914400" rtl="0" eaLnBrk="1" latinLnBrk="0" hangingPunct="1">
-              <a:lnSpc>
-                <a:spcPct val="90000"/>
-              </a:lnSpc>
-              <a:spcBef>
-                <a:spcPts val="500"/>
-              </a:spcBef>
-              <a:buFont typeface="Arial" panose="020B0604020202020204" pitchFamily="34" charset="0"/>
-              <a:buChar char="•"/>
-              <a:defRPr sz="1800" kern="1200">
-                <a:solidFill>
-                  <a:schemeClr val="tx1"/>
-                </a:solidFill>
-                <a:latin typeface="+mn-lt"/>
-                <a:ea typeface="+mn-ea"/>
-                <a:cs typeface="+mn-cs"/>
-              </a:defRPr>
-            </a:lvl7pPr>
-            <a:lvl8pPr marL="3429000" indent="-228600" algn="l" defTabSz="914400" rtl="0" eaLnBrk="1" latinLnBrk="0" hangingPunct="1">
-              <a:lnSpc>
-                <a:spcPct val="90000"/>
-              </a:lnSpc>
-              <a:spcBef>
-                <a:spcPts val="500"/>
-              </a:spcBef>
-              <a:buFont typeface="Arial" panose="020B0604020202020204" pitchFamily="34" charset="0"/>
-              <a:buChar char="•"/>
-              <a:defRPr sz="1800" kern="1200">
-                <a:solidFill>
-                  <a:schemeClr val="tx1"/>
-                </a:solidFill>
-                <a:latin typeface="+mn-lt"/>
-                <a:ea typeface="+mn-ea"/>
-                <a:cs typeface="+mn-cs"/>
-              </a:defRPr>
-            </a:lvl8pPr>
-            <a:lvl9pPr marL="3886200" indent="-228600" algn="l" defTabSz="914400" rtl="0" eaLnBrk="1" latinLnBrk="0" hangingPunct="1">
-              <a:lnSpc>
-                <a:spcPct val="90000"/>
-              </a:lnSpc>
-              <a:spcBef>
-                <a:spcPts val="500"/>
-              </a:spcBef>
-              <a:buFont typeface="Arial" panose="020B0604020202020204" pitchFamily="34" charset="0"/>
-              <a:buChar char="•"/>
-              <a:defRPr sz="1800" kern="1200">
-                <a:solidFill>
-                  <a:schemeClr val="tx1"/>
-                </a:solidFill>
-                <a:latin typeface="+mn-lt"/>
-                <a:ea typeface="+mn-ea"/>
-                <a:cs typeface="+mn-cs"/>
-              </a:defRPr>
-            </a:lvl9pPr>
-          </a:lstStyle>
-          <a:p>
-            <a:pPr marL="0" indent="0">
-              <a:buNone/>
-            </a:pPr>
-            <a:r>
-              <a:rPr lang="en-US" b="1" dirty="0">
-                <a:solidFill>
-                  <a:schemeClr val="bg1"/>
-                </a:solidFill>
-                <a:latin typeface="Times New Roman" panose="02020603050405020304" pitchFamily="18" charset="0"/>
-                <a:ea typeface="Helvetica Neue" panose="02000503000000020004" pitchFamily="2" charset="0"/>
-                <a:cs typeface="Times New Roman" panose="02020603050405020304" pitchFamily="18" charset="0"/>
-              </a:rPr>
-              <a:t>“Drop bitcoin as legal tender, IMF urges El Salvador”</a:t>
-            </a:r>
-          </a:p>
-          <a:p>
-            <a:pPr marL="0" indent="0">
-              <a:buFont typeface="Arial" panose="020B0604020202020204" pitchFamily="34" charset="0"/>
-              <a:buNone/>
-            </a:pPr>
-            <a:r>
-              <a:rPr lang="en-US" sz="2000" b="1" dirty="0">
-                <a:solidFill>
-                  <a:schemeClr val="bg1"/>
-                </a:solidFill>
-                <a:latin typeface="Helvetica Neue" panose="02000503000000020004" pitchFamily="2" charset="0"/>
-                <a:ea typeface="Helvetica Neue" panose="02000503000000020004" pitchFamily="2" charset="0"/>
-                <a:cs typeface="Helvetica Neue" panose="02000503000000020004" pitchFamily="2" charset="0"/>
-              </a:rPr>
-              <a:t>- CNBC</a:t>
-            </a:r>
-          </a:p>
-        </p:txBody>
-      </p:sp>
+      </p:pic>
     </p:spTree>
     <p:extLst>
       <p:ext uri="{BB962C8B-B14F-4D97-AF65-F5344CB8AC3E}">
-        <p14:creationId xmlns:p14="http://schemas.microsoft.com/office/powerpoint/2010/main" val="3588495441"/>
+        <p14:creationId xmlns:p14="http://schemas.microsoft.com/office/powerpoint/2010/main" val="737436523"/>
       </p:ext>
     </p:extLst>
   </p:cSld>
@@ -7375,7 +6667,12 @@
             <p:ph type="title"/>
           </p:nvPr>
         </p:nvSpPr>
-        <p:spPr/>
+        <p:spPr>
+          <a:xfrm>
+            <a:off x="838200" y="285223"/>
+            <a:ext cx="10515600" cy="1325563"/>
+          </a:xfrm>
+        </p:spPr>
         <p:txBody>
           <a:bodyPr/>
           <a:lstStyle/>
@@ -7389,119 +6686,17 @@
                 <a:ea typeface="Helvetica Neue" panose="02000503000000020004" pitchFamily="2" charset="0"/>
                 <a:cs typeface="Helvetica Neue" panose="02000503000000020004" pitchFamily="2" charset="0"/>
               </a:rPr>
-              <a:t>Fractional Banking</a:t>
-            </a:r>
-          </a:p>
-        </p:txBody>
-      </p:sp>
-      <p:sp>
-        <p:nvSpPr>
-          <p:cNvPr id="3" name="Content Placeholder 2">
-            <a:extLst>
-              <a:ext uri="{FF2B5EF4-FFF2-40B4-BE49-F238E27FC236}">
-                <a16:creationId xmlns:a16="http://schemas.microsoft.com/office/drawing/2014/main" id="{AEAD33A4-EE6B-8145-AC73-578592755746}"/>
-              </a:ext>
-            </a:extLst>
-          </p:cNvPr>
-          <p:cNvSpPr>
-            <a:spLocks noGrp="1"/>
-          </p:cNvSpPr>
-          <p:nvPr>
-            <p:ph idx="1"/>
-          </p:nvPr>
-        </p:nvSpPr>
-        <p:spPr>
-          <a:xfrm>
-            <a:off x="838200" y="1825625"/>
-            <a:ext cx="4165643" cy="4699462"/>
-          </a:xfrm>
-        </p:spPr>
-        <p:txBody>
-          <a:bodyPr>
-            <a:normAutofit fontScale="92500" lnSpcReduction="10000"/>
-          </a:bodyPr>
-          <a:lstStyle/>
-          <a:p>
-            <a:r>
-              <a:rPr lang="en-US" sz="3200" b="1" dirty="0">
-                <a:solidFill>
-                  <a:schemeClr val="bg1"/>
-                </a:solidFill>
-                <a:latin typeface="Helvetica Neue" panose="02000503000000020004" pitchFamily="2" charset="0"/>
-                <a:ea typeface="Helvetica Neue" panose="02000503000000020004" pitchFamily="2" charset="0"/>
-                <a:cs typeface="Helvetica Neue" panose="02000503000000020004" pitchFamily="2" charset="0"/>
-              </a:rPr>
-              <a:t>Central bank prints money</a:t>
-            </a:r>
-            <a:endParaRPr lang="en-US" sz="2000" b="1" dirty="0">
-              <a:solidFill>
-                <a:schemeClr val="bg1"/>
-              </a:solidFill>
-              <a:latin typeface="Helvetica Neue" panose="02000503000000020004" pitchFamily="2" charset="0"/>
-              <a:ea typeface="Helvetica Neue" panose="02000503000000020004" pitchFamily="2" charset="0"/>
-              <a:cs typeface="Helvetica Neue" panose="02000503000000020004" pitchFamily="2" charset="0"/>
-            </a:endParaRPr>
-          </a:p>
-          <a:p>
-            <a:r>
-              <a:rPr lang="en-US" sz="3200" b="1" dirty="0">
-                <a:solidFill>
-                  <a:schemeClr val="bg1"/>
-                </a:solidFill>
-                <a:latin typeface="Helvetica Neue" panose="02000503000000020004" pitchFamily="2" charset="0"/>
-                <a:ea typeface="Helvetica Neue" panose="02000503000000020004" pitchFamily="2" charset="0"/>
-                <a:cs typeface="Helvetica Neue" panose="02000503000000020004" pitchFamily="2" charset="0"/>
-              </a:rPr>
-              <a:t>Lends money to private banks</a:t>
-            </a:r>
-          </a:p>
-          <a:p>
-            <a:r>
-              <a:rPr lang="en-US" sz="3200" b="1" dirty="0">
-                <a:solidFill>
-                  <a:schemeClr val="bg1"/>
-                </a:solidFill>
-                <a:latin typeface="Helvetica Neue" panose="02000503000000020004" pitchFamily="2" charset="0"/>
-                <a:ea typeface="Helvetica Neue" panose="02000503000000020004" pitchFamily="2" charset="0"/>
-                <a:cs typeface="Helvetica Neue" panose="02000503000000020004" pitchFamily="2" charset="0"/>
-              </a:rPr>
-              <a:t>Private banks lend to businesses</a:t>
-            </a:r>
-          </a:p>
-          <a:p>
-            <a:r>
-              <a:rPr lang="en-US" sz="3200" b="1" dirty="0">
-                <a:solidFill>
-                  <a:schemeClr val="bg1"/>
-                </a:solidFill>
-                <a:latin typeface="Helvetica Neue" panose="02000503000000020004" pitchFamily="2" charset="0"/>
-                <a:ea typeface="Helvetica Neue" panose="02000503000000020004" pitchFamily="2" charset="0"/>
-                <a:cs typeface="Helvetica Neue" panose="02000503000000020004" pitchFamily="2" charset="0"/>
-              </a:rPr>
-              <a:t>Money repaid destroys printed capital</a:t>
-            </a:r>
-          </a:p>
-          <a:p>
-            <a:r>
-              <a:rPr lang="en-US" sz="3200" b="1" dirty="0">
-                <a:solidFill>
-                  <a:schemeClr val="bg1"/>
-                </a:solidFill>
-                <a:latin typeface="Helvetica Neue" panose="02000503000000020004" pitchFamily="2" charset="0"/>
-                <a:ea typeface="Helvetica Neue" panose="02000503000000020004" pitchFamily="2" charset="0"/>
-                <a:cs typeface="Helvetica Neue" panose="02000503000000020004" pitchFamily="2" charset="0"/>
-              </a:rPr>
-              <a:t>Only interest remains</a:t>
+              <a:t>Blockchain</a:t>
             </a:r>
           </a:p>
         </p:txBody>
       </p:sp>
       <p:pic>
         <p:nvPicPr>
-          <p:cNvPr id="5" name="Picture 4">
-            <a:extLst>
-              <a:ext uri="{FF2B5EF4-FFF2-40B4-BE49-F238E27FC236}">
-                <a16:creationId xmlns:a16="http://schemas.microsoft.com/office/drawing/2014/main" id="{AF0C93A1-47E5-034D-848A-C14C5F3AAB29}"/>
+          <p:cNvPr id="8" name="Picture 7">
+            <a:extLst>
+              <a:ext uri="{FF2B5EF4-FFF2-40B4-BE49-F238E27FC236}">
+                <a16:creationId xmlns:a16="http://schemas.microsoft.com/office/drawing/2014/main" id="{9F93D476-C22E-C542-8A25-4305BDEDB078}"/>
               </a:ext>
             </a:extLst>
           </p:cNvPr>
@@ -7518,8 +6713,8 @@
         </p:blipFill>
         <p:spPr>
           <a:xfrm>
-            <a:off x="5003843" y="1825625"/>
-            <a:ext cx="7045038" cy="4596352"/>
+            <a:off x="1920735" y="1420427"/>
+            <a:ext cx="8350530" cy="5219082"/>
           </a:xfrm>
           <a:prstGeom prst="rect">
             <a:avLst/>
@@ -7529,7 +6724,7 @@
     </p:spTree>
     <p:extLst>
       <p:ext uri="{BB962C8B-B14F-4D97-AF65-F5344CB8AC3E}">
-        <p14:creationId xmlns:p14="http://schemas.microsoft.com/office/powerpoint/2010/main" val="737436523"/>
+        <p14:creationId xmlns:p14="http://schemas.microsoft.com/office/powerpoint/2010/main" val="1528669762"/>
       </p:ext>
     </p:extLst>
   </p:cSld>
@@ -7582,7 +6777,7 @@
         </p:nvSpPr>
         <p:spPr>
           <a:xfrm>
-            <a:off x="838200" y="285223"/>
+            <a:off x="838200" y="587068"/>
             <a:ext cx="10515600" cy="1325563"/>
           </a:xfrm>
         </p:spPr>
@@ -7599,45 +6794,155 @@
                 <a:ea typeface="Helvetica Neue" panose="02000503000000020004" pitchFamily="2" charset="0"/>
                 <a:cs typeface="Helvetica Neue" panose="02000503000000020004" pitchFamily="2" charset="0"/>
               </a:rPr>
-              <a:t>Blockchain</a:t>
-            </a:r>
-          </a:p>
-        </p:txBody>
-      </p:sp>
-      <p:pic>
-        <p:nvPicPr>
-          <p:cNvPr id="8" name="Picture 7">
-            <a:extLst>
-              <a:ext uri="{FF2B5EF4-FFF2-40B4-BE49-F238E27FC236}">
-                <a16:creationId xmlns:a16="http://schemas.microsoft.com/office/drawing/2014/main" id="{9F93D476-C22E-C542-8A25-4305BDEDB078}"/>
-              </a:ext>
-            </a:extLst>
-          </p:cNvPr>
-          <p:cNvPicPr>
-            <a:picLocks noChangeAspect="1"/>
-          </p:cNvPicPr>
-          <p:nvPr/>
-        </p:nvPicPr>
-        <p:blipFill>
-          <a:blip r:embed="rId2"/>
-          <a:stretch>
-            <a:fillRect/>
-          </a:stretch>
-        </p:blipFill>
+              <a:t>How Might Cryptocurrency Affect the Wider Economy?</a:t>
+            </a:r>
+          </a:p>
+        </p:txBody>
+      </p:sp>
+      <p:sp>
+        <p:nvSpPr>
+          <p:cNvPr id="3" name="Content Placeholder 2">
+            <a:extLst>
+              <a:ext uri="{FF2B5EF4-FFF2-40B4-BE49-F238E27FC236}">
+                <a16:creationId xmlns:a16="http://schemas.microsoft.com/office/drawing/2014/main" id="{AEAD33A4-EE6B-8145-AC73-578592755746}"/>
+              </a:ext>
+            </a:extLst>
+          </p:cNvPr>
+          <p:cNvSpPr>
+            <a:spLocks noGrp="1"/>
+          </p:cNvSpPr>
+          <p:nvPr>
+            <p:ph idx="1"/>
+          </p:nvPr>
+        </p:nvSpPr>
         <p:spPr>
           <a:xfrm>
-            <a:off x="1920735" y="1420427"/>
-            <a:ext cx="8350530" cy="5219082"/>
+            <a:off x="909954" y="2573488"/>
+            <a:ext cx="10443846" cy="4058131"/>
           </a:xfrm>
-          <a:prstGeom prst="rect">
-            <a:avLst/>
-          </a:prstGeom>
         </p:spPr>
-      </p:pic>
+        <p:txBody>
+          <a:bodyPr>
+            <a:normAutofit/>
+          </a:bodyPr>
+          <a:lstStyle/>
+          <a:p>
+            <a:r>
+              <a:rPr lang="en-US" sz="3600" b="1" dirty="0">
+                <a:solidFill>
+                  <a:schemeClr val="bg1"/>
+                </a:solidFill>
+                <a:latin typeface="Helvetica Neue" panose="02000503000000020004" pitchFamily="2" charset="0"/>
+                <a:ea typeface="Helvetica Neue" panose="02000503000000020004" pitchFamily="2" charset="0"/>
+                <a:cs typeface="Helvetica Neue" panose="02000503000000020004" pitchFamily="2" charset="0"/>
+              </a:rPr>
+              <a:t>Size – </a:t>
+            </a:r>
+            <a:r>
+              <a:rPr lang="en-US" sz="3600" b="1" i="1" dirty="0">
+                <a:solidFill>
+                  <a:schemeClr val="bg1"/>
+                </a:solidFill>
+                <a:latin typeface="Helvetica Neue" panose="02000503000000020004" pitchFamily="2" charset="0"/>
+                <a:ea typeface="Helvetica Neue" panose="02000503000000020004" pitchFamily="2" charset="0"/>
+                <a:cs typeface="Helvetica Neue" panose="02000503000000020004" pitchFamily="2" charset="0"/>
+              </a:rPr>
+              <a:t>Market </a:t>
+            </a:r>
+            <a:r>
+              <a:rPr lang="en-US" sz="3600" b="1" i="1" dirty="0" err="1">
+                <a:solidFill>
+                  <a:schemeClr val="bg1"/>
+                </a:solidFill>
+                <a:latin typeface="Helvetica Neue" panose="02000503000000020004" pitchFamily="2" charset="0"/>
+                <a:ea typeface="Helvetica Neue" panose="02000503000000020004" pitchFamily="2" charset="0"/>
+                <a:cs typeface="Helvetica Neue" panose="02000503000000020004" pitchFamily="2" charset="0"/>
+              </a:rPr>
+              <a:t>Capitalisation</a:t>
+            </a:r>
+            <a:endParaRPr lang="en-US" sz="3600" b="1" i="1" dirty="0">
+              <a:solidFill>
+                <a:schemeClr val="bg1"/>
+              </a:solidFill>
+              <a:latin typeface="Helvetica Neue" panose="02000503000000020004" pitchFamily="2" charset="0"/>
+              <a:ea typeface="Helvetica Neue" panose="02000503000000020004" pitchFamily="2" charset="0"/>
+              <a:cs typeface="Helvetica Neue" panose="02000503000000020004" pitchFamily="2" charset="0"/>
+            </a:endParaRPr>
+          </a:p>
+          <a:p>
+            <a:endParaRPr lang="en-US" sz="2000" b="1" i="1" dirty="0">
+              <a:solidFill>
+                <a:schemeClr val="bg1"/>
+              </a:solidFill>
+              <a:latin typeface="Helvetica Neue" panose="02000503000000020004" pitchFamily="2" charset="0"/>
+              <a:ea typeface="Helvetica Neue" panose="02000503000000020004" pitchFamily="2" charset="0"/>
+              <a:cs typeface="Helvetica Neue" panose="02000503000000020004" pitchFamily="2" charset="0"/>
+            </a:endParaRPr>
+          </a:p>
+          <a:p>
+            <a:r>
+              <a:rPr lang="en-US" sz="3600" b="1" dirty="0">
+                <a:solidFill>
+                  <a:schemeClr val="bg1"/>
+                </a:solidFill>
+                <a:latin typeface="Helvetica Neue" panose="02000503000000020004" pitchFamily="2" charset="0"/>
+                <a:ea typeface="Helvetica Neue" panose="02000503000000020004" pitchFamily="2" charset="0"/>
+                <a:cs typeface="Helvetica Neue" panose="02000503000000020004" pitchFamily="2" charset="0"/>
+              </a:rPr>
+              <a:t>Interconnectivity with Mainstream Markets - </a:t>
+            </a:r>
+            <a:r>
+              <a:rPr lang="en-US" sz="3600" b="1" i="1" dirty="0">
+                <a:solidFill>
+                  <a:schemeClr val="bg1"/>
+                </a:solidFill>
+                <a:latin typeface="Helvetica Neue" panose="02000503000000020004" pitchFamily="2" charset="0"/>
+                <a:ea typeface="Helvetica Neue" panose="02000503000000020004" pitchFamily="2" charset="0"/>
+                <a:cs typeface="Helvetica Neue" panose="02000503000000020004" pitchFamily="2" charset="0"/>
+              </a:rPr>
+              <a:t>Correlation</a:t>
+            </a:r>
+            <a:r>
+              <a:rPr lang="en-US" sz="3600" b="1" dirty="0">
+                <a:solidFill>
+                  <a:schemeClr val="bg1"/>
+                </a:solidFill>
+                <a:latin typeface="Helvetica Neue" panose="02000503000000020004" pitchFamily="2" charset="0"/>
+                <a:ea typeface="Helvetica Neue" panose="02000503000000020004" pitchFamily="2" charset="0"/>
+                <a:cs typeface="Helvetica Neue" panose="02000503000000020004" pitchFamily="2" charset="0"/>
+              </a:rPr>
+              <a:t> </a:t>
+            </a:r>
+          </a:p>
+          <a:p>
+            <a:endParaRPr lang="en-US" sz="2000" b="1" dirty="0">
+              <a:solidFill>
+                <a:schemeClr val="bg1"/>
+              </a:solidFill>
+              <a:latin typeface="Helvetica Neue" panose="02000503000000020004" pitchFamily="2" charset="0"/>
+              <a:ea typeface="Helvetica Neue" panose="02000503000000020004" pitchFamily="2" charset="0"/>
+              <a:cs typeface="Helvetica Neue" panose="02000503000000020004" pitchFamily="2" charset="0"/>
+            </a:endParaRPr>
+          </a:p>
+          <a:p>
+            <a:r>
+              <a:rPr lang="en-US" sz="3600" b="1" dirty="0">
+                <a:solidFill>
+                  <a:schemeClr val="bg1"/>
+                </a:solidFill>
+                <a:latin typeface="Helvetica Neue" panose="02000503000000020004" pitchFamily="2" charset="0"/>
+                <a:ea typeface="Helvetica Neue" panose="02000503000000020004" pitchFamily="2" charset="0"/>
+                <a:cs typeface="Helvetica Neue" panose="02000503000000020004" pitchFamily="2" charset="0"/>
+              </a:rPr>
+              <a:t>Volatility</a:t>
+            </a:r>
+          </a:p>
+        </p:txBody>
+      </p:sp>
     </p:spTree>
     <p:extLst>
       <p:ext uri="{BB962C8B-B14F-4D97-AF65-F5344CB8AC3E}">
-        <p14:creationId xmlns:p14="http://schemas.microsoft.com/office/powerpoint/2010/main" val="1528669762"/>
+        <p14:creationId xmlns:p14="http://schemas.microsoft.com/office/powerpoint/2010/main" val="961964027"/>
       </p:ext>
     </p:extLst>
   </p:cSld>
@@ -7672,52 +6977,12 @@
           <a:chExt cx="0" cy="0"/>
         </a:xfrm>
       </p:grpSpPr>
-      <p:sp>
-        <p:nvSpPr>
-          <p:cNvPr id="2" name="Title 1">
-            <a:extLst>
-              <a:ext uri="{FF2B5EF4-FFF2-40B4-BE49-F238E27FC236}">
-                <a16:creationId xmlns:a16="http://schemas.microsoft.com/office/drawing/2014/main" id="{31C71DE5-A63D-E34A-9605-F43285D2548A}"/>
-              </a:ext>
-            </a:extLst>
-          </p:cNvPr>
-          <p:cNvSpPr>
-            <a:spLocks noGrp="1"/>
-          </p:cNvSpPr>
-          <p:nvPr>
-            <p:ph type="title"/>
-          </p:nvPr>
-        </p:nvSpPr>
-        <p:spPr>
-          <a:xfrm>
-            <a:off x="838200" y="276346"/>
-            <a:ext cx="10515600" cy="1325563"/>
-          </a:xfrm>
-        </p:spPr>
-        <p:txBody>
-          <a:bodyPr/>
-          <a:lstStyle/>
-          <a:p>
-            <a:r>
-              <a:rPr lang="en-US" b="1" dirty="0">
-                <a:solidFill>
-                  <a:schemeClr val="bg1"/>
-                </a:solidFill>
-                <a:latin typeface="Helvetica Neue" panose="02000503000000020004" pitchFamily="2" charset="0"/>
-                <a:ea typeface="Helvetica Neue" panose="02000503000000020004" pitchFamily="2" charset="0"/>
-                <a:cs typeface="Helvetica Neue" panose="02000503000000020004" pitchFamily="2" charset="0"/>
-              </a:rPr>
-              <a:t>Blockchain</a:t>
-            </a:r>
-          </a:p>
-        </p:txBody>
-      </p:sp>
       <p:pic>
         <p:nvPicPr>
-          <p:cNvPr id="9" name="Picture 8">
-            <a:extLst>
-              <a:ext uri="{FF2B5EF4-FFF2-40B4-BE49-F238E27FC236}">
-                <a16:creationId xmlns:a16="http://schemas.microsoft.com/office/drawing/2014/main" id="{8C1771E1-D0F6-D44B-8FAD-7F90C1D209C2}"/>
+          <p:cNvPr id="27" name="Picture 26">
+            <a:extLst>
+              <a:ext uri="{FF2B5EF4-FFF2-40B4-BE49-F238E27FC236}">
+                <a16:creationId xmlns:a16="http://schemas.microsoft.com/office/drawing/2014/main" id="{B29DAAF0-C90B-E84A-BD40-F03FF29E6DCC}"/>
               </a:ext>
             </a:extLst>
           </p:cNvPr>
@@ -7734,18 +6999,452 @@
         </p:blipFill>
         <p:spPr>
           <a:xfrm>
-            <a:off x="1965457" y="1514037"/>
-            <a:ext cx="8261086" cy="5127203"/>
+            <a:off x="8841453" y="3790837"/>
+            <a:ext cx="2605596" cy="2605596"/>
           </a:xfrm>
           <a:prstGeom prst="rect">
             <a:avLst/>
           </a:prstGeom>
         </p:spPr>
       </p:pic>
+      <p:pic>
+        <p:nvPicPr>
+          <p:cNvPr id="31" name="Picture 30">
+            <a:extLst>
+              <a:ext uri="{FF2B5EF4-FFF2-40B4-BE49-F238E27FC236}">
+                <a16:creationId xmlns:a16="http://schemas.microsoft.com/office/drawing/2014/main" id="{85E9D937-1F01-2F4C-9517-56B8D84B3096}"/>
+              </a:ext>
+            </a:extLst>
+          </p:cNvPr>
+          <p:cNvPicPr>
+            <a:picLocks noChangeAspect="1"/>
+          </p:cNvPicPr>
+          <p:nvPr/>
+        </p:nvPicPr>
+        <p:blipFill>
+          <a:blip r:embed="rId3"/>
+          <a:stretch>
+            <a:fillRect/>
+          </a:stretch>
+        </p:blipFill>
+        <p:spPr>
+          <a:xfrm>
+            <a:off x="9770392" y="1375224"/>
+            <a:ext cx="2032247" cy="2032247"/>
+          </a:xfrm>
+          <a:prstGeom prst="rect">
+            <a:avLst/>
+          </a:prstGeom>
+        </p:spPr>
+      </p:pic>
+      <p:pic>
+        <p:nvPicPr>
+          <p:cNvPr id="35" name="Picture 34">
+            <a:extLst>
+              <a:ext uri="{FF2B5EF4-FFF2-40B4-BE49-F238E27FC236}">
+                <a16:creationId xmlns:a16="http://schemas.microsoft.com/office/drawing/2014/main" id="{EE9FD845-BC9E-5B49-B4BA-3214755C9677}"/>
+              </a:ext>
+            </a:extLst>
+          </p:cNvPr>
+          <p:cNvPicPr>
+            <a:picLocks noChangeAspect="1"/>
+          </p:cNvPicPr>
+          <p:nvPr/>
+        </p:nvPicPr>
+        <p:blipFill>
+          <a:blip r:embed="rId4"/>
+          <a:stretch>
+            <a:fillRect/>
+          </a:stretch>
+        </p:blipFill>
+        <p:spPr>
+          <a:xfrm>
+            <a:off x="6704490" y="446769"/>
+            <a:ext cx="2800905" cy="2800905"/>
+          </a:xfrm>
+          <a:prstGeom prst="rect">
+            <a:avLst/>
+          </a:prstGeom>
+        </p:spPr>
+      </p:pic>
+      <p:pic>
+        <p:nvPicPr>
+          <p:cNvPr id="37" name="Picture 36">
+            <a:extLst>
+              <a:ext uri="{FF2B5EF4-FFF2-40B4-BE49-F238E27FC236}">
+                <a16:creationId xmlns:a16="http://schemas.microsoft.com/office/drawing/2014/main" id="{35BF15A9-4B4C-2346-A94A-B879A5429499}"/>
+              </a:ext>
+            </a:extLst>
+          </p:cNvPr>
+          <p:cNvPicPr>
+            <a:picLocks noChangeAspect="1"/>
+          </p:cNvPicPr>
+          <p:nvPr/>
+        </p:nvPicPr>
+        <p:blipFill>
+          <a:blip r:embed="rId5"/>
+          <a:stretch>
+            <a:fillRect/>
+          </a:stretch>
+        </p:blipFill>
+        <p:spPr>
+          <a:xfrm>
+            <a:off x="5900061" y="2663212"/>
+            <a:ext cx="2324273" cy="3650651"/>
+          </a:xfrm>
+          <a:prstGeom prst="rect">
+            <a:avLst/>
+          </a:prstGeom>
+        </p:spPr>
+      </p:pic>
+      <p:pic>
+        <p:nvPicPr>
+          <p:cNvPr id="8" name="Picture 7">
+            <a:extLst>
+              <a:ext uri="{FF2B5EF4-FFF2-40B4-BE49-F238E27FC236}">
+                <a16:creationId xmlns:a16="http://schemas.microsoft.com/office/drawing/2014/main" id="{637C4370-9AF0-5741-82C5-6B1415A07D3A}"/>
+              </a:ext>
+            </a:extLst>
+          </p:cNvPr>
+          <p:cNvPicPr>
+            <a:picLocks noChangeAspect="1"/>
+          </p:cNvPicPr>
+          <p:nvPr/>
+        </p:nvPicPr>
+        <p:blipFill>
+          <a:blip r:embed="rId6"/>
+          <a:stretch>
+            <a:fillRect/>
+          </a:stretch>
+        </p:blipFill>
+        <p:spPr>
+          <a:xfrm>
+            <a:off x="3594498" y="1375224"/>
+            <a:ext cx="2852845" cy="2852845"/>
+          </a:xfrm>
+          <a:prstGeom prst="rect">
+            <a:avLst/>
+          </a:prstGeom>
+        </p:spPr>
+      </p:pic>
+      <p:pic>
+        <p:nvPicPr>
+          <p:cNvPr id="18" name="Picture 17">
+            <a:extLst>
+              <a:ext uri="{FF2B5EF4-FFF2-40B4-BE49-F238E27FC236}">
+                <a16:creationId xmlns:a16="http://schemas.microsoft.com/office/drawing/2014/main" id="{89725D52-7B95-4E43-8796-563D4AA46731}"/>
+              </a:ext>
+            </a:extLst>
+          </p:cNvPr>
+          <p:cNvPicPr>
+            <a:picLocks noChangeAspect="1"/>
+          </p:cNvPicPr>
+          <p:nvPr/>
+        </p:nvPicPr>
+        <p:blipFill>
+          <a:blip r:embed="rId7"/>
+          <a:stretch>
+            <a:fillRect/>
+          </a:stretch>
+        </p:blipFill>
+        <p:spPr>
+          <a:xfrm>
+            <a:off x="838200" y="3182716"/>
+            <a:ext cx="3542190" cy="3542190"/>
+          </a:xfrm>
+          <a:prstGeom prst="rect">
+            <a:avLst/>
+          </a:prstGeom>
+        </p:spPr>
+      </p:pic>
+      <p:sp>
+        <p:nvSpPr>
+          <p:cNvPr id="2" name="Title 1">
+            <a:extLst>
+              <a:ext uri="{FF2B5EF4-FFF2-40B4-BE49-F238E27FC236}">
+                <a16:creationId xmlns:a16="http://schemas.microsoft.com/office/drawing/2014/main" id="{31C71DE5-A63D-E34A-9605-F43285D2548A}"/>
+              </a:ext>
+            </a:extLst>
+          </p:cNvPr>
+          <p:cNvSpPr>
+            <a:spLocks noGrp="1"/>
+          </p:cNvSpPr>
+          <p:nvPr>
+            <p:ph type="title"/>
+          </p:nvPr>
+        </p:nvSpPr>
+        <p:spPr/>
+        <p:txBody>
+          <a:bodyPr/>
+          <a:lstStyle/>
+          <a:p>
+            <a:r>
+              <a:rPr lang="en-US" b="1" dirty="0">
+                <a:solidFill>
+                  <a:schemeClr val="bg1"/>
+                </a:solidFill>
+                <a:latin typeface="Helvetica Neue" panose="02000503000000020004" pitchFamily="2" charset="0"/>
+                <a:ea typeface="Helvetica Neue" panose="02000503000000020004" pitchFamily="2" charset="0"/>
+                <a:cs typeface="Helvetica Neue" panose="02000503000000020004" pitchFamily="2" charset="0"/>
+              </a:rPr>
+              <a:t>Cryptocurrencies</a:t>
+            </a:r>
+          </a:p>
+        </p:txBody>
+      </p:sp>
+      <p:sp>
+        <p:nvSpPr>
+          <p:cNvPr id="3" name="Content Placeholder 2">
+            <a:extLst>
+              <a:ext uri="{FF2B5EF4-FFF2-40B4-BE49-F238E27FC236}">
+                <a16:creationId xmlns:a16="http://schemas.microsoft.com/office/drawing/2014/main" id="{AEAD33A4-EE6B-8145-AC73-578592755746}"/>
+              </a:ext>
+            </a:extLst>
+          </p:cNvPr>
+          <p:cNvSpPr>
+            <a:spLocks noGrp="1"/>
+          </p:cNvSpPr>
+          <p:nvPr>
+            <p:ph idx="1"/>
+          </p:nvPr>
+        </p:nvSpPr>
+        <p:spPr>
+          <a:xfrm>
+            <a:off x="838200" y="1773680"/>
+            <a:ext cx="10515600" cy="4459769"/>
+          </a:xfrm>
+        </p:spPr>
+        <p:txBody>
+          <a:bodyPr>
+            <a:normAutofit fontScale="92500" lnSpcReduction="20000"/>
+          </a:bodyPr>
+          <a:lstStyle/>
+          <a:p>
+            <a:pPr>
+              <a:spcAft>
+                <a:spcPts val="1000"/>
+              </a:spcAft>
+            </a:pPr>
+            <a:r>
+              <a:rPr lang="en-US" sz="3200" b="1" dirty="0">
+                <a:solidFill>
+                  <a:schemeClr val="bg1"/>
+                </a:solidFill>
+                <a:latin typeface="Helvetica Neue" panose="02000503000000020004" pitchFamily="2" charset="0"/>
+                <a:ea typeface="Helvetica Neue" panose="02000503000000020004" pitchFamily="2" charset="0"/>
+                <a:cs typeface="Helvetica Neue" panose="02000503000000020004" pitchFamily="2" charset="0"/>
+              </a:rPr>
+              <a:t>Bitcoin (BTC)</a:t>
+            </a:r>
+            <a:endParaRPr lang="en-US" sz="1300" b="1" dirty="0">
+              <a:solidFill>
+                <a:schemeClr val="bg1"/>
+              </a:solidFill>
+              <a:latin typeface="Helvetica Neue" panose="02000503000000020004" pitchFamily="2" charset="0"/>
+              <a:ea typeface="Helvetica Neue" panose="02000503000000020004" pitchFamily="2" charset="0"/>
+              <a:cs typeface="Helvetica Neue" panose="02000503000000020004" pitchFamily="2" charset="0"/>
+            </a:endParaRPr>
+          </a:p>
+          <a:p>
+            <a:pPr>
+              <a:spcAft>
+                <a:spcPts val="1000"/>
+              </a:spcAft>
+            </a:pPr>
+            <a:r>
+              <a:rPr lang="en-US" sz="3200" b="1" dirty="0">
+                <a:solidFill>
+                  <a:schemeClr val="bg1"/>
+                </a:solidFill>
+                <a:latin typeface="Helvetica Neue" panose="02000503000000020004" pitchFamily="2" charset="0"/>
+                <a:ea typeface="Helvetica Neue" panose="02000503000000020004" pitchFamily="2" charset="0"/>
+                <a:cs typeface="Helvetica Neue" panose="02000503000000020004" pitchFamily="2" charset="0"/>
+              </a:rPr>
+              <a:t>Ethereum (ETH)</a:t>
+            </a:r>
+          </a:p>
+          <a:p>
+            <a:pPr>
+              <a:spcAft>
+                <a:spcPts val="1000"/>
+              </a:spcAft>
+            </a:pPr>
+            <a:r>
+              <a:rPr lang="en-US" sz="3200" b="1" dirty="0" err="1">
+                <a:solidFill>
+                  <a:schemeClr val="bg1"/>
+                </a:solidFill>
+                <a:latin typeface="Helvetica Neue" panose="02000503000000020004" pitchFamily="2" charset="0"/>
+                <a:ea typeface="Helvetica Neue" panose="02000503000000020004" pitchFamily="2" charset="0"/>
+                <a:cs typeface="Helvetica Neue" panose="02000503000000020004" pitchFamily="2" charset="0"/>
+              </a:rPr>
+              <a:t>Binance</a:t>
+            </a:r>
+            <a:r>
+              <a:rPr lang="en-US" sz="3200" b="1" dirty="0">
+                <a:solidFill>
+                  <a:schemeClr val="bg1"/>
+                </a:solidFill>
+                <a:latin typeface="Helvetica Neue" panose="02000503000000020004" pitchFamily="2" charset="0"/>
+                <a:ea typeface="Helvetica Neue" panose="02000503000000020004" pitchFamily="2" charset="0"/>
+                <a:cs typeface="Helvetica Neue" panose="02000503000000020004" pitchFamily="2" charset="0"/>
+              </a:rPr>
+              <a:t> (BNB)</a:t>
+            </a:r>
+          </a:p>
+          <a:p>
+            <a:pPr>
+              <a:spcAft>
+                <a:spcPts val="1000"/>
+              </a:spcAft>
+            </a:pPr>
+            <a:r>
+              <a:rPr lang="en-US" sz="3200" b="1" dirty="0" err="1">
+                <a:solidFill>
+                  <a:schemeClr val="bg1"/>
+                </a:solidFill>
+                <a:latin typeface="Helvetica Neue" panose="02000503000000020004" pitchFamily="2" charset="0"/>
+                <a:ea typeface="Helvetica Neue" panose="02000503000000020004" pitchFamily="2" charset="0"/>
+                <a:cs typeface="Helvetica Neue" panose="02000503000000020004" pitchFamily="2" charset="0"/>
+              </a:rPr>
+              <a:t>Cardano</a:t>
+            </a:r>
+            <a:r>
+              <a:rPr lang="en-US" sz="3200" b="1" dirty="0">
+                <a:solidFill>
+                  <a:schemeClr val="bg1"/>
+                </a:solidFill>
+                <a:latin typeface="Helvetica Neue" panose="02000503000000020004" pitchFamily="2" charset="0"/>
+                <a:ea typeface="Helvetica Neue" panose="02000503000000020004" pitchFamily="2" charset="0"/>
+                <a:cs typeface="Helvetica Neue" panose="02000503000000020004" pitchFamily="2" charset="0"/>
+              </a:rPr>
+              <a:t> (ADA)</a:t>
+            </a:r>
+          </a:p>
+          <a:p>
+            <a:pPr>
+              <a:spcAft>
+                <a:spcPts val="1000"/>
+              </a:spcAft>
+            </a:pPr>
+            <a:r>
+              <a:rPr lang="en-US" sz="3200" b="1" dirty="0">
+                <a:solidFill>
+                  <a:schemeClr val="bg1"/>
+                </a:solidFill>
+                <a:latin typeface="Helvetica Neue" panose="02000503000000020004" pitchFamily="2" charset="0"/>
+                <a:ea typeface="Helvetica Neue" panose="02000503000000020004" pitchFamily="2" charset="0"/>
+                <a:cs typeface="Helvetica Neue" panose="02000503000000020004" pitchFamily="2" charset="0"/>
+              </a:rPr>
+              <a:t>Solana (SOL)</a:t>
+            </a:r>
+          </a:p>
+          <a:p>
+            <a:pPr>
+              <a:spcAft>
+                <a:spcPts val="1000"/>
+              </a:spcAft>
+            </a:pPr>
+            <a:r>
+              <a:rPr lang="en-US" sz="3200" b="1" dirty="0">
+                <a:solidFill>
+                  <a:schemeClr val="bg1"/>
+                </a:solidFill>
+                <a:latin typeface="Helvetica Neue" panose="02000503000000020004" pitchFamily="2" charset="0"/>
+                <a:ea typeface="Helvetica Neue" panose="02000503000000020004" pitchFamily="2" charset="0"/>
+                <a:cs typeface="Helvetica Neue" panose="02000503000000020004" pitchFamily="2" charset="0"/>
+              </a:rPr>
+              <a:t>XRP (XRP)</a:t>
+            </a:r>
+          </a:p>
+          <a:p>
+            <a:pPr>
+              <a:spcAft>
+                <a:spcPts val="1000"/>
+              </a:spcAft>
+            </a:pPr>
+            <a:endParaRPr lang="en-US" sz="1100" b="1" dirty="0">
+              <a:solidFill>
+                <a:schemeClr val="bg1"/>
+              </a:solidFill>
+              <a:latin typeface="Helvetica Neue" panose="02000503000000020004" pitchFamily="2" charset="0"/>
+              <a:ea typeface="Helvetica Neue" panose="02000503000000020004" pitchFamily="2" charset="0"/>
+              <a:cs typeface="Helvetica Neue" panose="02000503000000020004" pitchFamily="2" charset="0"/>
+            </a:endParaRPr>
+          </a:p>
+          <a:p>
+            <a:pPr>
+              <a:spcAft>
+                <a:spcPts val="1000"/>
+              </a:spcAft>
+            </a:pPr>
+            <a:r>
+              <a:rPr lang="en-US" sz="3200" b="1" dirty="0">
+                <a:solidFill>
+                  <a:schemeClr val="bg1"/>
+                </a:solidFill>
+                <a:latin typeface="Helvetica Neue" panose="02000503000000020004" pitchFamily="2" charset="0"/>
+                <a:ea typeface="Helvetica Neue" panose="02000503000000020004" pitchFamily="2" charset="0"/>
+                <a:cs typeface="Helvetica Neue" panose="02000503000000020004" pitchFamily="2" charset="0"/>
+              </a:rPr>
+              <a:t>Stable Coins – Tether, </a:t>
+            </a:r>
+            <a:r>
+              <a:rPr lang="en-US" sz="3200" b="1" dirty="0" err="1">
+                <a:solidFill>
+                  <a:schemeClr val="bg1"/>
+                </a:solidFill>
+                <a:latin typeface="Helvetica Neue" panose="02000503000000020004" pitchFamily="2" charset="0"/>
+                <a:ea typeface="Helvetica Neue" panose="02000503000000020004" pitchFamily="2" charset="0"/>
+                <a:cs typeface="Helvetica Neue" panose="02000503000000020004" pitchFamily="2" charset="0"/>
+              </a:rPr>
+              <a:t>TrueUSD</a:t>
+            </a:r>
+            <a:endParaRPr lang="en-US" sz="3200" b="1" dirty="0">
+              <a:solidFill>
+                <a:schemeClr val="bg1"/>
+              </a:solidFill>
+              <a:latin typeface="Helvetica Neue" panose="02000503000000020004" pitchFamily="2" charset="0"/>
+              <a:ea typeface="Helvetica Neue" panose="02000503000000020004" pitchFamily="2" charset="0"/>
+              <a:cs typeface="Helvetica Neue" panose="02000503000000020004" pitchFamily="2" charset="0"/>
+            </a:endParaRPr>
+          </a:p>
+          <a:p>
+            <a:endParaRPr lang="en-US" sz="3200" b="1" dirty="0">
+              <a:solidFill>
+                <a:schemeClr val="bg1"/>
+              </a:solidFill>
+              <a:latin typeface="Helvetica Neue" panose="02000503000000020004" pitchFamily="2" charset="0"/>
+              <a:ea typeface="Helvetica Neue" panose="02000503000000020004" pitchFamily="2" charset="0"/>
+              <a:cs typeface="Helvetica Neue" panose="02000503000000020004" pitchFamily="2" charset="0"/>
+            </a:endParaRPr>
+          </a:p>
+          <a:p>
+            <a:endParaRPr lang="en-US" sz="3200" b="1" dirty="0">
+              <a:solidFill>
+                <a:schemeClr val="bg1"/>
+              </a:solidFill>
+              <a:latin typeface="Helvetica Neue" panose="02000503000000020004" pitchFamily="2" charset="0"/>
+              <a:ea typeface="Helvetica Neue" panose="02000503000000020004" pitchFamily="2" charset="0"/>
+              <a:cs typeface="Helvetica Neue" panose="02000503000000020004" pitchFamily="2" charset="0"/>
+            </a:endParaRPr>
+          </a:p>
+          <a:p>
+            <a:endParaRPr lang="en-US" sz="3200" b="1" dirty="0">
+              <a:solidFill>
+                <a:schemeClr val="bg1"/>
+              </a:solidFill>
+              <a:latin typeface="Helvetica Neue" panose="02000503000000020004" pitchFamily="2" charset="0"/>
+              <a:ea typeface="Helvetica Neue" panose="02000503000000020004" pitchFamily="2" charset="0"/>
+              <a:cs typeface="Helvetica Neue" panose="02000503000000020004" pitchFamily="2" charset="0"/>
+            </a:endParaRPr>
+          </a:p>
+        </p:txBody>
+      </p:sp>
     </p:spTree>
     <p:extLst>
       <p:ext uri="{BB962C8B-B14F-4D97-AF65-F5344CB8AC3E}">
-        <p14:creationId xmlns:p14="http://schemas.microsoft.com/office/powerpoint/2010/main" val="2936093204"/>
+        <p14:creationId xmlns:p14="http://schemas.microsoft.com/office/powerpoint/2010/main" val="3589890018"/>
       </p:ext>
     </p:extLst>
   </p:cSld>
@@ -7796,7 +7495,12 @@
             <p:ph type="title"/>
           </p:nvPr>
         </p:nvSpPr>
-        <p:spPr/>
+        <p:spPr>
+          <a:xfrm>
+            <a:off x="838200" y="72160"/>
+            <a:ext cx="10515600" cy="1325563"/>
+          </a:xfrm>
+        </p:spPr>
         <p:txBody>
           <a:bodyPr/>
           <a:lstStyle/>
@@ -7810,41 +7514,10 @@
                 <a:ea typeface="Helvetica Neue" panose="02000503000000020004" pitchFamily="2" charset="0"/>
                 <a:cs typeface="Helvetica Neue" panose="02000503000000020004" pitchFamily="2" charset="0"/>
               </a:rPr>
-              <a:t>Cryptocurrency Risks</a:t>
-            </a:r>
-          </a:p>
-        </p:txBody>
-      </p:sp>
-      <p:sp>
-        <p:nvSpPr>
-          <p:cNvPr id="3" name="Content Placeholder 2">
-            <a:extLst>
-              <a:ext uri="{FF2B5EF4-FFF2-40B4-BE49-F238E27FC236}">
-                <a16:creationId xmlns:a16="http://schemas.microsoft.com/office/drawing/2014/main" id="{AEAD33A4-EE6B-8145-AC73-578592755746}"/>
-              </a:ext>
-            </a:extLst>
-          </p:cNvPr>
-          <p:cNvSpPr>
-            <a:spLocks noGrp="1"/>
-          </p:cNvSpPr>
-          <p:nvPr>
-            <p:ph idx="1"/>
-          </p:nvPr>
-        </p:nvSpPr>
-        <p:spPr>
-          <a:xfrm>
-            <a:off x="909954" y="2058583"/>
-            <a:ext cx="10443846" cy="4058131"/>
-          </a:xfrm>
-        </p:spPr>
-        <p:txBody>
-          <a:bodyPr>
-            <a:normAutofit/>
-          </a:bodyPr>
-          <a:lstStyle/>
-          <a:p>
-            <a:r>
-              <a:rPr lang="en-US" sz="3600" b="1" dirty="0">
+              <a:t>Market </a:t>
+            </a:r>
+            <a:r>
+              <a:rPr lang="en-US" b="1" dirty="0" err="1">
                 <a:solidFill>
                   <a:schemeClr val="bg1"/>
                 </a:solidFill>
@@ -7852,53 +7525,9 @@
                 <a:ea typeface="Helvetica Neue" panose="02000503000000020004" pitchFamily="2" charset="0"/>
                 <a:cs typeface="Helvetica Neue" panose="02000503000000020004" pitchFamily="2" charset="0"/>
               </a:rPr>
-              <a:t>Migration from decentralized network to a centralized one</a:t>
-            </a:r>
-          </a:p>
-          <a:p>
-            <a:r>
-              <a:rPr lang="en-US" sz="3600" b="1" dirty="0">
-                <a:solidFill>
-                  <a:schemeClr val="bg1"/>
-                </a:solidFill>
-                <a:latin typeface="Helvetica Neue" panose="02000503000000020004" pitchFamily="2" charset="0"/>
-                <a:ea typeface="Helvetica Neue" panose="02000503000000020004" pitchFamily="2" charset="0"/>
-                <a:cs typeface="Helvetica Neue" panose="02000503000000020004" pitchFamily="2" charset="0"/>
-              </a:rPr>
-              <a:t>Theft through taking control of over 51% of nodes</a:t>
-            </a:r>
-          </a:p>
-          <a:p>
-            <a:r>
-              <a:rPr lang="en-US" sz="3600" b="1" dirty="0">
-                <a:solidFill>
-                  <a:schemeClr val="bg1"/>
-                </a:solidFill>
-                <a:latin typeface="Helvetica Neue" panose="02000503000000020004" pitchFamily="2" charset="0"/>
-                <a:ea typeface="Helvetica Neue" panose="02000503000000020004" pitchFamily="2" charset="0"/>
-                <a:cs typeface="Helvetica Neue" panose="02000503000000020004" pitchFamily="2" charset="0"/>
-              </a:rPr>
-              <a:t>Hacking (quantum computing)</a:t>
-            </a:r>
-          </a:p>
-          <a:p>
-            <a:r>
-              <a:rPr lang="en-US" sz="3600" b="1" dirty="0">
-                <a:solidFill>
-                  <a:schemeClr val="bg1"/>
-                </a:solidFill>
-                <a:latin typeface="Helvetica Neue" panose="02000503000000020004" pitchFamily="2" charset="0"/>
-                <a:ea typeface="Helvetica Neue" panose="02000503000000020004" pitchFamily="2" charset="0"/>
-                <a:cs typeface="Helvetica Neue" panose="02000503000000020004" pitchFamily="2" charset="0"/>
-              </a:rPr>
-              <a:t>Vulnerability of electronic networks</a:t>
-            </a:r>
-          </a:p>
-          <a:p>
-            <a:pPr marL="0" indent="0">
-              <a:buNone/>
-            </a:pPr>
-            <a:endParaRPr lang="en-US" sz="3200" b="1" dirty="0">
+              <a:t>Capitalisation</a:t>
+            </a:r>
+            <a:endParaRPr lang="en-US" b="1" dirty="0">
               <a:solidFill>
                 <a:schemeClr val="bg1"/>
               </a:solidFill>
@@ -7909,10 +7538,40 @@
           </a:p>
         </p:txBody>
       </p:sp>
+      <p:pic>
+        <p:nvPicPr>
+          <p:cNvPr id="4" name="Picture 3">
+            <a:extLst>
+              <a:ext uri="{FF2B5EF4-FFF2-40B4-BE49-F238E27FC236}">
+                <a16:creationId xmlns:a16="http://schemas.microsoft.com/office/drawing/2014/main" id="{4543C6FA-8EF9-1F46-883C-A56E1320367A}"/>
+              </a:ext>
+            </a:extLst>
+          </p:cNvPr>
+          <p:cNvPicPr>
+            <a:picLocks noChangeAspect="1"/>
+          </p:cNvPicPr>
+          <p:nvPr/>
+        </p:nvPicPr>
+        <p:blipFill>
+          <a:blip r:embed="rId2"/>
+          <a:stretch>
+            <a:fillRect/>
+          </a:stretch>
+        </p:blipFill>
+        <p:spPr>
+          <a:xfrm>
+            <a:off x="1600730" y="1212915"/>
+            <a:ext cx="8990540" cy="5556307"/>
+          </a:xfrm>
+          <a:prstGeom prst="rect">
+            <a:avLst/>
+          </a:prstGeom>
+        </p:spPr>
+      </p:pic>
     </p:spTree>
     <p:extLst>
       <p:ext uri="{BB962C8B-B14F-4D97-AF65-F5344CB8AC3E}">
-        <p14:creationId xmlns:p14="http://schemas.microsoft.com/office/powerpoint/2010/main" val="1784350242"/>
+        <p14:creationId xmlns:p14="http://schemas.microsoft.com/office/powerpoint/2010/main" val="4229792998"/>
       </p:ext>
     </p:extLst>
   </p:cSld>
@@ -7965,7 +7624,7 @@
         </p:nvSpPr>
         <p:spPr>
           <a:xfrm>
-            <a:off x="838200" y="587068"/>
+            <a:off x="838200" y="107671"/>
             <a:ext cx="10515600" cy="1325563"/>
           </a:xfrm>
         </p:spPr>
@@ -7982,155 +7641,75 @@
                 <a:ea typeface="Helvetica Neue" panose="02000503000000020004" pitchFamily="2" charset="0"/>
                 <a:cs typeface="Helvetica Neue" panose="02000503000000020004" pitchFamily="2" charset="0"/>
               </a:rPr>
-              <a:t>How Might Cryptocurrency Affect the Wider Economy?</a:t>
-            </a:r>
-          </a:p>
-        </p:txBody>
-      </p:sp>
-      <p:sp>
-        <p:nvSpPr>
-          <p:cNvPr id="3" name="Content Placeholder 2">
-            <a:extLst>
-              <a:ext uri="{FF2B5EF4-FFF2-40B4-BE49-F238E27FC236}">
-                <a16:creationId xmlns:a16="http://schemas.microsoft.com/office/drawing/2014/main" id="{AEAD33A4-EE6B-8145-AC73-578592755746}"/>
-              </a:ext>
-            </a:extLst>
-          </p:cNvPr>
-          <p:cNvSpPr>
-            <a:spLocks noGrp="1"/>
-          </p:cNvSpPr>
-          <p:nvPr>
-            <p:ph idx="1"/>
-          </p:nvPr>
-        </p:nvSpPr>
+              <a:t>Correlation with Markets</a:t>
+            </a:r>
+          </a:p>
+        </p:txBody>
+      </p:sp>
+      <p:pic>
+        <p:nvPicPr>
+          <p:cNvPr id="5" name="Picture 4">
+            <a:extLst>
+              <a:ext uri="{FF2B5EF4-FFF2-40B4-BE49-F238E27FC236}">
+                <a16:creationId xmlns:a16="http://schemas.microsoft.com/office/drawing/2014/main" id="{E851E8DA-DAB4-DD4B-A778-22518DA6BA5D}"/>
+              </a:ext>
+            </a:extLst>
+          </p:cNvPr>
+          <p:cNvPicPr>
+            <a:picLocks noChangeAspect="1"/>
+          </p:cNvPicPr>
+          <p:nvPr/>
+        </p:nvPicPr>
+        <p:blipFill>
+          <a:blip r:embed="rId2"/>
+          <a:stretch>
+            <a:fillRect/>
+          </a:stretch>
+        </p:blipFill>
         <p:spPr>
           <a:xfrm>
-            <a:off x="909954" y="2573488"/>
-            <a:ext cx="10443846" cy="4058131"/>
+            <a:off x="-952714" y="1325563"/>
+            <a:ext cx="8777696" cy="5424766"/>
           </a:xfrm>
+          <a:prstGeom prst="rect">
+            <a:avLst/>
+          </a:prstGeom>
         </p:spPr>
-        <p:txBody>
-          <a:bodyPr>
-            <a:normAutofit/>
-          </a:bodyPr>
-          <a:lstStyle/>
-          <a:p>
-            <a:r>
-              <a:rPr lang="en-US" sz="3600" b="1" dirty="0">
-                <a:solidFill>
-                  <a:schemeClr val="bg1"/>
-                </a:solidFill>
-                <a:latin typeface="Helvetica Neue" panose="02000503000000020004" pitchFamily="2" charset="0"/>
-                <a:ea typeface="Helvetica Neue" panose="02000503000000020004" pitchFamily="2" charset="0"/>
-                <a:cs typeface="Helvetica Neue" panose="02000503000000020004" pitchFamily="2" charset="0"/>
-              </a:rPr>
-              <a:t>Size – </a:t>
-            </a:r>
-            <a:r>
-              <a:rPr lang="en-US" sz="3600" b="1" i="1" dirty="0">
-                <a:solidFill>
-                  <a:schemeClr val="bg1"/>
-                </a:solidFill>
-                <a:latin typeface="Helvetica Neue" panose="02000503000000020004" pitchFamily="2" charset="0"/>
-                <a:ea typeface="Helvetica Neue" panose="02000503000000020004" pitchFamily="2" charset="0"/>
-                <a:cs typeface="Helvetica Neue" panose="02000503000000020004" pitchFamily="2" charset="0"/>
-              </a:rPr>
-              <a:t>Market </a:t>
-            </a:r>
-            <a:r>
-              <a:rPr lang="en-US" sz="3600" b="1" i="1" dirty="0" err="1">
-                <a:solidFill>
-                  <a:schemeClr val="bg1"/>
-                </a:solidFill>
-                <a:latin typeface="Helvetica Neue" panose="02000503000000020004" pitchFamily="2" charset="0"/>
-                <a:ea typeface="Helvetica Neue" panose="02000503000000020004" pitchFamily="2" charset="0"/>
-                <a:cs typeface="Helvetica Neue" panose="02000503000000020004" pitchFamily="2" charset="0"/>
-              </a:rPr>
-              <a:t>Capitalisation</a:t>
-            </a:r>
-            <a:endParaRPr lang="en-US" sz="3600" b="1" i="1" dirty="0">
-              <a:solidFill>
-                <a:schemeClr val="bg1"/>
-              </a:solidFill>
-              <a:latin typeface="Helvetica Neue" panose="02000503000000020004" pitchFamily="2" charset="0"/>
-              <a:ea typeface="Helvetica Neue" panose="02000503000000020004" pitchFamily="2" charset="0"/>
-              <a:cs typeface="Helvetica Neue" panose="02000503000000020004" pitchFamily="2" charset="0"/>
-            </a:endParaRPr>
-          </a:p>
-          <a:p>
-            <a:endParaRPr lang="en-US" sz="2000" b="1" i="1" dirty="0">
-              <a:solidFill>
-                <a:schemeClr val="bg1"/>
-              </a:solidFill>
-              <a:latin typeface="Helvetica Neue" panose="02000503000000020004" pitchFamily="2" charset="0"/>
-              <a:ea typeface="Helvetica Neue" panose="02000503000000020004" pitchFamily="2" charset="0"/>
-              <a:cs typeface="Helvetica Neue" panose="02000503000000020004" pitchFamily="2" charset="0"/>
-            </a:endParaRPr>
-          </a:p>
-          <a:p>
-            <a:r>
-              <a:rPr lang="en-US" sz="3600" b="1" dirty="0">
-                <a:solidFill>
-                  <a:schemeClr val="bg1"/>
-                </a:solidFill>
-                <a:latin typeface="Helvetica Neue" panose="02000503000000020004" pitchFamily="2" charset="0"/>
-                <a:ea typeface="Helvetica Neue" panose="02000503000000020004" pitchFamily="2" charset="0"/>
-                <a:cs typeface="Helvetica Neue" panose="02000503000000020004" pitchFamily="2" charset="0"/>
-              </a:rPr>
-              <a:t>Interconnectivity with Mainstream Markets - </a:t>
-            </a:r>
-            <a:r>
-              <a:rPr lang="en-US" sz="3600" b="1" i="1" dirty="0">
-                <a:solidFill>
-                  <a:schemeClr val="bg1"/>
-                </a:solidFill>
-                <a:latin typeface="Helvetica Neue" panose="02000503000000020004" pitchFamily="2" charset="0"/>
-                <a:ea typeface="Helvetica Neue" panose="02000503000000020004" pitchFamily="2" charset="0"/>
-                <a:cs typeface="Helvetica Neue" panose="02000503000000020004" pitchFamily="2" charset="0"/>
-              </a:rPr>
-              <a:t>Correlation</a:t>
-            </a:r>
-            <a:r>
-              <a:rPr lang="en-US" sz="3600" b="1" dirty="0">
-                <a:solidFill>
-                  <a:schemeClr val="bg1"/>
-                </a:solidFill>
-                <a:latin typeface="Helvetica Neue" panose="02000503000000020004" pitchFamily="2" charset="0"/>
-                <a:ea typeface="Helvetica Neue" panose="02000503000000020004" pitchFamily="2" charset="0"/>
-                <a:cs typeface="Helvetica Neue" panose="02000503000000020004" pitchFamily="2" charset="0"/>
-              </a:rPr>
-              <a:t> </a:t>
-            </a:r>
-          </a:p>
-          <a:p>
-            <a:endParaRPr lang="en-US" sz="2000" b="1" dirty="0">
-              <a:solidFill>
-                <a:schemeClr val="bg1"/>
-              </a:solidFill>
-              <a:latin typeface="Helvetica Neue" panose="02000503000000020004" pitchFamily="2" charset="0"/>
-              <a:ea typeface="Helvetica Neue" panose="02000503000000020004" pitchFamily="2" charset="0"/>
-              <a:cs typeface="Helvetica Neue" panose="02000503000000020004" pitchFamily="2" charset="0"/>
-            </a:endParaRPr>
-          </a:p>
-          <a:p>
-            <a:r>
-              <a:rPr lang="en-US" sz="3600" b="1" dirty="0">
-                <a:solidFill>
-                  <a:schemeClr val="bg1"/>
-                </a:solidFill>
-                <a:latin typeface="Helvetica Neue" panose="02000503000000020004" pitchFamily="2" charset="0"/>
-                <a:ea typeface="Helvetica Neue" panose="02000503000000020004" pitchFamily="2" charset="0"/>
-                <a:cs typeface="Helvetica Neue" panose="02000503000000020004" pitchFamily="2" charset="0"/>
-              </a:rPr>
-              <a:t>Volatility</a:t>
-            </a:r>
-          </a:p>
-        </p:txBody>
-      </p:sp>
+      </p:pic>
+      <p:pic>
+        <p:nvPicPr>
+          <p:cNvPr id="7" name="Picture 6">
+            <a:extLst>
+              <a:ext uri="{FF2B5EF4-FFF2-40B4-BE49-F238E27FC236}">
+                <a16:creationId xmlns:a16="http://schemas.microsoft.com/office/drawing/2014/main" id="{7C4A912F-A586-314E-AFA0-6C12374A38BF}"/>
+              </a:ext>
+            </a:extLst>
+          </p:cNvPr>
+          <p:cNvPicPr>
+            <a:picLocks noChangeAspect="1"/>
+          </p:cNvPicPr>
+          <p:nvPr/>
+        </p:nvPicPr>
+        <p:blipFill>
+          <a:blip r:embed="rId3"/>
+          <a:stretch>
+            <a:fillRect/>
+          </a:stretch>
+        </p:blipFill>
+        <p:spPr>
+          <a:xfrm>
+            <a:off x="4867505" y="1325563"/>
+            <a:ext cx="8777695" cy="5424766"/>
+          </a:xfrm>
+          <a:prstGeom prst="rect">
+            <a:avLst/>
+          </a:prstGeom>
+        </p:spPr>
+      </p:pic>
     </p:spTree>
     <p:extLst>
       <p:ext uri="{BB962C8B-B14F-4D97-AF65-F5344CB8AC3E}">
-        <p14:creationId xmlns:p14="http://schemas.microsoft.com/office/powerpoint/2010/main" val="961964027"/>
+        <p14:creationId xmlns:p14="http://schemas.microsoft.com/office/powerpoint/2010/main" val="2350197468"/>
       </p:ext>
     </p:extLst>
   </p:cSld>
@@ -8165,12 +7744,52 @@
           <a:chExt cx="0" cy="0"/>
         </a:xfrm>
       </p:grpSpPr>
+      <p:sp>
+        <p:nvSpPr>
+          <p:cNvPr id="2" name="Title 1">
+            <a:extLst>
+              <a:ext uri="{FF2B5EF4-FFF2-40B4-BE49-F238E27FC236}">
+                <a16:creationId xmlns:a16="http://schemas.microsoft.com/office/drawing/2014/main" id="{31C71DE5-A63D-E34A-9605-F43285D2548A}"/>
+              </a:ext>
+            </a:extLst>
+          </p:cNvPr>
+          <p:cNvSpPr>
+            <a:spLocks noGrp="1"/>
+          </p:cNvSpPr>
+          <p:nvPr>
+            <p:ph type="title"/>
+          </p:nvPr>
+        </p:nvSpPr>
+        <p:spPr>
+          <a:xfrm>
+            <a:off x="838200" y="81038"/>
+            <a:ext cx="10515600" cy="1325563"/>
+          </a:xfrm>
+        </p:spPr>
+        <p:txBody>
+          <a:bodyPr/>
+          <a:lstStyle/>
+          <a:p>
+            <a:r>
+              <a:rPr lang="en-US" b="1" dirty="0">
+                <a:solidFill>
+                  <a:schemeClr val="bg1"/>
+                </a:solidFill>
+                <a:latin typeface="Helvetica Neue" panose="02000503000000020004" pitchFamily="2" charset="0"/>
+                <a:ea typeface="Helvetica Neue" panose="02000503000000020004" pitchFamily="2" charset="0"/>
+                <a:cs typeface="Helvetica Neue" panose="02000503000000020004" pitchFamily="2" charset="0"/>
+              </a:rPr>
+              <a:t>Interconnectivity</a:t>
+            </a:r>
+          </a:p>
+        </p:txBody>
+      </p:sp>
       <p:pic>
         <p:nvPicPr>
-          <p:cNvPr id="27" name="Picture 26">
-            <a:extLst>
-              <a:ext uri="{FF2B5EF4-FFF2-40B4-BE49-F238E27FC236}">
-                <a16:creationId xmlns:a16="http://schemas.microsoft.com/office/drawing/2014/main" id="{B29DAAF0-C90B-E84A-BD40-F03FF29E6DCC}"/>
+          <p:cNvPr id="5" name="Picture 4">
+            <a:extLst>
+              <a:ext uri="{FF2B5EF4-FFF2-40B4-BE49-F238E27FC236}">
+                <a16:creationId xmlns:a16="http://schemas.microsoft.com/office/drawing/2014/main" id="{6BA1077A-FF01-A74F-8F81-8C2D12B92C70}"/>
               </a:ext>
             </a:extLst>
           </p:cNvPr>
@@ -8187,452 +7806,18 @@
         </p:blipFill>
         <p:spPr>
           <a:xfrm>
-            <a:off x="8841453" y="3790837"/>
-            <a:ext cx="2605596" cy="2605596"/>
+            <a:off x="3376844" y="1278384"/>
+            <a:ext cx="5438312" cy="5438312"/>
           </a:xfrm>
           <a:prstGeom prst="rect">
             <a:avLst/>
           </a:prstGeom>
         </p:spPr>
       </p:pic>
-      <p:pic>
-        <p:nvPicPr>
-          <p:cNvPr id="31" name="Picture 30">
-            <a:extLst>
-              <a:ext uri="{FF2B5EF4-FFF2-40B4-BE49-F238E27FC236}">
-                <a16:creationId xmlns:a16="http://schemas.microsoft.com/office/drawing/2014/main" id="{85E9D937-1F01-2F4C-9517-56B8D84B3096}"/>
-              </a:ext>
-            </a:extLst>
-          </p:cNvPr>
-          <p:cNvPicPr>
-            <a:picLocks noChangeAspect="1"/>
-          </p:cNvPicPr>
-          <p:nvPr/>
-        </p:nvPicPr>
-        <p:blipFill>
-          <a:blip r:embed="rId3"/>
-          <a:stretch>
-            <a:fillRect/>
-          </a:stretch>
-        </p:blipFill>
-        <p:spPr>
-          <a:xfrm>
-            <a:off x="9770392" y="1375224"/>
-            <a:ext cx="2032247" cy="2032247"/>
-          </a:xfrm>
-          <a:prstGeom prst="rect">
-            <a:avLst/>
-          </a:prstGeom>
-        </p:spPr>
-      </p:pic>
-      <p:pic>
-        <p:nvPicPr>
-          <p:cNvPr id="35" name="Picture 34">
-            <a:extLst>
-              <a:ext uri="{FF2B5EF4-FFF2-40B4-BE49-F238E27FC236}">
-                <a16:creationId xmlns:a16="http://schemas.microsoft.com/office/drawing/2014/main" id="{EE9FD845-BC9E-5B49-B4BA-3214755C9677}"/>
-              </a:ext>
-            </a:extLst>
-          </p:cNvPr>
-          <p:cNvPicPr>
-            <a:picLocks noChangeAspect="1"/>
-          </p:cNvPicPr>
-          <p:nvPr/>
-        </p:nvPicPr>
-        <p:blipFill>
-          <a:blip r:embed="rId4"/>
-          <a:stretch>
-            <a:fillRect/>
-          </a:stretch>
-        </p:blipFill>
-        <p:spPr>
-          <a:xfrm>
-            <a:off x="6704490" y="446769"/>
-            <a:ext cx="2800905" cy="2800905"/>
-          </a:xfrm>
-          <a:prstGeom prst="rect">
-            <a:avLst/>
-          </a:prstGeom>
-        </p:spPr>
-      </p:pic>
-      <p:pic>
-        <p:nvPicPr>
-          <p:cNvPr id="37" name="Picture 36">
-            <a:extLst>
-              <a:ext uri="{FF2B5EF4-FFF2-40B4-BE49-F238E27FC236}">
-                <a16:creationId xmlns:a16="http://schemas.microsoft.com/office/drawing/2014/main" id="{35BF15A9-4B4C-2346-A94A-B879A5429499}"/>
-              </a:ext>
-            </a:extLst>
-          </p:cNvPr>
-          <p:cNvPicPr>
-            <a:picLocks noChangeAspect="1"/>
-          </p:cNvPicPr>
-          <p:nvPr/>
-        </p:nvPicPr>
-        <p:blipFill>
-          <a:blip r:embed="rId5"/>
-          <a:stretch>
-            <a:fillRect/>
-          </a:stretch>
-        </p:blipFill>
-        <p:spPr>
-          <a:xfrm>
-            <a:off x="5900061" y="2663212"/>
-            <a:ext cx="2324273" cy="3650651"/>
-          </a:xfrm>
-          <a:prstGeom prst="rect">
-            <a:avLst/>
-          </a:prstGeom>
-        </p:spPr>
-      </p:pic>
-      <p:pic>
-        <p:nvPicPr>
-          <p:cNvPr id="8" name="Picture 7">
-            <a:extLst>
-              <a:ext uri="{FF2B5EF4-FFF2-40B4-BE49-F238E27FC236}">
-                <a16:creationId xmlns:a16="http://schemas.microsoft.com/office/drawing/2014/main" id="{637C4370-9AF0-5741-82C5-6B1415A07D3A}"/>
-              </a:ext>
-            </a:extLst>
-          </p:cNvPr>
-          <p:cNvPicPr>
-            <a:picLocks noChangeAspect="1"/>
-          </p:cNvPicPr>
-          <p:nvPr/>
-        </p:nvPicPr>
-        <p:blipFill>
-          <a:blip r:embed="rId6"/>
-          <a:stretch>
-            <a:fillRect/>
-          </a:stretch>
-        </p:blipFill>
-        <p:spPr>
-          <a:xfrm>
-            <a:off x="3594498" y="1375224"/>
-            <a:ext cx="2852845" cy="2852845"/>
-          </a:xfrm>
-          <a:prstGeom prst="rect">
-            <a:avLst/>
-          </a:prstGeom>
-        </p:spPr>
-      </p:pic>
-      <p:pic>
-        <p:nvPicPr>
-          <p:cNvPr id="18" name="Picture 17">
-            <a:extLst>
-              <a:ext uri="{FF2B5EF4-FFF2-40B4-BE49-F238E27FC236}">
-                <a16:creationId xmlns:a16="http://schemas.microsoft.com/office/drawing/2014/main" id="{89725D52-7B95-4E43-8796-563D4AA46731}"/>
-              </a:ext>
-            </a:extLst>
-          </p:cNvPr>
-          <p:cNvPicPr>
-            <a:picLocks noChangeAspect="1"/>
-          </p:cNvPicPr>
-          <p:nvPr/>
-        </p:nvPicPr>
-        <p:blipFill>
-          <a:blip r:embed="rId7"/>
-          <a:stretch>
-            <a:fillRect/>
-          </a:stretch>
-        </p:blipFill>
-        <p:spPr>
-          <a:xfrm>
-            <a:off x="838200" y="3182716"/>
-            <a:ext cx="3542190" cy="3542190"/>
-          </a:xfrm>
-          <a:prstGeom prst="rect">
-            <a:avLst/>
-          </a:prstGeom>
-        </p:spPr>
-      </p:pic>
-      <p:sp>
-        <p:nvSpPr>
-          <p:cNvPr id="2" name="Title 1">
-            <a:extLst>
-              <a:ext uri="{FF2B5EF4-FFF2-40B4-BE49-F238E27FC236}">
-                <a16:creationId xmlns:a16="http://schemas.microsoft.com/office/drawing/2014/main" id="{31C71DE5-A63D-E34A-9605-F43285D2548A}"/>
-              </a:ext>
-            </a:extLst>
-          </p:cNvPr>
-          <p:cNvSpPr>
-            <a:spLocks noGrp="1"/>
-          </p:cNvSpPr>
-          <p:nvPr>
-            <p:ph type="title"/>
-          </p:nvPr>
-        </p:nvSpPr>
-        <p:spPr/>
-        <p:txBody>
-          <a:bodyPr/>
-          <a:lstStyle/>
-          <a:p>
-            <a:r>
-              <a:rPr lang="en-US" b="1" dirty="0">
-                <a:solidFill>
-                  <a:schemeClr val="bg1"/>
-                </a:solidFill>
-                <a:latin typeface="Helvetica Neue" panose="02000503000000020004" pitchFamily="2" charset="0"/>
-                <a:ea typeface="Helvetica Neue" panose="02000503000000020004" pitchFamily="2" charset="0"/>
-                <a:cs typeface="Helvetica Neue" panose="02000503000000020004" pitchFamily="2" charset="0"/>
-              </a:rPr>
-              <a:t>Cryptocurrencies</a:t>
-            </a:r>
-          </a:p>
-        </p:txBody>
-      </p:sp>
-      <p:sp>
-        <p:nvSpPr>
-          <p:cNvPr id="3" name="Content Placeholder 2">
-            <a:extLst>
-              <a:ext uri="{FF2B5EF4-FFF2-40B4-BE49-F238E27FC236}">
-                <a16:creationId xmlns:a16="http://schemas.microsoft.com/office/drawing/2014/main" id="{AEAD33A4-EE6B-8145-AC73-578592755746}"/>
-              </a:ext>
-            </a:extLst>
-          </p:cNvPr>
-          <p:cNvSpPr>
-            <a:spLocks noGrp="1"/>
-          </p:cNvSpPr>
-          <p:nvPr>
-            <p:ph idx="1"/>
-          </p:nvPr>
-        </p:nvSpPr>
-        <p:spPr>
-          <a:xfrm>
-            <a:off x="838200" y="1773680"/>
-            <a:ext cx="10515600" cy="4459769"/>
-          </a:xfrm>
-        </p:spPr>
-        <p:txBody>
-          <a:bodyPr>
-            <a:normAutofit fontScale="92500" lnSpcReduction="20000"/>
-          </a:bodyPr>
-          <a:lstStyle/>
-          <a:p>
-            <a:pPr>
-              <a:spcAft>
-                <a:spcPts val="1000"/>
-              </a:spcAft>
-            </a:pPr>
-            <a:r>
-              <a:rPr lang="en-US" sz="3200" b="1" dirty="0">
-                <a:solidFill>
-                  <a:schemeClr val="bg1"/>
-                </a:solidFill>
-                <a:latin typeface="Helvetica Neue" panose="02000503000000020004" pitchFamily="2" charset="0"/>
-                <a:ea typeface="Helvetica Neue" panose="02000503000000020004" pitchFamily="2" charset="0"/>
-                <a:cs typeface="Helvetica Neue" panose="02000503000000020004" pitchFamily="2" charset="0"/>
-              </a:rPr>
-              <a:t>Bitcoin (BTC)</a:t>
-            </a:r>
-            <a:endParaRPr lang="en-US" sz="1300" b="1" dirty="0">
-              <a:solidFill>
-                <a:schemeClr val="bg1"/>
-              </a:solidFill>
-              <a:latin typeface="Helvetica Neue" panose="02000503000000020004" pitchFamily="2" charset="0"/>
-              <a:ea typeface="Helvetica Neue" panose="02000503000000020004" pitchFamily="2" charset="0"/>
-              <a:cs typeface="Helvetica Neue" panose="02000503000000020004" pitchFamily="2" charset="0"/>
-            </a:endParaRPr>
-          </a:p>
-          <a:p>
-            <a:pPr>
-              <a:spcAft>
-                <a:spcPts val="1000"/>
-              </a:spcAft>
-            </a:pPr>
-            <a:r>
-              <a:rPr lang="en-US" sz="3200" b="1" dirty="0">
-                <a:solidFill>
-                  <a:schemeClr val="bg1"/>
-                </a:solidFill>
-                <a:latin typeface="Helvetica Neue" panose="02000503000000020004" pitchFamily="2" charset="0"/>
-                <a:ea typeface="Helvetica Neue" panose="02000503000000020004" pitchFamily="2" charset="0"/>
-                <a:cs typeface="Helvetica Neue" panose="02000503000000020004" pitchFamily="2" charset="0"/>
-              </a:rPr>
-              <a:t>Ethereum (ETH)</a:t>
-            </a:r>
-          </a:p>
-          <a:p>
-            <a:pPr>
-              <a:spcAft>
-                <a:spcPts val="1000"/>
-              </a:spcAft>
-            </a:pPr>
-            <a:r>
-              <a:rPr lang="en-US" sz="3200" b="1" dirty="0" err="1">
-                <a:solidFill>
-                  <a:schemeClr val="bg1"/>
-                </a:solidFill>
-                <a:latin typeface="Helvetica Neue" panose="02000503000000020004" pitchFamily="2" charset="0"/>
-                <a:ea typeface="Helvetica Neue" panose="02000503000000020004" pitchFamily="2" charset="0"/>
-                <a:cs typeface="Helvetica Neue" panose="02000503000000020004" pitchFamily="2" charset="0"/>
-              </a:rPr>
-              <a:t>Binance</a:t>
-            </a:r>
-            <a:r>
-              <a:rPr lang="en-US" sz="3200" b="1" dirty="0">
-                <a:solidFill>
-                  <a:schemeClr val="bg1"/>
-                </a:solidFill>
-                <a:latin typeface="Helvetica Neue" panose="02000503000000020004" pitchFamily="2" charset="0"/>
-                <a:ea typeface="Helvetica Neue" panose="02000503000000020004" pitchFamily="2" charset="0"/>
-                <a:cs typeface="Helvetica Neue" panose="02000503000000020004" pitchFamily="2" charset="0"/>
-              </a:rPr>
-              <a:t> (BNB)</a:t>
-            </a:r>
-          </a:p>
-          <a:p>
-            <a:pPr>
-              <a:spcAft>
-                <a:spcPts val="1000"/>
-              </a:spcAft>
-            </a:pPr>
-            <a:r>
-              <a:rPr lang="en-US" sz="3200" b="1" dirty="0" err="1">
-                <a:solidFill>
-                  <a:schemeClr val="bg1"/>
-                </a:solidFill>
-                <a:latin typeface="Helvetica Neue" panose="02000503000000020004" pitchFamily="2" charset="0"/>
-                <a:ea typeface="Helvetica Neue" panose="02000503000000020004" pitchFamily="2" charset="0"/>
-                <a:cs typeface="Helvetica Neue" panose="02000503000000020004" pitchFamily="2" charset="0"/>
-              </a:rPr>
-              <a:t>Cardano</a:t>
-            </a:r>
-            <a:r>
-              <a:rPr lang="en-US" sz="3200" b="1" dirty="0">
-                <a:solidFill>
-                  <a:schemeClr val="bg1"/>
-                </a:solidFill>
-                <a:latin typeface="Helvetica Neue" panose="02000503000000020004" pitchFamily="2" charset="0"/>
-                <a:ea typeface="Helvetica Neue" panose="02000503000000020004" pitchFamily="2" charset="0"/>
-                <a:cs typeface="Helvetica Neue" panose="02000503000000020004" pitchFamily="2" charset="0"/>
-              </a:rPr>
-              <a:t> (ADA)</a:t>
-            </a:r>
-          </a:p>
-          <a:p>
-            <a:pPr>
-              <a:spcAft>
-                <a:spcPts val="1000"/>
-              </a:spcAft>
-            </a:pPr>
-            <a:r>
-              <a:rPr lang="en-US" sz="3200" b="1" dirty="0">
-                <a:solidFill>
-                  <a:schemeClr val="bg1"/>
-                </a:solidFill>
-                <a:latin typeface="Helvetica Neue" panose="02000503000000020004" pitchFamily="2" charset="0"/>
-                <a:ea typeface="Helvetica Neue" panose="02000503000000020004" pitchFamily="2" charset="0"/>
-                <a:cs typeface="Helvetica Neue" panose="02000503000000020004" pitchFamily="2" charset="0"/>
-              </a:rPr>
-              <a:t>Solana (SOL)</a:t>
-            </a:r>
-          </a:p>
-          <a:p>
-            <a:pPr>
-              <a:spcAft>
-                <a:spcPts val="1000"/>
-              </a:spcAft>
-            </a:pPr>
-            <a:r>
-              <a:rPr lang="en-US" sz="3200" b="1" dirty="0">
-                <a:solidFill>
-                  <a:schemeClr val="bg1"/>
-                </a:solidFill>
-                <a:latin typeface="Helvetica Neue" panose="02000503000000020004" pitchFamily="2" charset="0"/>
-                <a:ea typeface="Helvetica Neue" panose="02000503000000020004" pitchFamily="2" charset="0"/>
-                <a:cs typeface="Helvetica Neue" panose="02000503000000020004" pitchFamily="2" charset="0"/>
-              </a:rPr>
-              <a:t>XRP (XRP)</a:t>
-            </a:r>
-          </a:p>
-          <a:p>
-            <a:pPr>
-              <a:spcAft>
-                <a:spcPts val="1000"/>
-              </a:spcAft>
-            </a:pPr>
-            <a:endParaRPr lang="en-US" sz="1100" b="1" dirty="0">
-              <a:solidFill>
-                <a:schemeClr val="bg1"/>
-              </a:solidFill>
-              <a:latin typeface="Helvetica Neue" panose="02000503000000020004" pitchFamily="2" charset="0"/>
-              <a:ea typeface="Helvetica Neue" panose="02000503000000020004" pitchFamily="2" charset="0"/>
-              <a:cs typeface="Helvetica Neue" panose="02000503000000020004" pitchFamily="2" charset="0"/>
-            </a:endParaRPr>
-          </a:p>
-          <a:p>
-            <a:pPr>
-              <a:spcAft>
-                <a:spcPts val="1000"/>
-              </a:spcAft>
-            </a:pPr>
-            <a:r>
-              <a:rPr lang="en-US" sz="3200" b="1" dirty="0">
-                <a:solidFill>
-                  <a:schemeClr val="bg1"/>
-                </a:solidFill>
-                <a:latin typeface="Helvetica Neue" panose="02000503000000020004" pitchFamily="2" charset="0"/>
-                <a:ea typeface="Helvetica Neue" panose="02000503000000020004" pitchFamily="2" charset="0"/>
-                <a:cs typeface="Helvetica Neue" panose="02000503000000020004" pitchFamily="2" charset="0"/>
-              </a:rPr>
-              <a:t>Stable Coins – Tether, </a:t>
-            </a:r>
-            <a:r>
-              <a:rPr lang="en-US" sz="3200" b="1" dirty="0" err="1">
-                <a:solidFill>
-                  <a:schemeClr val="bg1"/>
-                </a:solidFill>
-                <a:latin typeface="Helvetica Neue" panose="02000503000000020004" pitchFamily="2" charset="0"/>
-                <a:ea typeface="Helvetica Neue" panose="02000503000000020004" pitchFamily="2" charset="0"/>
-                <a:cs typeface="Helvetica Neue" panose="02000503000000020004" pitchFamily="2" charset="0"/>
-              </a:rPr>
-              <a:t>TrueUSD</a:t>
-            </a:r>
-            <a:endParaRPr lang="en-US" sz="3200" b="1" dirty="0">
-              <a:solidFill>
-                <a:schemeClr val="bg1"/>
-              </a:solidFill>
-              <a:latin typeface="Helvetica Neue" panose="02000503000000020004" pitchFamily="2" charset="0"/>
-              <a:ea typeface="Helvetica Neue" panose="02000503000000020004" pitchFamily="2" charset="0"/>
-              <a:cs typeface="Helvetica Neue" panose="02000503000000020004" pitchFamily="2" charset="0"/>
-            </a:endParaRPr>
-          </a:p>
-          <a:p>
-            <a:endParaRPr lang="en-US" sz="3200" b="1" dirty="0">
-              <a:solidFill>
-                <a:schemeClr val="bg1"/>
-              </a:solidFill>
-              <a:latin typeface="Helvetica Neue" panose="02000503000000020004" pitchFamily="2" charset="0"/>
-              <a:ea typeface="Helvetica Neue" panose="02000503000000020004" pitchFamily="2" charset="0"/>
-              <a:cs typeface="Helvetica Neue" panose="02000503000000020004" pitchFamily="2" charset="0"/>
-            </a:endParaRPr>
-          </a:p>
-          <a:p>
-            <a:endParaRPr lang="en-US" sz="3200" b="1" dirty="0">
-              <a:solidFill>
-                <a:schemeClr val="bg1"/>
-              </a:solidFill>
-              <a:latin typeface="Helvetica Neue" panose="02000503000000020004" pitchFamily="2" charset="0"/>
-              <a:ea typeface="Helvetica Neue" panose="02000503000000020004" pitchFamily="2" charset="0"/>
-              <a:cs typeface="Helvetica Neue" panose="02000503000000020004" pitchFamily="2" charset="0"/>
-            </a:endParaRPr>
-          </a:p>
-          <a:p>
-            <a:endParaRPr lang="en-US" sz="3200" b="1" dirty="0">
-              <a:solidFill>
-                <a:schemeClr val="bg1"/>
-              </a:solidFill>
-              <a:latin typeface="Helvetica Neue" panose="02000503000000020004" pitchFamily="2" charset="0"/>
-              <a:ea typeface="Helvetica Neue" panose="02000503000000020004" pitchFamily="2" charset="0"/>
-              <a:cs typeface="Helvetica Neue" panose="02000503000000020004" pitchFamily="2" charset="0"/>
-            </a:endParaRPr>
-          </a:p>
-        </p:txBody>
-      </p:sp>
     </p:spTree>
     <p:extLst>
       <p:ext uri="{BB962C8B-B14F-4D97-AF65-F5344CB8AC3E}">
-        <p14:creationId xmlns:p14="http://schemas.microsoft.com/office/powerpoint/2010/main" val="3589890018"/>
+        <p14:creationId xmlns:p14="http://schemas.microsoft.com/office/powerpoint/2010/main" val="1295580287"/>
       </p:ext>
     </p:extLst>
   </p:cSld>

--- a/Presentation/Sadek_R_Project2_Presentation.pptx
+++ b/Presentation/Sadek_R_Project2_Presentation.pptx
@@ -4145,8 +4145,8 @@
           </a:p>
         </p:txBody>
       </p:sp>
-      <mc:AlternateContent xmlns:mc="http://schemas.openxmlformats.org/markup-compatibility/2006">
-        <mc:Choice xmlns:a14="http://schemas.microsoft.com/office/drawing/2010/main" Requires="a14">
+      <mc:AlternateContent xmlns:mc="http://schemas.openxmlformats.org/markup-compatibility/2006" xmlns:a14="http://schemas.microsoft.com/office/drawing/2010/main">
+        <mc:Choice Requires="a14">
           <p:sp>
             <p:nvSpPr>
               <p:cNvPr id="4" name="Content Placeholder 2">
@@ -4983,7 +4983,7 @@
             </p:txBody>
           </p:sp>
         </mc:Choice>
-        <mc:Fallback>
+        <mc:Fallback xmlns="">
           <p:sp>
             <p:nvSpPr>
               <p:cNvPr id="4" name="Content Placeholder 2">
@@ -5915,7 +5915,7 @@
         </p:nvSpPr>
         <p:spPr>
           <a:xfrm>
-            <a:off x="1126232" y="2218987"/>
+            <a:off x="1563425" y="1937344"/>
             <a:ext cx="6375400" cy="1543845"/>
           </a:xfrm>
         </p:spPr>
@@ -5972,7 +5972,7 @@
         </p:nvSpPr>
         <p:spPr>
           <a:xfrm>
-            <a:off x="2791287" y="4930492"/>
+            <a:off x="2991312" y="5007793"/>
             <a:ext cx="6609080" cy="1498865"/>
           </a:xfrm>
           <a:prstGeom prst="rect">
@@ -6148,7 +6148,7 @@
             </a:lvl9pPr>
           </a:lstStyle>
           <a:p>
-            <a:pPr marL="0" indent="0" algn="r">
+            <a:pPr marL="0" indent="0" algn="ctr">
               <a:buNone/>
             </a:pPr>
             <a:r>
@@ -6164,7 +6164,7 @@
             </a:r>
           </a:p>
           <a:p>
-            <a:pPr marL="0" indent="0" algn="r">
+            <a:pPr marL="0" indent="0" algn="ctr">
               <a:buFont typeface="Arial" panose="020B0604020202020204" pitchFamily="34" charset="0"/>
               <a:buNone/>
             </a:pPr>
@@ -6198,7 +6198,7 @@
         </p:nvSpPr>
         <p:spPr>
           <a:xfrm>
-            <a:off x="7247088" y="3053657"/>
+            <a:off x="6295852" y="2774294"/>
             <a:ext cx="4447762" cy="1543845"/>
           </a:xfrm>
           <a:prstGeom prst="rect">
@@ -6374,7 +6374,7 @@
             </a:lvl9pPr>
           </a:lstStyle>
           <a:p>
-            <a:pPr marL="0" indent="0">
+            <a:pPr marL="0" indent="0" algn="r">
               <a:buNone/>
             </a:pPr>
             <a:r>
@@ -6387,6 +6387,232 @@
                 <a:cs typeface="Times New Roman" panose="02020603050405020304" pitchFamily="18" charset="0"/>
               </a:rPr>
               <a:t>“Drop bitcoin as legal tender, IMF urges El Salvador”</a:t>
+            </a:r>
+          </a:p>
+          <a:p>
+            <a:pPr marL="0" indent="0" algn="r">
+              <a:buFont typeface="Arial" panose="020B0604020202020204" pitchFamily="34" charset="0"/>
+              <a:buNone/>
+            </a:pPr>
+            <a:r>
+              <a:rPr lang="en-US" sz="2000" b="1" dirty="0">
+                <a:solidFill>
+                  <a:schemeClr val="bg1"/>
+                </a:solidFill>
+                <a:latin typeface="Helvetica Neue" panose="02000503000000020004" pitchFamily="2" charset="0"/>
+                <a:ea typeface="Helvetica Neue" panose="02000503000000020004" pitchFamily="2" charset="0"/>
+                <a:cs typeface="Helvetica Neue" panose="02000503000000020004" pitchFamily="2" charset="0"/>
+              </a:rPr>
+              <a:t>- CNBC</a:t>
+            </a:r>
+          </a:p>
+        </p:txBody>
+      </p:sp>
+      <p:sp>
+        <p:nvSpPr>
+          <p:cNvPr id="8" name="Content Placeholder 2">
+            <a:extLst>
+              <a:ext uri="{FF2B5EF4-FFF2-40B4-BE49-F238E27FC236}">
+                <a16:creationId xmlns:a16="http://schemas.microsoft.com/office/drawing/2014/main" id="{A657254B-D403-E844-A306-1B2C422C2932}"/>
+              </a:ext>
+            </a:extLst>
+          </p:cNvPr>
+          <p:cNvSpPr txBox="1">
+            <a:spLocks/>
+          </p:cNvSpPr>
+          <p:nvPr/>
+        </p:nvSpPr>
+        <p:spPr>
+          <a:xfrm>
+            <a:off x="474813" y="3491982"/>
+            <a:ext cx="4447762" cy="1543845"/>
+          </a:xfrm>
+          <a:prstGeom prst="rect">
+            <a:avLst/>
+          </a:prstGeom>
+        </p:spPr>
+        <p:txBody>
+          <a:bodyPr vert="horz" lIns="91440" tIns="45720" rIns="91440" bIns="45720" rtlCol="0">
+            <a:normAutofit lnSpcReduction="10000"/>
+          </a:bodyPr>
+          <a:lstStyle>
+            <a:lvl1pPr marL="228600" indent="-228600" algn="l" defTabSz="914400" rtl="0" eaLnBrk="1" latinLnBrk="0" hangingPunct="1">
+              <a:lnSpc>
+                <a:spcPct val="90000"/>
+              </a:lnSpc>
+              <a:spcBef>
+                <a:spcPts val="1000"/>
+              </a:spcBef>
+              <a:buFont typeface="Arial" panose="020B0604020202020204" pitchFamily="34" charset="0"/>
+              <a:buChar char="•"/>
+              <a:defRPr sz="2800" kern="1200">
+                <a:solidFill>
+                  <a:schemeClr val="tx1"/>
+                </a:solidFill>
+                <a:latin typeface="+mn-lt"/>
+                <a:ea typeface="+mn-ea"/>
+                <a:cs typeface="+mn-cs"/>
+              </a:defRPr>
+            </a:lvl1pPr>
+            <a:lvl2pPr marL="685800" indent="-228600" algn="l" defTabSz="914400" rtl="0" eaLnBrk="1" latinLnBrk="0" hangingPunct="1">
+              <a:lnSpc>
+                <a:spcPct val="90000"/>
+              </a:lnSpc>
+              <a:spcBef>
+                <a:spcPts val="500"/>
+              </a:spcBef>
+              <a:buFont typeface="Arial" panose="020B0604020202020204" pitchFamily="34" charset="0"/>
+              <a:buChar char="•"/>
+              <a:defRPr sz="2400" kern="1200">
+                <a:solidFill>
+                  <a:schemeClr val="tx1"/>
+                </a:solidFill>
+                <a:latin typeface="+mn-lt"/>
+                <a:ea typeface="+mn-ea"/>
+                <a:cs typeface="+mn-cs"/>
+              </a:defRPr>
+            </a:lvl2pPr>
+            <a:lvl3pPr marL="1143000" indent="-228600" algn="l" defTabSz="914400" rtl="0" eaLnBrk="1" latinLnBrk="0" hangingPunct="1">
+              <a:lnSpc>
+                <a:spcPct val="90000"/>
+              </a:lnSpc>
+              <a:spcBef>
+                <a:spcPts val="500"/>
+              </a:spcBef>
+              <a:buFont typeface="Arial" panose="020B0604020202020204" pitchFamily="34" charset="0"/>
+              <a:buChar char="•"/>
+              <a:defRPr sz="2000" kern="1200">
+                <a:solidFill>
+                  <a:schemeClr val="tx1"/>
+                </a:solidFill>
+                <a:latin typeface="+mn-lt"/>
+                <a:ea typeface="+mn-ea"/>
+                <a:cs typeface="+mn-cs"/>
+              </a:defRPr>
+            </a:lvl3pPr>
+            <a:lvl4pPr marL="1600200" indent="-228600" algn="l" defTabSz="914400" rtl="0" eaLnBrk="1" latinLnBrk="0" hangingPunct="1">
+              <a:lnSpc>
+                <a:spcPct val="90000"/>
+              </a:lnSpc>
+              <a:spcBef>
+                <a:spcPts val="500"/>
+              </a:spcBef>
+              <a:buFont typeface="Arial" panose="020B0604020202020204" pitchFamily="34" charset="0"/>
+              <a:buChar char="•"/>
+              <a:defRPr sz="1800" kern="1200">
+                <a:solidFill>
+                  <a:schemeClr val="tx1"/>
+                </a:solidFill>
+                <a:latin typeface="+mn-lt"/>
+                <a:ea typeface="+mn-ea"/>
+                <a:cs typeface="+mn-cs"/>
+              </a:defRPr>
+            </a:lvl4pPr>
+            <a:lvl5pPr marL="2057400" indent="-228600" algn="l" defTabSz="914400" rtl="0" eaLnBrk="1" latinLnBrk="0" hangingPunct="1">
+              <a:lnSpc>
+                <a:spcPct val="90000"/>
+              </a:lnSpc>
+              <a:spcBef>
+                <a:spcPts val="500"/>
+              </a:spcBef>
+              <a:buFont typeface="Arial" panose="020B0604020202020204" pitchFamily="34" charset="0"/>
+              <a:buChar char="•"/>
+              <a:defRPr sz="1800" kern="1200">
+                <a:solidFill>
+                  <a:schemeClr val="tx1"/>
+                </a:solidFill>
+                <a:latin typeface="+mn-lt"/>
+                <a:ea typeface="+mn-ea"/>
+                <a:cs typeface="+mn-cs"/>
+              </a:defRPr>
+            </a:lvl5pPr>
+            <a:lvl6pPr marL="2514600" indent="-228600" algn="l" defTabSz="914400" rtl="0" eaLnBrk="1" latinLnBrk="0" hangingPunct="1">
+              <a:lnSpc>
+                <a:spcPct val="90000"/>
+              </a:lnSpc>
+              <a:spcBef>
+                <a:spcPts val="500"/>
+              </a:spcBef>
+              <a:buFont typeface="Arial" panose="020B0604020202020204" pitchFamily="34" charset="0"/>
+              <a:buChar char="•"/>
+              <a:defRPr sz="1800" kern="1200">
+                <a:solidFill>
+                  <a:schemeClr val="tx1"/>
+                </a:solidFill>
+                <a:latin typeface="+mn-lt"/>
+                <a:ea typeface="+mn-ea"/>
+                <a:cs typeface="+mn-cs"/>
+              </a:defRPr>
+            </a:lvl6pPr>
+            <a:lvl7pPr marL="2971800" indent="-228600" algn="l" defTabSz="914400" rtl="0" eaLnBrk="1" latinLnBrk="0" hangingPunct="1">
+              <a:lnSpc>
+                <a:spcPct val="90000"/>
+              </a:lnSpc>
+              <a:spcBef>
+                <a:spcPts val="500"/>
+              </a:spcBef>
+              <a:buFont typeface="Arial" panose="020B0604020202020204" pitchFamily="34" charset="0"/>
+              <a:buChar char="•"/>
+              <a:defRPr sz="1800" kern="1200">
+                <a:solidFill>
+                  <a:schemeClr val="tx1"/>
+                </a:solidFill>
+                <a:latin typeface="+mn-lt"/>
+                <a:ea typeface="+mn-ea"/>
+                <a:cs typeface="+mn-cs"/>
+              </a:defRPr>
+            </a:lvl7pPr>
+            <a:lvl8pPr marL="3429000" indent="-228600" algn="l" defTabSz="914400" rtl="0" eaLnBrk="1" latinLnBrk="0" hangingPunct="1">
+              <a:lnSpc>
+                <a:spcPct val="90000"/>
+              </a:lnSpc>
+              <a:spcBef>
+                <a:spcPts val="500"/>
+              </a:spcBef>
+              <a:buFont typeface="Arial" panose="020B0604020202020204" pitchFamily="34" charset="0"/>
+              <a:buChar char="•"/>
+              <a:defRPr sz="1800" kern="1200">
+                <a:solidFill>
+                  <a:schemeClr val="tx1"/>
+                </a:solidFill>
+                <a:latin typeface="+mn-lt"/>
+                <a:ea typeface="+mn-ea"/>
+                <a:cs typeface="+mn-cs"/>
+              </a:defRPr>
+            </a:lvl8pPr>
+            <a:lvl9pPr marL="3886200" indent="-228600" algn="l" defTabSz="914400" rtl="0" eaLnBrk="1" latinLnBrk="0" hangingPunct="1">
+              <a:lnSpc>
+                <a:spcPct val="90000"/>
+              </a:lnSpc>
+              <a:spcBef>
+                <a:spcPts val="500"/>
+              </a:spcBef>
+              <a:buFont typeface="Arial" panose="020B0604020202020204" pitchFamily="34" charset="0"/>
+              <a:buChar char="•"/>
+              <a:defRPr sz="1800" kern="1200">
+                <a:solidFill>
+                  <a:schemeClr val="tx1"/>
+                </a:solidFill>
+                <a:latin typeface="+mn-lt"/>
+                <a:ea typeface="+mn-ea"/>
+                <a:cs typeface="+mn-cs"/>
+              </a:defRPr>
+            </a:lvl9pPr>
+          </a:lstStyle>
+          <a:p>
+            <a:pPr marL="0" indent="0">
+              <a:buNone/>
+            </a:pPr>
+            <a:r>
+              <a:rPr lang="en-US" b="1" dirty="0">
+                <a:solidFill>
+                  <a:schemeClr val="bg1"/>
+                </a:solidFill>
+                <a:latin typeface="Times New Roman" panose="02020603050405020304" pitchFamily="18" charset="0"/>
+                <a:ea typeface="Helvetica Neue" panose="02000503000000020004" pitchFamily="2" charset="0"/>
+                <a:cs typeface="Times New Roman" panose="02020603050405020304" pitchFamily="18" charset="0"/>
+              </a:rPr>
+              <a:t>“Crypto could cause 2008-level meltdown, Bank of England official warns”</a:t>
             </a:r>
           </a:p>
           <a:p>
